--- a/raspberry-pi-report/MCPについて.pptx
+++ b/raspberry-pi-report/MCPについて.pptx
@@ -4,6 +4,9 @@
   <p:sldMasterIdLst>
     <p:sldMasterId id="2147483648" r:id="rId1"/>
   </p:sldMasterIdLst>
+  <p:notesMasterIdLst>
+    <p:notesMasterId r:id="rId18"/>
+  </p:notesMasterIdLst>
   <p:sldIdLst>
     <p:sldId id="256" r:id="rId2"/>
     <p:sldId id="271" r:id="rId3"/>
@@ -14,9 +17,13 @@
     <p:sldId id="278" r:id="rId8"/>
     <p:sldId id="273" r:id="rId9"/>
     <p:sldId id="276" r:id="rId10"/>
-    <p:sldId id="275" r:id="rId11"/>
-    <p:sldId id="277" r:id="rId12"/>
-    <p:sldId id="264" r:id="rId13"/>
+    <p:sldId id="277" r:id="rId11"/>
+    <p:sldId id="282" r:id="rId12"/>
+    <p:sldId id="283" r:id="rId13"/>
+    <p:sldId id="281" r:id="rId14"/>
+    <p:sldId id="275" r:id="rId15"/>
+    <p:sldId id="284" r:id="rId16"/>
+    <p:sldId id="264" r:id="rId17"/>
   </p:sldIdLst>
   <p:sldSz cx="12192000" cy="6858000"/>
   <p:notesSz cx="6858000" cy="9144000"/>
@@ -126,7 +133,7 @@
 <file path=ppt/revisionInfo.xml><?xml version="1.0" encoding="utf-8"?>
 <p1510:revInfo xmlns:a="http://schemas.openxmlformats.org/drawingml/2006/main" xmlns:r="http://schemas.openxmlformats.org/officeDocument/2006/relationships" xmlns:p1510="http://schemas.microsoft.com/office/powerpoint/2015/10/main">
   <p1510:revLst>
-    <p1510:client id="{70332866-803F-45E9-A120-6101FBB807E0}" v="123" dt="2025-09-15T16:23:39.175"/>
+    <p1510:client id="{70332866-803F-45E9-A120-6101FBB807E0}" v="161" dt="2025-09-22T15:44:54.967"/>
   </p1510:revLst>
 </p1510:revInfo>
 </file>
@@ -136,12 +143,12 @@
   <pc:docChgLst>
     <pc:chgData name="Yoshiharu Hamaguchi" userId="470e288704938fe9" providerId="LiveId" clId="{2DA42A88-41D6-4A1A-8697-2120E1337F92}"/>
     <pc:docChg chg="undo redo custSel addSld delSld modSld sldOrd">
-      <pc:chgData name="Yoshiharu Hamaguchi" userId="470e288704938fe9" providerId="LiveId" clId="{2DA42A88-41D6-4A1A-8697-2120E1337F92}" dt="2025-09-15T16:25:43.976" v="5753" actId="47"/>
+      <pc:chgData name="Yoshiharu Hamaguchi" userId="470e288704938fe9" providerId="LiveId" clId="{2DA42A88-41D6-4A1A-8697-2120E1337F92}" dt="2025-09-22T15:48:47.623" v="8780" actId="1076"/>
       <pc:docMkLst>
         <pc:docMk/>
       </pc:docMkLst>
       <pc:sldChg chg="modSp mod">
-        <pc:chgData name="Yoshiharu Hamaguchi" userId="470e288704938fe9" providerId="LiveId" clId="{2DA42A88-41D6-4A1A-8697-2120E1337F92}" dt="2025-09-15T14:29:11.656" v="533" actId="20577"/>
+        <pc:chgData name="Yoshiharu Hamaguchi" userId="470e288704938fe9" providerId="LiveId" clId="{2DA42A88-41D6-4A1A-8697-2120E1337F92}" dt="2025-09-22T15:48:47.623" v="8780" actId="1076"/>
         <pc:sldMkLst>
           <pc:docMk/>
           <pc:sldMk cId="634982452" sldId="256"/>
@@ -155,7 +162,7 @@
           </ac:spMkLst>
         </pc:spChg>
         <pc:spChg chg="mod">
-          <ac:chgData name="Yoshiharu Hamaguchi" userId="470e288704938fe9" providerId="LiveId" clId="{2DA42A88-41D6-4A1A-8697-2120E1337F92}" dt="2025-09-15T14:29:11.656" v="533" actId="20577"/>
+          <ac:chgData name="Yoshiharu Hamaguchi" userId="470e288704938fe9" providerId="LiveId" clId="{2DA42A88-41D6-4A1A-8697-2120E1337F92}" dt="2025-09-22T15:48:47.623" v="8780" actId="1076"/>
           <ac:spMkLst>
             <pc:docMk/>
             <pc:sldMk cId="634982452" sldId="256"/>
@@ -176,39 +183,15 @@
           <pc:docMk/>
           <pc:sldMk cId="2142688305" sldId="269"/>
         </pc:sldMkLst>
-        <pc:spChg chg="mod">
-          <ac:chgData name="Yoshiharu Hamaguchi" userId="470e288704938fe9" providerId="LiveId" clId="{2DA42A88-41D6-4A1A-8697-2120E1337F92}" dt="2025-09-15T14:26:56.195" v="237" actId="20577"/>
-          <ac:spMkLst>
-            <pc:docMk/>
-            <pc:sldMk cId="2142688305" sldId="269"/>
-            <ac:spMk id="2" creationId="{9C784ACA-9376-15C6-DD93-68B5D582FADA}"/>
-          </ac:spMkLst>
-        </pc:spChg>
-        <pc:spChg chg="add mod">
-          <ac:chgData name="Yoshiharu Hamaguchi" userId="470e288704938fe9" providerId="LiveId" clId="{2DA42A88-41D6-4A1A-8697-2120E1337F92}" dt="2025-09-15T14:26:53.743" v="233"/>
-          <ac:spMkLst>
-            <pc:docMk/>
-            <pc:sldMk cId="2142688305" sldId="269"/>
-            <ac:spMk id="3" creationId="{92133481-9FBF-D705-F0E0-B5763892BB40}"/>
-          </ac:spMkLst>
-        </pc:spChg>
-        <pc:spChg chg="add del mod">
-          <ac:chgData name="Yoshiharu Hamaguchi" userId="470e288704938fe9" providerId="LiveId" clId="{2DA42A88-41D6-4A1A-8697-2120E1337F92}" dt="2025-09-15T14:26:55.203" v="235" actId="20577"/>
-          <ac:spMkLst>
-            <pc:docMk/>
-            <pc:sldMk cId="2142688305" sldId="269"/>
-            <ac:spMk id="4" creationId="{8C13C9CE-666C-02A7-9EAA-106F1B50AE66}"/>
-          </ac:spMkLst>
-        </pc:spChg>
       </pc:sldChg>
       <pc:sldChg chg="modSp mod">
-        <pc:chgData name="Yoshiharu Hamaguchi" userId="470e288704938fe9" providerId="LiveId" clId="{2DA42A88-41D6-4A1A-8697-2120E1337F92}" dt="2025-09-15T15:38:32.893" v="2989" actId="20577"/>
+        <pc:chgData name="Yoshiharu Hamaguchi" userId="470e288704938fe9" providerId="LiveId" clId="{2DA42A88-41D6-4A1A-8697-2120E1337F92}" dt="2025-09-22T13:45:47.545" v="6637" actId="20577"/>
         <pc:sldMkLst>
           <pc:docMk/>
           <pc:sldMk cId="1473502982" sldId="271"/>
         </pc:sldMkLst>
         <pc:spChg chg="mod">
-          <ac:chgData name="Yoshiharu Hamaguchi" userId="470e288704938fe9" providerId="LiveId" clId="{2DA42A88-41D6-4A1A-8697-2120E1337F92}" dt="2025-09-15T15:38:32.893" v="2989" actId="20577"/>
+          <ac:chgData name="Yoshiharu Hamaguchi" userId="470e288704938fe9" providerId="LiveId" clId="{2DA42A88-41D6-4A1A-8697-2120E1337F92}" dt="2025-09-22T13:45:47.545" v="6637" actId="20577"/>
           <ac:spMkLst>
             <pc:docMk/>
             <pc:sldMk cId="1473502982" sldId="271"/>
@@ -248,13 +231,13 @@
         </pc:picChg>
       </pc:sldChg>
       <pc:sldChg chg="modSp mod">
-        <pc:chgData name="Yoshiharu Hamaguchi" userId="470e288704938fe9" providerId="LiveId" clId="{2DA42A88-41D6-4A1A-8697-2120E1337F92}" dt="2025-09-15T16:22:42.796" v="5734" actId="20577"/>
+        <pc:chgData name="Yoshiharu Hamaguchi" userId="470e288704938fe9" providerId="LiveId" clId="{2DA42A88-41D6-4A1A-8697-2120E1337F92}" dt="2025-09-22T15:31:51.179" v="7739" actId="20577"/>
         <pc:sldMkLst>
           <pc:docMk/>
           <pc:sldMk cId="3565779213" sldId="273"/>
         </pc:sldMkLst>
         <pc:graphicFrameChg chg="mod modGraphic">
-          <ac:chgData name="Yoshiharu Hamaguchi" userId="470e288704938fe9" providerId="LiveId" clId="{2DA42A88-41D6-4A1A-8697-2120E1337F92}" dt="2025-09-15T16:22:42.796" v="5734" actId="20577"/>
+          <ac:chgData name="Yoshiharu Hamaguchi" userId="470e288704938fe9" providerId="LiveId" clId="{2DA42A88-41D6-4A1A-8697-2120E1337F92}" dt="2025-09-22T15:31:51.179" v="7739" actId="20577"/>
           <ac:graphicFrameMkLst>
             <pc:docMk/>
             <pc:sldMk cId="3565779213" sldId="273"/>
@@ -269,18 +252,18 @@
           <pc:sldMk cId="2114986016" sldId="274"/>
         </pc:sldMkLst>
       </pc:sldChg>
-      <pc:sldChg chg="addSp delSp modSp mod">
-        <pc:chgData name="Yoshiharu Hamaguchi" userId="470e288704938fe9" providerId="LiveId" clId="{2DA42A88-41D6-4A1A-8697-2120E1337F92}" dt="2025-09-15T16:22:27.439" v="5721" actId="20577"/>
+      <pc:sldChg chg="addSp delSp modSp mod ord">
+        <pc:chgData name="Yoshiharu Hamaguchi" userId="470e288704938fe9" providerId="LiveId" clId="{2DA42A88-41D6-4A1A-8697-2120E1337F92}" dt="2025-09-22T15:47:22.408" v="8670" actId="20577"/>
         <pc:sldMkLst>
           <pc:docMk/>
           <pc:sldMk cId="914960372" sldId="275"/>
         </pc:sldMkLst>
-        <pc:spChg chg="del">
-          <ac:chgData name="Yoshiharu Hamaguchi" userId="470e288704938fe9" providerId="LiveId" clId="{2DA42A88-41D6-4A1A-8697-2120E1337F92}" dt="2025-09-15T16:14:24.924" v="4559" actId="478"/>
+        <pc:spChg chg="mod">
+          <ac:chgData name="Yoshiharu Hamaguchi" userId="470e288704938fe9" providerId="LiveId" clId="{2DA42A88-41D6-4A1A-8697-2120E1337F92}" dt="2025-09-22T15:47:22.408" v="8670" actId="20577"/>
           <ac:spMkLst>
             <pc:docMk/>
             <pc:sldMk cId="914960372" sldId="275"/>
-            <ac:spMk id="3" creationId="{641E2D65-44B2-0B4F-5A25-8FAD4B7D6C20}"/>
+            <ac:spMk id="2" creationId="{9C784ACA-9376-15C6-DD93-68B5D582FADA}"/>
           </ac:spMkLst>
         </pc:spChg>
         <pc:spChg chg="add mod">
@@ -332,7 +315,7 @@
           </ac:spMkLst>
         </pc:spChg>
         <pc:spChg chg="mod">
-          <ac:chgData name="Yoshiharu Hamaguchi" userId="470e288704938fe9" providerId="LiveId" clId="{2DA42A88-41D6-4A1A-8697-2120E1337F92}" dt="2025-09-15T16:22:27.439" v="5721" actId="20577"/>
+          <ac:chgData name="Yoshiharu Hamaguchi" userId="470e288704938fe9" providerId="LiveId" clId="{2DA42A88-41D6-4A1A-8697-2120E1337F92}" dt="2025-09-22T15:46:36.188" v="8621" actId="21"/>
           <ac:spMkLst>
             <pc:docMk/>
             <pc:sldMk cId="914960372" sldId="275"/>
@@ -395,30 +378,6 @@
             <ac:spMk id="24" creationId="{64170FC8-8434-86EA-5F76-2E868883087A}"/>
           </ac:spMkLst>
         </pc:spChg>
-        <pc:spChg chg="del">
-          <ac:chgData name="Yoshiharu Hamaguchi" userId="470e288704938fe9" providerId="LiveId" clId="{2DA42A88-41D6-4A1A-8697-2120E1337F92}" dt="2025-09-15T16:14:28.438" v="4560" actId="478"/>
-          <ac:spMkLst>
-            <pc:docMk/>
-            <pc:sldMk cId="914960372" sldId="275"/>
-            <ac:spMk id="26" creationId="{56DFF681-235C-87DB-9DEA-44A3FEC775EA}"/>
-          </ac:spMkLst>
-        </pc:spChg>
-        <pc:spChg chg="del mod">
-          <ac:chgData name="Yoshiharu Hamaguchi" userId="470e288704938fe9" providerId="LiveId" clId="{2DA42A88-41D6-4A1A-8697-2120E1337F92}" dt="2025-09-15T16:14:30.659" v="4562" actId="478"/>
-          <ac:spMkLst>
-            <pc:docMk/>
-            <pc:sldMk cId="914960372" sldId="275"/>
-            <ac:spMk id="27" creationId="{C986F2CA-03F8-7B16-966D-8342FBBC4344}"/>
-          </ac:spMkLst>
-        </pc:spChg>
-        <pc:spChg chg="add del mod">
-          <ac:chgData name="Yoshiharu Hamaguchi" userId="470e288704938fe9" providerId="LiveId" clId="{2DA42A88-41D6-4A1A-8697-2120E1337F92}" dt="2025-09-15T16:14:23.293" v="4558" actId="478"/>
-          <ac:spMkLst>
-            <pc:docMk/>
-            <pc:sldMk cId="914960372" sldId="275"/>
-            <ac:spMk id="28" creationId="{A187B5A4-5B21-CA66-FF85-BCBBE12BB6AF}"/>
-          </ac:spMkLst>
-        </pc:spChg>
         <pc:cxnChg chg="mod">
           <ac:chgData name="Yoshiharu Hamaguchi" userId="470e288704938fe9" providerId="LiveId" clId="{2DA42A88-41D6-4A1A-8697-2120E1337F92}" dt="2025-09-15T16:17:10.802" v="4889" actId="1035"/>
           <ac:cxnSpMkLst>
@@ -445,7 +404,7 @@
         </pc:cxnChg>
       </pc:sldChg>
       <pc:sldChg chg="addSp delSp modSp mod">
-        <pc:chgData name="Yoshiharu Hamaguchi" userId="470e288704938fe9" providerId="LiveId" clId="{2DA42A88-41D6-4A1A-8697-2120E1337F92}" dt="2025-09-15T16:12:43.078" v="4549" actId="1076"/>
+        <pc:chgData name="Yoshiharu Hamaguchi" userId="470e288704938fe9" providerId="LiveId" clId="{2DA42A88-41D6-4A1A-8697-2120E1337F92}" dt="2025-09-22T15:20:14.128" v="7238" actId="1076"/>
         <pc:sldMkLst>
           <pc:docMk/>
           <pc:sldMk cId="11239393" sldId="276"/>
@@ -530,52 +489,28 @@
             <ac:spMk id="15" creationId="{84634C23-3B72-AC23-B9E6-0F4ED908F334}"/>
           </ac:spMkLst>
         </pc:spChg>
-        <pc:spChg chg="add del mod">
-          <ac:chgData name="Yoshiharu Hamaguchi" userId="470e288704938fe9" providerId="LiveId" clId="{2DA42A88-41D6-4A1A-8697-2120E1337F92}" dt="2025-09-15T16:01:55.154" v="4142" actId="478"/>
+        <pc:spChg chg="add mod">
+          <ac:chgData name="Yoshiharu Hamaguchi" userId="470e288704938fe9" providerId="LiveId" clId="{2DA42A88-41D6-4A1A-8697-2120E1337F92}" dt="2025-09-22T15:18:51.606" v="7141" actId="20577"/>
           <ac:spMkLst>
             <pc:docMk/>
             <pc:sldMk cId="11239393" sldId="276"/>
-            <ac:spMk id="17" creationId="{9270CB5D-7A7A-E77F-C6A9-DE29B0F79600}"/>
+            <ac:spMk id="18" creationId="{7E439FB4-A484-B4E7-448F-4AABBC4344B2}"/>
           </ac:spMkLst>
         </pc:spChg>
-        <pc:spChg chg="del">
-          <ac:chgData name="Yoshiharu Hamaguchi" userId="470e288704938fe9" providerId="LiveId" clId="{2DA42A88-41D6-4A1A-8697-2120E1337F92}" dt="2025-09-15T16:01:59.005" v="4145" actId="478"/>
+        <pc:spChg chg="add mod">
+          <ac:chgData name="Yoshiharu Hamaguchi" userId="470e288704938fe9" providerId="LiveId" clId="{2DA42A88-41D6-4A1A-8697-2120E1337F92}" dt="2025-09-22T15:20:14.128" v="7238" actId="1076"/>
           <ac:spMkLst>
             <pc:docMk/>
             <pc:sldMk cId="11239393" sldId="276"/>
-            <ac:spMk id="19" creationId="{196233FB-3D64-7AD2-C09C-C3B735370D2C}"/>
-          </ac:spMkLst>
-        </pc:spChg>
-        <pc:spChg chg="del">
-          <ac:chgData name="Yoshiharu Hamaguchi" userId="470e288704938fe9" providerId="LiveId" clId="{2DA42A88-41D6-4A1A-8697-2120E1337F92}" dt="2025-09-15T16:02:00.683" v="4146" actId="478"/>
-          <ac:spMkLst>
-            <pc:docMk/>
-            <pc:sldMk cId="11239393" sldId="276"/>
-            <ac:spMk id="21" creationId="{EE826456-81D8-5DB9-73B4-152D04DBAF25}"/>
-          </ac:spMkLst>
-        </pc:spChg>
-        <pc:spChg chg="del">
-          <ac:chgData name="Yoshiharu Hamaguchi" userId="470e288704938fe9" providerId="LiveId" clId="{2DA42A88-41D6-4A1A-8697-2120E1337F92}" dt="2025-09-15T16:02:03.586" v="4148" actId="478"/>
-          <ac:spMkLst>
-            <pc:docMk/>
-            <pc:sldMk cId="11239393" sldId="276"/>
-            <ac:spMk id="22" creationId="{0D77927E-4B16-FD9B-0798-832DD18B32CF}"/>
+            <ac:spMk id="19" creationId="{BDEADA87-818D-1C58-CBCE-F5F86C682CB1}"/>
           </ac:spMkLst>
         </pc:spChg>
         <pc:spChg chg="mod">
-          <ac:chgData name="Yoshiharu Hamaguchi" userId="470e288704938fe9" providerId="LiveId" clId="{2DA42A88-41D6-4A1A-8697-2120E1337F92}" dt="2025-09-15T16:12:40.877" v="4548" actId="1076"/>
+          <ac:chgData name="Yoshiharu Hamaguchi" userId="470e288704938fe9" providerId="LiveId" clId="{2DA42A88-41D6-4A1A-8697-2120E1337F92}" dt="2025-09-22T15:19:24.222" v="7180" actId="1076"/>
           <ac:spMkLst>
             <pc:docMk/>
             <pc:sldMk cId="11239393" sldId="276"/>
             <ac:spMk id="23" creationId="{D8EFCB36-C284-FC66-C536-FB293E5C9E37}"/>
-          </ac:spMkLst>
-        </pc:spChg>
-        <pc:spChg chg="add del mod">
-          <ac:chgData name="Yoshiharu Hamaguchi" userId="470e288704938fe9" providerId="LiveId" clId="{2DA42A88-41D6-4A1A-8697-2120E1337F92}" dt="2025-09-15T16:02:18.092" v="4152" actId="478"/>
-          <ac:spMkLst>
-            <pc:docMk/>
-            <pc:sldMk cId="11239393" sldId="276"/>
-            <ac:spMk id="25" creationId="{9F6FAE54-376B-9FDC-3B4D-71816C18B179}"/>
           </ac:spMkLst>
         </pc:spChg>
         <pc:spChg chg="add mod">
@@ -595,6 +530,14 @@
           </ac:spMkLst>
         </pc:spChg>
         <pc:picChg chg="add mod">
+          <ac:chgData name="Yoshiharu Hamaguchi" userId="470e288704938fe9" providerId="LiveId" clId="{2DA42A88-41D6-4A1A-8697-2120E1337F92}" dt="2025-09-22T15:18:34.086" v="7115" actId="1076"/>
+          <ac:picMkLst>
+            <pc:docMk/>
+            <pc:sldMk cId="11239393" sldId="276"/>
+            <ac:picMk id="17" creationId="{35CDE148-D402-C747-E415-1CD1D642FD24}"/>
+          </ac:picMkLst>
+        </pc:picChg>
+        <pc:picChg chg="add mod">
           <ac:chgData name="Yoshiharu Hamaguchi" userId="470e288704938fe9" providerId="LiveId" clId="{2DA42A88-41D6-4A1A-8697-2120E1337F92}" dt="2025-09-15T16:09:55.484" v="4346" actId="208"/>
           <ac:picMkLst>
             <pc:docMk/>
@@ -611,7 +554,7 @@
           </ac:picMkLst>
         </pc:picChg>
         <pc:picChg chg="add mod">
-          <ac:chgData name="Yoshiharu Hamaguchi" userId="470e288704938fe9" providerId="LiveId" clId="{2DA42A88-41D6-4A1A-8697-2120E1337F92}" dt="2025-09-15T16:09:55.484" v="4346" actId="208"/>
+          <ac:chgData name="Yoshiharu Hamaguchi" userId="470e288704938fe9" providerId="LiveId" clId="{2DA42A88-41D6-4A1A-8697-2120E1337F92}" dt="2025-09-22T15:18:15.115" v="7110" actId="1076"/>
           <ac:picMkLst>
             <pc:docMk/>
             <pc:sldMk cId="11239393" sldId="276"/>
@@ -619,7 +562,7 @@
           </ac:picMkLst>
         </pc:picChg>
         <pc:picChg chg="add mod">
-          <ac:chgData name="Yoshiharu Hamaguchi" userId="470e288704938fe9" providerId="LiveId" clId="{2DA42A88-41D6-4A1A-8697-2120E1337F92}" dt="2025-09-15T16:09:59.306" v="4347" actId="1076"/>
+          <ac:chgData name="Yoshiharu Hamaguchi" userId="470e288704938fe9" providerId="LiveId" clId="{2DA42A88-41D6-4A1A-8697-2120E1337F92}" dt="2025-09-22T15:19:40.559" v="7182" actId="1076"/>
           <ac:picMkLst>
             <pc:docMk/>
             <pc:sldMk cId="11239393" sldId="276"/>
@@ -650,30 +593,6 @@
             <ac:cxnSpMk id="14" creationId="{5218F3D2-7381-D685-D677-9E8118260AEF}"/>
           </ac:cxnSpMkLst>
         </pc:cxnChg>
-        <pc:cxnChg chg="del">
-          <ac:chgData name="Yoshiharu Hamaguchi" userId="470e288704938fe9" providerId="LiveId" clId="{2DA42A88-41D6-4A1A-8697-2120E1337F92}" dt="2025-09-15T16:01:56.507" v="4143" actId="478"/>
-          <ac:cxnSpMkLst>
-            <pc:docMk/>
-            <pc:sldMk cId="11239393" sldId="276"/>
-            <ac:cxnSpMk id="16" creationId="{61DB8B89-CF41-6F70-C4C2-A8638A304195}"/>
-          </ac:cxnSpMkLst>
-        </pc:cxnChg>
-        <pc:cxnChg chg="del">
-          <ac:chgData name="Yoshiharu Hamaguchi" userId="470e288704938fe9" providerId="LiveId" clId="{2DA42A88-41D6-4A1A-8697-2120E1337F92}" dt="2025-09-15T16:01:57.470" v="4144" actId="478"/>
-          <ac:cxnSpMkLst>
-            <pc:docMk/>
-            <pc:sldMk cId="11239393" sldId="276"/>
-            <ac:cxnSpMk id="18" creationId="{441603DE-3F08-303C-9868-04BC472A6C61}"/>
-          </ac:cxnSpMkLst>
-        </pc:cxnChg>
-        <pc:cxnChg chg="del">
-          <ac:chgData name="Yoshiharu Hamaguchi" userId="470e288704938fe9" providerId="LiveId" clId="{2DA42A88-41D6-4A1A-8697-2120E1337F92}" dt="2025-09-15T16:02:01.463" v="4147" actId="478"/>
-          <ac:cxnSpMkLst>
-            <pc:docMk/>
-            <pc:sldMk cId="11239393" sldId="276"/>
-            <ac:cxnSpMk id="20" creationId="{C84F9AE1-563C-654E-ECDB-4A611615C158}"/>
-          </ac:cxnSpMkLst>
-        </pc:cxnChg>
         <pc:cxnChg chg="mod">
           <ac:chgData name="Yoshiharu Hamaguchi" userId="470e288704938fe9" providerId="LiveId" clId="{2DA42A88-41D6-4A1A-8697-2120E1337F92}" dt="2025-09-15T16:03:44.577" v="4168" actId="14100"/>
           <ac:cxnSpMkLst>
@@ -691,22 +610,30 @@
           </ac:cxnSpMkLst>
         </pc:cxnChg>
       </pc:sldChg>
-      <pc:sldChg chg="addSp modSp mod">
-        <pc:chgData name="Yoshiharu Hamaguchi" userId="470e288704938fe9" providerId="LiveId" clId="{2DA42A88-41D6-4A1A-8697-2120E1337F92}" dt="2025-09-15T16:25:21.896" v="5752" actId="1076"/>
+      <pc:sldChg chg="addSp delSp modSp mod">
+        <pc:chgData name="Yoshiharu Hamaguchi" userId="470e288704938fe9" providerId="LiveId" clId="{2DA42A88-41D6-4A1A-8697-2120E1337F92}" dt="2025-09-22T14:57:54.389" v="6936" actId="20577"/>
         <pc:sldMkLst>
           <pc:docMk/>
           <pc:sldMk cId="2816348142" sldId="277"/>
         </pc:sldMkLst>
         <pc:spChg chg="mod">
-          <ac:chgData name="Yoshiharu Hamaguchi" userId="470e288704938fe9" providerId="LiveId" clId="{2DA42A88-41D6-4A1A-8697-2120E1337F92}" dt="2025-09-15T16:23:40.189" v="5737" actId="20577"/>
+          <ac:chgData name="Yoshiharu Hamaguchi" userId="470e288704938fe9" providerId="LiveId" clId="{2DA42A88-41D6-4A1A-8697-2120E1337F92}" dt="2025-09-22T14:57:54.389" v="6936" actId="20577"/>
+          <ac:spMkLst>
+            <pc:docMk/>
+            <pc:sldMk cId="2816348142" sldId="277"/>
+            <ac:spMk id="2" creationId="{9C784ACA-9376-15C6-DD93-68B5D582FADA}"/>
+          </ac:spMkLst>
+        </pc:spChg>
+        <pc:spChg chg="mod">
+          <ac:chgData name="Yoshiharu Hamaguchi" userId="470e288704938fe9" providerId="LiveId" clId="{2DA42A88-41D6-4A1A-8697-2120E1337F92}" dt="2025-09-22T14:55:50.784" v="6824"/>
           <ac:spMkLst>
             <pc:docMk/>
             <pc:sldMk cId="2816348142" sldId="277"/>
             <ac:spMk id="12" creationId="{E944DFBB-A102-FEAA-D487-BCBEE3A4BD63}"/>
           </ac:spMkLst>
         </pc:spChg>
-        <pc:picChg chg="add mod">
-          <ac:chgData name="Yoshiharu Hamaguchi" userId="470e288704938fe9" providerId="LiveId" clId="{2DA42A88-41D6-4A1A-8697-2120E1337F92}" dt="2025-09-15T16:25:20.072" v="5751" actId="1076"/>
+        <pc:picChg chg="add del mod">
+          <ac:chgData name="Yoshiharu Hamaguchi" userId="470e288704938fe9" providerId="LiveId" clId="{2DA42A88-41D6-4A1A-8697-2120E1337F92}" dt="2025-09-22T14:55:55.786" v="6825" actId="478"/>
           <ac:picMkLst>
             <pc:docMk/>
             <pc:sldMk cId="2816348142" sldId="277"/>
@@ -714,24 +641,40 @@
           </ac:picMkLst>
         </pc:picChg>
         <pc:picChg chg="add mod">
-          <ac:chgData name="Yoshiharu Hamaguchi" userId="470e288704938fe9" providerId="LiveId" clId="{2DA42A88-41D6-4A1A-8697-2120E1337F92}" dt="2025-09-15T16:24:52.578" v="5745" actId="1076"/>
+          <ac:chgData name="Yoshiharu Hamaguchi" userId="470e288704938fe9" providerId="LiveId" clId="{2DA42A88-41D6-4A1A-8697-2120E1337F92}" dt="2025-09-22T14:57:03.417" v="6838" actId="1076"/>
+          <ac:picMkLst>
+            <pc:docMk/>
+            <pc:sldMk cId="2816348142" sldId="277"/>
+            <ac:picMk id="5" creationId="{AA199C3B-085E-9698-9331-0F7F96833D5D}"/>
+          </ac:picMkLst>
+        </pc:picChg>
+        <pc:picChg chg="add del mod">
+          <ac:chgData name="Yoshiharu Hamaguchi" userId="470e288704938fe9" providerId="LiveId" clId="{2DA42A88-41D6-4A1A-8697-2120E1337F92}" dt="2025-09-22T14:55:57.587" v="6826" actId="478"/>
           <ac:picMkLst>
             <pc:docMk/>
             <pc:sldMk cId="2816348142" sldId="277"/>
             <ac:picMk id="6" creationId="{80CE3AB0-E6B7-DDB8-C563-FDA2EF324257}"/>
           </ac:picMkLst>
         </pc:picChg>
-        <pc:picChg chg="add mod">
-          <ac:chgData name="Yoshiharu Hamaguchi" userId="470e288704938fe9" providerId="LiveId" clId="{2DA42A88-41D6-4A1A-8697-2120E1337F92}" dt="2025-09-15T16:25:21.896" v="5752" actId="1076"/>
+        <pc:picChg chg="add del mod">
+          <ac:chgData name="Yoshiharu Hamaguchi" userId="470e288704938fe9" providerId="LiveId" clId="{2DA42A88-41D6-4A1A-8697-2120E1337F92}" dt="2025-09-22T14:56:00.774" v="6827" actId="478"/>
           <ac:picMkLst>
             <pc:docMk/>
             <pc:sldMk cId="2816348142" sldId="277"/>
             <ac:picMk id="8" creationId="{E829A394-8E8A-4F17-B676-BCA0786AD5D7}"/>
           </ac:picMkLst>
         </pc:picChg>
+        <pc:picChg chg="add mod">
+          <ac:chgData name="Yoshiharu Hamaguchi" userId="470e288704938fe9" providerId="LiveId" clId="{2DA42A88-41D6-4A1A-8697-2120E1337F92}" dt="2025-09-22T14:57:12.663" v="6839" actId="14100"/>
+          <ac:picMkLst>
+            <pc:docMk/>
+            <pc:sldMk cId="2816348142" sldId="277"/>
+            <ac:picMk id="9" creationId="{B61030AB-1EC9-B313-3903-6F6D8CB3514E}"/>
+          </ac:picMkLst>
+        </pc:picChg>
       </pc:sldChg>
       <pc:sldChg chg="addSp delSp modSp add mod">
-        <pc:chgData name="Yoshiharu Hamaguchi" userId="470e288704938fe9" providerId="LiveId" clId="{2DA42A88-41D6-4A1A-8697-2120E1337F92}" dt="2025-09-15T15:43:06.037" v="3306" actId="1076"/>
+        <pc:chgData name="Yoshiharu Hamaguchi" userId="470e288704938fe9" providerId="LiveId" clId="{2DA42A88-41D6-4A1A-8697-2120E1337F92}" dt="2025-09-22T15:29:20.380" v="7559" actId="1076"/>
         <pc:sldMkLst>
           <pc:docMk/>
           <pc:sldMk cId="2286442820" sldId="278"/>
@@ -744,16 +687,16 @@
             <ac:spMk id="2" creationId="{9C784ACA-9376-15C6-DD93-68B5D582FADA}"/>
           </ac:spMkLst>
         </pc:spChg>
-        <pc:spChg chg="add del mod">
-          <ac:chgData name="Yoshiharu Hamaguchi" userId="470e288704938fe9" providerId="LiveId" clId="{2DA42A88-41D6-4A1A-8697-2120E1337F92}" dt="2025-09-15T15:28:12.261" v="2712" actId="478"/>
+        <pc:spChg chg="add mod">
+          <ac:chgData name="Yoshiharu Hamaguchi" userId="470e288704938fe9" providerId="LiveId" clId="{2DA42A88-41D6-4A1A-8697-2120E1337F92}" dt="2025-09-22T15:29:20.380" v="7559" actId="1076"/>
           <ac:spMkLst>
             <pc:docMk/>
             <pc:sldMk cId="2286442820" sldId="278"/>
-            <ac:spMk id="3" creationId="{A6595F21-8459-3BC0-DBFC-C8EF9618F04D}"/>
+            <ac:spMk id="3" creationId="{04D10078-AA2D-236C-6C31-7EC520AABB24}"/>
           </ac:spMkLst>
         </pc:spChg>
         <pc:spChg chg="add mod">
-          <ac:chgData name="Yoshiharu Hamaguchi" userId="470e288704938fe9" providerId="LiveId" clId="{2DA42A88-41D6-4A1A-8697-2120E1337F92}" dt="2025-09-15T15:41:46.455" v="3189" actId="1076"/>
+          <ac:chgData name="Yoshiharu Hamaguchi" userId="470e288704938fe9" providerId="LiveId" clId="{2DA42A88-41D6-4A1A-8697-2120E1337F92}" dt="2025-09-22T15:21:06.023" v="7240" actId="1076"/>
           <ac:spMkLst>
             <pc:docMk/>
             <pc:sldMk cId="2286442820" sldId="278"/>
@@ -769,7 +712,7 @@
           </ac:spMkLst>
         </pc:spChg>
         <pc:spChg chg="add mod">
-          <ac:chgData name="Yoshiharu Hamaguchi" userId="470e288704938fe9" providerId="LiveId" clId="{2DA42A88-41D6-4A1A-8697-2120E1337F92}" dt="2025-09-15T15:41:46.455" v="3189" actId="1076"/>
+          <ac:chgData name="Yoshiharu Hamaguchi" userId="470e288704938fe9" providerId="LiveId" clId="{2DA42A88-41D6-4A1A-8697-2120E1337F92}" dt="2025-09-22T15:29:13.176" v="7558" actId="20577"/>
           <ac:spMkLst>
             <pc:docMk/>
             <pc:sldMk cId="2286442820" sldId="278"/>
@@ -777,7 +720,7 @@
           </ac:spMkLst>
         </pc:spChg>
         <pc:spChg chg="add mod">
-          <ac:chgData name="Yoshiharu Hamaguchi" userId="470e288704938fe9" providerId="LiveId" clId="{2DA42A88-41D6-4A1A-8697-2120E1337F92}" dt="2025-09-15T15:41:46.455" v="3189" actId="1076"/>
+          <ac:chgData name="Yoshiharu Hamaguchi" userId="470e288704938fe9" providerId="LiveId" clId="{2DA42A88-41D6-4A1A-8697-2120E1337F92}" dt="2025-09-22T15:21:06.023" v="7240" actId="1076"/>
           <ac:spMkLst>
             <pc:docMk/>
             <pc:sldMk cId="2286442820" sldId="278"/>
@@ -785,23 +728,15 @@
           </ac:spMkLst>
         </pc:spChg>
         <pc:spChg chg="add del mod">
-          <ac:chgData name="Yoshiharu Hamaguchi" userId="470e288704938fe9" providerId="LiveId" clId="{2DA42A88-41D6-4A1A-8697-2120E1337F92}" dt="2025-09-15T15:41:46.455" v="3189" actId="1076"/>
+          <ac:chgData name="Yoshiharu Hamaguchi" userId="470e288704938fe9" providerId="LiveId" clId="{2DA42A88-41D6-4A1A-8697-2120E1337F92}" dt="2025-09-22T15:21:06.023" v="7240" actId="1076"/>
           <ac:spMkLst>
             <pc:docMk/>
             <pc:sldMk cId="2286442820" sldId="278"/>
             <ac:spMk id="8" creationId="{53BCD419-3385-7F33-BCBF-1D9E322C7025}"/>
           </ac:spMkLst>
         </pc:spChg>
-        <pc:spChg chg="add del mod">
-          <ac:chgData name="Yoshiharu Hamaguchi" userId="470e288704938fe9" providerId="LiveId" clId="{2DA42A88-41D6-4A1A-8697-2120E1337F92}" dt="2025-09-15T15:37:21.577" v="2917"/>
-          <ac:spMkLst>
-            <pc:docMk/>
-            <pc:sldMk cId="2286442820" sldId="278"/>
-            <ac:spMk id="9" creationId="{F76958C4-ECC5-2172-1EDB-A5B207850534}"/>
-          </ac:spMkLst>
-        </pc:spChg>
         <pc:spChg chg="add mod">
-          <ac:chgData name="Yoshiharu Hamaguchi" userId="470e288704938fe9" providerId="LiveId" clId="{2DA42A88-41D6-4A1A-8697-2120E1337F92}" dt="2025-09-15T15:41:46.455" v="3189" actId="1076"/>
+          <ac:chgData name="Yoshiharu Hamaguchi" userId="470e288704938fe9" providerId="LiveId" clId="{2DA42A88-41D6-4A1A-8697-2120E1337F92}" dt="2025-09-22T15:22:57.738" v="7451" actId="1076"/>
           <ac:spMkLst>
             <pc:docMk/>
             <pc:sldMk cId="2286442820" sldId="278"/>
@@ -816,16 +751,8 @@
             <ac:spMk id="11" creationId="{174DAD0F-0E49-603F-88F1-BDF785F6AC78}"/>
           </ac:spMkLst>
         </pc:spChg>
-        <pc:spChg chg="del mod">
-          <ac:chgData name="Yoshiharu Hamaguchi" userId="470e288704938fe9" providerId="LiveId" clId="{2DA42A88-41D6-4A1A-8697-2120E1337F92}" dt="2025-09-15T15:41:09.083" v="3097" actId="478"/>
-          <ac:spMkLst>
-            <pc:docMk/>
-            <pc:sldMk cId="2286442820" sldId="278"/>
-            <ac:spMk id="12" creationId="{E944DFBB-A102-FEAA-D487-BCBEE3A4BD63}"/>
-          </ac:spMkLst>
-        </pc:spChg>
         <pc:spChg chg="add mod">
-          <ac:chgData name="Yoshiharu Hamaguchi" userId="470e288704938fe9" providerId="LiveId" clId="{2DA42A88-41D6-4A1A-8697-2120E1337F92}" dt="2025-09-15T15:41:46.455" v="3189" actId="1076"/>
+          <ac:chgData name="Yoshiharu Hamaguchi" userId="470e288704938fe9" providerId="LiveId" clId="{2DA42A88-41D6-4A1A-8697-2120E1337F92}" dt="2025-09-22T15:21:06.023" v="7240" actId="1076"/>
           <ac:spMkLst>
             <pc:docMk/>
             <pc:sldMk cId="2286442820" sldId="278"/>
@@ -833,7 +760,7 @@
           </ac:spMkLst>
         </pc:spChg>
         <pc:spChg chg="add mod">
-          <ac:chgData name="Yoshiharu Hamaguchi" userId="470e288704938fe9" providerId="LiveId" clId="{2DA42A88-41D6-4A1A-8697-2120E1337F92}" dt="2025-09-15T15:33:32.060" v="2901" actId="20577"/>
+          <ac:chgData name="Yoshiharu Hamaguchi" userId="470e288704938fe9" providerId="LiveId" clId="{2DA42A88-41D6-4A1A-8697-2120E1337F92}" dt="2025-09-22T15:21:06.023" v="7240" actId="1076"/>
           <ac:spMkLst>
             <pc:docMk/>
             <pc:sldMk cId="2286442820" sldId="278"/>
@@ -841,7 +768,7 @@
           </ac:spMkLst>
         </pc:spChg>
         <pc:spChg chg="add mod">
-          <ac:chgData name="Yoshiharu Hamaguchi" userId="470e288704938fe9" providerId="LiveId" clId="{2DA42A88-41D6-4A1A-8697-2120E1337F92}" dt="2025-09-15T15:41:46.455" v="3189" actId="1076"/>
+          <ac:chgData name="Yoshiharu Hamaguchi" userId="470e288704938fe9" providerId="LiveId" clId="{2DA42A88-41D6-4A1A-8697-2120E1337F92}" dt="2025-09-22T15:21:06.023" v="7240" actId="1076"/>
           <ac:spMkLst>
             <pc:docMk/>
             <pc:sldMk cId="2286442820" sldId="278"/>
@@ -849,7 +776,7 @@
           </ac:spMkLst>
         </pc:spChg>
         <pc:spChg chg="add mod">
-          <ac:chgData name="Yoshiharu Hamaguchi" userId="470e288704938fe9" providerId="LiveId" clId="{2DA42A88-41D6-4A1A-8697-2120E1337F92}" dt="2025-09-15T15:41:46.455" v="3189" actId="1076"/>
+          <ac:chgData name="Yoshiharu Hamaguchi" userId="470e288704938fe9" providerId="LiveId" clId="{2DA42A88-41D6-4A1A-8697-2120E1337F92}" dt="2025-09-22T15:22:50.462" v="7449" actId="1076"/>
           <ac:spMkLst>
             <pc:docMk/>
             <pc:sldMk cId="2286442820" sldId="278"/>
@@ -857,29 +784,21 @@
           </ac:spMkLst>
         </pc:spChg>
         <pc:spChg chg="add mod">
-          <ac:chgData name="Yoshiharu Hamaguchi" userId="470e288704938fe9" providerId="LiveId" clId="{2DA42A88-41D6-4A1A-8697-2120E1337F92}" dt="2025-09-15T15:41:41.156" v="3188" actId="20577"/>
+          <ac:chgData name="Yoshiharu Hamaguchi" userId="470e288704938fe9" providerId="LiveId" clId="{2DA42A88-41D6-4A1A-8697-2120E1337F92}" dt="2025-09-22T15:21:06.023" v="7240" actId="1076"/>
           <ac:spMkLst>
             <pc:docMk/>
             <pc:sldMk cId="2286442820" sldId="278"/>
             <ac:spMk id="18" creationId="{A4B853FD-64AC-AE9A-CC17-26C3635E7AB6}"/>
           </ac:spMkLst>
         </pc:spChg>
-        <pc:spChg chg="add mod">
-          <ac:chgData name="Yoshiharu Hamaguchi" userId="470e288704938fe9" providerId="LiveId" clId="{2DA42A88-41D6-4A1A-8697-2120E1337F92}" dt="2025-09-15T15:43:06.037" v="3306" actId="1076"/>
+        <pc:spChg chg="add del mod">
+          <ac:chgData name="Yoshiharu Hamaguchi" userId="470e288704938fe9" providerId="LiveId" clId="{2DA42A88-41D6-4A1A-8697-2120E1337F92}" dt="2025-09-22T15:25:02.629" v="7552"/>
           <ac:spMkLst>
             <pc:docMk/>
             <pc:sldMk cId="2286442820" sldId="278"/>
             <ac:spMk id="23" creationId="{9BD43C4C-D6BE-0AC2-F46C-A5388623B59F}"/>
           </ac:spMkLst>
         </pc:spChg>
-        <pc:picChg chg="del">
-          <ac:chgData name="Yoshiharu Hamaguchi" userId="470e288704938fe9" providerId="LiveId" clId="{2DA42A88-41D6-4A1A-8697-2120E1337F92}" dt="2025-09-15T12:16:53.825" v="200" actId="478"/>
-          <ac:picMkLst>
-            <pc:docMk/>
-            <pc:sldMk cId="2286442820" sldId="278"/>
-            <ac:picMk id="4" creationId="{0AB3AA65-1C33-C627-0C02-C48972C6F5CD}"/>
-          </ac:picMkLst>
-        </pc:picChg>
         <pc:cxnChg chg="add mod">
           <ac:chgData name="Yoshiharu Hamaguchi" userId="470e288704938fe9" providerId="LiveId" clId="{2DA42A88-41D6-4A1A-8697-2120E1337F92}" dt="2025-09-15T15:42:15.971" v="3193" actId="14100"/>
           <ac:cxnSpMkLst>
@@ -904,7 +823,7 @@
         </pc:sldMkLst>
       </pc:sldChg>
       <pc:sldChg chg="addSp delSp modSp add mod">
-        <pc:chgData name="Yoshiharu Hamaguchi" userId="470e288704938fe9" providerId="LiveId" clId="{2DA42A88-41D6-4A1A-8697-2120E1337F92}" dt="2025-09-15T15:01:48.655" v="2502" actId="20577"/>
+        <pc:chgData name="Yoshiharu Hamaguchi" userId="470e288704938fe9" providerId="LiveId" clId="{2DA42A88-41D6-4A1A-8697-2120E1337F92}" dt="2025-09-22T13:47:02.570" v="6666" actId="571"/>
         <pc:sldMkLst>
           <pc:docMk/>
           <pc:sldMk cId="1743033552" sldId="280"/>
@@ -933,14 +852,6 @@
             <ac:spMk id="4" creationId="{FA069114-7AB9-D07E-A625-B21BDD6AF702}"/>
           </ac:spMkLst>
         </pc:spChg>
-        <pc:spChg chg="add del mod">
-          <ac:chgData name="Yoshiharu Hamaguchi" userId="470e288704938fe9" providerId="LiveId" clId="{2DA42A88-41D6-4A1A-8697-2120E1337F92}" dt="2025-09-15T14:37:45.138" v="754" actId="478"/>
-          <ac:spMkLst>
-            <pc:docMk/>
-            <pc:sldMk cId="1743033552" sldId="280"/>
-            <ac:spMk id="5" creationId="{CA94CED5-1B52-6C1F-2833-545C7F0FB727}"/>
-          </ac:spMkLst>
-        </pc:spChg>
         <pc:spChg chg="add mod">
           <ac:chgData name="Yoshiharu Hamaguchi" userId="470e288704938fe9" providerId="LiveId" clId="{2DA42A88-41D6-4A1A-8697-2120E1337F92}" dt="2025-09-15T14:44:27.930" v="1197" actId="14100"/>
           <ac:spMkLst>
@@ -955,14 +866,6 @@
             <pc:docMk/>
             <pc:sldMk cId="1743033552" sldId="280"/>
             <ac:spMk id="7" creationId="{0486A1B1-83AE-6CF1-4881-D891249C6749}"/>
-          </ac:spMkLst>
-        </pc:spChg>
-        <pc:spChg chg="add del mod">
-          <ac:chgData name="Yoshiharu Hamaguchi" userId="470e288704938fe9" providerId="LiveId" clId="{2DA42A88-41D6-4A1A-8697-2120E1337F92}" dt="2025-09-15T14:37:08.463" v="743" actId="478"/>
-          <ac:spMkLst>
-            <pc:docMk/>
-            <pc:sldMk cId="1743033552" sldId="280"/>
-            <ac:spMk id="8" creationId="{93479FA0-563C-1B73-09D3-1EC8E73EE09E}"/>
           </ac:spMkLst>
         </pc:spChg>
         <pc:spChg chg="add mod ord">
@@ -982,14 +885,6 @@
           </ac:spMkLst>
         </pc:spChg>
         <pc:spChg chg="add mod">
-          <ac:chgData name="Yoshiharu Hamaguchi" userId="470e288704938fe9" providerId="LiveId" clId="{2DA42A88-41D6-4A1A-8697-2120E1337F92}" dt="2025-09-15T14:41:10.743" v="993" actId="571"/>
-          <ac:spMkLst>
-            <pc:docMk/>
-            <pc:sldMk cId="1743033552" sldId="280"/>
-            <ac:spMk id="14" creationId="{E48CAE7C-A5D2-5FB7-D1F1-A2C51C239D13}"/>
-          </ac:spMkLst>
-        </pc:spChg>
-        <pc:spChg chg="add mod">
           <ac:chgData name="Yoshiharu Hamaguchi" userId="470e288704938fe9" providerId="LiveId" clId="{2DA42A88-41D6-4A1A-8697-2120E1337F92}" dt="2025-09-15T14:50:17.311" v="1443" actId="20577"/>
           <ac:spMkLst>
             <pc:docMk/>
@@ -1003,22 +898,6 @@
             <pc:docMk/>
             <pc:sldMk cId="1743033552" sldId="280"/>
             <ac:spMk id="19" creationId="{B7214690-7BC1-821D-2369-930DA54CB807}"/>
-          </ac:spMkLst>
-        </pc:spChg>
-        <pc:spChg chg="add mod">
-          <ac:chgData name="Yoshiharu Hamaguchi" userId="470e288704938fe9" providerId="LiveId" clId="{2DA42A88-41D6-4A1A-8697-2120E1337F92}" dt="2025-09-15T14:44:06.656" v="1187" actId="571"/>
-          <ac:spMkLst>
-            <pc:docMk/>
-            <pc:sldMk cId="1743033552" sldId="280"/>
-            <ac:spMk id="27" creationId="{48CC2DAE-B37F-C206-26C4-76087864807D}"/>
-          </ac:spMkLst>
-        </pc:spChg>
-        <pc:spChg chg="add mod">
-          <ac:chgData name="Yoshiharu Hamaguchi" userId="470e288704938fe9" providerId="LiveId" clId="{2DA42A88-41D6-4A1A-8697-2120E1337F92}" dt="2025-09-15T14:44:04.368" v="1179" actId="571"/>
-          <ac:spMkLst>
-            <pc:docMk/>
-            <pc:sldMk cId="1743033552" sldId="280"/>
-            <ac:spMk id="31" creationId="{2D9E5FDF-B964-0EA7-04C1-82343786870A}"/>
           </ac:spMkLst>
         </pc:spChg>
         <pc:spChg chg="add mod">
@@ -1046,15 +925,15 @@
           </ac:spMkLst>
         </pc:spChg>
         <pc:spChg chg="add mod">
-          <ac:chgData name="Yoshiharu Hamaguchi" userId="470e288704938fe9" providerId="LiveId" clId="{2DA42A88-41D6-4A1A-8697-2120E1337F92}" dt="2025-09-15T14:47:03.837" v="1338" actId="20577"/>
+          <ac:chgData name="Yoshiharu Hamaguchi" userId="470e288704938fe9" providerId="LiveId" clId="{2DA42A88-41D6-4A1A-8697-2120E1337F92}" dt="2025-09-22T13:46:51.471" v="6664" actId="20577"/>
           <ac:spMkLst>
             <pc:docMk/>
             <pc:sldMk cId="1743033552" sldId="280"/>
             <ac:spMk id="39" creationId="{0E5B809E-6B14-4100-7B30-E32A9B31F5B0}"/>
           </ac:spMkLst>
         </pc:spChg>
-        <pc:spChg chg="add mod">
-          <ac:chgData name="Yoshiharu Hamaguchi" userId="470e288704938fe9" providerId="LiveId" clId="{2DA42A88-41D6-4A1A-8697-2120E1337F92}" dt="2025-09-15T14:46:32.796" v="1317" actId="20577"/>
+        <pc:spChg chg="add del mod">
+          <ac:chgData name="Yoshiharu Hamaguchi" userId="470e288704938fe9" providerId="LiveId" clId="{2DA42A88-41D6-4A1A-8697-2120E1337F92}" dt="2025-09-22T13:46:56.928" v="6665" actId="478"/>
           <ac:spMkLst>
             <pc:docMk/>
             <pc:sldMk cId="1743033552" sldId="280"/>
@@ -1118,6 +997,30 @@
           </ac:spMkLst>
         </pc:spChg>
         <pc:cxnChg chg="add mod">
+          <ac:chgData name="Yoshiharu Hamaguchi" userId="470e288704938fe9" providerId="LiveId" clId="{2DA42A88-41D6-4A1A-8697-2120E1337F92}" dt="2025-09-22T13:46:27.558" v="6639" actId="571"/>
+          <ac:cxnSpMkLst>
+            <pc:docMk/>
+            <pc:sldMk cId="1743033552" sldId="280"/>
+            <ac:cxnSpMk id="5" creationId="{140130F5-3E83-E364-C30E-4E08696226B9}"/>
+          </ac:cxnSpMkLst>
+        </pc:cxnChg>
+        <pc:cxnChg chg="add mod">
+          <ac:chgData name="Yoshiharu Hamaguchi" userId="470e288704938fe9" providerId="LiveId" clId="{2DA42A88-41D6-4A1A-8697-2120E1337F92}" dt="2025-09-22T13:46:32.236" v="6641" actId="571"/>
+          <ac:cxnSpMkLst>
+            <pc:docMk/>
+            <pc:sldMk cId="1743033552" sldId="280"/>
+            <ac:cxnSpMk id="8" creationId="{80F64037-F8F3-88E3-955B-FAA9A1D7CB55}"/>
+          </ac:cxnSpMkLst>
+        </pc:cxnChg>
+        <pc:cxnChg chg="add mod">
+          <ac:chgData name="Yoshiharu Hamaguchi" userId="470e288704938fe9" providerId="LiveId" clId="{2DA42A88-41D6-4A1A-8697-2120E1337F92}" dt="2025-09-22T13:47:02.570" v="6666" actId="571"/>
+          <ac:cxnSpMkLst>
+            <pc:docMk/>
+            <pc:sldMk cId="1743033552" sldId="280"/>
+            <ac:cxnSpMk id="10" creationId="{C4F1097F-49CF-9671-240B-AFA89D1C014B}"/>
+          </ac:cxnSpMkLst>
+        </pc:cxnChg>
+        <pc:cxnChg chg="add mod">
           <ac:chgData name="Yoshiharu Hamaguchi" userId="470e288704938fe9" providerId="LiveId" clId="{2DA42A88-41D6-4A1A-8697-2120E1337F92}" dt="2025-09-15T14:41:23.740" v="998" actId="13822"/>
           <ac:cxnSpMkLst>
             <pc:docMk/>
@@ -1139,46 +1042,6 @@
             <pc:docMk/>
             <pc:sldMk cId="1743033552" sldId="280"/>
             <ac:cxnSpMk id="23" creationId="{7EA31917-683E-A94D-D555-0349C1F7110C}"/>
-          </ac:cxnSpMkLst>
-        </pc:cxnChg>
-        <pc:cxnChg chg="add mod">
-          <ac:chgData name="Yoshiharu Hamaguchi" userId="470e288704938fe9" providerId="LiveId" clId="{2DA42A88-41D6-4A1A-8697-2120E1337F92}" dt="2025-09-15T14:44:06.656" v="1187" actId="571"/>
-          <ac:cxnSpMkLst>
-            <pc:docMk/>
-            <pc:sldMk cId="1743033552" sldId="280"/>
-            <ac:cxnSpMk id="26" creationId="{754CFBF5-AC73-B48C-C1B9-0E33C4EBB503}"/>
-          </ac:cxnSpMkLst>
-        </pc:cxnChg>
-        <pc:cxnChg chg="add mod">
-          <ac:chgData name="Yoshiharu Hamaguchi" userId="470e288704938fe9" providerId="LiveId" clId="{2DA42A88-41D6-4A1A-8697-2120E1337F92}" dt="2025-09-15T14:44:06.656" v="1187" actId="571"/>
-          <ac:cxnSpMkLst>
-            <pc:docMk/>
-            <pc:sldMk cId="1743033552" sldId="280"/>
-            <ac:cxnSpMk id="28" creationId="{B0088CDD-C09E-D9F6-C0FD-7C7AF91FD478}"/>
-          </ac:cxnSpMkLst>
-        </pc:cxnChg>
-        <pc:cxnChg chg="add mod">
-          <ac:chgData name="Yoshiharu Hamaguchi" userId="470e288704938fe9" providerId="LiveId" clId="{2DA42A88-41D6-4A1A-8697-2120E1337F92}" dt="2025-09-15T14:44:04.368" v="1179" actId="571"/>
-          <ac:cxnSpMkLst>
-            <pc:docMk/>
-            <pc:sldMk cId="1743033552" sldId="280"/>
-            <ac:cxnSpMk id="29" creationId="{734DB890-B589-983D-545E-7F601F9CDCEA}"/>
-          </ac:cxnSpMkLst>
-        </pc:cxnChg>
-        <pc:cxnChg chg="add mod">
-          <ac:chgData name="Yoshiharu Hamaguchi" userId="470e288704938fe9" providerId="LiveId" clId="{2DA42A88-41D6-4A1A-8697-2120E1337F92}" dt="2025-09-15T14:44:04.368" v="1179" actId="571"/>
-          <ac:cxnSpMkLst>
-            <pc:docMk/>
-            <pc:sldMk cId="1743033552" sldId="280"/>
-            <ac:cxnSpMk id="30" creationId="{4D43A4F7-6031-F913-3E2A-8A7BE8CB6E54}"/>
-          </ac:cxnSpMkLst>
-        </pc:cxnChg>
-        <pc:cxnChg chg="add mod">
-          <ac:chgData name="Yoshiharu Hamaguchi" userId="470e288704938fe9" providerId="LiveId" clId="{2DA42A88-41D6-4A1A-8697-2120E1337F92}" dt="2025-09-15T14:44:04.368" v="1179" actId="571"/>
-          <ac:cxnSpMkLst>
-            <pc:docMk/>
-            <pc:sldMk cId="1743033552" sldId="280"/>
-            <ac:cxnSpMk id="32" creationId="{69AD7890-B59D-2DAC-7421-7824875793F8}"/>
           </ac:cxnSpMkLst>
         </pc:cxnChg>
         <pc:cxnChg chg="add mod">
@@ -1205,20 +1068,519 @@
             <ac:cxnSpMk id="38" creationId="{113D4928-57DA-E81D-A58C-5EE08AE9669B}"/>
           </ac:cxnSpMkLst>
         </pc:cxnChg>
-        <pc:cxnChg chg="add del mod">
-          <ac:chgData name="Yoshiharu Hamaguchi" userId="470e288704938fe9" providerId="LiveId" clId="{2DA42A88-41D6-4A1A-8697-2120E1337F92}" dt="2025-09-15T14:46:37.975" v="1318" actId="478"/>
-          <ac:cxnSpMkLst>
-            <pc:docMk/>
-            <pc:sldMk cId="1743033552" sldId="280"/>
-            <ac:cxnSpMk id="40" creationId="{E0E878C1-5CF5-B256-E535-C9BEB93D634B}"/>
-          </ac:cxnSpMkLst>
-        </pc:cxnChg>
         <pc:cxnChg chg="add mod">
           <ac:chgData name="Yoshiharu Hamaguchi" userId="470e288704938fe9" providerId="LiveId" clId="{2DA42A88-41D6-4A1A-8697-2120E1337F92}" dt="2025-09-15T14:47:18.846" v="1342" actId="14100"/>
           <ac:cxnSpMkLst>
             <pc:docMk/>
             <pc:sldMk cId="1743033552" sldId="280"/>
             <ac:cxnSpMk id="43" creationId="{4196D7D9-45FB-1633-BCEE-9D370371EF73}"/>
+          </ac:cxnSpMkLst>
+        </pc:cxnChg>
+      </pc:sldChg>
+      <pc:sldChg chg="modSp add del mod">
+        <pc:chgData name="Yoshiharu Hamaguchi" userId="470e288704938fe9" providerId="LiveId" clId="{2DA42A88-41D6-4A1A-8697-2120E1337F92}" dt="2025-09-22T13:45:54.733" v="6638" actId="47"/>
+        <pc:sldMkLst>
+          <pc:docMk/>
+          <pc:sldMk cId="292180079" sldId="281"/>
+        </pc:sldMkLst>
+        <pc:spChg chg="mod">
+          <ac:chgData name="Yoshiharu Hamaguchi" userId="470e288704938fe9" providerId="LiveId" clId="{2DA42A88-41D6-4A1A-8697-2120E1337F92}" dt="2025-09-22T13:44:58.453" v="6617" actId="20577"/>
+          <ac:spMkLst>
+            <pc:docMk/>
+            <pc:sldMk cId="292180079" sldId="281"/>
+            <ac:spMk id="12" creationId="{E944DFBB-A102-FEAA-D487-BCBEE3A4BD63}"/>
+          </ac:spMkLst>
+        </pc:spChg>
+      </pc:sldChg>
+      <pc:sldChg chg="modSp add mod">
+        <pc:chgData name="Yoshiharu Hamaguchi" userId="470e288704938fe9" providerId="LiveId" clId="{2DA42A88-41D6-4A1A-8697-2120E1337F92}" dt="2025-09-22T14:58:05.023" v="6938" actId="1076"/>
+        <pc:sldMkLst>
+          <pc:docMk/>
+          <pc:sldMk cId="1954150218" sldId="281"/>
+        </pc:sldMkLst>
+        <pc:spChg chg="mod">
+          <ac:chgData name="Yoshiharu Hamaguchi" userId="470e288704938fe9" providerId="LiveId" clId="{2DA42A88-41D6-4A1A-8697-2120E1337F92}" dt="2025-09-22T14:57:48.166" v="6918" actId="20577"/>
+          <ac:spMkLst>
+            <pc:docMk/>
+            <pc:sldMk cId="1954150218" sldId="281"/>
+            <ac:spMk id="2" creationId="{9C784ACA-9376-15C6-DD93-68B5D582FADA}"/>
+          </ac:spMkLst>
+        </pc:spChg>
+        <pc:picChg chg="mod">
+          <ac:chgData name="Yoshiharu Hamaguchi" userId="470e288704938fe9" providerId="LiveId" clId="{2DA42A88-41D6-4A1A-8697-2120E1337F92}" dt="2025-09-22T14:58:05.023" v="6938" actId="1076"/>
+          <ac:picMkLst>
+            <pc:docMk/>
+            <pc:sldMk cId="1954150218" sldId="281"/>
+            <ac:picMk id="8" creationId="{E829A394-8E8A-4F17-B676-BCA0786AD5D7}"/>
+          </ac:picMkLst>
+        </pc:picChg>
+      </pc:sldChg>
+      <pc:sldChg chg="addSp delSp modSp new mod">
+        <pc:chgData name="Yoshiharu Hamaguchi" userId="470e288704938fe9" providerId="LiveId" clId="{2DA42A88-41D6-4A1A-8697-2120E1337F92}" dt="2025-09-22T15:33:26.975" v="7805" actId="20577"/>
+        <pc:sldMkLst>
+          <pc:docMk/>
+          <pc:sldMk cId="2981599444" sldId="282"/>
+        </pc:sldMkLst>
+        <pc:spChg chg="del">
+          <ac:chgData name="Yoshiharu Hamaguchi" userId="470e288704938fe9" providerId="LiveId" clId="{2DA42A88-41D6-4A1A-8697-2120E1337F92}" dt="2025-09-22T15:05:21.583" v="6949" actId="478"/>
+          <ac:spMkLst>
+            <pc:docMk/>
+            <pc:sldMk cId="2981599444" sldId="282"/>
+            <ac:spMk id="2" creationId="{84C2A5ED-9CB1-74A4-5FD8-9F5D074F63D5}"/>
+          </ac:spMkLst>
+        </pc:spChg>
+        <pc:spChg chg="del">
+          <ac:chgData name="Yoshiharu Hamaguchi" userId="470e288704938fe9" providerId="LiveId" clId="{2DA42A88-41D6-4A1A-8697-2120E1337F92}" dt="2025-09-22T15:04:42.154" v="6940" actId="22"/>
+          <ac:spMkLst>
+            <pc:docMk/>
+            <pc:sldMk cId="2981599444" sldId="282"/>
+            <ac:spMk id="3" creationId="{587B8AAA-5696-2298-F12B-8629ED26AEA1}"/>
+          </ac:spMkLst>
+        </pc:spChg>
+        <pc:spChg chg="add mod">
+          <ac:chgData name="Yoshiharu Hamaguchi" userId="470e288704938fe9" providerId="LiveId" clId="{2DA42A88-41D6-4A1A-8697-2120E1337F92}" dt="2025-09-22T15:33:26.975" v="7805" actId="20577"/>
+          <ac:spMkLst>
+            <pc:docMk/>
+            <pc:sldMk cId="2981599444" sldId="282"/>
+            <ac:spMk id="6" creationId="{2AEACF45-C9B8-A4D5-5CD6-BD84C08C1E6D}"/>
+          </ac:spMkLst>
+        </pc:spChg>
+        <pc:spChg chg="add mod">
+          <ac:chgData name="Yoshiharu Hamaguchi" userId="470e288704938fe9" providerId="LiveId" clId="{2DA42A88-41D6-4A1A-8697-2120E1337F92}" dt="2025-09-22T15:10:55.948" v="7065" actId="478"/>
+          <ac:spMkLst>
+            <pc:docMk/>
+            <pc:sldMk cId="2981599444" sldId="282"/>
+            <ac:spMk id="8" creationId="{1F7A38DD-8B4A-F75C-EA23-AF8B78597650}"/>
+          </ac:spMkLst>
+        </pc:spChg>
+        <pc:picChg chg="add del mod ord">
+          <ac:chgData name="Yoshiharu Hamaguchi" userId="470e288704938fe9" providerId="LiveId" clId="{2DA42A88-41D6-4A1A-8697-2120E1337F92}" dt="2025-09-22T15:10:55.948" v="7065" actId="478"/>
+          <ac:picMkLst>
+            <pc:docMk/>
+            <pc:sldMk cId="2981599444" sldId="282"/>
+            <ac:picMk id="5" creationId="{32E9650C-B819-F3B1-18D0-DC9B9534D99E}"/>
+          </ac:picMkLst>
+        </pc:picChg>
+        <pc:picChg chg="add mod">
+          <ac:chgData name="Yoshiharu Hamaguchi" userId="470e288704938fe9" providerId="LiveId" clId="{2DA42A88-41D6-4A1A-8697-2120E1337F92}" dt="2025-09-22T15:11:12.543" v="7073" actId="1076"/>
+          <ac:picMkLst>
+            <pc:docMk/>
+            <pc:sldMk cId="2981599444" sldId="282"/>
+            <ac:picMk id="10" creationId="{E21D10BD-5CBE-55B1-C394-B4FDC14F6C70}"/>
+          </ac:picMkLst>
+        </pc:picChg>
+      </pc:sldChg>
+      <pc:sldChg chg="addSp delSp modSp add mod">
+        <pc:chgData name="Yoshiharu Hamaguchi" userId="470e288704938fe9" providerId="LiveId" clId="{2DA42A88-41D6-4A1A-8697-2120E1337F92}" dt="2025-09-22T15:33:36.386" v="7816" actId="20577"/>
+        <pc:sldMkLst>
+          <pc:docMk/>
+          <pc:sldMk cId="3108515768" sldId="283"/>
+        </pc:sldMkLst>
+        <pc:spChg chg="mod">
+          <ac:chgData name="Yoshiharu Hamaguchi" userId="470e288704938fe9" providerId="LiveId" clId="{2DA42A88-41D6-4A1A-8697-2120E1337F92}" dt="2025-09-22T15:33:36.386" v="7816" actId="20577"/>
+          <ac:spMkLst>
+            <pc:docMk/>
+            <pc:sldMk cId="3108515768" sldId="283"/>
+            <ac:spMk id="6" creationId="{2AEACF45-C9B8-A4D5-5CD6-BD84C08C1E6D}"/>
+          </ac:spMkLst>
+        </pc:spChg>
+        <pc:spChg chg="del mod">
+          <ac:chgData name="Yoshiharu Hamaguchi" userId="470e288704938fe9" providerId="LiveId" clId="{2DA42A88-41D6-4A1A-8697-2120E1337F92}" dt="2025-09-22T15:14:48.053" v="7097" actId="478"/>
+          <ac:spMkLst>
+            <pc:docMk/>
+            <pc:sldMk cId="3108515768" sldId="283"/>
+            <ac:spMk id="8" creationId="{1F7A38DD-8B4A-F75C-EA23-AF8B78597650}"/>
+          </ac:spMkLst>
+        </pc:spChg>
+        <pc:picChg chg="add mod">
+          <ac:chgData name="Yoshiharu Hamaguchi" userId="470e288704938fe9" providerId="LiveId" clId="{2DA42A88-41D6-4A1A-8697-2120E1337F92}" dt="2025-09-22T15:14:54.323" v="7099" actId="1076"/>
+          <ac:picMkLst>
+            <pc:docMk/>
+            <pc:sldMk cId="3108515768" sldId="283"/>
+            <ac:picMk id="3" creationId="{6D3C645A-E9F4-402B-764F-7D3E8358C5C3}"/>
+          </ac:picMkLst>
+        </pc:picChg>
+        <pc:picChg chg="add mod">
+          <ac:chgData name="Yoshiharu Hamaguchi" userId="470e288704938fe9" providerId="LiveId" clId="{2DA42A88-41D6-4A1A-8697-2120E1337F92}" dt="2025-09-22T15:16:03.840" v="7102" actId="1076"/>
+          <ac:picMkLst>
+            <pc:docMk/>
+            <pc:sldMk cId="3108515768" sldId="283"/>
+            <ac:picMk id="5" creationId="{DE3AC8DC-0A55-2CC4-81B0-C778C7443617}"/>
+          </ac:picMkLst>
+        </pc:picChg>
+        <pc:picChg chg="del">
+          <ac:chgData name="Yoshiharu Hamaguchi" userId="470e288704938fe9" providerId="LiveId" clId="{2DA42A88-41D6-4A1A-8697-2120E1337F92}" dt="2025-09-22T15:14:38.690" v="7093" actId="478"/>
+          <ac:picMkLst>
+            <pc:docMk/>
+            <pc:sldMk cId="3108515768" sldId="283"/>
+            <ac:picMk id="10" creationId="{E21D10BD-5CBE-55B1-C394-B4FDC14F6C70}"/>
+          </ac:picMkLst>
+        </pc:picChg>
+      </pc:sldChg>
+      <pc:sldChg chg="addSp delSp modSp add mod">
+        <pc:chgData name="Yoshiharu Hamaguchi" userId="470e288704938fe9" providerId="LiveId" clId="{2DA42A88-41D6-4A1A-8697-2120E1337F92}" dt="2025-09-22T15:47:38.351" v="8706" actId="20577"/>
+        <pc:sldMkLst>
+          <pc:docMk/>
+          <pc:sldMk cId="196596734" sldId="284"/>
+        </pc:sldMkLst>
+        <pc:spChg chg="mod">
+          <ac:chgData name="Yoshiharu Hamaguchi" userId="470e288704938fe9" providerId="LiveId" clId="{2DA42A88-41D6-4A1A-8697-2120E1337F92}" dt="2025-09-22T15:47:38.351" v="8706" actId="20577"/>
+          <ac:spMkLst>
+            <pc:docMk/>
+            <pc:sldMk cId="196596734" sldId="284"/>
+            <ac:spMk id="2" creationId="{9C784ACA-9376-15C6-DD93-68B5D582FADA}"/>
+          </ac:spMkLst>
+        </pc:spChg>
+        <pc:spChg chg="add mod">
+          <ac:chgData name="Yoshiharu Hamaguchi" userId="470e288704938fe9" providerId="LiveId" clId="{2DA42A88-41D6-4A1A-8697-2120E1337F92}" dt="2025-09-22T15:37:41.276" v="8240" actId="571"/>
+          <ac:spMkLst>
+            <pc:docMk/>
+            <pc:sldMk cId="196596734" sldId="284"/>
+            <ac:spMk id="3" creationId="{4B80EB5B-88F4-3F32-3CBC-5E0832C94BE7}"/>
+          </ac:spMkLst>
+        </pc:spChg>
+        <pc:spChg chg="mod">
+          <ac:chgData name="Yoshiharu Hamaguchi" userId="470e288704938fe9" providerId="LiveId" clId="{2DA42A88-41D6-4A1A-8697-2120E1337F92}" dt="2025-09-22T15:47:10.935" v="8649" actId="1035"/>
+          <ac:spMkLst>
+            <pc:docMk/>
+            <pc:sldMk cId="196596734" sldId="284"/>
+            <ac:spMk id="4" creationId="{2AF630B1-33DA-9E7A-3316-C8FB8B865CFB}"/>
+          </ac:spMkLst>
+        </pc:spChg>
+        <pc:spChg chg="mod">
+          <ac:chgData name="Yoshiharu Hamaguchi" userId="470e288704938fe9" providerId="LiveId" clId="{2DA42A88-41D6-4A1A-8697-2120E1337F92}" dt="2025-09-22T15:39:33.175" v="8296" actId="1076"/>
+          <ac:spMkLst>
+            <pc:docMk/>
+            <pc:sldMk cId="196596734" sldId="284"/>
+            <ac:spMk id="5" creationId="{1B173D04-7B43-7511-F9D4-DF6CDD6F385A}"/>
+          </ac:spMkLst>
+        </pc:spChg>
+        <pc:spChg chg="mod">
+          <ac:chgData name="Yoshiharu Hamaguchi" userId="470e288704938fe9" providerId="LiveId" clId="{2DA42A88-41D6-4A1A-8697-2120E1337F92}" dt="2025-09-22T15:47:10.935" v="8649" actId="1035"/>
+          <ac:spMkLst>
+            <pc:docMk/>
+            <pc:sldMk cId="196596734" sldId="284"/>
+            <ac:spMk id="6" creationId="{7967DB61-7E9B-758C-DE7C-C4160DE0F43E}"/>
+          </ac:spMkLst>
+        </pc:spChg>
+        <pc:spChg chg="mod">
+          <ac:chgData name="Yoshiharu Hamaguchi" userId="470e288704938fe9" providerId="LiveId" clId="{2DA42A88-41D6-4A1A-8697-2120E1337F92}" dt="2025-09-22T15:46:09.677" v="8617" actId="1036"/>
+          <ac:spMkLst>
+            <pc:docMk/>
+            <pc:sldMk cId="196596734" sldId="284"/>
+            <ac:spMk id="7" creationId="{76479CD6-F090-5A52-A58E-B1A5238E7509}"/>
+          </ac:spMkLst>
+        </pc:spChg>
+        <pc:spChg chg="mod">
+          <ac:chgData name="Yoshiharu Hamaguchi" userId="470e288704938fe9" providerId="LiveId" clId="{2DA42A88-41D6-4A1A-8697-2120E1337F92}" dt="2025-09-22T15:47:10.935" v="8649" actId="1035"/>
+          <ac:spMkLst>
+            <pc:docMk/>
+            <pc:sldMk cId="196596734" sldId="284"/>
+            <ac:spMk id="8" creationId="{24CFC097-E41A-C5ED-B057-EAC3134873EB}"/>
+          </ac:spMkLst>
+        </pc:spChg>
+        <pc:spChg chg="mod">
+          <ac:chgData name="Yoshiharu Hamaguchi" userId="470e288704938fe9" providerId="LiveId" clId="{2DA42A88-41D6-4A1A-8697-2120E1337F92}" dt="2025-09-22T15:45:19.031" v="8590" actId="14100"/>
+          <ac:spMkLst>
+            <pc:docMk/>
+            <pc:sldMk cId="196596734" sldId="284"/>
+            <ac:spMk id="9" creationId="{FD4A562C-3D1F-3491-5D19-AA59888B0112}"/>
+          </ac:spMkLst>
+        </pc:spChg>
+        <pc:spChg chg="mod">
+          <ac:chgData name="Yoshiharu Hamaguchi" userId="470e288704938fe9" providerId="LiveId" clId="{2DA42A88-41D6-4A1A-8697-2120E1337F92}" dt="2025-09-22T15:47:36.056" v="8704" actId="20577"/>
+          <ac:spMkLst>
+            <pc:docMk/>
+            <pc:sldMk cId="196596734" sldId="284"/>
+            <ac:spMk id="12" creationId="{E944DFBB-A102-FEAA-D487-BCBEE3A4BD63}"/>
+          </ac:spMkLst>
+        </pc:spChg>
+        <pc:spChg chg="mod">
+          <ac:chgData name="Yoshiharu Hamaguchi" userId="470e288704938fe9" providerId="LiveId" clId="{2DA42A88-41D6-4A1A-8697-2120E1337F92}" dt="2025-09-22T15:47:10.935" v="8649" actId="1035"/>
+          <ac:spMkLst>
+            <pc:docMk/>
+            <pc:sldMk cId="196596734" sldId="284"/>
+            <ac:spMk id="13" creationId="{A5B4C14A-B501-CEFA-4B6C-794DA30D8DAA}"/>
+          </ac:spMkLst>
+        </pc:spChg>
+        <pc:spChg chg="mod">
+          <ac:chgData name="Yoshiharu Hamaguchi" userId="470e288704938fe9" providerId="LiveId" clId="{2DA42A88-41D6-4A1A-8697-2120E1337F92}" dt="2025-09-22T15:47:10.935" v="8649" actId="1035"/>
+          <ac:spMkLst>
+            <pc:docMk/>
+            <pc:sldMk cId="196596734" sldId="284"/>
+            <ac:spMk id="14" creationId="{8206178E-DF4E-F1D6-D0A0-ED79FE0B30E2}"/>
+          </ac:spMkLst>
+        </pc:spChg>
+        <pc:spChg chg="mod">
+          <ac:chgData name="Yoshiharu Hamaguchi" userId="470e288704938fe9" providerId="LiveId" clId="{2DA42A88-41D6-4A1A-8697-2120E1337F92}" dt="2025-09-22T15:37:47.502" v="8241" actId="1076"/>
+          <ac:spMkLst>
+            <pc:docMk/>
+            <pc:sldMk cId="196596734" sldId="284"/>
+            <ac:spMk id="16" creationId="{A2488401-C700-B4EC-6EEE-6B804110CCF7}"/>
+          </ac:spMkLst>
+        </pc:spChg>
+        <pc:spChg chg="mod">
+          <ac:chgData name="Yoshiharu Hamaguchi" userId="470e288704938fe9" providerId="LiveId" clId="{2DA42A88-41D6-4A1A-8697-2120E1337F92}" dt="2025-09-22T15:47:10.935" v="8649" actId="1035"/>
+          <ac:spMkLst>
+            <pc:docMk/>
+            <pc:sldMk cId="196596734" sldId="284"/>
+            <ac:spMk id="18" creationId="{F867B5CB-7F27-DE52-B3AC-230C60D6C63C}"/>
+          </ac:spMkLst>
+        </pc:spChg>
+        <pc:spChg chg="mod">
+          <ac:chgData name="Yoshiharu Hamaguchi" userId="470e288704938fe9" providerId="LiveId" clId="{2DA42A88-41D6-4A1A-8697-2120E1337F92}" dt="2025-09-22T15:37:47.502" v="8241" actId="1076"/>
+          <ac:spMkLst>
+            <pc:docMk/>
+            <pc:sldMk cId="196596734" sldId="284"/>
+            <ac:spMk id="20" creationId="{6D1FDD5D-331F-E92C-7DF4-9E47E7998E05}"/>
+          </ac:spMkLst>
+        </pc:spChg>
+        <pc:spChg chg="mod">
+          <ac:chgData name="Yoshiharu Hamaguchi" userId="470e288704938fe9" providerId="LiveId" clId="{2DA42A88-41D6-4A1A-8697-2120E1337F92}" dt="2025-09-22T15:45:55.078" v="8606" actId="20577"/>
+          <ac:spMkLst>
+            <pc:docMk/>
+            <pc:sldMk cId="196596734" sldId="284"/>
+            <ac:spMk id="22" creationId="{FA09F6E0-5083-4EE0-2F00-DF0C2ABEEA86}"/>
+          </ac:spMkLst>
+        </pc:spChg>
+        <pc:spChg chg="mod">
+          <ac:chgData name="Yoshiharu Hamaguchi" userId="470e288704938fe9" providerId="LiveId" clId="{2DA42A88-41D6-4A1A-8697-2120E1337F92}" dt="2025-09-22T15:46:09.677" v="8617" actId="1036"/>
+          <ac:spMkLst>
+            <pc:docMk/>
+            <pc:sldMk cId="196596734" sldId="284"/>
+            <ac:spMk id="23" creationId="{48630DFA-7494-14A6-D47A-6C215FE177A3}"/>
+          </ac:spMkLst>
+        </pc:spChg>
+        <pc:spChg chg="mod">
+          <ac:chgData name="Yoshiharu Hamaguchi" userId="470e288704938fe9" providerId="LiveId" clId="{2DA42A88-41D6-4A1A-8697-2120E1337F92}" dt="2025-09-22T15:46:09.677" v="8617" actId="1036"/>
+          <ac:spMkLst>
+            <pc:docMk/>
+            <pc:sldMk cId="196596734" sldId="284"/>
+            <ac:spMk id="24" creationId="{64170FC8-8434-86EA-5F76-2E868883087A}"/>
+          </ac:spMkLst>
+        </pc:spChg>
+        <pc:spChg chg="add del mod">
+          <ac:chgData name="Yoshiharu Hamaguchi" userId="470e288704938fe9" providerId="LiveId" clId="{2DA42A88-41D6-4A1A-8697-2120E1337F92}" dt="2025-09-22T15:38:46.192" v="8286" actId="478"/>
+          <ac:spMkLst>
+            <pc:docMk/>
+            <pc:sldMk cId="196596734" sldId="284"/>
+            <ac:spMk id="26" creationId="{53EBA836-0AD4-9A3C-2FED-56E338125CFD}"/>
+          </ac:spMkLst>
+        </pc:spChg>
+        <pc:spChg chg="add del mod">
+          <ac:chgData name="Yoshiharu Hamaguchi" userId="470e288704938fe9" providerId="LiveId" clId="{2DA42A88-41D6-4A1A-8697-2120E1337F92}" dt="2025-09-22T15:38:44.895" v="8285" actId="478"/>
+          <ac:spMkLst>
+            <pc:docMk/>
+            <pc:sldMk cId="196596734" sldId="284"/>
+            <ac:spMk id="27" creationId="{4075D275-8B07-BE6B-CD01-395E7A1312ED}"/>
+          </ac:spMkLst>
+        </pc:spChg>
+        <pc:spChg chg="add mod">
+          <ac:chgData name="Yoshiharu Hamaguchi" userId="470e288704938fe9" providerId="LiveId" clId="{2DA42A88-41D6-4A1A-8697-2120E1337F92}" dt="2025-09-22T15:38:42.186" v="8284" actId="14100"/>
+          <ac:spMkLst>
+            <pc:docMk/>
+            <pc:sldMk cId="196596734" sldId="284"/>
+            <ac:spMk id="28" creationId="{D6718E65-B255-2F42-6A89-D19D92A5273D}"/>
+          </ac:spMkLst>
+        </pc:spChg>
+        <pc:spChg chg="add mod">
+          <ac:chgData name="Yoshiharu Hamaguchi" userId="470e288704938fe9" providerId="LiveId" clId="{2DA42A88-41D6-4A1A-8697-2120E1337F92}" dt="2025-09-22T15:42:21.829" v="8419" actId="14100"/>
+          <ac:spMkLst>
+            <pc:docMk/>
+            <pc:sldMk cId="196596734" sldId="284"/>
+            <ac:spMk id="29" creationId="{604D4E6B-4B69-7FC8-5BDA-11615043BC70}"/>
+          </ac:spMkLst>
+        </pc:spChg>
+        <pc:spChg chg="add mod">
+          <ac:chgData name="Yoshiharu Hamaguchi" userId="470e288704938fe9" providerId="LiveId" clId="{2DA42A88-41D6-4A1A-8697-2120E1337F92}" dt="2025-09-22T15:42:18.429" v="8418" actId="14100"/>
+          <ac:spMkLst>
+            <pc:docMk/>
+            <pc:sldMk cId="196596734" sldId="284"/>
+            <ac:spMk id="30" creationId="{9E8CA506-1389-5744-6D66-6146E0F36116}"/>
+          </ac:spMkLst>
+        </pc:spChg>
+        <pc:spChg chg="add mod">
+          <ac:chgData name="Yoshiharu Hamaguchi" userId="470e288704938fe9" providerId="LiveId" clId="{2DA42A88-41D6-4A1A-8697-2120E1337F92}" dt="2025-09-22T15:38:59.134" v="8291" actId="571"/>
+          <ac:spMkLst>
+            <pc:docMk/>
+            <pc:sldMk cId="196596734" sldId="284"/>
+            <ac:spMk id="31" creationId="{BDC9FC5A-FB3F-B48E-0FBF-72F5EDC59B1B}"/>
+          </ac:spMkLst>
+        </pc:spChg>
+        <pc:spChg chg="add mod">
+          <ac:chgData name="Yoshiharu Hamaguchi" userId="470e288704938fe9" providerId="LiveId" clId="{2DA42A88-41D6-4A1A-8697-2120E1337F92}" dt="2025-09-22T15:38:59.134" v="8291" actId="571"/>
+          <ac:spMkLst>
+            <pc:docMk/>
+            <pc:sldMk cId="196596734" sldId="284"/>
+            <ac:spMk id="32" creationId="{EE52FB36-9098-5248-91FD-0A5E2FFCC26E}"/>
+          </ac:spMkLst>
+        </pc:spChg>
+        <pc:spChg chg="add mod">
+          <ac:chgData name="Yoshiharu Hamaguchi" userId="470e288704938fe9" providerId="LiveId" clId="{2DA42A88-41D6-4A1A-8697-2120E1337F92}" dt="2025-09-22T15:47:10.935" v="8649" actId="1035"/>
+          <ac:spMkLst>
+            <pc:docMk/>
+            <pc:sldMk cId="196596734" sldId="284"/>
+            <ac:spMk id="33" creationId="{7AD56290-05C2-813E-7137-D14189F1845D}"/>
+          </ac:spMkLst>
+        </pc:spChg>
+        <pc:spChg chg="add mod">
+          <ac:chgData name="Yoshiharu Hamaguchi" userId="470e288704938fe9" providerId="LiveId" clId="{2DA42A88-41D6-4A1A-8697-2120E1337F92}" dt="2025-09-22T15:46:25.528" v="8619" actId="14100"/>
+          <ac:spMkLst>
+            <pc:docMk/>
+            <pc:sldMk cId="196596734" sldId="284"/>
+            <ac:spMk id="34" creationId="{7E56C746-7507-7E7F-6150-5EAB87921B94}"/>
+          </ac:spMkLst>
+        </pc:spChg>
+        <pc:spChg chg="add mod">
+          <ac:chgData name="Yoshiharu Hamaguchi" userId="470e288704938fe9" providerId="LiveId" clId="{2DA42A88-41D6-4A1A-8697-2120E1337F92}" dt="2025-09-22T15:47:10.935" v="8649" actId="1035"/>
+          <ac:spMkLst>
+            <pc:docMk/>
+            <pc:sldMk cId="196596734" sldId="284"/>
+            <ac:spMk id="35" creationId="{325B7555-9425-B2D0-0930-A1539B5BFF44}"/>
+          </ac:spMkLst>
+        </pc:spChg>
+        <pc:spChg chg="add mod">
+          <ac:chgData name="Yoshiharu Hamaguchi" userId="470e288704938fe9" providerId="LiveId" clId="{2DA42A88-41D6-4A1A-8697-2120E1337F92}" dt="2025-09-22T15:41:22.039" v="8401" actId="1076"/>
+          <ac:spMkLst>
+            <pc:docMk/>
+            <pc:sldMk cId="196596734" sldId="284"/>
+            <ac:spMk id="42" creationId="{7A083EDF-8921-EB01-42F5-B17867200EA3}"/>
+          </ac:spMkLst>
+        </pc:spChg>
+        <pc:spChg chg="add mod">
+          <ac:chgData name="Yoshiharu Hamaguchi" userId="470e288704938fe9" providerId="LiveId" clId="{2DA42A88-41D6-4A1A-8697-2120E1337F92}" dt="2025-09-22T15:46:21.030" v="8618" actId="1076"/>
+          <ac:spMkLst>
+            <pc:docMk/>
+            <pc:sldMk cId="196596734" sldId="284"/>
+            <ac:spMk id="46" creationId="{AD3FDB23-FA9B-6B75-69BF-6C3EE70A28C3}"/>
+          </ac:spMkLst>
+        </pc:spChg>
+        <pc:spChg chg="add mod">
+          <ac:chgData name="Yoshiharu Hamaguchi" userId="470e288704938fe9" providerId="LiveId" clId="{2DA42A88-41D6-4A1A-8697-2120E1337F92}" dt="2025-09-22T15:41:33.168" v="8405" actId="571"/>
+          <ac:spMkLst>
+            <pc:docMk/>
+            <pc:sldMk cId="196596734" sldId="284"/>
+            <ac:spMk id="48" creationId="{D3B29C6E-4478-EE14-68C9-44021445BE9F}"/>
+          </ac:spMkLst>
+        </pc:spChg>
+        <pc:spChg chg="add mod">
+          <ac:chgData name="Yoshiharu Hamaguchi" userId="470e288704938fe9" providerId="LiveId" clId="{2DA42A88-41D6-4A1A-8697-2120E1337F92}" dt="2025-09-22T15:41:33.168" v="8405" actId="571"/>
+          <ac:spMkLst>
+            <pc:docMk/>
+            <pc:sldMk cId="196596734" sldId="284"/>
+            <ac:spMk id="50" creationId="{B602ACBE-E3AF-EFC7-6156-A38E8BFD930B}"/>
+          </ac:spMkLst>
+        </pc:spChg>
+        <pc:spChg chg="add mod">
+          <ac:chgData name="Yoshiharu Hamaguchi" userId="470e288704938fe9" providerId="LiveId" clId="{2DA42A88-41D6-4A1A-8697-2120E1337F92}" dt="2025-09-22T15:47:10.935" v="8649" actId="1035"/>
+          <ac:spMkLst>
+            <pc:docMk/>
+            <pc:sldMk cId="196596734" sldId="284"/>
+            <ac:spMk id="52" creationId="{9C7AC2F4-9CBC-4696-EB35-A14FCEFEB400}"/>
+          </ac:spMkLst>
+        </pc:spChg>
+        <pc:spChg chg="add mod">
+          <ac:chgData name="Yoshiharu Hamaguchi" userId="470e288704938fe9" providerId="LiveId" clId="{2DA42A88-41D6-4A1A-8697-2120E1337F92}" dt="2025-09-22T15:43:05.354" v="8483" actId="20577"/>
+          <ac:spMkLst>
+            <pc:docMk/>
+            <pc:sldMk cId="196596734" sldId="284"/>
+            <ac:spMk id="56" creationId="{5A8C7BBD-E590-8CBB-5FDA-A57E1D7C7FD5}"/>
+          </ac:spMkLst>
+        </pc:spChg>
+        <pc:spChg chg="add mod">
+          <ac:chgData name="Yoshiharu Hamaguchi" userId="470e288704938fe9" providerId="LiveId" clId="{2DA42A88-41D6-4A1A-8697-2120E1337F92}" dt="2025-09-22T15:46:09.677" v="8617" actId="1036"/>
+          <ac:spMkLst>
+            <pc:docMk/>
+            <pc:sldMk cId="196596734" sldId="284"/>
+            <ac:spMk id="60" creationId="{157CA208-DF3B-0235-00EB-95081BF6FE38}"/>
+          </ac:spMkLst>
+        </pc:spChg>
+        <pc:spChg chg="add mod">
+          <ac:chgData name="Yoshiharu Hamaguchi" userId="470e288704938fe9" providerId="LiveId" clId="{2DA42A88-41D6-4A1A-8697-2120E1337F92}" dt="2025-09-22T15:46:21.030" v="8618" actId="1076"/>
+          <ac:spMkLst>
+            <pc:docMk/>
+            <pc:sldMk cId="196596734" sldId="284"/>
+            <ac:spMk id="61" creationId="{D8C27975-3D21-AA72-F53E-3F0FC93C9916}"/>
+          </ac:spMkLst>
+        </pc:spChg>
+        <pc:spChg chg="add mod">
+          <ac:chgData name="Yoshiharu Hamaguchi" userId="470e288704938fe9" providerId="LiveId" clId="{2DA42A88-41D6-4A1A-8697-2120E1337F92}" dt="2025-09-22T15:47:02.121" v="8632" actId="108"/>
+          <ac:spMkLst>
+            <pc:docMk/>
+            <pc:sldMk cId="196596734" sldId="284"/>
+            <ac:spMk id="64" creationId="{B528EF7D-5BE7-505B-A150-7CC9236EC6C6}"/>
+          </ac:spMkLst>
+        </pc:spChg>
+        <pc:cxnChg chg="mod">
+          <ac:chgData name="Yoshiharu Hamaguchi" userId="470e288704938fe9" providerId="LiveId" clId="{2DA42A88-41D6-4A1A-8697-2120E1337F92}" dt="2025-09-22T15:46:25.528" v="8619" actId="14100"/>
+          <ac:cxnSpMkLst>
+            <pc:docMk/>
+            <pc:sldMk cId="196596734" sldId="284"/>
+            <ac:cxnSpMk id="10" creationId="{88517C5E-3A33-9BDF-6210-D02A2EFAD461}"/>
+          </ac:cxnSpMkLst>
+        </pc:cxnChg>
+        <pc:cxnChg chg="mod">
+          <ac:chgData name="Yoshiharu Hamaguchi" userId="470e288704938fe9" providerId="LiveId" clId="{2DA42A88-41D6-4A1A-8697-2120E1337F92}" dt="2025-09-22T15:41:54.156" v="8412" actId="1076"/>
+          <ac:cxnSpMkLst>
+            <pc:docMk/>
+            <pc:sldMk cId="196596734" sldId="284"/>
+            <ac:cxnSpMk id="21" creationId="{6E9007E2-4FDF-87C5-5B04-9CC36BE8B12D}"/>
+          </ac:cxnSpMkLst>
+        </pc:cxnChg>
+        <pc:cxnChg chg="mod ord">
+          <ac:chgData name="Yoshiharu Hamaguchi" userId="470e288704938fe9" providerId="LiveId" clId="{2DA42A88-41D6-4A1A-8697-2120E1337F92}" dt="2025-09-22T15:40:07.603" v="8305" actId="14100"/>
+          <ac:cxnSpMkLst>
+            <pc:docMk/>
+            <pc:sldMk cId="196596734" sldId="284"/>
+            <ac:cxnSpMk id="25" creationId="{F79E468E-17EE-CBE5-ABA7-70141E32E403}"/>
+          </ac:cxnSpMkLst>
+        </pc:cxnChg>
+        <pc:cxnChg chg="add mod">
+          <ac:chgData name="Yoshiharu Hamaguchi" userId="470e288704938fe9" providerId="LiveId" clId="{2DA42A88-41D6-4A1A-8697-2120E1337F92}" dt="2025-09-22T15:41:26.959" v="8403" actId="14100"/>
+          <ac:cxnSpMkLst>
+            <pc:docMk/>
+            <pc:sldMk cId="196596734" sldId="284"/>
+            <ac:cxnSpMk id="36" creationId="{77F04E78-8E74-C1CE-00D7-F65C521565D7}"/>
+          </ac:cxnSpMkLst>
+        </pc:cxnChg>
+        <pc:cxnChg chg="add mod">
+          <ac:chgData name="Yoshiharu Hamaguchi" userId="470e288704938fe9" providerId="LiveId" clId="{2DA42A88-41D6-4A1A-8697-2120E1337F92}" dt="2025-09-22T15:46:21.030" v="8618" actId="1076"/>
+          <ac:cxnSpMkLst>
+            <pc:docMk/>
+            <pc:sldMk cId="196596734" sldId="284"/>
+            <ac:cxnSpMk id="43" creationId="{C95D5C23-78E8-C787-508B-05DB70100DC4}"/>
+          </ac:cxnSpMkLst>
+        </pc:cxnChg>
+        <pc:cxnChg chg="add mod">
+          <ac:chgData name="Yoshiharu Hamaguchi" userId="470e288704938fe9" providerId="LiveId" clId="{2DA42A88-41D6-4A1A-8697-2120E1337F92}" dt="2025-09-22T15:41:33.168" v="8405" actId="571"/>
+          <ac:cxnSpMkLst>
+            <pc:docMk/>
+            <pc:sldMk cId="196596734" sldId="284"/>
+            <ac:cxnSpMk id="49" creationId="{7A239DA9-0AFB-8F9F-8799-FF175FAC7043}"/>
+          </ac:cxnSpMkLst>
+        </pc:cxnChg>
+        <pc:cxnChg chg="add mod ord">
+          <ac:chgData name="Yoshiharu Hamaguchi" userId="470e288704938fe9" providerId="LiveId" clId="{2DA42A88-41D6-4A1A-8697-2120E1337F92}" dt="2025-09-22T15:41:56.722" v="8414" actId="1076"/>
+          <ac:cxnSpMkLst>
+            <pc:docMk/>
+            <pc:sldMk cId="196596734" sldId="284"/>
+            <ac:cxnSpMk id="51" creationId="{98F82E70-6C24-E4CE-9330-D91ED9AFAE33}"/>
+          </ac:cxnSpMkLst>
+        </pc:cxnChg>
+        <pc:cxnChg chg="add mod">
+          <ac:chgData name="Yoshiharu Hamaguchi" userId="470e288704938fe9" providerId="LiveId" clId="{2DA42A88-41D6-4A1A-8697-2120E1337F92}" dt="2025-09-22T15:42:25.603" v="8420" actId="14100"/>
+          <ac:cxnSpMkLst>
+            <pc:docMk/>
+            <pc:sldMk cId="196596734" sldId="284"/>
+            <ac:cxnSpMk id="53" creationId="{3E73469C-F518-A440-AE64-6A0B139A5781}"/>
+          </ac:cxnSpMkLst>
+        </pc:cxnChg>
+        <pc:cxnChg chg="add mod">
+          <ac:chgData name="Yoshiharu Hamaguchi" userId="470e288704938fe9" providerId="LiveId" clId="{2DA42A88-41D6-4A1A-8697-2120E1337F92}" dt="2025-09-22T15:42:48.801" v="8447" actId="571"/>
+          <ac:cxnSpMkLst>
+            <pc:docMk/>
+            <pc:sldMk cId="196596734" sldId="284"/>
+            <ac:cxnSpMk id="55" creationId="{F97CF990-B155-9BE5-15B1-151E31FD12B2}"/>
           </ac:cxnSpMkLst>
         </pc:cxnChg>
       </pc:sldChg>
@@ -1743,6 +2105,471 @@
 </pc:chgInfo>
 </file>
 
+<file path=ppt/notesMasters/notesMaster1.xml><?xml version="1.0" encoding="utf-8"?>
+<p:notesMaster xmlns:a="http://schemas.openxmlformats.org/drawingml/2006/main" xmlns:r="http://schemas.openxmlformats.org/officeDocument/2006/relationships" xmlns:p="http://schemas.openxmlformats.org/presentationml/2006/main">
+  <p:cSld>
+    <p:bg>
+      <p:bgRef idx="1001">
+        <a:schemeClr val="bg1"/>
+      </p:bgRef>
+    </p:bg>
+    <p:spTree>
+      <p:nvGrpSpPr>
+        <p:cNvPr id="1" name=""/>
+        <p:cNvGrpSpPr/>
+        <p:nvPr/>
+      </p:nvGrpSpPr>
+      <p:grpSpPr>
+        <a:xfrm>
+          <a:off x="0" y="0"/>
+          <a:ext cx="0" cy="0"/>
+          <a:chOff x="0" y="0"/>
+          <a:chExt cx="0" cy="0"/>
+        </a:xfrm>
+      </p:grpSpPr>
+      <p:sp>
+        <p:nvSpPr>
+          <p:cNvPr id="2" name="ヘッダー プレースホルダー 1"/>
+          <p:cNvSpPr>
+            <a:spLocks noGrp="1"/>
+          </p:cNvSpPr>
+          <p:nvPr>
+            <p:ph type="hdr" sz="quarter"/>
+          </p:nvPr>
+        </p:nvSpPr>
+        <p:spPr>
+          <a:xfrm>
+            <a:off x="0" y="0"/>
+            <a:ext cx="2971800" cy="458788"/>
+          </a:xfrm>
+          <a:prstGeom prst="rect">
+            <a:avLst/>
+          </a:prstGeom>
+        </p:spPr>
+        <p:txBody>
+          <a:bodyPr vert="horz" lIns="91440" tIns="45720" rIns="91440" bIns="45720" rtlCol="0"/>
+          <a:lstStyle>
+            <a:lvl1pPr algn="l">
+              <a:defRPr sz="1200"/>
+            </a:lvl1pPr>
+          </a:lstStyle>
+          <a:p>
+            <a:endParaRPr kumimoji="1" lang="ja-JP" altLang="en-US"/>
+          </a:p>
+        </p:txBody>
+      </p:sp>
+      <p:sp>
+        <p:nvSpPr>
+          <p:cNvPr id="3" name="日付プレースホルダー 2"/>
+          <p:cNvSpPr>
+            <a:spLocks noGrp="1"/>
+          </p:cNvSpPr>
+          <p:nvPr>
+            <p:ph type="dt" idx="1"/>
+          </p:nvPr>
+        </p:nvSpPr>
+        <p:spPr>
+          <a:xfrm>
+            <a:off x="3884613" y="0"/>
+            <a:ext cx="2971800" cy="458788"/>
+          </a:xfrm>
+          <a:prstGeom prst="rect">
+            <a:avLst/>
+          </a:prstGeom>
+        </p:spPr>
+        <p:txBody>
+          <a:bodyPr vert="horz" lIns="91440" tIns="45720" rIns="91440" bIns="45720" rtlCol="0"/>
+          <a:lstStyle>
+            <a:lvl1pPr algn="r">
+              <a:defRPr sz="1200"/>
+            </a:lvl1pPr>
+          </a:lstStyle>
+          <a:p>
+            <a:fld id="{AE223B80-E8D9-435B-A6E4-76A811B061CC}" type="datetimeFigureOut">
+              <a:rPr kumimoji="1" lang="ja-JP" altLang="en-US" smtClean="0"/>
+              <a:t>2025/9/23</a:t>
+            </a:fld>
+            <a:endParaRPr kumimoji="1" lang="ja-JP" altLang="en-US"/>
+          </a:p>
+        </p:txBody>
+      </p:sp>
+      <p:sp>
+        <p:nvSpPr>
+          <p:cNvPr id="4" name="スライド イメージ プレースホルダー 3"/>
+          <p:cNvSpPr>
+            <a:spLocks noGrp="1" noRot="1" noChangeAspect="1"/>
+          </p:cNvSpPr>
+          <p:nvPr>
+            <p:ph type="sldImg" idx="2"/>
+          </p:nvPr>
+        </p:nvSpPr>
+        <p:spPr>
+          <a:xfrm>
+            <a:off x="685800" y="1143000"/>
+            <a:ext cx="5486400" cy="3086100"/>
+          </a:xfrm>
+          <a:prstGeom prst="rect">
+            <a:avLst/>
+          </a:prstGeom>
+          <a:noFill/>
+          <a:ln w="12700">
+            <a:solidFill>
+              <a:prstClr val="black"/>
+            </a:solidFill>
+          </a:ln>
+        </p:spPr>
+        <p:txBody>
+          <a:bodyPr vert="horz" lIns="91440" tIns="45720" rIns="91440" bIns="45720" rtlCol="0" anchor="ctr"/>
+          <a:lstStyle/>
+          <a:p>
+            <a:endParaRPr lang="ja-JP" altLang="en-US"/>
+          </a:p>
+        </p:txBody>
+      </p:sp>
+      <p:sp>
+        <p:nvSpPr>
+          <p:cNvPr id="5" name="ノート プレースホルダー 4"/>
+          <p:cNvSpPr>
+            <a:spLocks noGrp="1"/>
+          </p:cNvSpPr>
+          <p:nvPr>
+            <p:ph type="body" sz="quarter" idx="3"/>
+          </p:nvPr>
+        </p:nvSpPr>
+        <p:spPr>
+          <a:xfrm>
+            <a:off x="685800" y="4400550"/>
+            <a:ext cx="5486400" cy="3600450"/>
+          </a:xfrm>
+          <a:prstGeom prst="rect">
+            <a:avLst/>
+          </a:prstGeom>
+        </p:spPr>
+        <p:txBody>
+          <a:bodyPr vert="horz" lIns="91440" tIns="45720" rIns="91440" bIns="45720" rtlCol="0"/>
+          <a:lstStyle/>
+          <a:p>
+            <a:pPr lvl="0"/>
+            <a:r>
+              <a:rPr kumimoji="1" lang="ja-JP" altLang="en-US"/>
+              <a:t>マスター テキストの書式設定</a:t>
+            </a:r>
+          </a:p>
+          <a:p>
+            <a:pPr lvl="1"/>
+            <a:r>
+              <a:rPr kumimoji="1" lang="ja-JP" altLang="en-US"/>
+              <a:t>第 </a:t>
+            </a:r>
+            <a:r>
+              <a:rPr kumimoji="1" lang="en-US" altLang="ja-JP"/>
+              <a:t>2 </a:t>
+            </a:r>
+            <a:r>
+              <a:rPr kumimoji="1" lang="ja-JP" altLang="en-US"/>
+              <a:t>レベル</a:t>
+            </a:r>
+          </a:p>
+          <a:p>
+            <a:pPr lvl="2"/>
+            <a:r>
+              <a:rPr kumimoji="1" lang="ja-JP" altLang="en-US"/>
+              <a:t>第 </a:t>
+            </a:r>
+            <a:r>
+              <a:rPr kumimoji="1" lang="en-US" altLang="ja-JP"/>
+              <a:t>3 </a:t>
+            </a:r>
+            <a:r>
+              <a:rPr kumimoji="1" lang="ja-JP" altLang="en-US"/>
+              <a:t>レベル</a:t>
+            </a:r>
+          </a:p>
+          <a:p>
+            <a:pPr lvl="3"/>
+            <a:r>
+              <a:rPr kumimoji="1" lang="ja-JP" altLang="en-US"/>
+              <a:t>第 </a:t>
+            </a:r>
+            <a:r>
+              <a:rPr kumimoji="1" lang="en-US" altLang="ja-JP"/>
+              <a:t>4 </a:t>
+            </a:r>
+            <a:r>
+              <a:rPr kumimoji="1" lang="ja-JP" altLang="en-US"/>
+              <a:t>レベル</a:t>
+            </a:r>
+          </a:p>
+          <a:p>
+            <a:pPr lvl="4"/>
+            <a:r>
+              <a:rPr kumimoji="1" lang="ja-JP" altLang="en-US"/>
+              <a:t>第 </a:t>
+            </a:r>
+            <a:r>
+              <a:rPr kumimoji="1" lang="en-US" altLang="ja-JP"/>
+              <a:t>5 </a:t>
+            </a:r>
+            <a:r>
+              <a:rPr kumimoji="1" lang="ja-JP" altLang="en-US"/>
+              <a:t>レベル</a:t>
+            </a:r>
+          </a:p>
+        </p:txBody>
+      </p:sp>
+      <p:sp>
+        <p:nvSpPr>
+          <p:cNvPr id="6" name="フッター プレースホルダー 5"/>
+          <p:cNvSpPr>
+            <a:spLocks noGrp="1"/>
+          </p:cNvSpPr>
+          <p:nvPr>
+            <p:ph type="ftr" sz="quarter" idx="4"/>
+          </p:nvPr>
+        </p:nvSpPr>
+        <p:spPr>
+          <a:xfrm>
+            <a:off x="0" y="8685213"/>
+            <a:ext cx="2971800" cy="458787"/>
+          </a:xfrm>
+          <a:prstGeom prst="rect">
+            <a:avLst/>
+          </a:prstGeom>
+        </p:spPr>
+        <p:txBody>
+          <a:bodyPr vert="horz" lIns="91440" tIns="45720" rIns="91440" bIns="45720" rtlCol="0" anchor="b"/>
+          <a:lstStyle>
+            <a:lvl1pPr algn="l">
+              <a:defRPr sz="1200"/>
+            </a:lvl1pPr>
+          </a:lstStyle>
+          <a:p>
+            <a:endParaRPr kumimoji="1" lang="ja-JP" altLang="en-US"/>
+          </a:p>
+        </p:txBody>
+      </p:sp>
+      <p:sp>
+        <p:nvSpPr>
+          <p:cNvPr id="7" name="スライド番号プレースホルダー 6"/>
+          <p:cNvSpPr>
+            <a:spLocks noGrp="1"/>
+          </p:cNvSpPr>
+          <p:nvPr>
+            <p:ph type="sldNum" sz="quarter" idx="5"/>
+          </p:nvPr>
+        </p:nvSpPr>
+        <p:spPr>
+          <a:xfrm>
+            <a:off x="3884613" y="8685213"/>
+            <a:ext cx="2971800" cy="458787"/>
+          </a:xfrm>
+          <a:prstGeom prst="rect">
+            <a:avLst/>
+          </a:prstGeom>
+        </p:spPr>
+        <p:txBody>
+          <a:bodyPr vert="horz" lIns="91440" tIns="45720" rIns="91440" bIns="45720" rtlCol="0" anchor="b"/>
+          <a:lstStyle>
+            <a:lvl1pPr algn="r">
+              <a:defRPr sz="1200"/>
+            </a:lvl1pPr>
+          </a:lstStyle>
+          <a:p>
+            <a:fld id="{AD8AB98A-B502-4EB7-B22F-023A491565A8}" type="slidenum">
+              <a:rPr kumimoji="1" lang="ja-JP" altLang="en-US" smtClean="0"/>
+              <a:t>‹#›</a:t>
+            </a:fld>
+            <a:endParaRPr kumimoji="1" lang="ja-JP" altLang="en-US"/>
+          </a:p>
+        </p:txBody>
+      </p:sp>
+    </p:spTree>
+    <p:extLst>
+      <p:ext uri="{BB962C8B-B14F-4D97-AF65-F5344CB8AC3E}">
+        <p14:creationId xmlns:p14="http://schemas.microsoft.com/office/powerpoint/2010/main" val="825984043"/>
+      </p:ext>
+    </p:extLst>
+  </p:cSld>
+  <p:clrMap bg1="lt1" tx1="dk1" bg2="lt2" tx2="dk2" accent1="accent1" accent2="accent2" accent3="accent3" accent4="accent4" accent5="accent5" accent6="accent6" hlink="hlink" folHlink="folHlink"/>
+  <p:notesStyle>
+    <a:lvl1pPr marL="0" algn="l" defTabSz="914400" rtl="0" eaLnBrk="1" latinLnBrk="0" hangingPunct="1">
+      <a:defRPr kumimoji="1" sz="1200" kern="1200">
+        <a:solidFill>
+          <a:schemeClr val="tx1"/>
+        </a:solidFill>
+        <a:latin typeface="+mn-lt"/>
+        <a:ea typeface="+mn-ea"/>
+        <a:cs typeface="+mn-cs"/>
+      </a:defRPr>
+    </a:lvl1pPr>
+    <a:lvl2pPr marL="457200" algn="l" defTabSz="914400" rtl="0" eaLnBrk="1" latinLnBrk="0" hangingPunct="1">
+      <a:defRPr kumimoji="1" sz="1200" kern="1200">
+        <a:solidFill>
+          <a:schemeClr val="tx1"/>
+        </a:solidFill>
+        <a:latin typeface="+mn-lt"/>
+        <a:ea typeface="+mn-ea"/>
+        <a:cs typeface="+mn-cs"/>
+      </a:defRPr>
+    </a:lvl2pPr>
+    <a:lvl3pPr marL="914400" algn="l" defTabSz="914400" rtl="0" eaLnBrk="1" latinLnBrk="0" hangingPunct="1">
+      <a:defRPr kumimoji="1" sz="1200" kern="1200">
+        <a:solidFill>
+          <a:schemeClr val="tx1"/>
+        </a:solidFill>
+        <a:latin typeface="+mn-lt"/>
+        <a:ea typeface="+mn-ea"/>
+        <a:cs typeface="+mn-cs"/>
+      </a:defRPr>
+    </a:lvl3pPr>
+    <a:lvl4pPr marL="1371600" algn="l" defTabSz="914400" rtl="0" eaLnBrk="1" latinLnBrk="0" hangingPunct="1">
+      <a:defRPr kumimoji="1" sz="1200" kern="1200">
+        <a:solidFill>
+          <a:schemeClr val="tx1"/>
+        </a:solidFill>
+        <a:latin typeface="+mn-lt"/>
+        <a:ea typeface="+mn-ea"/>
+        <a:cs typeface="+mn-cs"/>
+      </a:defRPr>
+    </a:lvl4pPr>
+    <a:lvl5pPr marL="1828800" algn="l" defTabSz="914400" rtl="0" eaLnBrk="1" latinLnBrk="0" hangingPunct="1">
+      <a:defRPr kumimoji="1" sz="1200" kern="1200">
+        <a:solidFill>
+          <a:schemeClr val="tx1"/>
+        </a:solidFill>
+        <a:latin typeface="+mn-lt"/>
+        <a:ea typeface="+mn-ea"/>
+        <a:cs typeface="+mn-cs"/>
+      </a:defRPr>
+    </a:lvl5pPr>
+    <a:lvl6pPr marL="2286000" algn="l" defTabSz="914400" rtl="0" eaLnBrk="1" latinLnBrk="0" hangingPunct="1">
+      <a:defRPr kumimoji="1" sz="1200" kern="1200">
+        <a:solidFill>
+          <a:schemeClr val="tx1"/>
+        </a:solidFill>
+        <a:latin typeface="+mn-lt"/>
+        <a:ea typeface="+mn-ea"/>
+        <a:cs typeface="+mn-cs"/>
+      </a:defRPr>
+    </a:lvl6pPr>
+    <a:lvl7pPr marL="2743200" algn="l" defTabSz="914400" rtl="0" eaLnBrk="1" latinLnBrk="0" hangingPunct="1">
+      <a:defRPr kumimoji="1" sz="1200" kern="1200">
+        <a:solidFill>
+          <a:schemeClr val="tx1"/>
+        </a:solidFill>
+        <a:latin typeface="+mn-lt"/>
+        <a:ea typeface="+mn-ea"/>
+        <a:cs typeface="+mn-cs"/>
+      </a:defRPr>
+    </a:lvl7pPr>
+    <a:lvl8pPr marL="3200400" algn="l" defTabSz="914400" rtl="0" eaLnBrk="1" latinLnBrk="0" hangingPunct="1">
+      <a:defRPr kumimoji="1" sz="1200" kern="1200">
+        <a:solidFill>
+          <a:schemeClr val="tx1"/>
+        </a:solidFill>
+        <a:latin typeface="+mn-lt"/>
+        <a:ea typeface="+mn-ea"/>
+        <a:cs typeface="+mn-cs"/>
+      </a:defRPr>
+    </a:lvl8pPr>
+    <a:lvl9pPr marL="3657600" algn="l" defTabSz="914400" rtl="0" eaLnBrk="1" latinLnBrk="0" hangingPunct="1">
+      <a:defRPr kumimoji="1" sz="1200" kern="1200">
+        <a:solidFill>
+          <a:schemeClr val="tx1"/>
+        </a:solidFill>
+        <a:latin typeface="+mn-lt"/>
+        <a:ea typeface="+mn-ea"/>
+        <a:cs typeface="+mn-cs"/>
+      </a:defRPr>
+    </a:lvl9pPr>
+  </p:notesStyle>
+</p:notesMaster>
+</file>
+
+<file path=ppt/notesSlides/notesSlide1.xml><?xml version="1.0" encoding="utf-8"?>
+<p:notes xmlns:a="http://schemas.openxmlformats.org/drawingml/2006/main" xmlns:r="http://schemas.openxmlformats.org/officeDocument/2006/relationships" xmlns:p="http://schemas.openxmlformats.org/presentationml/2006/main">
+  <p:cSld>
+    <p:spTree>
+      <p:nvGrpSpPr>
+        <p:cNvPr id="1" name=""/>
+        <p:cNvGrpSpPr/>
+        <p:nvPr/>
+      </p:nvGrpSpPr>
+      <p:grpSpPr>
+        <a:xfrm>
+          <a:off x="0" y="0"/>
+          <a:ext cx="0" cy="0"/>
+          <a:chOff x="0" y="0"/>
+          <a:chExt cx="0" cy="0"/>
+        </a:xfrm>
+      </p:grpSpPr>
+      <p:sp>
+        <p:nvSpPr>
+          <p:cNvPr id="2" name="スライド イメージ プレースホルダー 1"/>
+          <p:cNvSpPr>
+            <a:spLocks noGrp="1" noRot="1" noChangeAspect="1"/>
+          </p:cNvSpPr>
+          <p:nvPr>
+            <p:ph type="sldImg"/>
+          </p:nvPr>
+        </p:nvSpPr>
+        <p:spPr/>
+      </p:sp>
+      <p:sp>
+        <p:nvSpPr>
+          <p:cNvPr id="3" name="ノート プレースホルダー 2"/>
+          <p:cNvSpPr>
+            <a:spLocks noGrp="1"/>
+          </p:cNvSpPr>
+          <p:nvPr>
+            <p:ph type="body" idx="1"/>
+          </p:nvPr>
+        </p:nvSpPr>
+        <p:spPr/>
+        <p:txBody>
+          <a:bodyPr/>
+          <a:lstStyle/>
+          <a:p>
+            <a:endParaRPr kumimoji="1" lang="ja-JP" altLang="en-US" dirty="0"/>
+          </a:p>
+        </p:txBody>
+      </p:sp>
+      <p:sp>
+        <p:nvSpPr>
+          <p:cNvPr id="4" name="スライド番号プレースホルダー 3"/>
+          <p:cNvSpPr>
+            <a:spLocks noGrp="1"/>
+          </p:cNvSpPr>
+          <p:nvPr>
+            <p:ph type="sldNum" sz="quarter" idx="5"/>
+          </p:nvPr>
+        </p:nvSpPr>
+        <p:spPr/>
+        <p:txBody>
+          <a:bodyPr/>
+          <a:lstStyle/>
+          <a:p>
+            <a:fld id="{AD8AB98A-B502-4EB7-B22F-023A491565A8}" type="slidenum">
+              <a:rPr kumimoji="1" lang="ja-JP" altLang="en-US" smtClean="0"/>
+              <a:t>15</a:t>
+            </a:fld>
+            <a:endParaRPr kumimoji="1" lang="ja-JP" altLang="en-US"/>
+          </a:p>
+        </p:txBody>
+      </p:sp>
+    </p:spTree>
+    <p:extLst>
+      <p:ext uri="{BB962C8B-B14F-4D97-AF65-F5344CB8AC3E}">
+        <p14:creationId xmlns:p14="http://schemas.microsoft.com/office/powerpoint/2010/main" val="1313345380"/>
+      </p:ext>
+    </p:extLst>
+  </p:cSld>
+  <p:clrMapOvr>
+    <a:masterClrMapping/>
+  </p:clrMapOvr>
+</p:notes>
+</file>
+
 <file path=ppt/slideLayouts/slideLayout1.xml><?xml version="1.0" encoding="utf-8"?>
 <p:sldLayout xmlns:a="http://schemas.openxmlformats.org/drawingml/2006/main" xmlns:r="http://schemas.openxmlformats.org/officeDocument/2006/relationships" xmlns:p="http://schemas.openxmlformats.org/presentationml/2006/main" type="title" preserve="1">
   <p:cSld name="タイトル スライド">
@@ -1890,7 +2717,7 @@
           <a:p>
             <a:fld id="{9627246E-3903-4E01-B28D-BFF5567D65C3}" type="datetimeFigureOut">
               <a:rPr kumimoji="1" lang="ja-JP" altLang="en-US" smtClean="0"/>
-              <a:t>2025/9/16</a:t>
+              <a:t>2025/9/22</a:t>
             </a:fld>
             <a:endParaRPr kumimoji="1" lang="ja-JP" altLang="en-US"/>
           </a:p>
@@ -2120,7 +2947,7 @@
           <a:p>
             <a:fld id="{9627246E-3903-4E01-B28D-BFF5567D65C3}" type="datetimeFigureOut">
               <a:rPr kumimoji="1" lang="ja-JP" altLang="en-US" smtClean="0"/>
-              <a:t>2025/9/16</a:t>
+              <a:t>2025/9/22</a:t>
             </a:fld>
             <a:endParaRPr kumimoji="1" lang="ja-JP" altLang="en-US"/>
           </a:p>
@@ -2360,7 +3187,7 @@
           <a:p>
             <a:fld id="{9627246E-3903-4E01-B28D-BFF5567D65C3}" type="datetimeFigureOut">
               <a:rPr kumimoji="1" lang="ja-JP" altLang="en-US" smtClean="0"/>
-              <a:t>2025/9/16</a:t>
+              <a:t>2025/9/22</a:t>
             </a:fld>
             <a:endParaRPr kumimoji="1" lang="ja-JP" altLang="en-US"/>
           </a:p>
@@ -2590,7 +3417,7 @@
           <a:p>
             <a:fld id="{9627246E-3903-4E01-B28D-BFF5567D65C3}" type="datetimeFigureOut">
               <a:rPr kumimoji="1" lang="ja-JP" altLang="en-US" smtClean="0"/>
-              <a:t>2025/9/16</a:t>
+              <a:t>2025/9/22</a:t>
             </a:fld>
             <a:endParaRPr kumimoji="1" lang="ja-JP" altLang="en-US"/>
           </a:p>
@@ -2865,7 +3692,7 @@
           <a:p>
             <a:fld id="{9627246E-3903-4E01-B28D-BFF5567D65C3}" type="datetimeFigureOut">
               <a:rPr kumimoji="1" lang="ja-JP" altLang="en-US" smtClean="0"/>
-              <a:t>2025/9/16</a:t>
+              <a:t>2025/9/22</a:t>
             </a:fld>
             <a:endParaRPr kumimoji="1" lang="ja-JP" altLang="en-US"/>
           </a:p>
@@ -3194,7 +4021,7 @@
           <a:p>
             <a:fld id="{9627246E-3903-4E01-B28D-BFF5567D65C3}" type="datetimeFigureOut">
               <a:rPr kumimoji="1" lang="ja-JP" altLang="en-US" smtClean="0"/>
-              <a:t>2025/9/16</a:t>
+              <a:t>2025/9/22</a:t>
             </a:fld>
             <a:endParaRPr kumimoji="1" lang="ja-JP" altLang="en-US"/>
           </a:p>
@@ -3670,7 +4497,7 @@
           <a:p>
             <a:fld id="{9627246E-3903-4E01-B28D-BFF5567D65C3}" type="datetimeFigureOut">
               <a:rPr kumimoji="1" lang="ja-JP" altLang="en-US" smtClean="0"/>
-              <a:t>2025/9/16</a:t>
+              <a:t>2025/9/22</a:t>
             </a:fld>
             <a:endParaRPr kumimoji="1" lang="ja-JP" altLang="en-US"/>
           </a:p>
@@ -3811,7 +4638,7 @@
           <a:p>
             <a:fld id="{9627246E-3903-4E01-B28D-BFF5567D65C3}" type="datetimeFigureOut">
               <a:rPr kumimoji="1" lang="ja-JP" altLang="en-US" smtClean="0"/>
-              <a:t>2025/9/16</a:t>
+              <a:t>2025/9/22</a:t>
             </a:fld>
             <a:endParaRPr kumimoji="1" lang="ja-JP" altLang="en-US"/>
           </a:p>
@@ -3924,7 +4751,7 @@
           <a:p>
             <a:fld id="{9627246E-3903-4E01-B28D-BFF5567D65C3}" type="datetimeFigureOut">
               <a:rPr kumimoji="1" lang="ja-JP" altLang="en-US" smtClean="0"/>
-              <a:t>2025/9/16</a:t>
+              <a:t>2025/9/22</a:t>
             </a:fld>
             <a:endParaRPr kumimoji="1" lang="ja-JP" altLang="en-US"/>
           </a:p>
@@ -4267,7 +5094,7 @@
           <a:p>
             <a:fld id="{9627246E-3903-4E01-B28D-BFF5567D65C3}" type="datetimeFigureOut">
               <a:rPr kumimoji="1" lang="ja-JP" altLang="en-US" smtClean="0"/>
-              <a:t>2025/9/16</a:t>
+              <a:t>2025/9/22</a:t>
             </a:fld>
             <a:endParaRPr kumimoji="1" lang="ja-JP" altLang="en-US"/>
           </a:p>
@@ -4555,7 +5382,7 @@
           <a:p>
             <a:fld id="{9627246E-3903-4E01-B28D-BFF5567D65C3}" type="datetimeFigureOut">
               <a:rPr kumimoji="1" lang="ja-JP" altLang="en-US" smtClean="0"/>
-              <a:t>2025/9/16</a:t>
+              <a:t>2025/9/22</a:t>
             </a:fld>
             <a:endParaRPr kumimoji="1" lang="ja-JP" altLang="en-US"/>
           </a:p>
@@ -4828,7 +5655,7 @@
           <a:p>
             <a:fld id="{9627246E-3903-4E01-B28D-BFF5567D65C3}" type="datetimeFigureOut">
               <a:rPr kumimoji="1" lang="ja-JP" altLang="en-US" smtClean="0"/>
-              <a:t>2025/9/16</a:t>
+              <a:t>2025/9/22</a:t>
             </a:fld>
             <a:endParaRPr kumimoji="1" lang="ja-JP" altLang="en-US"/>
           </a:p>
@@ -5294,7 +6121,12 @@
             <p:ph type="subTitle" idx="1"/>
           </p:nvPr>
         </p:nvSpPr>
-        <p:spPr/>
+        <p:spPr>
+          <a:xfrm>
+            <a:off x="1333500" y="3602038"/>
+            <a:ext cx="10001250" cy="1655762"/>
+          </a:xfrm>
+        </p:spPr>
         <p:txBody>
           <a:bodyPr/>
           <a:lstStyle/>
@@ -5309,11 +6141,15 @@
             </a:r>
             <a:r>
               <a:rPr kumimoji="1" lang="ja-JP" altLang="en-US" dirty="0"/>
-              <a:t>の初歩の初歩</a:t>
+              <a:t>の初歩</a:t>
+            </a:r>
+            <a:r>
+              <a:rPr lang="ja-JP" altLang="en-US" dirty="0"/>
+              <a:t>の初歩から将来を考えてみる</a:t>
             </a:r>
             <a:r>
               <a:rPr lang="en-US" altLang="ja-JP" dirty="0"/>
-              <a:t> -</a:t>
+              <a:t>-</a:t>
             </a:r>
             <a:endParaRPr kumimoji="1" lang="ja-JP" altLang="en-US" dirty="0"/>
           </a:p>
@@ -5378,13 +6214,855 @@
           <a:lstStyle/>
           <a:p>
             <a:r>
+              <a:rPr lang="ja-JP" altLang="en-US" dirty="0"/>
+              <a:t>さまざまな</a:t>
+            </a:r>
+            <a:r>
+              <a:rPr lang="en-US" altLang="ja-JP" dirty="0"/>
+              <a:t>MCP</a:t>
+            </a:r>
+            <a:r>
+              <a:rPr lang="ja-JP" altLang="en-US" dirty="0"/>
+              <a:t>クライアント</a:t>
+            </a:r>
+            <a:endParaRPr kumimoji="1" lang="ja-JP" altLang="en-US" dirty="0"/>
+          </a:p>
+        </p:txBody>
+      </p:sp>
+      <p:sp>
+        <p:nvSpPr>
+          <p:cNvPr id="12" name="コンテンツ プレースホルダー 11">
+            <a:extLst>
+              <a:ext uri="{FF2B5EF4-FFF2-40B4-BE49-F238E27FC236}">
+                <a16:creationId xmlns:a16="http://schemas.microsoft.com/office/drawing/2014/main" id="{E944DFBB-A102-FEAA-D487-BCBEE3A4BD63}"/>
+              </a:ext>
+            </a:extLst>
+          </p:cNvPr>
+          <p:cNvSpPr>
+            <a:spLocks noGrp="1"/>
+          </p:cNvSpPr>
+          <p:nvPr>
+            <p:ph idx="1"/>
+          </p:nvPr>
+        </p:nvSpPr>
+        <p:spPr>
+          <a:xfrm>
+            <a:off x="838200" y="1256146"/>
+            <a:ext cx="10515600" cy="4351338"/>
+          </a:xfrm>
+        </p:spPr>
+        <p:txBody>
+          <a:bodyPr>
+            <a:normAutofit/>
+          </a:bodyPr>
+          <a:lstStyle/>
+          <a:p>
+            <a:pPr>
+              <a:buFontTx/>
+              <a:buChar char="-"/>
+            </a:pPr>
+            <a:r>
+              <a:rPr lang="ja-JP" altLang="en-US" sz="2400" dirty="0"/>
+              <a:t>現在、以下のような</a:t>
+            </a:r>
+            <a:r>
+              <a:rPr lang="en-US" altLang="ja-JP" sz="2400" dirty="0"/>
+              <a:t>MCP</a:t>
+            </a:r>
+            <a:r>
+              <a:rPr lang="ja-JP" altLang="en-US" sz="2400" dirty="0"/>
+              <a:t>クライアントが存在するようです</a:t>
+            </a:r>
+            <a:endParaRPr lang="en-US" altLang="ja-JP" sz="2400" dirty="0"/>
+          </a:p>
+          <a:p>
+            <a:pPr>
+              <a:buFontTx/>
+              <a:buChar char="-"/>
+            </a:pPr>
+            <a:r>
+              <a:rPr lang="ja-JP" altLang="en-US" sz="2400" dirty="0">
+                <a:hlinkClick r:id="rId2"/>
+              </a:rPr>
+              <a:t>クライアントの例 </a:t>
+            </a:r>
+            <a:r>
+              <a:rPr lang="en-US" altLang="ja-JP" sz="2400" dirty="0">
+                <a:hlinkClick r:id="rId2"/>
+              </a:rPr>
+              <a:t>- MCP</a:t>
+            </a:r>
+            <a:r>
+              <a:rPr lang="ja-JP" altLang="en-US" sz="2400" dirty="0">
+                <a:hlinkClick r:id="rId2"/>
+              </a:rPr>
+              <a:t>公式ドキュメント 日本語版</a:t>
+            </a:r>
+            <a:endParaRPr lang="en-US" altLang="ja-JP" sz="2400" dirty="0"/>
+          </a:p>
+          <a:p>
+            <a:pPr>
+              <a:buFontTx/>
+              <a:buChar char="-"/>
+            </a:pPr>
+            <a:endParaRPr lang="en-US" altLang="ja-JP" sz="2400" dirty="0"/>
+          </a:p>
+          <a:p>
+            <a:pPr>
+              <a:buFontTx/>
+              <a:buChar char="-"/>
+            </a:pPr>
+            <a:endParaRPr lang="en-US" altLang="ja-JP" sz="2400" dirty="0"/>
+          </a:p>
+          <a:p>
+            <a:pPr>
+              <a:buFontTx/>
+              <a:buChar char="-"/>
+            </a:pPr>
+            <a:endParaRPr lang="en-US" altLang="ja-JP" sz="2400" dirty="0"/>
+          </a:p>
+          <a:p>
+            <a:pPr marL="0" indent="0">
+              <a:buNone/>
+            </a:pPr>
+            <a:endParaRPr lang="en-US" altLang="ja-JP" sz="2400" dirty="0"/>
+          </a:p>
+          <a:p>
+            <a:pPr>
+              <a:buFontTx/>
+              <a:buChar char="-"/>
+            </a:pPr>
+            <a:endParaRPr lang="en-US" altLang="ja-JP" sz="2400" dirty="0"/>
+          </a:p>
+          <a:p>
+            <a:pPr marL="0" indent="0">
+              <a:buNone/>
+            </a:pPr>
+            <a:endParaRPr lang="en-US" altLang="ja-JP" sz="2400" dirty="0"/>
+          </a:p>
+          <a:p>
+            <a:pPr>
+              <a:buFontTx/>
+              <a:buChar char="-"/>
+            </a:pPr>
+            <a:endParaRPr lang="en-US" altLang="ja-JP" sz="2400" dirty="0"/>
+          </a:p>
+          <a:p>
+            <a:pPr>
+              <a:buFontTx/>
+              <a:buChar char="-"/>
+            </a:pPr>
+            <a:endParaRPr lang="en-US" altLang="ja-JP" sz="2400" dirty="0"/>
+          </a:p>
+          <a:p>
+            <a:pPr>
+              <a:buFontTx/>
+              <a:buChar char="-"/>
+            </a:pPr>
+            <a:endParaRPr lang="en-US" altLang="ja-JP" sz="2400" dirty="0"/>
+          </a:p>
+        </p:txBody>
+      </p:sp>
+      <p:pic>
+        <p:nvPicPr>
+          <p:cNvPr id="5" name="図 4">
+            <a:extLst>
+              <a:ext uri="{FF2B5EF4-FFF2-40B4-BE49-F238E27FC236}">
+                <a16:creationId xmlns:a16="http://schemas.microsoft.com/office/drawing/2014/main" id="{AA199C3B-085E-9698-9331-0F7F96833D5D}"/>
+              </a:ext>
+            </a:extLst>
+          </p:cNvPr>
+          <p:cNvPicPr>
+            <a:picLocks noChangeAspect="1"/>
+          </p:cNvPicPr>
+          <p:nvPr/>
+        </p:nvPicPr>
+        <p:blipFill>
+          <a:blip r:embed="rId3"/>
+          <a:stretch>
+            <a:fillRect/>
+          </a:stretch>
+        </p:blipFill>
+        <p:spPr>
+          <a:xfrm>
+            <a:off x="655983" y="2147166"/>
+            <a:ext cx="4922841" cy="4454517"/>
+          </a:xfrm>
+          <a:prstGeom prst="rect">
+            <a:avLst/>
+          </a:prstGeom>
+        </p:spPr>
+      </p:pic>
+      <p:pic>
+        <p:nvPicPr>
+          <p:cNvPr id="9" name="図 8">
+            <a:extLst>
+              <a:ext uri="{FF2B5EF4-FFF2-40B4-BE49-F238E27FC236}">
+                <a16:creationId xmlns:a16="http://schemas.microsoft.com/office/drawing/2014/main" id="{B61030AB-1EC9-B313-3903-6F6D8CB3514E}"/>
+              </a:ext>
+            </a:extLst>
+          </p:cNvPr>
+          <p:cNvPicPr>
+            <a:picLocks noChangeAspect="1"/>
+          </p:cNvPicPr>
+          <p:nvPr/>
+        </p:nvPicPr>
+        <p:blipFill>
+          <a:blip r:embed="rId4"/>
+          <a:stretch>
+            <a:fillRect/>
+          </a:stretch>
+        </p:blipFill>
+        <p:spPr>
+          <a:xfrm>
+            <a:off x="5716404" y="2713383"/>
+            <a:ext cx="6203261" cy="3351187"/>
+          </a:xfrm>
+          <a:prstGeom prst="rect">
+            <a:avLst/>
+          </a:prstGeom>
+        </p:spPr>
+      </p:pic>
+    </p:spTree>
+    <p:extLst>
+      <p:ext uri="{BB962C8B-B14F-4D97-AF65-F5344CB8AC3E}">
+        <p14:creationId xmlns:p14="http://schemas.microsoft.com/office/powerpoint/2010/main" val="2816348142"/>
+      </p:ext>
+    </p:extLst>
+  </p:cSld>
+  <p:clrMapOvr>
+    <a:masterClrMapping/>
+  </p:clrMapOvr>
+</p:sld>
+</file>
+
+<file path=ppt/slides/slide11.xml><?xml version="1.0" encoding="utf-8"?>
+<p:sld xmlns:a="http://schemas.openxmlformats.org/drawingml/2006/main" xmlns:r="http://schemas.openxmlformats.org/officeDocument/2006/relationships" xmlns:p="http://schemas.openxmlformats.org/presentationml/2006/main">
+  <p:cSld>
+    <p:spTree>
+      <p:nvGrpSpPr>
+        <p:cNvPr id="1" name=""/>
+        <p:cNvGrpSpPr/>
+        <p:nvPr/>
+      </p:nvGrpSpPr>
+      <p:grpSpPr>
+        <a:xfrm>
+          <a:off x="0" y="0"/>
+          <a:ext cx="0" cy="0"/>
+          <a:chOff x="0" y="0"/>
+          <a:chExt cx="0" cy="0"/>
+        </a:xfrm>
+      </p:grpSpPr>
+      <p:sp>
+        <p:nvSpPr>
+          <p:cNvPr id="6" name="タイトル 1">
+            <a:extLst>
+              <a:ext uri="{FF2B5EF4-FFF2-40B4-BE49-F238E27FC236}">
+                <a16:creationId xmlns:a16="http://schemas.microsoft.com/office/drawing/2014/main" id="{2AEACF45-C9B8-A4D5-5CD6-BD84C08C1E6D}"/>
+              </a:ext>
+            </a:extLst>
+          </p:cNvPr>
+          <p:cNvSpPr>
+            <a:spLocks noGrp="1"/>
+          </p:cNvSpPr>
+          <p:nvPr>
+            <p:ph type="title"/>
+          </p:nvPr>
+        </p:nvSpPr>
+        <p:spPr>
+          <a:xfrm>
+            <a:off x="747505" y="305215"/>
+            <a:ext cx="10515600" cy="891020"/>
+          </a:xfrm>
+        </p:spPr>
+        <p:txBody>
+          <a:bodyPr>
+            <a:normAutofit/>
+          </a:bodyPr>
+          <a:lstStyle/>
+          <a:p>
+            <a:r>
+              <a:rPr kumimoji="1" lang="ja-JP" altLang="en-US" sz="3200" dirty="0"/>
+              <a:t>補足</a:t>
+            </a:r>
+            <a:r>
+              <a:rPr kumimoji="1" lang="en-US" altLang="ja-JP" sz="3200" dirty="0"/>
+              <a:t>1: Cline(MCP Client)</a:t>
+            </a:r>
+            <a:r>
+              <a:rPr kumimoji="1" lang="ja-JP" altLang="en-US" sz="3200" dirty="0"/>
+              <a:t>と自前</a:t>
+            </a:r>
+            <a:r>
+              <a:rPr kumimoji="1" lang="en-US" altLang="ja-JP" sz="3200" dirty="0"/>
+              <a:t>MCP Server </a:t>
+            </a:r>
+            <a:r>
+              <a:rPr kumimoji="1" lang="ja-JP" altLang="en-US" sz="3200" dirty="0"/>
+              <a:t>との連携例</a:t>
+            </a:r>
+          </a:p>
+        </p:txBody>
+      </p:sp>
+      <p:sp>
+        <p:nvSpPr>
+          <p:cNvPr id="8" name="コンテンツ プレースホルダー 7">
+            <a:extLst>
+              <a:ext uri="{FF2B5EF4-FFF2-40B4-BE49-F238E27FC236}">
+                <a16:creationId xmlns:a16="http://schemas.microsoft.com/office/drawing/2014/main" id="{1F7A38DD-8B4A-F75C-EA23-AF8B78597650}"/>
+              </a:ext>
+            </a:extLst>
+          </p:cNvPr>
+          <p:cNvSpPr>
+            <a:spLocks noGrp="1"/>
+          </p:cNvSpPr>
+          <p:nvPr>
+            <p:ph idx="1"/>
+          </p:nvPr>
+        </p:nvSpPr>
+        <p:spPr/>
+        <p:txBody>
+          <a:bodyPr/>
+          <a:lstStyle/>
+          <a:p>
+            <a:endParaRPr lang="ja-JP" altLang="en-US"/>
+          </a:p>
+        </p:txBody>
+      </p:sp>
+      <p:pic>
+        <p:nvPicPr>
+          <p:cNvPr id="10" name="図 9">
+            <a:extLst>
+              <a:ext uri="{FF2B5EF4-FFF2-40B4-BE49-F238E27FC236}">
+                <a16:creationId xmlns:a16="http://schemas.microsoft.com/office/drawing/2014/main" id="{E21D10BD-5CBE-55B1-C394-B4FDC14F6C70}"/>
+              </a:ext>
+            </a:extLst>
+          </p:cNvPr>
+          <p:cNvPicPr>
+            <a:picLocks noChangeAspect="1"/>
+          </p:cNvPicPr>
+          <p:nvPr/>
+        </p:nvPicPr>
+        <p:blipFill>
+          <a:blip r:embed="rId2"/>
+          <a:stretch>
+            <a:fillRect/>
+          </a:stretch>
+        </p:blipFill>
+        <p:spPr>
+          <a:xfrm>
+            <a:off x="630927" y="960946"/>
+            <a:ext cx="10748756" cy="5591839"/>
+          </a:xfrm>
+          <a:prstGeom prst="rect">
+            <a:avLst/>
+          </a:prstGeom>
+        </p:spPr>
+      </p:pic>
+    </p:spTree>
+    <p:extLst>
+      <p:ext uri="{BB962C8B-B14F-4D97-AF65-F5344CB8AC3E}">
+        <p14:creationId xmlns:p14="http://schemas.microsoft.com/office/powerpoint/2010/main" val="2981599444"/>
+      </p:ext>
+    </p:extLst>
+  </p:cSld>
+  <p:clrMapOvr>
+    <a:masterClrMapping/>
+  </p:clrMapOvr>
+</p:sld>
+</file>
+
+<file path=ppt/slides/slide12.xml><?xml version="1.0" encoding="utf-8"?>
+<p:sld xmlns:a="http://schemas.openxmlformats.org/drawingml/2006/main" xmlns:r="http://schemas.openxmlformats.org/officeDocument/2006/relationships" xmlns:p="http://schemas.openxmlformats.org/presentationml/2006/main">
+  <p:cSld>
+    <p:spTree>
+      <p:nvGrpSpPr>
+        <p:cNvPr id="1" name=""/>
+        <p:cNvGrpSpPr/>
+        <p:nvPr/>
+      </p:nvGrpSpPr>
+      <p:grpSpPr>
+        <a:xfrm>
+          <a:off x="0" y="0"/>
+          <a:ext cx="0" cy="0"/>
+          <a:chOff x="0" y="0"/>
+          <a:chExt cx="0" cy="0"/>
+        </a:xfrm>
+      </p:grpSpPr>
+      <p:sp>
+        <p:nvSpPr>
+          <p:cNvPr id="6" name="タイトル 1">
+            <a:extLst>
+              <a:ext uri="{FF2B5EF4-FFF2-40B4-BE49-F238E27FC236}">
+                <a16:creationId xmlns:a16="http://schemas.microsoft.com/office/drawing/2014/main" id="{2AEACF45-C9B8-A4D5-5CD6-BD84C08C1E6D}"/>
+              </a:ext>
+            </a:extLst>
+          </p:cNvPr>
+          <p:cNvSpPr>
+            <a:spLocks noGrp="1"/>
+          </p:cNvSpPr>
+          <p:nvPr>
+            <p:ph type="title"/>
+          </p:nvPr>
+        </p:nvSpPr>
+        <p:spPr>
+          <a:xfrm>
+            <a:off x="747505" y="305215"/>
+            <a:ext cx="10515600" cy="891020"/>
+          </a:xfrm>
+        </p:spPr>
+        <p:txBody>
+          <a:bodyPr>
+            <a:normAutofit/>
+          </a:bodyPr>
+          <a:lstStyle/>
+          <a:p>
+            <a:r>
+              <a:rPr kumimoji="1" lang="ja-JP" altLang="en-US" sz="3200" dirty="0"/>
+              <a:t>補足</a:t>
+            </a:r>
+            <a:r>
+              <a:rPr kumimoji="1" lang="en-US" altLang="ja-JP" sz="3200" dirty="0"/>
+              <a:t>2: Claude Desktop</a:t>
+            </a:r>
+            <a:r>
+              <a:rPr kumimoji="1" lang="ja-JP" altLang="en-US" sz="3200" dirty="0"/>
+              <a:t>と自前</a:t>
+            </a:r>
+            <a:r>
+              <a:rPr kumimoji="1" lang="en-US" altLang="ja-JP" sz="3200" dirty="0"/>
+              <a:t>MCP</a:t>
+            </a:r>
+            <a:r>
+              <a:rPr kumimoji="1" lang="ja-JP" altLang="en-US" sz="3200" dirty="0"/>
+              <a:t>サーバーとの連携例</a:t>
+            </a:r>
+          </a:p>
+        </p:txBody>
+      </p:sp>
+      <p:pic>
+        <p:nvPicPr>
+          <p:cNvPr id="3" name="図 2">
+            <a:extLst>
+              <a:ext uri="{FF2B5EF4-FFF2-40B4-BE49-F238E27FC236}">
+                <a16:creationId xmlns:a16="http://schemas.microsoft.com/office/drawing/2014/main" id="{6D3C645A-E9F4-402B-764F-7D3E8358C5C3}"/>
+              </a:ext>
+            </a:extLst>
+          </p:cNvPr>
+          <p:cNvPicPr>
+            <a:picLocks noChangeAspect="1"/>
+          </p:cNvPicPr>
+          <p:nvPr/>
+        </p:nvPicPr>
+        <p:blipFill>
+          <a:blip r:embed="rId2"/>
+          <a:stretch>
+            <a:fillRect/>
+          </a:stretch>
+        </p:blipFill>
+        <p:spPr>
+          <a:xfrm>
+            <a:off x="747505" y="990257"/>
+            <a:ext cx="6381369" cy="3353143"/>
+          </a:xfrm>
+          <a:prstGeom prst="rect">
+            <a:avLst/>
+          </a:prstGeom>
+        </p:spPr>
+      </p:pic>
+      <p:pic>
+        <p:nvPicPr>
+          <p:cNvPr id="5" name="図 4">
+            <a:extLst>
+              <a:ext uri="{FF2B5EF4-FFF2-40B4-BE49-F238E27FC236}">
+                <a16:creationId xmlns:a16="http://schemas.microsoft.com/office/drawing/2014/main" id="{DE3AC8DC-0A55-2CC4-81B0-C778C7443617}"/>
+              </a:ext>
+            </a:extLst>
+          </p:cNvPr>
+          <p:cNvPicPr>
+            <a:picLocks noChangeAspect="1"/>
+          </p:cNvPicPr>
+          <p:nvPr/>
+        </p:nvPicPr>
+        <p:blipFill>
+          <a:blip r:embed="rId3"/>
+          <a:stretch>
+            <a:fillRect/>
+          </a:stretch>
+        </p:blipFill>
+        <p:spPr>
+          <a:xfrm>
+            <a:off x="6833460" y="3504360"/>
+            <a:ext cx="4725059" cy="3048425"/>
+          </a:xfrm>
+          <a:prstGeom prst="rect">
+            <a:avLst/>
+          </a:prstGeom>
+        </p:spPr>
+      </p:pic>
+    </p:spTree>
+    <p:extLst>
+      <p:ext uri="{BB962C8B-B14F-4D97-AF65-F5344CB8AC3E}">
+        <p14:creationId xmlns:p14="http://schemas.microsoft.com/office/powerpoint/2010/main" val="3108515768"/>
+      </p:ext>
+    </p:extLst>
+  </p:cSld>
+  <p:clrMapOvr>
+    <a:masterClrMapping/>
+  </p:clrMapOvr>
+</p:sld>
+</file>
+
+<file path=ppt/slides/slide13.xml><?xml version="1.0" encoding="utf-8"?>
+<p:sld xmlns:a="http://schemas.openxmlformats.org/drawingml/2006/main" xmlns:r="http://schemas.openxmlformats.org/officeDocument/2006/relationships" xmlns:p="http://schemas.openxmlformats.org/presentationml/2006/main">
+  <p:cSld>
+    <p:spTree>
+      <p:nvGrpSpPr>
+        <p:cNvPr id="1" name=""/>
+        <p:cNvGrpSpPr/>
+        <p:nvPr/>
+      </p:nvGrpSpPr>
+      <p:grpSpPr>
+        <a:xfrm>
+          <a:off x="0" y="0"/>
+          <a:ext cx="0" cy="0"/>
+          <a:chOff x="0" y="0"/>
+          <a:chExt cx="0" cy="0"/>
+        </a:xfrm>
+      </p:grpSpPr>
+      <p:sp>
+        <p:nvSpPr>
+          <p:cNvPr id="2" name="タイトル 1">
+            <a:extLst>
+              <a:ext uri="{FF2B5EF4-FFF2-40B4-BE49-F238E27FC236}">
+                <a16:creationId xmlns:a16="http://schemas.microsoft.com/office/drawing/2014/main" id="{9C784ACA-9376-15C6-DD93-68B5D582FADA}"/>
+              </a:ext>
+            </a:extLst>
+          </p:cNvPr>
+          <p:cNvSpPr>
+            <a:spLocks noGrp="1"/>
+          </p:cNvSpPr>
+          <p:nvPr>
+            <p:ph type="title"/>
+          </p:nvPr>
+        </p:nvSpPr>
+        <p:spPr>
+          <a:xfrm>
+            <a:off x="838200" y="365126"/>
+            <a:ext cx="10515600" cy="891020"/>
+          </a:xfrm>
+        </p:spPr>
+        <p:txBody>
+          <a:bodyPr>
+            <a:normAutofit/>
+          </a:bodyPr>
+          <a:lstStyle/>
+          <a:p>
+            <a:r>
+              <a:rPr lang="ja-JP" altLang="en-US" dirty="0"/>
+              <a:t>さまざまな</a:t>
+            </a:r>
+            <a:r>
+              <a:rPr lang="en-US" altLang="ja-JP" dirty="0"/>
+              <a:t>MCP</a:t>
+            </a:r>
+            <a:r>
+              <a:rPr lang="ja-JP" altLang="en-US" dirty="0"/>
+              <a:t>サーバー</a:t>
+            </a:r>
+            <a:endParaRPr kumimoji="1" lang="ja-JP" altLang="en-US" dirty="0"/>
+          </a:p>
+        </p:txBody>
+      </p:sp>
+      <p:sp>
+        <p:nvSpPr>
+          <p:cNvPr id="12" name="コンテンツ プレースホルダー 11">
+            <a:extLst>
+              <a:ext uri="{FF2B5EF4-FFF2-40B4-BE49-F238E27FC236}">
+                <a16:creationId xmlns:a16="http://schemas.microsoft.com/office/drawing/2014/main" id="{E944DFBB-A102-FEAA-D487-BCBEE3A4BD63}"/>
+              </a:ext>
+            </a:extLst>
+          </p:cNvPr>
+          <p:cNvSpPr>
+            <a:spLocks noGrp="1"/>
+          </p:cNvSpPr>
+          <p:nvPr>
+            <p:ph idx="1"/>
+          </p:nvPr>
+        </p:nvSpPr>
+        <p:spPr>
+          <a:xfrm>
+            <a:off x="838200" y="1256146"/>
+            <a:ext cx="10515600" cy="4351338"/>
+          </a:xfrm>
+        </p:spPr>
+        <p:txBody>
+          <a:bodyPr>
+            <a:normAutofit/>
+          </a:bodyPr>
+          <a:lstStyle/>
+          <a:p>
+            <a:pPr>
+              <a:buFontTx/>
+              <a:buChar char="-"/>
+            </a:pPr>
+            <a:r>
+              <a:rPr lang="ja-JP" altLang="en-US" sz="2400" dirty="0"/>
+              <a:t>現在、以下のような</a:t>
+            </a:r>
+            <a:r>
+              <a:rPr lang="en-US" altLang="ja-JP" sz="2400" dirty="0"/>
+              <a:t>MCP</a:t>
+            </a:r>
+            <a:r>
+              <a:rPr lang="ja-JP" altLang="en-US" sz="2400" dirty="0"/>
+              <a:t>サーバーが存在するようです</a:t>
+            </a:r>
+            <a:endParaRPr lang="en-US" altLang="ja-JP" sz="2400" dirty="0"/>
+          </a:p>
+          <a:p>
+            <a:pPr>
+              <a:buFontTx/>
+              <a:buChar char="-"/>
+            </a:pPr>
+            <a:r>
+              <a:rPr lang="en-US" altLang="ja-JP" sz="2400" dirty="0" err="1">
+                <a:hlinkClick r:id="rId2"/>
+              </a:rPr>
+              <a:t>modelcontextprotocol</a:t>
+            </a:r>
+            <a:r>
+              <a:rPr lang="en-US" altLang="ja-JP" sz="2400" dirty="0">
+                <a:hlinkClick r:id="rId2"/>
+              </a:rPr>
+              <a:t>/servers: Model Context Protocol Servers</a:t>
+            </a:r>
+            <a:endParaRPr lang="en-US" altLang="ja-JP" sz="2400" dirty="0"/>
+          </a:p>
+          <a:p>
+            <a:pPr>
+              <a:buFontTx/>
+              <a:buChar char="-"/>
+            </a:pPr>
+            <a:endParaRPr lang="en-US" altLang="ja-JP" sz="2400" dirty="0"/>
+          </a:p>
+          <a:p>
+            <a:pPr>
+              <a:buFontTx/>
+              <a:buChar char="-"/>
+            </a:pPr>
+            <a:endParaRPr lang="en-US" altLang="ja-JP" sz="2400" dirty="0"/>
+          </a:p>
+          <a:p>
+            <a:pPr>
+              <a:buFontTx/>
+              <a:buChar char="-"/>
+            </a:pPr>
+            <a:endParaRPr lang="en-US" altLang="ja-JP" sz="2400" dirty="0"/>
+          </a:p>
+          <a:p>
+            <a:pPr marL="0" indent="0">
+              <a:buNone/>
+            </a:pPr>
+            <a:endParaRPr lang="en-US" altLang="ja-JP" sz="2400" dirty="0"/>
+          </a:p>
+          <a:p>
+            <a:pPr>
+              <a:buFontTx/>
+              <a:buChar char="-"/>
+            </a:pPr>
+            <a:endParaRPr lang="en-US" altLang="ja-JP" sz="2400" dirty="0"/>
+          </a:p>
+          <a:p>
+            <a:pPr marL="0" indent="0">
+              <a:buNone/>
+            </a:pPr>
+            <a:endParaRPr lang="en-US" altLang="ja-JP" sz="2400" dirty="0"/>
+          </a:p>
+          <a:p>
+            <a:pPr>
+              <a:buFontTx/>
+              <a:buChar char="-"/>
+            </a:pPr>
+            <a:endParaRPr lang="en-US" altLang="ja-JP" sz="2400" dirty="0"/>
+          </a:p>
+          <a:p>
+            <a:pPr>
+              <a:buFontTx/>
+              <a:buChar char="-"/>
+            </a:pPr>
+            <a:endParaRPr lang="en-US" altLang="ja-JP" sz="2400" dirty="0"/>
+          </a:p>
+          <a:p>
+            <a:pPr>
+              <a:buFontTx/>
+              <a:buChar char="-"/>
+            </a:pPr>
+            <a:endParaRPr lang="en-US" altLang="ja-JP" sz="2400" dirty="0"/>
+          </a:p>
+        </p:txBody>
+      </p:sp>
+      <p:pic>
+        <p:nvPicPr>
+          <p:cNvPr id="4" name="図 3">
+            <a:extLst>
+              <a:ext uri="{FF2B5EF4-FFF2-40B4-BE49-F238E27FC236}">
+                <a16:creationId xmlns:a16="http://schemas.microsoft.com/office/drawing/2014/main" id="{420937FD-04B9-5F8D-861E-6DE8010AC21F}"/>
+              </a:ext>
+            </a:extLst>
+          </p:cNvPr>
+          <p:cNvPicPr>
+            <a:picLocks noChangeAspect="1"/>
+          </p:cNvPicPr>
+          <p:nvPr/>
+        </p:nvPicPr>
+        <p:blipFill>
+          <a:blip r:embed="rId3"/>
+          <a:stretch>
+            <a:fillRect/>
+          </a:stretch>
+        </p:blipFill>
+        <p:spPr>
+          <a:xfrm>
+            <a:off x="838200" y="2259588"/>
+            <a:ext cx="4655966" cy="1559414"/>
+          </a:xfrm>
+          <a:prstGeom prst="rect">
+            <a:avLst/>
+          </a:prstGeom>
+        </p:spPr>
+      </p:pic>
+      <p:pic>
+        <p:nvPicPr>
+          <p:cNvPr id="6" name="図 5">
+            <a:extLst>
+              <a:ext uri="{FF2B5EF4-FFF2-40B4-BE49-F238E27FC236}">
+                <a16:creationId xmlns:a16="http://schemas.microsoft.com/office/drawing/2014/main" id="{80CE3AB0-E6B7-DDB8-C563-FDA2EF324257}"/>
+              </a:ext>
+            </a:extLst>
+          </p:cNvPr>
+          <p:cNvPicPr>
+            <a:picLocks noChangeAspect="1"/>
+          </p:cNvPicPr>
+          <p:nvPr/>
+        </p:nvPicPr>
+        <p:blipFill>
+          <a:blip r:embed="rId4"/>
+          <a:stretch>
+            <a:fillRect/>
+          </a:stretch>
+        </p:blipFill>
+        <p:spPr>
+          <a:xfrm>
+            <a:off x="5605669" y="2326787"/>
+            <a:ext cx="5855908" cy="3322463"/>
+          </a:xfrm>
+          <a:prstGeom prst="rect">
+            <a:avLst/>
+          </a:prstGeom>
+        </p:spPr>
+      </p:pic>
+      <p:pic>
+        <p:nvPicPr>
+          <p:cNvPr id="8" name="図 7">
+            <a:extLst>
+              <a:ext uri="{FF2B5EF4-FFF2-40B4-BE49-F238E27FC236}">
+                <a16:creationId xmlns:a16="http://schemas.microsoft.com/office/drawing/2014/main" id="{E829A394-8E8A-4F17-B676-BCA0786AD5D7}"/>
+              </a:ext>
+            </a:extLst>
+          </p:cNvPr>
+          <p:cNvPicPr>
+            <a:picLocks noChangeAspect="1"/>
+          </p:cNvPicPr>
+          <p:nvPr/>
+        </p:nvPicPr>
+        <p:blipFill>
+          <a:blip r:embed="rId5"/>
+          <a:stretch>
+            <a:fillRect/>
+          </a:stretch>
+        </p:blipFill>
+        <p:spPr>
+          <a:xfrm>
+            <a:off x="2071657" y="4822444"/>
+            <a:ext cx="2888683" cy="1256146"/>
+          </a:xfrm>
+          <a:prstGeom prst="rect">
+            <a:avLst/>
+          </a:prstGeom>
+        </p:spPr>
+      </p:pic>
+    </p:spTree>
+    <p:extLst>
+      <p:ext uri="{BB962C8B-B14F-4D97-AF65-F5344CB8AC3E}">
+        <p14:creationId xmlns:p14="http://schemas.microsoft.com/office/powerpoint/2010/main" val="1954150218"/>
+      </p:ext>
+    </p:extLst>
+  </p:cSld>
+  <p:clrMapOvr>
+    <a:masterClrMapping/>
+  </p:clrMapOvr>
+</p:sld>
+</file>
+
+<file path=ppt/slides/slide14.xml><?xml version="1.0" encoding="utf-8"?>
+<p:sld xmlns:a="http://schemas.openxmlformats.org/drawingml/2006/main" xmlns:r="http://schemas.openxmlformats.org/officeDocument/2006/relationships" xmlns:p="http://schemas.openxmlformats.org/presentationml/2006/main">
+  <p:cSld>
+    <p:spTree>
+      <p:nvGrpSpPr>
+        <p:cNvPr id="1" name=""/>
+        <p:cNvGrpSpPr/>
+        <p:nvPr/>
+      </p:nvGrpSpPr>
+      <p:grpSpPr>
+        <a:xfrm>
+          <a:off x="0" y="0"/>
+          <a:ext cx="0" cy="0"/>
+          <a:chOff x="0" y="0"/>
+          <a:chExt cx="0" cy="0"/>
+        </a:xfrm>
+      </p:grpSpPr>
+      <p:sp>
+        <p:nvSpPr>
+          <p:cNvPr id="2" name="タイトル 1">
+            <a:extLst>
+              <a:ext uri="{FF2B5EF4-FFF2-40B4-BE49-F238E27FC236}">
+                <a16:creationId xmlns:a16="http://schemas.microsoft.com/office/drawing/2014/main" id="{9C784ACA-9376-15C6-DD93-68B5D582FADA}"/>
+              </a:ext>
+            </a:extLst>
+          </p:cNvPr>
+          <p:cNvSpPr>
+            <a:spLocks noGrp="1"/>
+          </p:cNvSpPr>
+          <p:nvPr>
+            <p:ph type="title"/>
+          </p:nvPr>
+        </p:nvSpPr>
+        <p:spPr>
+          <a:xfrm>
+            <a:off x="838200" y="365126"/>
+            <a:ext cx="10515600" cy="891020"/>
+          </a:xfrm>
+        </p:spPr>
+        <p:txBody>
+          <a:bodyPr>
+            <a:normAutofit/>
+          </a:bodyPr>
+          <a:lstStyle/>
+          <a:p>
+            <a:r>
               <a:rPr kumimoji="1" lang="en-US" altLang="ja-JP" dirty="0"/>
               <a:t>MCP</a:t>
             </a:r>
             <a:r>
               <a:rPr kumimoji="1" lang="ja-JP" altLang="en-US" dirty="0"/>
-              <a:t>の将来性</a:t>
-            </a:r>
+              <a:t>の将来</a:t>
+            </a:r>
+            <a:r>
+              <a:rPr lang="ja-JP" altLang="en-US" dirty="0"/>
+              <a:t>を考える１</a:t>
+            </a:r>
+            <a:endParaRPr kumimoji="1" lang="ja-JP" altLang="en-US" dirty="0"/>
           </a:p>
         </p:txBody>
       </p:sp>
@@ -5477,7 +7155,7 @@
             </a:r>
             <a:r>
               <a:rPr lang="ja-JP" altLang="en-US" sz="2400" dirty="0"/>
-              <a:t>やその中の音声認識の対話システムからも利用することは可能ではあります。</a:t>
+              <a:t>やその中の音声認識の対話システムからも利用することは可能ではあります。以下、その構成の一例です。</a:t>
             </a:r>
             <a:endParaRPr lang="en-US" altLang="ja-JP" sz="2400" dirty="0"/>
           </a:p>
@@ -5520,34 +7198,6 @@
             <a:pPr>
               <a:buFontTx/>
               <a:buChar char="-"/>
-            </a:pPr>
-            <a:endParaRPr lang="en-US" altLang="ja-JP" sz="2400" dirty="0"/>
-          </a:p>
-          <a:p>
-            <a:pPr marL="0" indent="0">
-              <a:buNone/>
-            </a:pPr>
-            <a:r>
-              <a:rPr lang="en-US" altLang="ja-JP" sz="2400" dirty="0"/>
-              <a:t>- AI</a:t>
-            </a:r>
-            <a:r>
-              <a:rPr lang="ja-JP" altLang="en-US" sz="2400" dirty="0"/>
-              <a:t>と音認の対話フローの関係や、それらからの</a:t>
-            </a:r>
-            <a:r>
-              <a:rPr lang="en-US" altLang="ja-JP" sz="2400" dirty="0"/>
-              <a:t>MCP</a:t>
-            </a:r>
-            <a:r>
-              <a:rPr lang="ja-JP" altLang="en-US" sz="2400" dirty="0"/>
-              <a:t>連携など、今後も目が離せないと思いますので、引き続き注視していきましょう。</a:t>
-            </a:r>
-            <a:endParaRPr lang="en-US" altLang="ja-JP" sz="2400" dirty="0"/>
-          </a:p>
-          <a:p>
-            <a:pPr marL="0" indent="0">
-              <a:buNone/>
             </a:pPr>
             <a:endParaRPr lang="en-US" altLang="ja-JP" sz="2400" dirty="0"/>
           </a:p>
@@ -8181,7 +9831,7 @@
 </p:sld>
 </file>
 
-<file path=ppt/slides/slide11.xml><?xml version="1.0" encoding="utf-8"?>
+<file path=ppt/slides/slide15.xml><?xml version="1.0" encoding="utf-8"?>
 <p:sld xmlns:a="http://schemas.openxmlformats.org/drawingml/2006/main" xmlns:r="http://schemas.openxmlformats.org/officeDocument/2006/relationships" xmlns:p="http://schemas.openxmlformats.org/presentationml/2006/main">
   <p:cSld>
     <p:spTree>
@@ -8227,16 +9877,16 @@
           <a:lstStyle/>
           <a:p>
             <a:r>
+              <a:rPr kumimoji="1" lang="en-US" altLang="ja-JP" dirty="0"/>
+              <a:t>MCP</a:t>
+            </a:r>
+            <a:r>
+              <a:rPr kumimoji="1" lang="ja-JP" altLang="en-US" dirty="0"/>
+              <a:t>の将来</a:t>
+            </a:r>
+            <a:r>
               <a:rPr lang="ja-JP" altLang="en-US" dirty="0"/>
-              <a:t>様々な</a:t>
-            </a:r>
-            <a:r>
-              <a:rPr lang="en-US" altLang="ja-JP" dirty="0"/>
-              <a:t>MCP</a:t>
-            </a:r>
-            <a:r>
-              <a:rPr lang="ja-JP" altLang="en-US" dirty="0"/>
-              <a:t>サーバー</a:t>
+              <a:t>を考える２</a:t>
             </a:r>
             <a:endParaRPr kumimoji="1" lang="ja-JP" altLang="en-US" dirty="0"/>
           </a:p>
@@ -8260,8 +9910,8 @@
         </p:nvSpPr>
         <p:spPr>
           <a:xfrm>
-            <a:off x="838200" y="1256146"/>
-            <a:ext cx="10515600" cy="4351338"/>
+            <a:off x="838200" y="1027546"/>
+            <a:ext cx="10515600" cy="5236728"/>
           </a:xfrm>
         </p:spPr>
         <p:txBody>
@@ -8276,34 +9926,31 @@
             </a:pPr>
             <a:r>
               <a:rPr lang="ja-JP" altLang="en-US" sz="2400" dirty="0"/>
-              <a:t>現在、以下のような</a:t>
+              <a:t>また、先ほどの例とは逆に、音認と</a:t>
             </a:r>
             <a:r>
               <a:rPr lang="en-US" altLang="ja-JP" sz="2400" dirty="0"/>
-              <a:t>MCP</a:t>
+              <a:t>TTS</a:t>
             </a:r>
             <a:r>
               <a:rPr lang="ja-JP" altLang="en-US" sz="2400" dirty="0"/>
-              <a:t>サーバーが存在するようです</a:t>
-            </a:r>
-            <a:endParaRPr lang="en-US" altLang="ja-JP" sz="2400" dirty="0"/>
-          </a:p>
-          <a:p>
-            <a:pPr>
-              <a:buFontTx/>
-              <a:buChar char="-"/>
-            </a:pPr>
-            <a:r>
-              <a:rPr lang="en-US" altLang="ja-JP" sz="2400" dirty="0" err="1">
-                <a:hlinkClick r:id="rId2"/>
-              </a:rPr>
-              <a:t>modelcontextprotocol</a:t>
-            </a:r>
-            <a:r>
-              <a:rPr lang="en-US" altLang="ja-JP" sz="2400" dirty="0">
-                <a:hlinkClick r:id="rId2"/>
-              </a:rPr>
-              <a:t>/servers: Model Context Protocol Servers</a:t>
+              <a:t>それぞれを</a:t>
+            </a:r>
+            <a:r>
+              <a:rPr lang="en-US" altLang="ja-JP" sz="2400" dirty="0"/>
+              <a:t>MCP Server</a:t>
+            </a:r>
+            <a:r>
+              <a:rPr lang="ja-JP" altLang="en-US" sz="2400" dirty="0"/>
+              <a:t>として、それを</a:t>
+            </a:r>
+            <a:r>
+              <a:rPr lang="en-US" altLang="ja-JP" sz="2400" dirty="0"/>
+              <a:t>AI</a:t>
+            </a:r>
+            <a:r>
+              <a:rPr lang="ja-JP" altLang="en-US" sz="2400" dirty="0"/>
+              <a:t>エージェントから連携させて動かすこともできそうです。</a:t>
             </a:r>
             <a:endParaRPr lang="en-US" altLang="ja-JP" sz="2400" dirty="0"/>
           </a:p>
@@ -8329,12 +9976,6 @@
             <a:endParaRPr lang="en-US" altLang="ja-JP" sz="2400" dirty="0"/>
           </a:p>
           <a:p>
-            <a:pPr marL="0" indent="0">
-              <a:buNone/>
-            </a:pPr>
-            <a:endParaRPr lang="en-US" altLang="ja-JP" sz="2400" dirty="0"/>
-          </a:p>
-          <a:p>
             <a:pPr>
               <a:buFontTx/>
               <a:buChar char="-"/>
@@ -8342,12 +9983,6 @@
             <a:endParaRPr lang="en-US" altLang="ja-JP" sz="2400" dirty="0"/>
           </a:p>
           <a:p>
-            <a:pPr marL="0" indent="0">
-              <a:buNone/>
-            </a:pPr>
-            <a:endParaRPr lang="en-US" altLang="ja-JP" sz="2400" dirty="0"/>
-          </a:p>
-          <a:p>
             <a:pPr>
               <a:buFontTx/>
               <a:buChar char="-"/>
@@ -8368,102 +10003,4548 @@
             </a:pPr>
             <a:endParaRPr lang="en-US" altLang="ja-JP" sz="2400" dirty="0"/>
           </a:p>
+          <a:p>
+            <a:pPr marL="0" indent="0">
+              <a:buNone/>
+            </a:pPr>
+            <a:endParaRPr lang="en-US" altLang="ja-JP" sz="2400" dirty="0"/>
+          </a:p>
+          <a:p>
+            <a:pPr>
+              <a:buFontTx/>
+              <a:buChar char="-"/>
+            </a:pPr>
+            <a:endParaRPr lang="en-US" altLang="ja-JP" sz="2400" dirty="0"/>
+          </a:p>
+          <a:p>
+            <a:pPr>
+              <a:buFontTx/>
+              <a:buChar char="-"/>
+            </a:pPr>
+            <a:endParaRPr lang="en-US" altLang="ja-JP" sz="2400" dirty="0"/>
+          </a:p>
+          <a:p>
+            <a:pPr>
+              <a:buFontTx/>
+              <a:buChar char="-"/>
+            </a:pPr>
+            <a:endParaRPr lang="en-US" altLang="ja-JP" sz="2400" dirty="0"/>
+          </a:p>
         </p:txBody>
       </p:sp>
-      <p:pic>
-        <p:nvPicPr>
-          <p:cNvPr id="4" name="図 3">
+      <p:sp>
+        <p:nvSpPr>
+          <p:cNvPr id="4" name="正方形/長方形 3">
             <a:extLst>
               <a:ext uri="{FF2B5EF4-FFF2-40B4-BE49-F238E27FC236}">
-                <a16:creationId xmlns:a16="http://schemas.microsoft.com/office/drawing/2014/main" id="{420937FD-04B9-5F8D-861E-6DE8010AC21F}"/>
+                <a16:creationId xmlns:a16="http://schemas.microsoft.com/office/drawing/2014/main" id="{2AF630B1-33DA-9E7A-3316-C8FB8B865CFB}"/>
               </a:ext>
             </a:extLst>
           </p:cNvPr>
-          <p:cNvPicPr>
-            <a:picLocks noChangeAspect="1"/>
-          </p:cNvPicPr>
+          <p:cNvSpPr/>
           <p:nvPr/>
-        </p:nvPicPr>
-        <p:blipFill>
-          <a:blip r:embed="rId3"/>
-          <a:stretch>
-            <a:fillRect/>
-          </a:stretch>
-        </p:blipFill>
+        </p:nvSpPr>
         <p:spPr>
           <a:xfrm>
-            <a:off x="838200" y="2259588"/>
-            <a:ext cx="4655966" cy="1559414"/>
+            <a:off x="5338348" y="1697774"/>
+            <a:ext cx="3086101" cy="2073419"/>
           </a:xfrm>
           <a:prstGeom prst="rect">
             <a:avLst/>
           </a:prstGeom>
         </p:spPr>
-      </p:pic>
-      <p:pic>
-        <p:nvPicPr>
-          <p:cNvPr id="6" name="図 5">
+        <p:style>
+          <a:lnRef idx="2">
+            <a:schemeClr val="accent1">
+              <a:shade val="15000"/>
+            </a:schemeClr>
+          </a:lnRef>
+          <a:fillRef idx="1">
+            <a:schemeClr val="accent1"/>
+          </a:fillRef>
+          <a:effectRef idx="0">
+            <a:schemeClr val="accent1"/>
+          </a:effectRef>
+          <a:fontRef idx="minor">
+            <a:schemeClr val="lt1"/>
+          </a:fontRef>
+        </p:style>
+        <p:txBody>
+          <a:bodyPr rtlCol="0" anchor="t"/>
+          <a:lstStyle/>
+          <a:p>
+            <a:pPr algn="ctr"/>
+            <a:r>
+              <a:rPr kumimoji="1" lang="ja-JP" altLang="en-US" dirty="0"/>
+              <a:t>エアコン制御</a:t>
+            </a:r>
+          </a:p>
+        </p:txBody>
+      </p:sp>
+      <p:sp>
+        <p:nvSpPr>
+          <p:cNvPr id="5" name="コンテンツ プレースホルダー 11">
             <a:extLst>
               <a:ext uri="{FF2B5EF4-FFF2-40B4-BE49-F238E27FC236}">
-                <a16:creationId xmlns:a16="http://schemas.microsoft.com/office/drawing/2014/main" id="{80CE3AB0-E6B7-DDB8-C563-FDA2EF324257}"/>
+                <a16:creationId xmlns:a16="http://schemas.microsoft.com/office/drawing/2014/main" id="{1B173D04-7B43-7511-F9D4-DF6CDD6F385A}"/>
               </a:ext>
             </a:extLst>
           </p:cNvPr>
-          <p:cNvPicPr>
-            <a:picLocks noChangeAspect="1"/>
-          </p:cNvPicPr>
+          <p:cNvSpPr txBox="1">
+            <a:spLocks/>
+          </p:cNvSpPr>
           <p:nvPr/>
-        </p:nvPicPr>
-        <p:blipFill>
-          <a:blip r:embed="rId4"/>
-          <a:stretch>
-            <a:fillRect/>
-          </a:stretch>
-        </p:blipFill>
+        </p:nvSpPr>
         <p:spPr>
           <a:xfrm>
-            <a:off x="5605669" y="2326787"/>
-            <a:ext cx="5855908" cy="3322463"/>
+            <a:off x="9499427" y="4482894"/>
+            <a:ext cx="1716157" cy="636105"/>
           </a:xfrm>
           <a:prstGeom prst="rect">
             <a:avLst/>
           </a:prstGeom>
         </p:spPr>
-      </p:pic>
-      <p:pic>
-        <p:nvPicPr>
-          <p:cNvPr id="8" name="図 7">
+        <p:txBody>
+          <a:bodyPr vert="horz" lIns="91440" tIns="45720" rIns="91440" bIns="45720" rtlCol="0">
+            <a:normAutofit/>
+          </a:bodyPr>
+          <a:lstStyle>
+            <a:lvl1pPr marL="228600" indent="-228600" algn="l" defTabSz="914400" rtl="0" eaLnBrk="1" latinLnBrk="0" hangingPunct="1">
+              <a:lnSpc>
+                <a:spcPct val="90000"/>
+              </a:lnSpc>
+              <a:spcBef>
+                <a:spcPts val="1000"/>
+              </a:spcBef>
+              <a:buFont typeface="Arial" panose="020B0604020202020204" pitchFamily="34" charset="0"/>
+              <a:buChar char="•"/>
+              <a:defRPr kumimoji="1" sz="2800" kern="1200">
+                <a:solidFill>
+                  <a:schemeClr val="tx1"/>
+                </a:solidFill>
+                <a:latin typeface="+mn-lt"/>
+                <a:ea typeface="+mn-ea"/>
+                <a:cs typeface="+mn-cs"/>
+              </a:defRPr>
+            </a:lvl1pPr>
+            <a:lvl2pPr marL="685800" indent="-228600" algn="l" defTabSz="914400" rtl="0" eaLnBrk="1" latinLnBrk="0" hangingPunct="1">
+              <a:lnSpc>
+                <a:spcPct val="90000"/>
+              </a:lnSpc>
+              <a:spcBef>
+                <a:spcPts val="500"/>
+              </a:spcBef>
+              <a:buFont typeface="Arial" panose="020B0604020202020204" pitchFamily="34" charset="0"/>
+              <a:buChar char="•"/>
+              <a:defRPr kumimoji="1" sz="2400" kern="1200">
+                <a:solidFill>
+                  <a:schemeClr val="tx1"/>
+                </a:solidFill>
+                <a:latin typeface="+mn-lt"/>
+                <a:ea typeface="+mn-ea"/>
+                <a:cs typeface="+mn-cs"/>
+              </a:defRPr>
+            </a:lvl2pPr>
+            <a:lvl3pPr marL="1143000" indent="-228600" algn="l" defTabSz="914400" rtl="0" eaLnBrk="1" latinLnBrk="0" hangingPunct="1">
+              <a:lnSpc>
+                <a:spcPct val="90000"/>
+              </a:lnSpc>
+              <a:spcBef>
+                <a:spcPts val="500"/>
+              </a:spcBef>
+              <a:buFont typeface="Arial" panose="020B0604020202020204" pitchFamily="34" charset="0"/>
+              <a:buChar char="•"/>
+              <a:defRPr kumimoji="1" sz="2000" kern="1200">
+                <a:solidFill>
+                  <a:schemeClr val="tx1"/>
+                </a:solidFill>
+                <a:latin typeface="+mn-lt"/>
+                <a:ea typeface="+mn-ea"/>
+                <a:cs typeface="+mn-cs"/>
+              </a:defRPr>
+            </a:lvl3pPr>
+            <a:lvl4pPr marL="1600200" indent="-228600" algn="l" defTabSz="914400" rtl="0" eaLnBrk="1" latinLnBrk="0" hangingPunct="1">
+              <a:lnSpc>
+                <a:spcPct val="90000"/>
+              </a:lnSpc>
+              <a:spcBef>
+                <a:spcPts val="500"/>
+              </a:spcBef>
+              <a:buFont typeface="Arial" panose="020B0604020202020204" pitchFamily="34" charset="0"/>
+              <a:buChar char="•"/>
+              <a:defRPr kumimoji="1" sz="1800" kern="1200">
+                <a:solidFill>
+                  <a:schemeClr val="tx1"/>
+                </a:solidFill>
+                <a:latin typeface="+mn-lt"/>
+                <a:ea typeface="+mn-ea"/>
+                <a:cs typeface="+mn-cs"/>
+              </a:defRPr>
+            </a:lvl4pPr>
+            <a:lvl5pPr marL="2057400" indent="-228600" algn="l" defTabSz="914400" rtl="0" eaLnBrk="1" latinLnBrk="0" hangingPunct="1">
+              <a:lnSpc>
+                <a:spcPct val="90000"/>
+              </a:lnSpc>
+              <a:spcBef>
+                <a:spcPts val="500"/>
+              </a:spcBef>
+              <a:buFont typeface="Arial" panose="020B0604020202020204" pitchFamily="34" charset="0"/>
+              <a:buChar char="•"/>
+              <a:defRPr kumimoji="1" sz="1800" kern="1200">
+                <a:solidFill>
+                  <a:schemeClr val="tx1"/>
+                </a:solidFill>
+                <a:latin typeface="+mn-lt"/>
+                <a:ea typeface="+mn-ea"/>
+                <a:cs typeface="+mn-cs"/>
+              </a:defRPr>
+            </a:lvl5pPr>
+            <a:lvl6pPr marL="2514600" indent="-228600" algn="l" defTabSz="914400" rtl="0" eaLnBrk="1" latinLnBrk="0" hangingPunct="1">
+              <a:lnSpc>
+                <a:spcPct val="90000"/>
+              </a:lnSpc>
+              <a:spcBef>
+                <a:spcPts val="500"/>
+              </a:spcBef>
+              <a:buFont typeface="Arial" panose="020B0604020202020204" pitchFamily="34" charset="0"/>
+              <a:buChar char="•"/>
+              <a:defRPr kumimoji="1" sz="1800" kern="1200">
+                <a:solidFill>
+                  <a:schemeClr val="tx1"/>
+                </a:solidFill>
+                <a:latin typeface="+mn-lt"/>
+                <a:ea typeface="+mn-ea"/>
+                <a:cs typeface="+mn-cs"/>
+              </a:defRPr>
+            </a:lvl6pPr>
+            <a:lvl7pPr marL="2971800" indent="-228600" algn="l" defTabSz="914400" rtl="0" eaLnBrk="1" latinLnBrk="0" hangingPunct="1">
+              <a:lnSpc>
+                <a:spcPct val="90000"/>
+              </a:lnSpc>
+              <a:spcBef>
+                <a:spcPts val="500"/>
+              </a:spcBef>
+              <a:buFont typeface="Arial" panose="020B0604020202020204" pitchFamily="34" charset="0"/>
+              <a:buChar char="•"/>
+              <a:defRPr kumimoji="1" sz="1800" kern="1200">
+                <a:solidFill>
+                  <a:schemeClr val="tx1"/>
+                </a:solidFill>
+                <a:latin typeface="+mn-lt"/>
+                <a:ea typeface="+mn-ea"/>
+                <a:cs typeface="+mn-cs"/>
+              </a:defRPr>
+            </a:lvl7pPr>
+            <a:lvl8pPr marL="3429000" indent="-228600" algn="l" defTabSz="914400" rtl="0" eaLnBrk="1" latinLnBrk="0" hangingPunct="1">
+              <a:lnSpc>
+                <a:spcPct val="90000"/>
+              </a:lnSpc>
+              <a:spcBef>
+                <a:spcPts val="500"/>
+              </a:spcBef>
+              <a:buFont typeface="Arial" panose="020B0604020202020204" pitchFamily="34" charset="0"/>
+              <a:buChar char="•"/>
+              <a:defRPr kumimoji="1" sz="1800" kern="1200">
+                <a:solidFill>
+                  <a:schemeClr val="tx1"/>
+                </a:solidFill>
+                <a:latin typeface="+mn-lt"/>
+                <a:ea typeface="+mn-ea"/>
+                <a:cs typeface="+mn-cs"/>
+              </a:defRPr>
+            </a:lvl8pPr>
+            <a:lvl9pPr marL="3886200" indent="-228600" algn="l" defTabSz="914400" rtl="0" eaLnBrk="1" latinLnBrk="0" hangingPunct="1">
+              <a:lnSpc>
+                <a:spcPct val="90000"/>
+              </a:lnSpc>
+              <a:spcBef>
+                <a:spcPts val="500"/>
+              </a:spcBef>
+              <a:buFont typeface="Arial" panose="020B0604020202020204" pitchFamily="34" charset="0"/>
+              <a:buChar char="•"/>
+              <a:defRPr kumimoji="1" sz="1800" kern="1200">
+                <a:solidFill>
+                  <a:schemeClr val="tx1"/>
+                </a:solidFill>
+                <a:latin typeface="+mn-lt"/>
+                <a:ea typeface="+mn-ea"/>
+                <a:cs typeface="+mn-cs"/>
+              </a:defRPr>
+            </a:lvl9pPr>
+          </a:lstStyle>
+          <a:p>
+            <a:pPr marL="0" indent="0" algn="ctr">
+              <a:buFont typeface="Arial" panose="020B0604020202020204" pitchFamily="34" charset="0"/>
+              <a:buNone/>
+            </a:pPr>
+            <a:r>
+              <a:rPr lang="ja-JP" altLang="en-US" sz="1200" dirty="0"/>
+              <a:t>ユーザー</a:t>
+            </a:r>
+            <a:endParaRPr lang="en-US" altLang="ja-JP" sz="1200" dirty="0"/>
+          </a:p>
+          <a:p>
+            <a:pPr algn="ctr">
+              <a:buFontTx/>
+              <a:buChar char="-"/>
+            </a:pPr>
+            <a:endParaRPr lang="en-US" altLang="ja-JP" sz="1200" dirty="0"/>
+          </a:p>
+          <a:p>
+            <a:pPr marL="0" indent="0" algn="ctr">
+              <a:buFont typeface="Arial" panose="020B0604020202020204" pitchFamily="34" charset="0"/>
+              <a:buNone/>
+            </a:pPr>
+            <a:endParaRPr lang="en-US" altLang="ja-JP" sz="1200" dirty="0"/>
+          </a:p>
+          <a:p>
+            <a:pPr algn="ctr">
+              <a:buFontTx/>
+              <a:buChar char="-"/>
+            </a:pPr>
+            <a:endParaRPr lang="en-US" altLang="ja-JP" sz="1200" dirty="0"/>
+          </a:p>
+          <a:p>
+            <a:pPr algn="ctr">
+              <a:buFontTx/>
+              <a:buChar char="-"/>
+            </a:pPr>
+            <a:endParaRPr lang="en-US" altLang="ja-JP" sz="1200" dirty="0"/>
+          </a:p>
+          <a:p>
+            <a:pPr algn="ctr">
+              <a:buFontTx/>
+              <a:buChar char="-"/>
+            </a:pPr>
+            <a:endParaRPr lang="en-US" altLang="ja-JP" sz="1200" dirty="0"/>
+          </a:p>
+        </p:txBody>
+      </p:sp>
+      <p:sp>
+        <p:nvSpPr>
+          <p:cNvPr id="6" name="正方形/長方形 5">
             <a:extLst>
               <a:ext uri="{FF2B5EF4-FFF2-40B4-BE49-F238E27FC236}">
-                <a16:creationId xmlns:a16="http://schemas.microsoft.com/office/drawing/2014/main" id="{E829A394-8E8A-4F17-B676-BCA0786AD5D7}"/>
+                <a16:creationId xmlns:a16="http://schemas.microsoft.com/office/drawing/2014/main" id="{7967DB61-7E9B-758C-DE7C-C4160DE0F43E}"/>
               </a:ext>
             </a:extLst>
           </p:cNvPr>
-          <p:cNvPicPr>
-            <a:picLocks noChangeAspect="1"/>
-          </p:cNvPicPr>
+          <p:cNvSpPr/>
           <p:nvPr/>
-        </p:nvPicPr>
-        <p:blipFill>
-          <a:blip r:embed="rId5"/>
-          <a:stretch>
-            <a:fillRect/>
-          </a:stretch>
-        </p:blipFill>
+        </p:nvSpPr>
         <p:spPr>
           <a:xfrm>
-            <a:off x="2031901" y="4834198"/>
-            <a:ext cx="2888683" cy="1256146"/>
+            <a:off x="999503" y="1717651"/>
+            <a:ext cx="3086101" cy="3899023"/>
           </a:xfrm>
           <a:prstGeom prst="rect">
             <a:avLst/>
           </a:prstGeom>
         </p:spPr>
-      </p:pic>
+        <p:style>
+          <a:lnRef idx="2">
+            <a:schemeClr val="accent5">
+              <a:shade val="15000"/>
+            </a:schemeClr>
+          </a:lnRef>
+          <a:fillRef idx="1">
+            <a:schemeClr val="accent5"/>
+          </a:fillRef>
+          <a:effectRef idx="0">
+            <a:schemeClr val="accent5"/>
+          </a:effectRef>
+          <a:fontRef idx="minor">
+            <a:schemeClr val="lt1"/>
+          </a:fontRef>
+        </p:style>
+        <p:txBody>
+          <a:bodyPr rtlCol="0" anchor="t"/>
+          <a:lstStyle/>
+          <a:p>
+            <a:pPr algn="ctr"/>
+            <a:r>
+              <a:rPr kumimoji="1" lang="en-US" altLang="ja-JP" b="1" dirty="0"/>
+              <a:t>AI</a:t>
+            </a:r>
+            <a:r>
+              <a:rPr kumimoji="1" lang="ja-JP" altLang="en-US" b="1" dirty="0"/>
+              <a:t>エージェント</a:t>
+            </a:r>
+            <a:endParaRPr kumimoji="1" lang="en-US" altLang="ja-JP" b="1" dirty="0"/>
+          </a:p>
+          <a:p>
+            <a:pPr algn="ctr"/>
+            <a:r>
+              <a:rPr kumimoji="1" lang="en-US" altLang="ja-JP" b="1" dirty="0"/>
+              <a:t>(MCP</a:t>
+            </a:r>
+            <a:r>
+              <a:rPr kumimoji="1" lang="ja-JP" altLang="en-US" b="1" dirty="0"/>
+              <a:t>ホスト</a:t>
+            </a:r>
+            <a:r>
+              <a:rPr kumimoji="1" lang="en-US" altLang="ja-JP" b="1" dirty="0"/>
+              <a:t>)</a:t>
+            </a:r>
+            <a:endParaRPr kumimoji="1" lang="ja-JP" altLang="en-US" b="1" dirty="0"/>
+          </a:p>
+        </p:txBody>
+      </p:sp>
+      <p:sp>
+        <p:nvSpPr>
+          <p:cNvPr id="7" name="スマイル 6">
+            <a:extLst>
+              <a:ext uri="{FF2B5EF4-FFF2-40B4-BE49-F238E27FC236}">
+                <a16:creationId xmlns:a16="http://schemas.microsoft.com/office/drawing/2014/main" id="{76479CD6-F090-5A52-A58E-B1A5238E7509}"/>
+              </a:ext>
+            </a:extLst>
+          </p:cNvPr>
+          <p:cNvSpPr/>
+          <p:nvPr/>
+        </p:nvSpPr>
+        <p:spPr>
+          <a:xfrm>
+            <a:off x="9919461" y="3490062"/>
+            <a:ext cx="964095" cy="944218"/>
+          </a:xfrm>
+          <a:prstGeom prst="smileyFace">
+            <a:avLst/>
+          </a:prstGeom>
+        </p:spPr>
+        <p:style>
+          <a:lnRef idx="2">
+            <a:schemeClr val="accent2">
+              <a:shade val="15000"/>
+            </a:schemeClr>
+          </a:lnRef>
+          <a:fillRef idx="1">
+            <a:schemeClr val="accent2"/>
+          </a:fillRef>
+          <a:effectRef idx="0">
+            <a:schemeClr val="accent2"/>
+          </a:effectRef>
+          <a:fontRef idx="minor">
+            <a:schemeClr val="lt1"/>
+          </a:fontRef>
+        </p:style>
+        <p:txBody>
+          <a:bodyPr rtlCol="0" anchor="ctr"/>
+          <a:lstStyle/>
+          <a:p>
+            <a:pPr algn="ctr"/>
+            <a:endParaRPr kumimoji="1" lang="ja-JP" altLang="en-US"/>
+          </a:p>
+        </p:txBody>
+      </p:sp>
+      <p:sp>
+        <p:nvSpPr>
+          <p:cNvPr id="8" name="正方形/長方形 7">
+            <a:extLst>
+              <a:ext uri="{FF2B5EF4-FFF2-40B4-BE49-F238E27FC236}">
+                <a16:creationId xmlns:a16="http://schemas.microsoft.com/office/drawing/2014/main" id="{24CFC097-E41A-C5ED-B057-EAC3134873EB}"/>
+              </a:ext>
+            </a:extLst>
+          </p:cNvPr>
+          <p:cNvSpPr/>
+          <p:nvPr/>
+        </p:nvSpPr>
+        <p:spPr>
+          <a:xfrm>
+            <a:off x="2255149" y="2291583"/>
+            <a:ext cx="1645754" cy="1363182"/>
+          </a:xfrm>
+          <a:prstGeom prst="rect">
+            <a:avLst/>
+          </a:prstGeom>
+        </p:spPr>
+        <p:style>
+          <a:lnRef idx="2">
+            <a:schemeClr val="accent6">
+              <a:shade val="15000"/>
+            </a:schemeClr>
+          </a:lnRef>
+          <a:fillRef idx="1">
+            <a:schemeClr val="accent6"/>
+          </a:fillRef>
+          <a:effectRef idx="0">
+            <a:schemeClr val="accent6"/>
+          </a:effectRef>
+          <a:fontRef idx="minor">
+            <a:schemeClr val="lt1"/>
+          </a:fontRef>
+        </p:style>
+        <p:txBody>
+          <a:bodyPr rtlCol="0" anchor="ctr"/>
+          <a:lstStyle/>
+          <a:p>
+            <a:pPr algn="ctr"/>
+            <a:r>
+              <a:rPr lang="en-US" altLang="ja-JP" dirty="0"/>
+              <a:t>MCP</a:t>
+            </a:r>
+            <a:r>
+              <a:rPr lang="ja-JP" altLang="en-US" dirty="0"/>
+              <a:t> </a:t>
+            </a:r>
+            <a:r>
+              <a:rPr lang="en-US" altLang="ja-JP" dirty="0"/>
+              <a:t>Client</a:t>
+            </a:r>
+            <a:endParaRPr kumimoji="1" lang="ja-JP" altLang="en-US" dirty="0"/>
+          </a:p>
+        </p:txBody>
+      </p:sp>
+      <p:sp>
+        <p:nvSpPr>
+          <p:cNvPr id="9" name="正方形/長方形 8">
+            <a:extLst>
+              <a:ext uri="{FF2B5EF4-FFF2-40B4-BE49-F238E27FC236}">
+                <a16:creationId xmlns:a16="http://schemas.microsoft.com/office/drawing/2014/main" id="{FD4A562C-3D1F-3491-5D19-AA59888B0112}"/>
+              </a:ext>
+            </a:extLst>
+          </p:cNvPr>
+          <p:cNvSpPr/>
+          <p:nvPr/>
+        </p:nvSpPr>
+        <p:spPr>
+          <a:xfrm>
+            <a:off x="5600492" y="2291583"/>
+            <a:ext cx="2208764" cy="1363184"/>
+          </a:xfrm>
+          <a:prstGeom prst="rect">
+            <a:avLst/>
+          </a:prstGeom>
+        </p:spPr>
+        <p:style>
+          <a:lnRef idx="2">
+            <a:schemeClr val="accent5">
+              <a:shade val="15000"/>
+            </a:schemeClr>
+          </a:lnRef>
+          <a:fillRef idx="1">
+            <a:schemeClr val="accent5"/>
+          </a:fillRef>
+          <a:effectRef idx="0">
+            <a:schemeClr val="accent5"/>
+          </a:effectRef>
+          <a:fontRef idx="minor">
+            <a:schemeClr val="lt1"/>
+          </a:fontRef>
+        </p:style>
+        <p:txBody>
+          <a:bodyPr rtlCol="0" anchor="t"/>
+          <a:lstStyle/>
+          <a:p>
+            <a:pPr algn="ctr"/>
+            <a:r>
+              <a:rPr lang="en-US" altLang="ja-JP" dirty="0"/>
+              <a:t>MCP</a:t>
+            </a:r>
+            <a:r>
+              <a:rPr lang="ja-JP" altLang="en-US" dirty="0"/>
+              <a:t> </a:t>
+            </a:r>
+            <a:r>
+              <a:rPr lang="en-US" altLang="ja-JP" dirty="0"/>
+              <a:t>Server</a:t>
+            </a:r>
+            <a:endParaRPr kumimoji="1" lang="ja-JP" altLang="en-US" dirty="0"/>
+          </a:p>
+        </p:txBody>
+      </p:sp>
+      <p:cxnSp>
+        <p:nvCxnSpPr>
+          <p:cNvPr id="10" name="直線矢印コネクタ 9">
+            <a:extLst>
+              <a:ext uri="{FF2B5EF4-FFF2-40B4-BE49-F238E27FC236}">
+                <a16:creationId xmlns:a16="http://schemas.microsoft.com/office/drawing/2014/main" id="{88517C5E-3A33-9BDF-6210-D02A2EFAD461}"/>
+              </a:ext>
+            </a:extLst>
+          </p:cNvPr>
+          <p:cNvCxnSpPr>
+            <a:cxnSpLocks/>
+            <a:stCxn id="34" idx="3"/>
+          </p:cNvCxnSpPr>
+          <p:nvPr/>
+        </p:nvCxnSpPr>
+        <p:spPr>
+          <a:xfrm flipV="1">
+            <a:off x="8424449" y="4229604"/>
+            <a:ext cx="1512402" cy="1013687"/>
+          </a:xfrm>
+          <a:prstGeom prst="straightConnector1">
+            <a:avLst/>
+          </a:prstGeom>
+          <a:ln>
+            <a:tailEnd type="triangle"/>
+          </a:ln>
+        </p:spPr>
+        <p:style>
+          <a:lnRef idx="2">
+            <a:schemeClr val="accent4"/>
+          </a:lnRef>
+          <a:fillRef idx="0">
+            <a:schemeClr val="accent4"/>
+          </a:fillRef>
+          <a:effectRef idx="1">
+            <a:schemeClr val="accent4"/>
+          </a:effectRef>
+          <a:fontRef idx="minor">
+            <a:schemeClr val="tx1"/>
+          </a:fontRef>
+        </p:style>
+      </p:cxnSp>
+      <p:cxnSp>
+        <p:nvCxnSpPr>
+          <p:cNvPr id="11" name="直線矢印コネクタ 10">
+            <a:extLst>
+              <a:ext uri="{FF2B5EF4-FFF2-40B4-BE49-F238E27FC236}">
+                <a16:creationId xmlns:a16="http://schemas.microsoft.com/office/drawing/2014/main" id="{02A9C042-8C6A-A643-1940-CD2565F4990E}"/>
+              </a:ext>
+            </a:extLst>
+          </p:cNvPr>
+          <p:cNvCxnSpPr>
+            <a:cxnSpLocks/>
+          </p:cNvCxnSpPr>
+          <p:nvPr/>
+        </p:nvCxnSpPr>
+        <p:spPr>
+          <a:xfrm>
+            <a:off x="3830500" y="2470996"/>
+            <a:ext cx="1844123" cy="0"/>
+          </a:xfrm>
+          <a:prstGeom prst="straightConnector1">
+            <a:avLst/>
+          </a:prstGeom>
+          <a:ln>
+            <a:tailEnd type="triangle"/>
+          </a:ln>
+        </p:spPr>
+        <p:style>
+          <a:lnRef idx="2">
+            <a:schemeClr val="accent4"/>
+          </a:lnRef>
+          <a:fillRef idx="0">
+            <a:schemeClr val="accent4"/>
+          </a:fillRef>
+          <a:effectRef idx="1">
+            <a:schemeClr val="accent4"/>
+          </a:effectRef>
+          <a:fontRef idx="minor">
+            <a:schemeClr val="tx1"/>
+          </a:fontRef>
+        </p:style>
+      </p:cxnSp>
+      <p:sp>
+        <p:nvSpPr>
+          <p:cNvPr id="13" name="コンテンツ プレースホルダー 11">
+            <a:extLst>
+              <a:ext uri="{FF2B5EF4-FFF2-40B4-BE49-F238E27FC236}">
+                <a16:creationId xmlns:a16="http://schemas.microsoft.com/office/drawing/2014/main" id="{A5B4C14A-B501-CEFA-4B6C-794DA30D8DAA}"/>
+              </a:ext>
+            </a:extLst>
+          </p:cNvPr>
+          <p:cNvSpPr txBox="1">
+            <a:spLocks/>
+          </p:cNvSpPr>
+          <p:nvPr/>
+        </p:nvSpPr>
+        <p:spPr>
+          <a:xfrm>
+            <a:off x="8424449" y="3659680"/>
+            <a:ext cx="1716157" cy="472110"/>
+          </a:xfrm>
+          <a:prstGeom prst="rect">
+            <a:avLst/>
+          </a:prstGeom>
+        </p:spPr>
+        <p:txBody>
+          <a:bodyPr vert="horz" lIns="91440" tIns="45720" rIns="91440" bIns="45720" rtlCol="0">
+            <a:normAutofit/>
+          </a:bodyPr>
+          <a:lstStyle>
+            <a:lvl1pPr marL="228600" indent="-228600" algn="l" defTabSz="914400" rtl="0" eaLnBrk="1" latinLnBrk="0" hangingPunct="1">
+              <a:lnSpc>
+                <a:spcPct val="90000"/>
+              </a:lnSpc>
+              <a:spcBef>
+                <a:spcPts val="1000"/>
+              </a:spcBef>
+              <a:buFont typeface="Arial" panose="020B0604020202020204" pitchFamily="34" charset="0"/>
+              <a:buChar char="•"/>
+              <a:defRPr kumimoji="1" sz="2800" kern="1200">
+                <a:solidFill>
+                  <a:schemeClr val="tx1"/>
+                </a:solidFill>
+                <a:latin typeface="+mn-lt"/>
+                <a:ea typeface="+mn-ea"/>
+                <a:cs typeface="+mn-cs"/>
+              </a:defRPr>
+            </a:lvl1pPr>
+            <a:lvl2pPr marL="685800" indent="-228600" algn="l" defTabSz="914400" rtl="0" eaLnBrk="1" latinLnBrk="0" hangingPunct="1">
+              <a:lnSpc>
+                <a:spcPct val="90000"/>
+              </a:lnSpc>
+              <a:spcBef>
+                <a:spcPts val="500"/>
+              </a:spcBef>
+              <a:buFont typeface="Arial" panose="020B0604020202020204" pitchFamily="34" charset="0"/>
+              <a:buChar char="•"/>
+              <a:defRPr kumimoji="1" sz="2400" kern="1200">
+                <a:solidFill>
+                  <a:schemeClr val="tx1"/>
+                </a:solidFill>
+                <a:latin typeface="+mn-lt"/>
+                <a:ea typeface="+mn-ea"/>
+                <a:cs typeface="+mn-cs"/>
+              </a:defRPr>
+            </a:lvl2pPr>
+            <a:lvl3pPr marL="1143000" indent="-228600" algn="l" defTabSz="914400" rtl="0" eaLnBrk="1" latinLnBrk="0" hangingPunct="1">
+              <a:lnSpc>
+                <a:spcPct val="90000"/>
+              </a:lnSpc>
+              <a:spcBef>
+                <a:spcPts val="500"/>
+              </a:spcBef>
+              <a:buFont typeface="Arial" panose="020B0604020202020204" pitchFamily="34" charset="0"/>
+              <a:buChar char="•"/>
+              <a:defRPr kumimoji="1" sz="2000" kern="1200">
+                <a:solidFill>
+                  <a:schemeClr val="tx1"/>
+                </a:solidFill>
+                <a:latin typeface="+mn-lt"/>
+                <a:ea typeface="+mn-ea"/>
+                <a:cs typeface="+mn-cs"/>
+              </a:defRPr>
+            </a:lvl3pPr>
+            <a:lvl4pPr marL="1600200" indent="-228600" algn="l" defTabSz="914400" rtl="0" eaLnBrk="1" latinLnBrk="0" hangingPunct="1">
+              <a:lnSpc>
+                <a:spcPct val="90000"/>
+              </a:lnSpc>
+              <a:spcBef>
+                <a:spcPts val="500"/>
+              </a:spcBef>
+              <a:buFont typeface="Arial" panose="020B0604020202020204" pitchFamily="34" charset="0"/>
+              <a:buChar char="•"/>
+              <a:defRPr kumimoji="1" sz="1800" kern="1200">
+                <a:solidFill>
+                  <a:schemeClr val="tx1"/>
+                </a:solidFill>
+                <a:latin typeface="+mn-lt"/>
+                <a:ea typeface="+mn-ea"/>
+                <a:cs typeface="+mn-cs"/>
+              </a:defRPr>
+            </a:lvl4pPr>
+            <a:lvl5pPr marL="2057400" indent="-228600" algn="l" defTabSz="914400" rtl="0" eaLnBrk="1" latinLnBrk="0" hangingPunct="1">
+              <a:lnSpc>
+                <a:spcPct val="90000"/>
+              </a:lnSpc>
+              <a:spcBef>
+                <a:spcPts val="500"/>
+              </a:spcBef>
+              <a:buFont typeface="Arial" panose="020B0604020202020204" pitchFamily="34" charset="0"/>
+              <a:buChar char="•"/>
+              <a:defRPr kumimoji="1" sz="1800" kern="1200">
+                <a:solidFill>
+                  <a:schemeClr val="tx1"/>
+                </a:solidFill>
+                <a:latin typeface="+mn-lt"/>
+                <a:ea typeface="+mn-ea"/>
+                <a:cs typeface="+mn-cs"/>
+              </a:defRPr>
+            </a:lvl5pPr>
+            <a:lvl6pPr marL="2514600" indent="-228600" algn="l" defTabSz="914400" rtl="0" eaLnBrk="1" latinLnBrk="0" hangingPunct="1">
+              <a:lnSpc>
+                <a:spcPct val="90000"/>
+              </a:lnSpc>
+              <a:spcBef>
+                <a:spcPts val="500"/>
+              </a:spcBef>
+              <a:buFont typeface="Arial" panose="020B0604020202020204" pitchFamily="34" charset="0"/>
+              <a:buChar char="•"/>
+              <a:defRPr kumimoji="1" sz="1800" kern="1200">
+                <a:solidFill>
+                  <a:schemeClr val="tx1"/>
+                </a:solidFill>
+                <a:latin typeface="+mn-lt"/>
+                <a:ea typeface="+mn-ea"/>
+                <a:cs typeface="+mn-cs"/>
+              </a:defRPr>
+            </a:lvl6pPr>
+            <a:lvl7pPr marL="2971800" indent="-228600" algn="l" defTabSz="914400" rtl="0" eaLnBrk="1" latinLnBrk="0" hangingPunct="1">
+              <a:lnSpc>
+                <a:spcPct val="90000"/>
+              </a:lnSpc>
+              <a:spcBef>
+                <a:spcPts val="500"/>
+              </a:spcBef>
+              <a:buFont typeface="Arial" panose="020B0604020202020204" pitchFamily="34" charset="0"/>
+              <a:buChar char="•"/>
+              <a:defRPr kumimoji="1" sz="1800" kern="1200">
+                <a:solidFill>
+                  <a:schemeClr val="tx1"/>
+                </a:solidFill>
+                <a:latin typeface="+mn-lt"/>
+                <a:ea typeface="+mn-ea"/>
+                <a:cs typeface="+mn-cs"/>
+              </a:defRPr>
+            </a:lvl7pPr>
+            <a:lvl8pPr marL="3429000" indent="-228600" algn="l" defTabSz="914400" rtl="0" eaLnBrk="1" latinLnBrk="0" hangingPunct="1">
+              <a:lnSpc>
+                <a:spcPct val="90000"/>
+              </a:lnSpc>
+              <a:spcBef>
+                <a:spcPts val="500"/>
+              </a:spcBef>
+              <a:buFont typeface="Arial" panose="020B0604020202020204" pitchFamily="34" charset="0"/>
+              <a:buChar char="•"/>
+              <a:defRPr kumimoji="1" sz="1800" kern="1200">
+                <a:solidFill>
+                  <a:schemeClr val="tx1"/>
+                </a:solidFill>
+                <a:latin typeface="+mn-lt"/>
+                <a:ea typeface="+mn-ea"/>
+                <a:cs typeface="+mn-cs"/>
+              </a:defRPr>
+            </a:lvl8pPr>
+            <a:lvl9pPr marL="3886200" indent="-228600" algn="l" defTabSz="914400" rtl="0" eaLnBrk="1" latinLnBrk="0" hangingPunct="1">
+              <a:lnSpc>
+                <a:spcPct val="90000"/>
+              </a:lnSpc>
+              <a:spcBef>
+                <a:spcPts val="500"/>
+              </a:spcBef>
+              <a:buFont typeface="Arial" panose="020B0604020202020204" pitchFamily="34" charset="0"/>
+              <a:buChar char="•"/>
+              <a:defRPr kumimoji="1" sz="1800" kern="1200">
+                <a:solidFill>
+                  <a:schemeClr val="tx1"/>
+                </a:solidFill>
+                <a:latin typeface="+mn-lt"/>
+                <a:ea typeface="+mn-ea"/>
+                <a:cs typeface="+mn-cs"/>
+              </a:defRPr>
+            </a:lvl9pPr>
+          </a:lstStyle>
+          <a:p>
+            <a:pPr marL="0" indent="0" algn="ctr">
+              <a:buFont typeface="Arial" panose="020B0604020202020204" pitchFamily="34" charset="0"/>
+              <a:buNone/>
+            </a:pPr>
+            <a:r>
+              <a:rPr lang="en-US" altLang="ja-JP" sz="1200" dirty="0"/>
+              <a:t>1.</a:t>
+            </a:r>
+            <a:r>
+              <a:rPr lang="ja-JP" altLang="en-US" sz="1200" dirty="0"/>
+              <a:t>「かなり寒いわー。</a:t>
+            </a:r>
+            <a:br>
+              <a:rPr lang="en-US" altLang="ja-JP" sz="1200" dirty="0"/>
+            </a:br>
+            <a:r>
+              <a:rPr lang="ja-JP" altLang="en-US" sz="1200" dirty="0"/>
+              <a:t>温かくして。」</a:t>
+            </a:r>
+            <a:endParaRPr lang="en-US" altLang="ja-JP" sz="1200" dirty="0"/>
+          </a:p>
+          <a:p>
+            <a:pPr marL="0" indent="0" algn="ctr">
+              <a:buFont typeface="Arial" panose="020B0604020202020204" pitchFamily="34" charset="0"/>
+              <a:buNone/>
+            </a:pPr>
+            <a:endParaRPr lang="en-US" altLang="ja-JP" sz="1200" dirty="0"/>
+          </a:p>
+          <a:p>
+            <a:pPr algn="ctr">
+              <a:buFontTx/>
+              <a:buChar char="-"/>
+            </a:pPr>
+            <a:endParaRPr lang="en-US" altLang="ja-JP" sz="1200" dirty="0"/>
+          </a:p>
+          <a:p>
+            <a:pPr algn="ctr">
+              <a:buFontTx/>
+              <a:buChar char="-"/>
+            </a:pPr>
+            <a:endParaRPr lang="en-US" altLang="ja-JP" sz="1200" dirty="0"/>
+          </a:p>
+          <a:p>
+            <a:pPr algn="ctr">
+              <a:buFontTx/>
+              <a:buChar char="-"/>
+            </a:pPr>
+            <a:endParaRPr lang="en-US" altLang="ja-JP" sz="1200" dirty="0"/>
+          </a:p>
+        </p:txBody>
+      </p:sp>
+      <p:sp>
+        <p:nvSpPr>
+          <p:cNvPr id="14" name="コンテンツ プレースホルダー 11">
+            <a:extLst>
+              <a:ext uri="{FF2B5EF4-FFF2-40B4-BE49-F238E27FC236}">
+                <a16:creationId xmlns:a16="http://schemas.microsoft.com/office/drawing/2014/main" id="{8206178E-DF4E-F1D6-D0A0-ED79FE0B30E2}"/>
+              </a:ext>
+            </a:extLst>
+          </p:cNvPr>
+          <p:cNvSpPr txBox="1">
+            <a:spLocks/>
+          </p:cNvSpPr>
+          <p:nvPr/>
+        </p:nvSpPr>
+        <p:spPr>
+          <a:xfrm>
+            <a:off x="4109211" y="2338339"/>
+            <a:ext cx="1367043" cy="271804"/>
+          </a:xfrm>
+          <a:prstGeom prst="rect">
+            <a:avLst/>
+          </a:prstGeom>
+        </p:spPr>
+        <p:txBody>
+          <a:bodyPr vert="horz" lIns="91440" tIns="45720" rIns="91440" bIns="45720" rtlCol="0">
+            <a:normAutofit/>
+          </a:bodyPr>
+          <a:lstStyle>
+            <a:lvl1pPr marL="228600" indent="-228600" algn="l" defTabSz="914400" rtl="0" eaLnBrk="1" latinLnBrk="0" hangingPunct="1">
+              <a:lnSpc>
+                <a:spcPct val="90000"/>
+              </a:lnSpc>
+              <a:spcBef>
+                <a:spcPts val="1000"/>
+              </a:spcBef>
+              <a:buFont typeface="Arial" panose="020B0604020202020204" pitchFamily="34" charset="0"/>
+              <a:buChar char="•"/>
+              <a:defRPr kumimoji="1" sz="2800" kern="1200">
+                <a:solidFill>
+                  <a:schemeClr val="tx1"/>
+                </a:solidFill>
+                <a:latin typeface="+mn-lt"/>
+                <a:ea typeface="+mn-ea"/>
+                <a:cs typeface="+mn-cs"/>
+              </a:defRPr>
+            </a:lvl1pPr>
+            <a:lvl2pPr marL="685800" indent="-228600" algn="l" defTabSz="914400" rtl="0" eaLnBrk="1" latinLnBrk="0" hangingPunct="1">
+              <a:lnSpc>
+                <a:spcPct val="90000"/>
+              </a:lnSpc>
+              <a:spcBef>
+                <a:spcPts val="500"/>
+              </a:spcBef>
+              <a:buFont typeface="Arial" panose="020B0604020202020204" pitchFamily="34" charset="0"/>
+              <a:buChar char="•"/>
+              <a:defRPr kumimoji="1" sz="2400" kern="1200">
+                <a:solidFill>
+                  <a:schemeClr val="tx1"/>
+                </a:solidFill>
+                <a:latin typeface="+mn-lt"/>
+                <a:ea typeface="+mn-ea"/>
+                <a:cs typeface="+mn-cs"/>
+              </a:defRPr>
+            </a:lvl2pPr>
+            <a:lvl3pPr marL="1143000" indent="-228600" algn="l" defTabSz="914400" rtl="0" eaLnBrk="1" latinLnBrk="0" hangingPunct="1">
+              <a:lnSpc>
+                <a:spcPct val="90000"/>
+              </a:lnSpc>
+              <a:spcBef>
+                <a:spcPts val="500"/>
+              </a:spcBef>
+              <a:buFont typeface="Arial" panose="020B0604020202020204" pitchFamily="34" charset="0"/>
+              <a:buChar char="•"/>
+              <a:defRPr kumimoji="1" sz="2000" kern="1200">
+                <a:solidFill>
+                  <a:schemeClr val="tx1"/>
+                </a:solidFill>
+                <a:latin typeface="+mn-lt"/>
+                <a:ea typeface="+mn-ea"/>
+                <a:cs typeface="+mn-cs"/>
+              </a:defRPr>
+            </a:lvl3pPr>
+            <a:lvl4pPr marL="1600200" indent="-228600" algn="l" defTabSz="914400" rtl="0" eaLnBrk="1" latinLnBrk="0" hangingPunct="1">
+              <a:lnSpc>
+                <a:spcPct val="90000"/>
+              </a:lnSpc>
+              <a:spcBef>
+                <a:spcPts val="500"/>
+              </a:spcBef>
+              <a:buFont typeface="Arial" panose="020B0604020202020204" pitchFamily="34" charset="0"/>
+              <a:buChar char="•"/>
+              <a:defRPr kumimoji="1" sz="1800" kern="1200">
+                <a:solidFill>
+                  <a:schemeClr val="tx1"/>
+                </a:solidFill>
+                <a:latin typeface="+mn-lt"/>
+                <a:ea typeface="+mn-ea"/>
+                <a:cs typeface="+mn-cs"/>
+              </a:defRPr>
+            </a:lvl4pPr>
+            <a:lvl5pPr marL="2057400" indent="-228600" algn="l" defTabSz="914400" rtl="0" eaLnBrk="1" latinLnBrk="0" hangingPunct="1">
+              <a:lnSpc>
+                <a:spcPct val="90000"/>
+              </a:lnSpc>
+              <a:spcBef>
+                <a:spcPts val="500"/>
+              </a:spcBef>
+              <a:buFont typeface="Arial" panose="020B0604020202020204" pitchFamily="34" charset="0"/>
+              <a:buChar char="•"/>
+              <a:defRPr kumimoji="1" sz="1800" kern="1200">
+                <a:solidFill>
+                  <a:schemeClr val="tx1"/>
+                </a:solidFill>
+                <a:latin typeface="+mn-lt"/>
+                <a:ea typeface="+mn-ea"/>
+                <a:cs typeface="+mn-cs"/>
+              </a:defRPr>
+            </a:lvl5pPr>
+            <a:lvl6pPr marL="2514600" indent="-228600" algn="l" defTabSz="914400" rtl="0" eaLnBrk="1" latinLnBrk="0" hangingPunct="1">
+              <a:lnSpc>
+                <a:spcPct val="90000"/>
+              </a:lnSpc>
+              <a:spcBef>
+                <a:spcPts val="500"/>
+              </a:spcBef>
+              <a:buFont typeface="Arial" panose="020B0604020202020204" pitchFamily="34" charset="0"/>
+              <a:buChar char="•"/>
+              <a:defRPr kumimoji="1" sz="1800" kern="1200">
+                <a:solidFill>
+                  <a:schemeClr val="tx1"/>
+                </a:solidFill>
+                <a:latin typeface="+mn-lt"/>
+                <a:ea typeface="+mn-ea"/>
+                <a:cs typeface="+mn-cs"/>
+              </a:defRPr>
+            </a:lvl6pPr>
+            <a:lvl7pPr marL="2971800" indent="-228600" algn="l" defTabSz="914400" rtl="0" eaLnBrk="1" latinLnBrk="0" hangingPunct="1">
+              <a:lnSpc>
+                <a:spcPct val="90000"/>
+              </a:lnSpc>
+              <a:spcBef>
+                <a:spcPts val="500"/>
+              </a:spcBef>
+              <a:buFont typeface="Arial" panose="020B0604020202020204" pitchFamily="34" charset="0"/>
+              <a:buChar char="•"/>
+              <a:defRPr kumimoji="1" sz="1800" kern="1200">
+                <a:solidFill>
+                  <a:schemeClr val="tx1"/>
+                </a:solidFill>
+                <a:latin typeface="+mn-lt"/>
+                <a:ea typeface="+mn-ea"/>
+                <a:cs typeface="+mn-cs"/>
+              </a:defRPr>
+            </a:lvl7pPr>
+            <a:lvl8pPr marL="3429000" indent="-228600" algn="l" defTabSz="914400" rtl="0" eaLnBrk="1" latinLnBrk="0" hangingPunct="1">
+              <a:lnSpc>
+                <a:spcPct val="90000"/>
+              </a:lnSpc>
+              <a:spcBef>
+                <a:spcPts val="500"/>
+              </a:spcBef>
+              <a:buFont typeface="Arial" panose="020B0604020202020204" pitchFamily="34" charset="0"/>
+              <a:buChar char="•"/>
+              <a:defRPr kumimoji="1" sz="1800" kern="1200">
+                <a:solidFill>
+                  <a:schemeClr val="tx1"/>
+                </a:solidFill>
+                <a:latin typeface="+mn-lt"/>
+                <a:ea typeface="+mn-ea"/>
+                <a:cs typeface="+mn-cs"/>
+              </a:defRPr>
+            </a:lvl8pPr>
+            <a:lvl9pPr marL="3886200" indent="-228600" algn="l" defTabSz="914400" rtl="0" eaLnBrk="1" latinLnBrk="0" hangingPunct="1">
+              <a:lnSpc>
+                <a:spcPct val="90000"/>
+              </a:lnSpc>
+              <a:spcBef>
+                <a:spcPts val="500"/>
+              </a:spcBef>
+              <a:buFont typeface="Arial" panose="020B0604020202020204" pitchFamily="34" charset="0"/>
+              <a:buChar char="•"/>
+              <a:defRPr kumimoji="1" sz="1800" kern="1200">
+                <a:solidFill>
+                  <a:schemeClr val="tx1"/>
+                </a:solidFill>
+                <a:latin typeface="+mn-lt"/>
+                <a:ea typeface="+mn-ea"/>
+                <a:cs typeface="+mn-cs"/>
+              </a:defRPr>
+            </a:lvl9pPr>
+          </a:lstStyle>
+          <a:p>
+            <a:pPr marL="0" indent="0" algn="ctr">
+              <a:buNone/>
+            </a:pPr>
+            <a:r>
+              <a:rPr lang="en-US" altLang="ja-JP" sz="1200" dirty="0"/>
+              <a:t>3. </a:t>
+            </a:r>
+            <a:r>
+              <a:rPr lang="ja-JP" altLang="en-US" sz="1200" dirty="0"/>
+              <a:t>現在温度取得</a:t>
+            </a:r>
+            <a:endParaRPr lang="en-US" altLang="ja-JP" sz="1200" dirty="0"/>
+          </a:p>
+          <a:p>
+            <a:pPr algn="ctr">
+              <a:buFontTx/>
+              <a:buChar char="-"/>
+            </a:pPr>
+            <a:endParaRPr lang="en-US" altLang="ja-JP" sz="1200" dirty="0"/>
+          </a:p>
+          <a:p>
+            <a:pPr algn="ctr">
+              <a:buFontTx/>
+              <a:buChar char="-"/>
+            </a:pPr>
+            <a:endParaRPr lang="en-US" altLang="ja-JP" sz="1200" dirty="0"/>
+          </a:p>
+        </p:txBody>
+      </p:sp>
+      <p:cxnSp>
+        <p:nvCxnSpPr>
+          <p:cNvPr id="15" name="直線矢印コネクタ 14">
+            <a:extLst>
+              <a:ext uri="{FF2B5EF4-FFF2-40B4-BE49-F238E27FC236}">
+                <a16:creationId xmlns:a16="http://schemas.microsoft.com/office/drawing/2014/main" id="{D797A4DD-E7AE-FFBC-9BA1-93836F7E5B44}"/>
+              </a:ext>
+            </a:extLst>
+          </p:cNvPr>
+          <p:cNvCxnSpPr>
+            <a:cxnSpLocks/>
+          </p:cNvCxnSpPr>
+          <p:nvPr/>
+        </p:nvCxnSpPr>
+        <p:spPr>
+          <a:xfrm flipH="1">
+            <a:off x="3907943" y="2627993"/>
+            <a:ext cx="1692549" cy="0"/>
+          </a:xfrm>
+          <a:prstGeom prst="straightConnector1">
+            <a:avLst/>
+          </a:prstGeom>
+          <a:ln>
+            <a:tailEnd type="triangle"/>
+          </a:ln>
+        </p:spPr>
+        <p:style>
+          <a:lnRef idx="2">
+            <a:schemeClr val="accent4"/>
+          </a:lnRef>
+          <a:fillRef idx="0">
+            <a:schemeClr val="accent4"/>
+          </a:fillRef>
+          <a:effectRef idx="1">
+            <a:schemeClr val="accent4"/>
+          </a:effectRef>
+          <a:fontRef idx="minor">
+            <a:schemeClr val="tx1"/>
+          </a:fontRef>
+        </p:style>
+      </p:cxnSp>
+      <p:sp>
+        <p:nvSpPr>
+          <p:cNvPr id="16" name="コンテンツ プレースホルダー 11">
+            <a:extLst>
+              <a:ext uri="{FF2B5EF4-FFF2-40B4-BE49-F238E27FC236}">
+                <a16:creationId xmlns:a16="http://schemas.microsoft.com/office/drawing/2014/main" id="{A2488401-C700-B4EC-6EEE-6B804110CCF7}"/>
+              </a:ext>
+            </a:extLst>
+          </p:cNvPr>
+          <p:cNvSpPr txBox="1">
+            <a:spLocks/>
+          </p:cNvSpPr>
+          <p:nvPr/>
+        </p:nvSpPr>
+        <p:spPr>
+          <a:xfrm>
+            <a:off x="4102377" y="2470996"/>
+            <a:ext cx="1367043" cy="271804"/>
+          </a:xfrm>
+          <a:prstGeom prst="rect">
+            <a:avLst/>
+          </a:prstGeom>
+        </p:spPr>
+        <p:txBody>
+          <a:bodyPr vert="horz" lIns="91440" tIns="45720" rIns="91440" bIns="45720" rtlCol="0">
+            <a:normAutofit/>
+          </a:bodyPr>
+          <a:lstStyle>
+            <a:lvl1pPr marL="228600" indent="-228600" algn="l" defTabSz="914400" rtl="0" eaLnBrk="1" latinLnBrk="0" hangingPunct="1">
+              <a:lnSpc>
+                <a:spcPct val="90000"/>
+              </a:lnSpc>
+              <a:spcBef>
+                <a:spcPts val="1000"/>
+              </a:spcBef>
+              <a:buFont typeface="Arial" panose="020B0604020202020204" pitchFamily="34" charset="0"/>
+              <a:buChar char="•"/>
+              <a:defRPr kumimoji="1" sz="2800" kern="1200">
+                <a:solidFill>
+                  <a:schemeClr val="tx1"/>
+                </a:solidFill>
+                <a:latin typeface="+mn-lt"/>
+                <a:ea typeface="+mn-ea"/>
+                <a:cs typeface="+mn-cs"/>
+              </a:defRPr>
+            </a:lvl1pPr>
+            <a:lvl2pPr marL="685800" indent="-228600" algn="l" defTabSz="914400" rtl="0" eaLnBrk="1" latinLnBrk="0" hangingPunct="1">
+              <a:lnSpc>
+                <a:spcPct val="90000"/>
+              </a:lnSpc>
+              <a:spcBef>
+                <a:spcPts val="500"/>
+              </a:spcBef>
+              <a:buFont typeface="Arial" panose="020B0604020202020204" pitchFamily="34" charset="0"/>
+              <a:buChar char="•"/>
+              <a:defRPr kumimoji="1" sz="2400" kern="1200">
+                <a:solidFill>
+                  <a:schemeClr val="tx1"/>
+                </a:solidFill>
+                <a:latin typeface="+mn-lt"/>
+                <a:ea typeface="+mn-ea"/>
+                <a:cs typeface="+mn-cs"/>
+              </a:defRPr>
+            </a:lvl2pPr>
+            <a:lvl3pPr marL="1143000" indent="-228600" algn="l" defTabSz="914400" rtl="0" eaLnBrk="1" latinLnBrk="0" hangingPunct="1">
+              <a:lnSpc>
+                <a:spcPct val="90000"/>
+              </a:lnSpc>
+              <a:spcBef>
+                <a:spcPts val="500"/>
+              </a:spcBef>
+              <a:buFont typeface="Arial" panose="020B0604020202020204" pitchFamily="34" charset="0"/>
+              <a:buChar char="•"/>
+              <a:defRPr kumimoji="1" sz="2000" kern="1200">
+                <a:solidFill>
+                  <a:schemeClr val="tx1"/>
+                </a:solidFill>
+                <a:latin typeface="+mn-lt"/>
+                <a:ea typeface="+mn-ea"/>
+                <a:cs typeface="+mn-cs"/>
+              </a:defRPr>
+            </a:lvl3pPr>
+            <a:lvl4pPr marL="1600200" indent="-228600" algn="l" defTabSz="914400" rtl="0" eaLnBrk="1" latinLnBrk="0" hangingPunct="1">
+              <a:lnSpc>
+                <a:spcPct val="90000"/>
+              </a:lnSpc>
+              <a:spcBef>
+                <a:spcPts val="500"/>
+              </a:spcBef>
+              <a:buFont typeface="Arial" panose="020B0604020202020204" pitchFamily="34" charset="0"/>
+              <a:buChar char="•"/>
+              <a:defRPr kumimoji="1" sz="1800" kern="1200">
+                <a:solidFill>
+                  <a:schemeClr val="tx1"/>
+                </a:solidFill>
+                <a:latin typeface="+mn-lt"/>
+                <a:ea typeface="+mn-ea"/>
+                <a:cs typeface="+mn-cs"/>
+              </a:defRPr>
+            </a:lvl4pPr>
+            <a:lvl5pPr marL="2057400" indent="-228600" algn="l" defTabSz="914400" rtl="0" eaLnBrk="1" latinLnBrk="0" hangingPunct="1">
+              <a:lnSpc>
+                <a:spcPct val="90000"/>
+              </a:lnSpc>
+              <a:spcBef>
+                <a:spcPts val="500"/>
+              </a:spcBef>
+              <a:buFont typeface="Arial" panose="020B0604020202020204" pitchFamily="34" charset="0"/>
+              <a:buChar char="•"/>
+              <a:defRPr kumimoji="1" sz="1800" kern="1200">
+                <a:solidFill>
+                  <a:schemeClr val="tx1"/>
+                </a:solidFill>
+                <a:latin typeface="+mn-lt"/>
+                <a:ea typeface="+mn-ea"/>
+                <a:cs typeface="+mn-cs"/>
+              </a:defRPr>
+            </a:lvl5pPr>
+            <a:lvl6pPr marL="2514600" indent="-228600" algn="l" defTabSz="914400" rtl="0" eaLnBrk="1" latinLnBrk="0" hangingPunct="1">
+              <a:lnSpc>
+                <a:spcPct val="90000"/>
+              </a:lnSpc>
+              <a:spcBef>
+                <a:spcPts val="500"/>
+              </a:spcBef>
+              <a:buFont typeface="Arial" panose="020B0604020202020204" pitchFamily="34" charset="0"/>
+              <a:buChar char="•"/>
+              <a:defRPr kumimoji="1" sz="1800" kern="1200">
+                <a:solidFill>
+                  <a:schemeClr val="tx1"/>
+                </a:solidFill>
+                <a:latin typeface="+mn-lt"/>
+                <a:ea typeface="+mn-ea"/>
+                <a:cs typeface="+mn-cs"/>
+              </a:defRPr>
+            </a:lvl6pPr>
+            <a:lvl7pPr marL="2971800" indent="-228600" algn="l" defTabSz="914400" rtl="0" eaLnBrk="1" latinLnBrk="0" hangingPunct="1">
+              <a:lnSpc>
+                <a:spcPct val="90000"/>
+              </a:lnSpc>
+              <a:spcBef>
+                <a:spcPts val="500"/>
+              </a:spcBef>
+              <a:buFont typeface="Arial" panose="020B0604020202020204" pitchFamily="34" charset="0"/>
+              <a:buChar char="•"/>
+              <a:defRPr kumimoji="1" sz="1800" kern="1200">
+                <a:solidFill>
+                  <a:schemeClr val="tx1"/>
+                </a:solidFill>
+                <a:latin typeface="+mn-lt"/>
+                <a:ea typeface="+mn-ea"/>
+                <a:cs typeface="+mn-cs"/>
+              </a:defRPr>
+            </a:lvl7pPr>
+            <a:lvl8pPr marL="3429000" indent="-228600" algn="l" defTabSz="914400" rtl="0" eaLnBrk="1" latinLnBrk="0" hangingPunct="1">
+              <a:lnSpc>
+                <a:spcPct val="90000"/>
+              </a:lnSpc>
+              <a:spcBef>
+                <a:spcPts val="500"/>
+              </a:spcBef>
+              <a:buFont typeface="Arial" panose="020B0604020202020204" pitchFamily="34" charset="0"/>
+              <a:buChar char="•"/>
+              <a:defRPr kumimoji="1" sz="1800" kern="1200">
+                <a:solidFill>
+                  <a:schemeClr val="tx1"/>
+                </a:solidFill>
+                <a:latin typeface="+mn-lt"/>
+                <a:ea typeface="+mn-ea"/>
+                <a:cs typeface="+mn-cs"/>
+              </a:defRPr>
+            </a:lvl8pPr>
+            <a:lvl9pPr marL="3886200" indent="-228600" algn="l" defTabSz="914400" rtl="0" eaLnBrk="1" latinLnBrk="0" hangingPunct="1">
+              <a:lnSpc>
+                <a:spcPct val="90000"/>
+              </a:lnSpc>
+              <a:spcBef>
+                <a:spcPts val="500"/>
+              </a:spcBef>
+              <a:buFont typeface="Arial" panose="020B0604020202020204" pitchFamily="34" charset="0"/>
+              <a:buChar char="•"/>
+              <a:defRPr kumimoji="1" sz="1800" kern="1200">
+                <a:solidFill>
+                  <a:schemeClr val="tx1"/>
+                </a:solidFill>
+                <a:latin typeface="+mn-lt"/>
+                <a:ea typeface="+mn-ea"/>
+                <a:cs typeface="+mn-cs"/>
+              </a:defRPr>
+            </a:lvl9pPr>
+          </a:lstStyle>
+          <a:p>
+            <a:pPr marL="0" indent="0" algn="ctr">
+              <a:buNone/>
+            </a:pPr>
+            <a:r>
+              <a:rPr lang="en-US" altLang="ja-JP" sz="1200" dirty="0"/>
+              <a:t>10</a:t>
+            </a:r>
+            <a:r>
+              <a:rPr lang="ja-JP" altLang="en-US" sz="1200" dirty="0"/>
+              <a:t>度</a:t>
+            </a:r>
+            <a:endParaRPr lang="en-US" altLang="ja-JP" sz="1200" dirty="0"/>
+          </a:p>
+          <a:p>
+            <a:pPr algn="ctr">
+              <a:buFontTx/>
+              <a:buChar char="-"/>
+            </a:pPr>
+            <a:endParaRPr lang="en-US" altLang="ja-JP" sz="1200" dirty="0"/>
+          </a:p>
+        </p:txBody>
+      </p:sp>
+      <p:cxnSp>
+        <p:nvCxnSpPr>
+          <p:cNvPr id="17" name="直線矢印コネクタ 16">
+            <a:extLst>
+              <a:ext uri="{FF2B5EF4-FFF2-40B4-BE49-F238E27FC236}">
+                <a16:creationId xmlns:a16="http://schemas.microsoft.com/office/drawing/2014/main" id="{6F0BC268-DA63-8962-38DB-BAB5572B3D6D}"/>
+              </a:ext>
+            </a:extLst>
+          </p:cNvPr>
+          <p:cNvCxnSpPr>
+            <a:cxnSpLocks/>
+          </p:cNvCxnSpPr>
+          <p:nvPr/>
+        </p:nvCxnSpPr>
+        <p:spPr>
+          <a:xfrm>
+            <a:off x="3830500" y="3014603"/>
+            <a:ext cx="1844123" cy="0"/>
+          </a:xfrm>
+          <a:prstGeom prst="straightConnector1">
+            <a:avLst/>
+          </a:prstGeom>
+          <a:ln>
+            <a:tailEnd type="triangle"/>
+          </a:ln>
+        </p:spPr>
+        <p:style>
+          <a:lnRef idx="2">
+            <a:schemeClr val="accent4"/>
+          </a:lnRef>
+          <a:fillRef idx="0">
+            <a:schemeClr val="accent4"/>
+          </a:fillRef>
+          <a:effectRef idx="1">
+            <a:schemeClr val="accent4"/>
+          </a:effectRef>
+          <a:fontRef idx="minor">
+            <a:schemeClr val="tx1"/>
+          </a:fontRef>
+        </p:style>
+      </p:cxnSp>
+      <p:sp>
+        <p:nvSpPr>
+          <p:cNvPr id="18" name="コンテンツ プレースホルダー 11">
+            <a:extLst>
+              <a:ext uri="{FF2B5EF4-FFF2-40B4-BE49-F238E27FC236}">
+                <a16:creationId xmlns:a16="http://schemas.microsoft.com/office/drawing/2014/main" id="{F867B5CB-7F27-DE52-B3AC-230C60D6C63C}"/>
+              </a:ext>
+            </a:extLst>
+          </p:cNvPr>
+          <p:cNvSpPr txBox="1">
+            <a:spLocks/>
+          </p:cNvSpPr>
+          <p:nvPr/>
+        </p:nvSpPr>
+        <p:spPr>
+          <a:xfrm>
+            <a:off x="4109211" y="2742800"/>
+            <a:ext cx="1367043" cy="271804"/>
+          </a:xfrm>
+          <a:prstGeom prst="rect">
+            <a:avLst/>
+          </a:prstGeom>
+        </p:spPr>
+        <p:txBody>
+          <a:bodyPr vert="horz" lIns="91440" tIns="45720" rIns="91440" bIns="45720" rtlCol="0">
+            <a:normAutofit/>
+          </a:bodyPr>
+          <a:lstStyle>
+            <a:lvl1pPr marL="228600" indent="-228600" algn="l" defTabSz="914400" rtl="0" eaLnBrk="1" latinLnBrk="0" hangingPunct="1">
+              <a:lnSpc>
+                <a:spcPct val="90000"/>
+              </a:lnSpc>
+              <a:spcBef>
+                <a:spcPts val="1000"/>
+              </a:spcBef>
+              <a:buFont typeface="Arial" panose="020B0604020202020204" pitchFamily="34" charset="0"/>
+              <a:buChar char="•"/>
+              <a:defRPr kumimoji="1" sz="2800" kern="1200">
+                <a:solidFill>
+                  <a:schemeClr val="tx1"/>
+                </a:solidFill>
+                <a:latin typeface="+mn-lt"/>
+                <a:ea typeface="+mn-ea"/>
+                <a:cs typeface="+mn-cs"/>
+              </a:defRPr>
+            </a:lvl1pPr>
+            <a:lvl2pPr marL="685800" indent="-228600" algn="l" defTabSz="914400" rtl="0" eaLnBrk="1" latinLnBrk="0" hangingPunct="1">
+              <a:lnSpc>
+                <a:spcPct val="90000"/>
+              </a:lnSpc>
+              <a:spcBef>
+                <a:spcPts val="500"/>
+              </a:spcBef>
+              <a:buFont typeface="Arial" panose="020B0604020202020204" pitchFamily="34" charset="0"/>
+              <a:buChar char="•"/>
+              <a:defRPr kumimoji="1" sz="2400" kern="1200">
+                <a:solidFill>
+                  <a:schemeClr val="tx1"/>
+                </a:solidFill>
+                <a:latin typeface="+mn-lt"/>
+                <a:ea typeface="+mn-ea"/>
+                <a:cs typeface="+mn-cs"/>
+              </a:defRPr>
+            </a:lvl2pPr>
+            <a:lvl3pPr marL="1143000" indent="-228600" algn="l" defTabSz="914400" rtl="0" eaLnBrk="1" latinLnBrk="0" hangingPunct="1">
+              <a:lnSpc>
+                <a:spcPct val="90000"/>
+              </a:lnSpc>
+              <a:spcBef>
+                <a:spcPts val="500"/>
+              </a:spcBef>
+              <a:buFont typeface="Arial" panose="020B0604020202020204" pitchFamily="34" charset="0"/>
+              <a:buChar char="•"/>
+              <a:defRPr kumimoji="1" sz="2000" kern="1200">
+                <a:solidFill>
+                  <a:schemeClr val="tx1"/>
+                </a:solidFill>
+                <a:latin typeface="+mn-lt"/>
+                <a:ea typeface="+mn-ea"/>
+                <a:cs typeface="+mn-cs"/>
+              </a:defRPr>
+            </a:lvl3pPr>
+            <a:lvl4pPr marL="1600200" indent="-228600" algn="l" defTabSz="914400" rtl="0" eaLnBrk="1" latinLnBrk="0" hangingPunct="1">
+              <a:lnSpc>
+                <a:spcPct val="90000"/>
+              </a:lnSpc>
+              <a:spcBef>
+                <a:spcPts val="500"/>
+              </a:spcBef>
+              <a:buFont typeface="Arial" panose="020B0604020202020204" pitchFamily="34" charset="0"/>
+              <a:buChar char="•"/>
+              <a:defRPr kumimoji="1" sz="1800" kern="1200">
+                <a:solidFill>
+                  <a:schemeClr val="tx1"/>
+                </a:solidFill>
+                <a:latin typeface="+mn-lt"/>
+                <a:ea typeface="+mn-ea"/>
+                <a:cs typeface="+mn-cs"/>
+              </a:defRPr>
+            </a:lvl4pPr>
+            <a:lvl5pPr marL="2057400" indent="-228600" algn="l" defTabSz="914400" rtl="0" eaLnBrk="1" latinLnBrk="0" hangingPunct="1">
+              <a:lnSpc>
+                <a:spcPct val="90000"/>
+              </a:lnSpc>
+              <a:spcBef>
+                <a:spcPts val="500"/>
+              </a:spcBef>
+              <a:buFont typeface="Arial" panose="020B0604020202020204" pitchFamily="34" charset="0"/>
+              <a:buChar char="•"/>
+              <a:defRPr kumimoji="1" sz="1800" kern="1200">
+                <a:solidFill>
+                  <a:schemeClr val="tx1"/>
+                </a:solidFill>
+                <a:latin typeface="+mn-lt"/>
+                <a:ea typeface="+mn-ea"/>
+                <a:cs typeface="+mn-cs"/>
+              </a:defRPr>
+            </a:lvl5pPr>
+            <a:lvl6pPr marL="2514600" indent="-228600" algn="l" defTabSz="914400" rtl="0" eaLnBrk="1" latinLnBrk="0" hangingPunct="1">
+              <a:lnSpc>
+                <a:spcPct val="90000"/>
+              </a:lnSpc>
+              <a:spcBef>
+                <a:spcPts val="500"/>
+              </a:spcBef>
+              <a:buFont typeface="Arial" panose="020B0604020202020204" pitchFamily="34" charset="0"/>
+              <a:buChar char="•"/>
+              <a:defRPr kumimoji="1" sz="1800" kern="1200">
+                <a:solidFill>
+                  <a:schemeClr val="tx1"/>
+                </a:solidFill>
+                <a:latin typeface="+mn-lt"/>
+                <a:ea typeface="+mn-ea"/>
+                <a:cs typeface="+mn-cs"/>
+              </a:defRPr>
+            </a:lvl6pPr>
+            <a:lvl7pPr marL="2971800" indent="-228600" algn="l" defTabSz="914400" rtl="0" eaLnBrk="1" latinLnBrk="0" hangingPunct="1">
+              <a:lnSpc>
+                <a:spcPct val="90000"/>
+              </a:lnSpc>
+              <a:spcBef>
+                <a:spcPts val="500"/>
+              </a:spcBef>
+              <a:buFont typeface="Arial" panose="020B0604020202020204" pitchFamily="34" charset="0"/>
+              <a:buChar char="•"/>
+              <a:defRPr kumimoji="1" sz="1800" kern="1200">
+                <a:solidFill>
+                  <a:schemeClr val="tx1"/>
+                </a:solidFill>
+                <a:latin typeface="+mn-lt"/>
+                <a:ea typeface="+mn-ea"/>
+                <a:cs typeface="+mn-cs"/>
+              </a:defRPr>
+            </a:lvl7pPr>
+            <a:lvl8pPr marL="3429000" indent="-228600" algn="l" defTabSz="914400" rtl="0" eaLnBrk="1" latinLnBrk="0" hangingPunct="1">
+              <a:lnSpc>
+                <a:spcPct val="90000"/>
+              </a:lnSpc>
+              <a:spcBef>
+                <a:spcPts val="500"/>
+              </a:spcBef>
+              <a:buFont typeface="Arial" panose="020B0604020202020204" pitchFamily="34" charset="0"/>
+              <a:buChar char="•"/>
+              <a:defRPr kumimoji="1" sz="1800" kern="1200">
+                <a:solidFill>
+                  <a:schemeClr val="tx1"/>
+                </a:solidFill>
+                <a:latin typeface="+mn-lt"/>
+                <a:ea typeface="+mn-ea"/>
+                <a:cs typeface="+mn-cs"/>
+              </a:defRPr>
+            </a:lvl8pPr>
+            <a:lvl9pPr marL="3886200" indent="-228600" algn="l" defTabSz="914400" rtl="0" eaLnBrk="1" latinLnBrk="0" hangingPunct="1">
+              <a:lnSpc>
+                <a:spcPct val="90000"/>
+              </a:lnSpc>
+              <a:spcBef>
+                <a:spcPts val="500"/>
+              </a:spcBef>
+              <a:buFont typeface="Arial" panose="020B0604020202020204" pitchFamily="34" charset="0"/>
+              <a:buChar char="•"/>
+              <a:defRPr kumimoji="1" sz="1800" kern="1200">
+                <a:solidFill>
+                  <a:schemeClr val="tx1"/>
+                </a:solidFill>
+                <a:latin typeface="+mn-lt"/>
+                <a:ea typeface="+mn-ea"/>
+                <a:cs typeface="+mn-cs"/>
+              </a:defRPr>
+            </a:lvl9pPr>
+          </a:lstStyle>
+          <a:p>
+            <a:pPr marL="0" indent="0" algn="ctr">
+              <a:buNone/>
+            </a:pPr>
+            <a:r>
+              <a:rPr lang="en-US" altLang="ja-JP" sz="1200" dirty="0"/>
+              <a:t>4. </a:t>
+            </a:r>
+            <a:r>
+              <a:rPr lang="ja-JP" altLang="en-US" sz="1200" dirty="0"/>
+              <a:t>最大温度取得</a:t>
+            </a:r>
+            <a:endParaRPr lang="en-US" altLang="ja-JP" sz="1200" dirty="0"/>
+          </a:p>
+          <a:p>
+            <a:pPr algn="ctr">
+              <a:buFontTx/>
+              <a:buChar char="-"/>
+            </a:pPr>
+            <a:endParaRPr lang="en-US" altLang="ja-JP" sz="1200" dirty="0"/>
+          </a:p>
+          <a:p>
+            <a:pPr algn="ctr">
+              <a:buFontTx/>
+              <a:buChar char="-"/>
+            </a:pPr>
+            <a:endParaRPr lang="en-US" altLang="ja-JP" sz="1200" dirty="0"/>
+          </a:p>
+        </p:txBody>
+      </p:sp>
+      <p:cxnSp>
+        <p:nvCxnSpPr>
+          <p:cNvPr id="19" name="直線矢印コネクタ 18">
+            <a:extLst>
+              <a:ext uri="{FF2B5EF4-FFF2-40B4-BE49-F238E27FC236}">
+                <a16:creationId xmlns:a16="http://schemas.microsoft.com/office/drawing/2014/main" id="{0FF4A5A6-6BCB-A282-B9A1-8466D35F2C5C}"/>
+              </a:ext>
+            </a:extLst>
+          </p:cNvPr>
+          <p:cNvCxnSpPr>
+            <a:cxnSpLocks/>
+          </p:cNvCxnSpPr>
+          <p:nvPr/>
+        </p:nvCxnSpPr>
+        <p:spPr>
+          <a:xfrm flipH="1">
+            <a:off x="3907943" y="3171600"/>
+            <a:ext cx="1692549" cy="0"/>
+          </a:xfrm>
+          <a:prstGeom prst="straightConnector1">
+            <a:avLst/>
+          </a:prstGeom>
+          <a:ln>
+            <a:tailEnd type="triangle"/>
+          </a:ln>
+        </p:spPr>
+        <p:style>
+          <a:lnRef idx="2">
+            <a:schemeClr val="accent4"/>
+          </a:lnRef>
+          <a:fillRef idx="0">
+            <a:schemeClr val="accent4"/>
+          </a:fillRef>
+          <a:effectRef idx="1">
+            <a:schemeClr val="accent4"/>
+          </a:effectRef>
+          <a:fontRef idx="minor">
+            <a:schemeClr val="tx1"/>
+          </a:fontRef>
+        </p:style>
+      </p:cxnSp>
+      <p:sp>
+        <p:nvSpPr>
+          <p:cNvPr id="20" name="コンテンツ プレースホルダー 11">
+            <a:extLst>
+              <a:ext uri="{FF2B5EF4-FFF2-40B4-BE49-F238E27FC236}">
+                <a16:creationId xmlns:a16="http://schemas.microsoft.com/office/drawing/2014/main" id="{6D1FDD5D-331F-E92C-7DF4-9E47E7998E05}"/>
+              </a:ext>
+            </a:extLst>
+          </p:cNvPr>
+          <p:cNvSpPr txBox="1">
+            <a:spLocks/>
+          </p:cNvSpPr>
+          <p:nvPr/>
+        </p:nvSpPr>
+        <p:spPr>
+          <a:xfrm>
+            <a:off x="4102377" y="3014603"/>
+            <a:ext cx="1367043" cy="271804"/>
+          </a:xfrm>
+          <a:prstGeom prst="rect">
+            <a:avLst/>
+          </a:prstGeom>
+        </p:spPr>
+        <p:txBody>
+          <a:bodyPr vert="horz" lIns="91440" tIns="45720" rIns="91440" bIns="45720" rtlCol="0">
+            <a:normAutofit/>
+          </a:bodyPr>
+          <a:lstStyle>
+            <a:lvl1pPr marL="228600" indent="-228600" algn="l" defTabSz="914400" rtl="0" eaLnBrk="1" latinLnBrk="0" hangingPunct="1">
+              <a:lnSpc>
+                <a:spcPct val="90000"/>
+              </a:lnSpc>
+              <a:spcBef>
+                <a:spcPts val="1000"/>
+              </a:spcBef>
+              <a:buFont typeface="Arial" panose="020B0604020202020204" pitchFamily="34" charset="0"/>
+              <a:buChar char="•"/>
+              <a:defRPr kumimoji="1" sz="2800" kern="1200">
+                <a:solidFill>
+                  <a:schemeClr val="tx1"/>
+                </a:solidFill>
+                <a:latin typeface="+mn-lt"/>
+                <a:ea typeface="+mn-ea"/>
+                <a:cs typeface="+mn-cs"/>
+              </a:defRPr>
+            </a:lvl1pPr>
+            <a:lvl2pPr marL="685800" indent="-228600" algn="l" defTabSz="914400" rtl="0" eaLnBrk="1" latinLnBrk="0" hangingPunct="1">
+              <a:lnSpc>
+                <a:spcPct val="90000"/>
+              </a:lnSpc>
+              <a:spcBef>
+                <a:spcPts val="500"/>
+              </a:spcBef>
+              <a:buFont typeface="Arial" panose="020B0604020202020204" pitchFamily="34" charset="0"/>
+              <a:buChar char="•"/>
+              <a:defRPr kumimoji="1" sz="2400" kern="1200">
+                <a:solidFill>
+                  <a:schemeClr val="tx1"/>
+                </a:solidFill>
+                <a:latin typeface="+mn-lt"/>
+                <a:ea typeface="+mn-ea"/>
+                <a:cs typeface="+mn-cs"/>
+              </a:defRPr>
+            </a:lvl2pPr>
+            <a:lvl3pPr marL="1143000" indent="-228600" algn="l" defTabSz="914400" rtl="0" eaLnBrk="1" latinLnBrk="0" hangingPunct="1">
+              <a:lnSpc>
+                <a:spcPct val="90000"/>
+              </a:lnSpc>
+              <a:spcBef>
+                <a:spcPts val="500"/>
+              </a:spcBef>
+              <a:buFont typeface="Arial" panose="020B0604020202020204" pitchFamily="34" charset="0"/>
+              <a:buChar char="•"/>
+              <a:defRPr kumimoji="1" sz="2000" kern="1200">
+                <a:solidFill>
+                  <a:schemeClr val="tx1"/>
+                </a:solidFill>
+                <a:latin typeface="+mn-lt"/>
+                <a:ea typeface="+mn-ea"/>
+                <a:cs typeface="+mn-cs"/>
+              </a:defRPr>
+            </a:lvl3pPr>
+            <a:lvl4pPr marL="1600200" indent="-228600" algn="l" defTabSz="914400" rtl="0" eaLnBrk="1" latinLnBrk="0" hangingPunct="1">
+              <a:lnSpc>
+                <a:spcPct val="90000"/>
+              </a:lnSpc>
+              <a:spcBef>
+                <a:spcPts val="500"/>
+              </a:spcBef>
+              <a:buFont typeface="Arial" panose="020B0604020202020204" pitchFamily="34" charset="0"/>
+              <a:buChar char="•"/>
+              <a:defRPr kumimoji="1" sz="1800" kern="1200">
+                <a:solidFill>
+                  <a:schemeClr val="tx1"/>
+                </a:solidFill>
+                <a:latin typeface="+mn-lt"/>
+                <a:ea typeface="+mn-ea"/>
+                <a:cs typeface="+mn-cs"/>
+              </a:defRPr>
+            </a:lvl4pPr>
+            <a:lvl5pPr marL="2057400" indent="-228600" algn="l" defTabSz="914400" rtl="0" eaLnBrk="1" latinLnBrk="0" hangingPunct="1">
+              <a:lnSpc>
+                <a:spcPct val="90000"/>
+              </a:lnSpc>
+              <a:spcBef>
+                <a:spcPts val="500"/>
+              </a:spcBef>
+              <a:buFont typeface="Arial" panose="020B0604020202020204" pitchFamily="34" charset="0"/>
+              <a:buChar char="•"/>
+              <a:defRPr kumimoji="1" sz="1800" kern="1200">
+                <a:solidFill>
+                  <a:schemeClr val="tx1"/>
+                </a:solidFill>
+                <a:latin typeface="+mn-lt"/>
+                <a:ea typeface="+mn-ea"/>
+                <a:cs typeface="+mn-cs"/>
+              </a:defRPr>
+            </a:lvl5pPr>
+            <a:lvl6pPr marL="2514600" indent="-228600" algn="l" defTabSz="914400" rtl="0" eaLnBrk="1" latinLnBrk="0" hangingPunct="1">
+              <a:lnSpc>
+                <a:spcPct val="90000"/>
+              </a:lnSpc>
+              <a:spcBef>
+                <a:spcPts val="500"/>
+              </a:spcBef>
+              <a:buFont typeface="Arial" panose="020B0604020202020204" pitchFamily="34" charset="0"/>
+              <a:buChar char="•"/>
+              <a:defRPr kumimoji="1" sz="1800" kern="1200">
+                <a:solidFill>
+                  <a:schemeClr val="tx1"/>
+                </a:solidFill>
+                <a:latin typeface="+mn-lt"/>
+                <a:ea typeface="+mn-ea"/>
+                <a:cs typeface="+mn-cs"/>
+              </a:defRPr>
+            </a:lvl6pPr>
+            <a:lvl7pPr marL="2971800" indent="-228600" algn="l" defTabSz="914400" rtl="0" eaLnBrk="1" latinLnBrk="0" hangingPunct="1">
+              <a:lnSpc>
+                <a:spcPct val="90000"/>
+              </a:lnSpc>
+              <a:spcBef>
+                <a:spcPts val="500"/>
+              </a:spcBef>
+              <a:buFont typeface="Arial" panose="020B0604020202020204" pitchFamily="34" charset="0"/>
+              <a:buChar char="•"/>
+              <a:defRPr kumimoji="1" sz="1800" kern="1200">
+                <a:solidFill>
+                  <a:schemeClr val="tx1"/>
+                </a:solidFill>
+                <a:latin typeface="+mn-lt"/>
+                <a:ea typeface="+mn-ea"/>
+                <a:cs typeface="+mn-cs"/>
+              </a:defRPr>
+            </a:lvl7pPr>
+            <a:lvl8pPr marL="3429000" indent="-228600" algn="l" defTabSz="914400" rtl="0" eaLnBrk="1" latinLnBrk="0" hangingPunct="1">
+              <a:lnSpc>
+                <a:spcPct val="90000"/>
+              </a:lnSpc>
+              <a:spcBef>
+                <a:spcPts val="500"/>
+              </a:spcBef>
+              <a:buFont typeface="Arial" panose="020B0604020202020204" pitchFamily="34" charset="0"/>
+              <a:buChar char="•"/>
+              <a:defRPr kumimoji="1" sz="1800" kern="1200">
+                <a:solidFill>
+                  <a:schemeClr val="tx1"/>
+                </a:solidFill>
+                <a:latin typeface="+mn-lt"/>
+                <a:ea typeface="+mn-ea"/>
+                <a:cs typeface="+mn-cs"/>
+              </a:defRPr>
+            </a:lvl8pPr>
+            <a:lvl9pPr marL="3886200" indent="-228600" algn="l" defTabSz="914400" rtl="0" eaLnBrk="1" latinLnBrk="0" hangingPunct="1">
+              <a:lnSpc>
+                <a:spcPct val="90000"/>
+              </a:lnSpc>
+              <a:spcBef>
+                <a:spcPts val="500"/>
+              </a:spcBef>
+              <a:buFont typeface="Arial" panose="020B0604020202020204" pitchFamily="34" charset="0"/>
+              <a:buChar char="•"/>
+              <a:defRPr kumimoji="1" sz="1800" kern="1200">
+                <a:solidFill>
+                  <a:schemeClr val="tx1"/>
+                </a:solidFill>
+                <a:latin typeface="+mn-lt"/>
+                <a:ea typeface="+mn-ea"/>
+                <a:cs typeface="+mn-cs"/>
+              </a:defRPr>
+            </a:lvl9pPr>
+          </a:lstStyle>
+          <a:p>
+            <a:pPr marL="0" indent="0" algn="ctr">
+              <a:buNone/>
+            </a:pPr>
+            <a:r>
+              <a:rPr lang="en-US" altLang="ja-JP" sz="1200" dirty="0"/>
+              <a:t>30</a:t>
+            </a:r>
+            <a:r>
+              <a:rPr lang="ja-JP" altLang="en-US" sz="1200" dirty="0"/>
+              <a:t>度</a:t>
+            </a:r>
+            <a:endParaRPr lang="en-US" altLang="ja-JP" sz="1200" dirty="0"/>
+          </a:p>
+          <a:p>
+            <a:pPr algn="ctr">
+              <a:buFontTx/>
+              <a:buChar char="-"/>
+            </a:pPr>
+            <a:endParaRPr lang="en-US" altLang="ja-JP" sz="1200" dirty="0"/>
+          </a:p>
+        </p:txBody>
+      </p:sp>
+      <p:cxnSp>
+        <p:nvCxnSpPr>
+          <p:cNvPr id="21" name="直線矢印コネクタ 20">
+            <a:extLst>
+              <a:ext uri="{FF2B5EF4-FFF2-40B4-BE49-F238E27FC236}">
+                <a16:creationId xmlns:a16="http://schemas.microsoft.com/office/drawing/2014/main" id="{6E9007E2-4FDF-87C5-5B04-9CC36BE8B12D}"/>
+              </a:ext>
+            </a:extLst>
+          </p:cNvPr>
+          <p:cNvCxnSpPr>
+            <a:cxnSpLocks/>
+          </p:cNvCxnSpPr>
+          <p:nvPr/>
+        </p:nvCxnSpPr>
+        <p:spPr>
+          <a:xfrm>
+            <a:off x="3830500" y="3499389"/>
+            <a:ext cx="1844123" cy="0"/>
+          </a:xfrm>
+          <a:prstGeom prst="straightConnector1">
+            <a:avLst/>
+          </a:prstGeom>
+          <a:ln>
+            <a:tailEnd type="triangle"/>
+          </a:ln>
+        </p:spPr>
+        <p:style>
+          <a:lnRef idx="2">
+            <a:schemeClr val="accent4"/>
+          </a:lnRef>
+          <a:fillRef idx="0">
+            <a:schemeClr val="accent4"/>
+          </a:fillRef>
+          <a:effectRef idx="1">
+            <a:schemeClr val="accent4"/>
+          </a:effectRef>
+          <a:fontRef idx="minor">
+            <a:schemeClr val="tx1"/>
+          </a:fontRef>
+        </p:style>
+      </p:cxnSp>
+      <p:sp>
+        <p:nvSpPr>
+          <p:cNvPr id="22" name="コンテンツ プレースホルダー 11">
+            <a:extLst>
+              <a:ext uri="{FF2B5EF4-FFF2-40B4-BE49-F238E27FC236}">
+                <a16:creationId xmlns:a16="http://schemas.microsoft.com/office/drawing/2014/main" id="{FA09F6E0-5083-4EE0-2F00-DF0C2ABEEA86}"/>
+              </a:ext>
+            </a:extLst>
+          </p:cNvPr>
+          <p:cNvSpPr txBox="1">
+            <a:spLocks/>
+          </p:cNvSpPr>
+          <p:nvPr/>
+        </p:nvSpPr>
+        <p:spPr>
+          <a:xfrm>
+            <a:off x="4109211" y="3227586"/>
+            <a:ext cx="1367043" cy="271804"/>
+          </a:xfrm>
+          <a:prstGeom prst="rect">
+            <a:avLst/>
+          </a:prstGeom>
+        </p:spPr>
+        <p:txBody>
+          <a:bodyPr vert="horz" lIns="91440" tIns="45720" rIns="91440" bIns="45720" rtlCol="0">
+            <a:normAutofit/>
+          </a:bodyPr>
+          <a:lstStyle>
+            <a:lvl1pPr marL="228600" indent="-228600" algn="l" defTabSz="914400" rtl="0" eaLnBrk="1" latinLnBrk="0" hangingPunct="1">
+              <a:lnSpc>
+                <a:spcPct val="90000"/>
+              </a:lnSpc>
+              <a:spcBef>
+                <a:spcPts val="1000"/>
+              </a:spcBef>
+              <a:buFont typeface="Arial" panose="020B0604020202020204" pitchFamily="34" charset="0"/>
+              <a:buChar char="•"/>
+              <a:defRPr kumimoji="1" sz="2800" kern="1200">
+                <a:solidFill>
+                  <a:schemeClr val="tx1"/>
+                </a:solidFill>
+                <a:latin typeface="+mn-lt"/>
+                <a:ea typeface="+mn-ea"/>
+                <a:cs typeface="+mn-cs"/>
+              </a:defRPr>
+            </a:lvl1pPr>
+            <a:lvl2pPr marL="685800" indent="-228600" algn="l" defTabSz="914400" rtl="0" eaLnBrk="1" latinLnBrk="0" hangingPunct="1">
+              <a:lnSpc>
+                <a:spcPct val="90000"/>
+              </a:lnSpc>
+              <a:spcBef>
+                <a:spcPts val="500"/>
+              </a:spcBef>
+              <a:buFont typeface="Arial" panose="020B0604020202020204" pitchFamily="34" charset="0"/>
+              <a:buChar char="•"/>
+              <a:defRPr kumimoji="1" sz="2400" kern="1200">
+                <a:solidFill>
+                  <a:schemeClr val="tx1"/>
+                </a:solidFill>
+                <a:latin typeface="+mn-lt"/>
+                <a:ea typeface="+mn-ea"/>
+                <a:cs typeface="+mn-cs"/>
+              </a:defRPr>
+            </a:lvl2pPr>
+            <a:lvl3pPr marL="1143000" indent="-228600" algn="l" defTabSz="914400" rtl="0" eaLnBrk="1" latinLnBrk="0" hangingPunct="1">
+              <a:lnSpc>
+                <a:spcPct val="90000"/>
+              </a:lnSpc>
+              <a:spcBef>
+                <a:spcPts val="500"/>
+              </a:spcBef>
+              <a:buFont typeface="Arial" panose="020B0604020202020204" pitchFamily="34" charset="0"/>
+              <a:buChar char="•"/>
+              <a:defRPr kumimoji="1" sz="2000" kern="1200">
+                <a:solidFill>
+                  <a:schemeClr val="tx1"/>
+                </a:solidFill>
+                <a:latin typeface="+mn-lt"/>
+                <a:ea typeface="+mn-ea"/>
+                <a:cs typeface="+mn-cs"/>
+              </a:defRPr>
+            </a:lvl3pPr>
+            <a:lvl4pPr marL="1600200" indent="-228600" algn="l" defTabSz="914400" rtl="0" eaLnBrk="1" latinLnBrk="0" hangingPunct="1">
+              <a:lnSpc>
+                <a:spcPct val="90000"/>
+              </a:lnSpc>
+              <a:spcBef>
+                <a:spcPts val="500"/>
+              </a:spcBef>
+              <a:buFont typeface="Arial" panose="020B0604020202020204" pitchFamily="34" charset="0"/>
+              <a:buChar char="•"/>
+              <a:defRPr kumimoji="1" sz="1800" kern="1200">
+                <a:solidFill>
+                  <a:schemeClr val="tx1"/>
+                </a:solidFill>
+                <a:latin typeface="+mn-lt"/>
+                <a:ea typeface="+mn-ea"/>
+                <a:cs typeface="+mn-cs"/>
+              </a:defRPr>
+            </a:lvl4pPr>
+            <a:lvl5pPr marL="2057400" indent="-228600" algn="l" defTabSz="914400" rtl="0" eaLnBrk="1" latinLnBrk="0" hangingPunct="1">
+              <a:lnSpc>
+                <a:spcPct val="90000"/>
+              </a:lnSpc>
+              <a:spcBef>
+                <a:spcPts val="500"/>
+              </a:spcBef>
+              <a:buFont typeface="Arial" panose="020B0604020202020204" pitchFamily="34" charset="0"/>
+              <a:buChar char="•"/>
+              <a:defRPr kumimoji="1" sz="1800" kern="1200">
+                <a:solidFill>
+                  <a:schemeClr val="tx1"/>
+                </a:solidFill>
+                <a:latin typeface="+mn-lt"/>
+                <a:ea typeface="+mn-ea"/>
+                <a:cs typeface="+mn-cs"/>
+              </a:defRPr>
+            </a:lvl5pPr>
+            <a:lvl6pPr marL="2514600" indent="-228600" algn="l" defTabSz="914400" rtl="0" eaLnBrk="1" latinLnBrk="0" hangingPunct="1">
+              <a:lnSpc>
+                <a:spcPct val="90000"/>
+              </a:lnSpc>
+              <a:spcBef>
+                <a:spcPts val="500"/>
+              </a:spcBef>
+              <a:buFont typeface="Arial" panose="020B0604020202020204" pitchFamily="34" charset="0"/>
+              <a:buChar char="•"/>
+              <a:defRPr kumimoji="1" sz="1800" kern="1200">
+                <a:solidFill>
+                  <a:schemeClr val="tx1"/>
+                </a:solidFill>
+                <a:latin typeface="+mn-lt"/>
+                <a:ea typeface="+mn-ea"/>
+                <a:cs typeface="+mn-cs"/>
+              </a:defRPr>
+            </a:lvl6pPr>
+            <a:lvl7pPr marL="2971800" indent="-228600" algn="l" defTabSz="914400" rtl="0" eaLnBrk="1" latinLnBrk="0" hangingPunct="1">
+              <a:lnSpc>
+                <a:spcPct val="90000"/>
+              </a:lnSpc>
+              <a:spcBef>
+                <a:spcPts val="500"/>
+              </a:spcBef>
+              <a:buFont typeface="Arial" panose="020B0604020202020204" pitchFamily="34" charset="0"/>
+              <a:buChar char="•"/>
+              <a:defRPr kumimoji="1" sz="1800" kern="1200">
+                <a:solidFill>
+                  <a:schemeClr val="tx1"/>
+                </a:solidFill>
+                <a:latin typeface="+mn-lt"/>
+                <a:ea typeface="+mn-ea"/>
+                <a:cs typeface="+mn-cs"/>
+              </a:defRPr>
+            </a:lvl7pPr>
+            <a:lvl8pPr marL="3429000" indent="-228600" algn="l" defTabSz="914400" rtl="0" eaLnBrk="1" latinLnBrk="0" hangingPunct="1">
+              <a:lnSpc>
+                <a:spcPct val="90000"/>
+              </a:lnSpc>
+              <a:spcBef>
+                <a:spcPts val="500"/>
+              </a:spcBef>
+              <a:buFont typeface="Arial" panose="020B0604020202020204" pitchFamily="34" charset="0"/>
+              <a:buChar char="•"/>
+              <a:defRPr kumimoji="1" sz="1800" kern="1200">
+                <a:solidFill>
+                  <a:schemeClr val="tx1"/>
+                </a:solidFill>
+                <a:latin typeface="+mn-lt"/>
+                <a:ea typeface="+mn-ea"/>
+                <a:cs typeface="+mn-cs"/>
+              </a:defRPr>
+            </a:lvl8pPr>
+            <a:lvl9pPr marL="3886200" indent="-228600" algn="l" defTabSz="914400" rtl="0" eaLnBrk="1" latinLnBrk="0" hangingPunct="1">
+              <a:lnSpc>
+                <a:spcPct val="90000"/>
+              </a:lnSpc>
+              <a:spcBef>
+                <a:spcPts val="500"/>
+              </a:spcBef>
+              <a:buFont typeface="Arial" panose="020B0604020202020204" pitchFamily="34" charset="0"/>
+              <a:buChar char="•"/>
+              <a:defRPr kumimoji="1" sz="1800" kern="1200">
+                <a:solidFill>
+                  <a:schemeClr val="tx1"/>
+                </a:solidFill>
+                <a:latin typeface="+mn-lt"/>
+                <a:ea typeface="+mn-ea"/>
+                <a:cs typeface="+mn-cs"/>
+              </a:defRPr>
+            </a:lvl9pPr>
+          </a:lstStyle>
+          <a:p>
+            <a:pPr marL="0" indent="0" algn="ctr">
+              <a:buNone/>
+            </a:pPr>
+            <a:r>
+              <a:rPr lang="en-US" altLang="ja-JP" sz="1200" dirty="0">
+                <a:solidFill>
+                  <a:srgbClr val="000000"/>
+                </a:solidFill>
+                <a:effectLst/>
+                <a:latin typeface="游ゴシック" panose="020B0400000000000000" pitchFamily="50" charset="-128"/>
+                <a:ea typeface="游ゴシック" panose="020B0400000000000000" pitchFamily="50" charset="-128"/>
+              </a:rPr>
+              <a:t>5.</a:t>
+            </a:r>
+            <a:r>
+              <a:rPr lang="ja-JP" altLang="en-US" sz="1200" dirty="0">
+                <a:solidFill>
+                  <a:srgbClr val="000000"/>
+                </a:solidFill>
+                <a:effectLst/>
+                <a:latin typeface="游ゴシック" panose="020B0400000000000000" pitchFamily="50" charset="-128"/>
+                <a:ea typeface="游ゴシック" panose="020B0400000000000000" pitchFamily="50" charset="-128"/>
+              </a:rPr>
+              <a:t>温度の調整</a:t>
+            </a:r>
+            <a:endParaRPr lang="en-US" altLang="ja-JP" sz="1200" dirty="0"/>
+          </a:p>
+        </p:txBody>
+      </p:sp>
+      <p:sp>
+        <p:nvSpPr>
+          <p:cNvPr id="23" name="コンテンツ プレースホルダー 11">
+            <a:extLst>
+              <a:ext uri="{FF2B5EF4-FFF2-40B4-BE49-F238E27FC236}">
+                <a16:creationId xmlns:a16="http://schemas.microsoft.com/office/drawing/2014/main" id="{48630DFA-7494-14A6-D47A-6C215FE177A3}"/>
+              </a:ext>
+            </a:extLst>
+          </p:cNvPr>
+          <p:cNvSpPr txBox="1">
+            <a:spLocks/>
+          </p:cNvSpPr>
+          <p:nvPr/>
+        </p:nvSpPr>
+        <p:spPr>
+          <a:xfrm>
+            <a:off x="4102377" y="3499389"/>
+            <a:ext cx="1367043" cy="271804"/>
+          </a:xfrm>
+          <a:prstGeom prst="rect">
+            <a:avLst/>
+          </a:prstGeom>
+        </p:spPr>
+        <p:txBody>
+          <a:bodyPr vert="horz" lIns="91440" tIns="45720" rIns="91440" bIns="45720" rtlCol="0">
+            <a:normAutofit/>
+          </a:bodyPr>
+          <a:lstStyle>
+            <a:lvl1pPr marL="228600" indent="-228600" algn="l" defTabSz="914400" rtl="0" eaLnBrk="1" latinLnBrk="0" hangingPunct="1">
+              <a:lnSpc>
+                <a:spcPct val="90000"/>
+              </a:lnSpc>
+              <a:spcBef>
+                <a:spcPts val="1000"/>
+              </a:spcBef>
+              <a:buFont typeface="Arial" panose="020B0604020202020204" pitchFamily="34" charset="0"/>
+              <a:buChar char="•"/>
+              <a:defRPr kumimoji="1" sz="2800" kern="1200">
+                <a:solidFill>
+                  <a:schemeClr val="tx1"/>
+                </a:solidFill>
+                <a:latin typeface="+mn-lt"/>
+                <a:ea typeface="+mn-ea"/>
+                <a:cs typeface="+mn-cs"/>
+              </a:defRPr>
+            </a:lvl1pPr>
+            <a:lvl2pPr marL="685800" indent="-228600" algn="l" defTabSz="914400" rtl="0" eaLnBrk="1" latinLnBrk="0" hangingPunct="1">
+              <a:lnSpc>
+                <a:spcPct val="90000"/>
+              </a:lnSpc>
+              <a:spcBef>
+                <a:spcPts val="500"/>
+              </a:spcBef>
+              <a:buFont typeface="Arial" panose="020B0604020202020204" pitchFamily="34" charset="0"/>
+              <a:buChar char="•"/>
+              <a:defRPr kumimoji="1" sz="2400" kern="1200">
+                <a:solidFill>
+                  <a:schemeClr val="tx1"/>
+                </a:solidFill>
+                <a:latin typeface="+mn-lt"/>
+                <a:ea typeface="+mn-ea"/>
+                <a:cs typeface="+mn-cs"/>
+              </a:defRPr>
+            </a:lvl2pPr>
+            <a:lvl3pPr marL="1143000" indent="-228600" algn="l" defTabSz="914400" rtl="0" eaLnBrk="1" latinLnBrk="0" hangingPunct="1">
+              <a:lnSpc>
+                <a:spcPct val="90000"/>
+              </a:lnSpc>
+              <a:spcBef>
+                <a:spcPts val="500"/>
+              </a:spcBef>
+              <a:buFont typeface="Arial" panose="020B0604020202020204" pitchFamily="34" charset="0"/>
+              <a:buChar char="•"/>
+              <a:defRPr kumimoji="1" sz="2000" kern="1200">
+                <a:solidFill>
+                  <a:schemeClr val="tx1"/>
+                </a:solidFill>
+                <a:latin typeface="+mn-lt"/>
+                <a:ea typeface="+mn-ea"/>
+                <a:cs typeface="+mn-cs"/>
+              </a:defRPr>
+            </a:lvl3pPr>
+            <a:lvl4pPr marL="1600200" indent="-228600" algn="l" defTabSz="914400" rtl="0" eaLnBrk="1" latinLnBrk="0" hangingPunct="1">
+              <a:lnSpc>
+                <a:spcPct val="90000"/>
+              </a:lnSpc>
+              <a:spcBef>
+                <a:spcPts val="500"/>
+              </a:spcBef>
+              <a:buFont typeface="Arial" panose="020B0604020202020204" pitchFamily="34" charset="0"/>
+              <a:buChar char="•"/>
+              <a:defRPr kumimoji="1" sz="1800" kern="1200">
+                <a:solidFill>
+                  <a:schemeClr val="tx1"/>
+                </a:solidFill>
+                <a:latin typeface="+mn-lt"/>
+                <a:ea typeface="+mn-ea"/>
+                <a:cs typeface="+mn-cs"/>
+              </a:defRPr>
+            </a:lvl4pPr>
+            <a:lvl5pPr marL="2057400" indent="-228600" algn="l" defTabSz="914400" rtl="0" eaLnBrk="1" latinLnBrk="0" hangingPunct="1">
+              <a:lnSpc>
+                <a:spcPct val="90000"/>
+              </a:lnSpc>
+              <a:spcBef>
+                <a:spcPts val="500"/>
+              </a:spcBef>
+              <a:buFont typeface="Arial" panose="020B0604020202020204" pitchFamily="34" charset="0"/>
+              <a:buChar char="•"/>
+              <a:defRPr kumimoji="1" sz="1800" kern="1200">
+                <a:solidFill>
+                  <a:schemeClr val="tx1"/>
+                </a:solidFill>
+                <a:latin typeface="+mn-lt"/>
+                <a:ea typeface="+mn-ea"/>
+                <a:cs typeface="+mn-cs"/>
+              </a:defRPr>
+            </a:lvl5pPr>
+            <a:lvl6pPr marL="2514600" indent="-228600" algn="l" defTabSz="914400" rtl="0" eaLnBrk="1" latinLnBrk="0" hangingPunct="1">
+              <a:lnSpc>
+                <a:spcPct val="90000"/>
+              </a:lnSpc>
+              <a:spcBef>
+                <a:spcPts val="500"/>
+              </a:spcBef>
+              <a:buFont typeface="Arial" panose="020B0604020202020204" pitchFamily="34" charset="0"/>
+              <a:buChar char="•"/>
+              <a:defRPr kumimoji="1" sz="1800" kern="1200">
+                <a:solidFill>
+                  <a:schemeClr val="tx1"/>
+                </a:solidFill>
+                <a:latin typeface="+mn-lt"/>
+                <a:ea typeface="+mn-ea"/>
+                <a:cs typeface="+mn-cs"/>
+              </a:defRPr>
+            </a:lvl6pPr>
+            <a:lvl7pPr marL="2971800" indent="-228600" algn="l" defTabSz="914400" rtl="0" eaLnBrk="1" latinLnBrk="0" hangingPunct="1">
+              <a:lnSpc>
+                <a:spcPct val="90000"/>
+              </a:lnSpc>
+              <a:spcBef>
+                <a:spcPts val="500"/>
+              </a:spcBef>
+              <a:buFont typeface="Arial" panose="020B0604020202020204" pitchFamily="34" charset="0"/>
+              <a:buChar char="•"/>
+              <a:defRPr kumimoji="1" sz="1800" kern="1200">
+                <a:solidFill>
+                  <a:schemeClr val="tx1"/>
+                </a:solidFill>
+                <a:latin typeface="+mn-lt"/>
+                <a:ea typeface="+mn-ea"/>
+                <a:cs typeface="+mn-cs"/>
+              </a:defRPr>
+            </a:lvl7pPr>
+            <a:lvl8pPr marL="3429000" indent="-228600" algn="l" defTabSz="914400" rtl="0" eaLnBrk="1" latinLnBrk="0" hangingPunct="1">
+              <a:lnSpc>
+                <a:spcPct val="90000"/>
+              </a:lnSpc>
+              <a:spcBef>
+                <a:spcPts val="500"/>
+              </a:spcBef>
+              <a:buFont typeface="Arial" panose="020B0604020202020204" pitchFamily="34" charset="0"/>
+              <a:buChar char="•"/>
+              <a:defRPr kumimoji="1" sz="1800" kern="1200">
+                <a:solidFill>
+                  <a:schemeClr val="tx1"/>
+                </a:solidFill>
+                <a:latin typeface="+mn-lt"/>
+                <a:ea typeface="+mn-ea"/>
+                <a:cs typeface="+mn-cs"/>
+              </a:defRPr>
+            </a:lvl8pPr>
+            <a:lvl9pPr marL="3886200" indent="-228600" algn="l" defTabSz="914400" rtl="0" eaLnBrk="1" latinLnBrk="0" hangingPunct="1">
+              <a:lnSpc>
+                <a:spcPct val="90000"/>
+              </a:lnSpc>
+              <a:spcBef>
+                <a:spcPts val="500"/>
+              </a:spcBef>
+              <a:buFont typeface="Arial" panose="020B0604020202020204" pitchFamily="34" charset="0"/>
+              <a:buChar char="•"/>
+              <a:defRPr kumimoji="1" sz="1800" kern="1200">
+                <a:solidFill>
+                  <a:schemeClr val="tx1"/>
+                </a:solidFill>
+                <a:latin typeface="+mn-lt"/>
+                <a:ea typeface="+mn-ea"/>
+                <a:cs typeface="+mn-cs"/>
+              </a:defRPr>
+            </a:lvl9pPr>
+          </a:lstStyle>
+          <a:p>
+            <a:pPr marL="0" indent="0" algn="ctr">
+              <a:buNone/>
+            </a:pPr>
+            <a:r>
+              <a:rPr lang="en-US" altLang="ja-JP" sz="1200" dirty="0"/>
+              <a:t>20</a:t>
+            </a:r>
+            <a:r>
+              <a:rPr lang="ja-JP" altLang="en-US" sz="1200" dirty="0"/>
+              <a:t>度</a:t>
+            </a:r>
+            <a:endParaRPr lang="en-US" altLang="ja-JP" sz="1200" dirty="0"/>
+          </a:p>
+          <a:p>
+            <a:pPr algn="ctr">
+              <a:buFontTx/>
+              <a:buChar char="-"/>
+            </a:pPr>
+            <a:endParaRPr lang="en-US" altLang="ja-JP" sz="1200" dirty="0"/>
+          </a:p>
+        </p:txBody>
+      </p:sp>
+      <p:sp>
+        <p:nvSpPr>
+          <p:cNvPr id="24" name="コンテンツ プレースホルダー 11">
+            <a:extLst>
+              <a:ext uri="{FF2B5EF4-FFF2-40B4-BE49-F238E27FC236}">
+                <a16:creationId xmlns:a16="http://schemas.microsoft.com/office/drawing/2014/main" id="{64170FC8-8434-86EA-5F76-2E868883087A}"/>
+              </a:ext>
+            </a:extLst>
+          </p:cNvPr>
+          <p:cNvSpPr txBox="1">
+            <a:spLocks/>
+          </p:cNvSpPr>
+          <p:nvPr/>
+        </p:nvSpPr>
+        <p:spPr>
+          <a:xfrm>
+            <a:off x="9006094" y="4873235"/>
+            <a:ext cx="1716157" cy="472110"/>
+          </a:xfrm>
+          <a:prstGeom prst="rect">
+            <a:avLst/>
+          </a:prstGeom>
+        </p:spPr>
+        <p:txBody>
+          <a:bodyPr vert="horz" lIns="91440" tIns="45720" rIns="91440" bIns="45720" rtlCol="0">
+            <a:normAutofit fontScale="92500"/>
+          </a:bodyPr>
+          <a:lstStyle>
+            <a:lvl1pPr marL="228600" indent="-228600" algn="l" defTabSz="914400" rtl="0" eaLnBrk="1" latinLnBrk="0" hangingPunct="1">
+              <a:lnSpc>
+                <a:spcPct val="90000"/>
+              </a:lnSpc>
+              <a:spcBef>
+                <a:spcPts val="1000"/>
+              </a:spcBef>
+              <a:buFont typeface="Arial" panose="020B0604020202020204" pitchFamily="34" charset="0"/>
+              <a:buChar char="•"/>
+              <a:defRPr kumimoji="1" sz="2800" kern="1200">
+                <a:solidFill>
+                  <a:schemeClr val="tx1"/>
+                </a:solidFill>
+                <a:latin typeface="+mn-lt"/>
+                <a:ea typeface="+mn-ea"/>
+                <a:cs typeface="+mn-cs"/>
+              </a:defRPr>
+            </a:lvl1pPr>
+            <a:lvl2pPr marL="685800" indent="-228600" algn="l" defTabSz="914400" rtl="0" eaLnBrk="1" latinLnBrk="0" hangingPunct="1">
+              <a:lnSpc>
+                <a:spcPct val="90000"/>
+              </a:lnSpc>
+              <a:spcBef>
+                <a:spcPts val="500"/>
+              </a:spcBef>
+              <a:buFont typeface="Arial" panose="020B0604020202020204" pitchFamily="34" charset="0"/>
+              <a:buChar char="•"/>
+              <a:defRPr kumimoji="1" sz="2400" kern="1200">
+                <a:solidFill>
+                  <a:schemeClr val="tx1"/>
+                </a:solidFill>
+                <a:latin typeface="+mn-lt"/>
+                <a:ea typeface="+mn-ea"/>
+                <a:cs typeface="+mn-cs"/>
+              </a:defRPr>
+            </a:lvl2pPr>
+            <a:lvl3pPr marL="1143000" indent="-228600" algn="l" defTabSz="914400" rtl="0" eaLnBrk="1" latinLnBrk="0" hangingPunct="1">
+              <a:lnSpc>
+                <a:spcPct val="90000"/>
+              </a:lnSpc>
+              <a:spcBef>
+                <a:spcPts val="500"/>
+              </a:spcBef>
+              <a:buFont typeface="Arial" panose="020B0604020202020204" pitchFamily="34" charset="0"/>
+              <a:buChar char="•"/>
+              <a:defRPr kumimoji="1" sz="2000" kern="1200">
+                <a:solidFill>
+                  <a:schemeClr val="tx1"/>
+                </a:solidFill>
+                <a:latin typeface="+mn-lt"/>
+                <a:ea typeface="+mn-ea"/>
+                <a:cs typeface="+mn-cs"/>
+              </a:defRPr>
+            </a:lvl3pPr>
+            <a:lvl4pPr marL="1600200" indent="-228600" algn="l" defTabSz="914400" rtl="0" eaLnBrk="1" latinLnBrk="0" hangingPunct="1">
+              <a:lnSpc>
+                <a:spcPct val="90000"/>
+              </a:lnSpc>
+              <a:spcBef>
+                <a:spcPts val="500"/>
+              </a:spcBef>
+              <a:buFont typeface="Arial" panose="020B0604020202020204" pitchFamily="34" charset="0"/>
+              <a:buChar char="•"/>
+              <a:defRPr kumimoji="1" sz="1800" kern="1200">
+                <a:solidFill>
+                  <a:schemeClr val="tx1"/>
+                </a:solidFill>
+                <a:latin typeface="+mn-lt"/>
+                <a:ea typeface="+mn-ea"/>
+                <a:cs typeface="+mn-cs"/>
+              </a:defRPr>
+            </a:lvl4pPr>
+            <a:lvl5pPr marL="2057400" indent="-228600" algn="l" defTabSz="914400" rtl="0" eaLnBrk="1" latinLnBrk="0" hangingPunct="1">
+              <a:lnSpc>
+                <a:spcPct val="90000"/>
+              </a:lnSpc>
+              <a:spcBef>
+                <a:spcPts val="500"/>
+              </a:spcBef>
+              <a:buFont typeface="Arial" panose="020B0604020202020204" pitchFamily="34" charset="0"/>
+              <a:buChar char="•"/>
+              <a:defRPr kumimoji="1" sz="1800" kern="1200">
+                <a:solidFill>
+                  <a:schemeClr val="tx1"/>
+                </a:solidFill>
+                <a:latin typeface="+mn-lt"/>
+                <a:ea typeface="+mn-ea"/>
+                <a:cs typeface="+mn-cs"/>
+              </a:defRPr>
+            </a:lvl5pPr>
+            <a:lvl6pPr marL="2514600" indent="-228600" algn="l" defTabSz="914400" rtl="0" eaLnBrk="1" latinLnBrk="0" hangingPunct="1">
+              <a:lnSpc>
+                <a:spcPct val="90000"/>
+              </a:lnSpc>
+              <a:spcBef>
+                <a:spcPts val="500"/>
+              </a:spcBef>
+              <a:buFont typeface="Arial" panose="020B0604020202020204" pitchFamily="34" charset="0"/>
+              <a:buChar char="•"/>
+              <a:defRPr kumimoji="1" sz="1800" kern="1200">
+                <a:solidFill>
+                  <a:schemeClr val="tx1"/>
+                </a:solidFill>
+                <a:latin typeface="+mn-lt"/>
+                <a:ea typeface="+mn-ea"/>
+                <a:cs typeface="+mn-cs"/>
+              </a:defRPr>
+            </a:lvl6pPr>
+            <a:lvl7pPr marL="2971800" indent="-228600" algn="l" defTabSz="914400" rtl="0" eaLnBrk="1" latinLnBrk="0" hangingPunct="1">
+              <a:lnSpc>
+                <a:spcPct val="90000"/>
+              </a:lnSpc>
+              <a:spcBef>
+                <a:spcPts val="500"/>
+              </a:spcBef>
+              <a:buFont typeface="Arial" panose="020B0604020202020204" pitchFamily="34" charset="0"/>
+              <a:buChar char="•"/>
+              <a:defRPr kumimoji="1" sz="1800" kern="1200">
+                <a:solidFill>
+                  <a:schemeClr val="tx1"/>
+                </a:solidFill>
+                <a:latin typeface="+mn-lt"/>
+                <a:ea typeface="+mn-ea"/>
+                <a:cs typeface="+mn-cs"/>
+              </a:defRPr>
+            </a:lvl7pPr>
+            <a:lvl8pPr marL="3429000" indent="-228600" algn="l" defTabSz="914400" rtl="0" eaLnBrk="1" latinLnBrk="0" hangingPunct="1">
+              <a:lnSpc>
+                <a:spcPct val="90000"/>
+              </a:lnSpc>
+              <a:spcBef>
+                <a:spcPts val="500"/>
+              </a:spcBef>
+              <a:buFont typeface="Arial" panose="020B0604020202020204" pitchFamily="34" charset="0"/>
+              <a:buChar char="•"/>
+              <a:defRPr kumimoji="1" sz="1800" kern="1200">
+                <a:solidFill>
+                  <a:schemeClr val="tx1"/>
+                </a:solidFill>
+                <a:latin typeface="+mn-lt"/>
+                <a:ea typeface="+mn-ea"/>
+                <a:cs typeface="+mn-cs"/>
+              </a:defRPr>
+            </a:lvl8pPr>
+            <a:lvl9pPr marL="3886200" indent="-228600" algn="l" defTabSz="914400" rtl="0" eaLnBrk="1" latinLnBrk="0" hangingPunct="1">
+              <a:lnSpc>
+                <a:spcPct val="90000"/>
+              </a:lnSpc>
+              <a:spcBef>
+                <a:spcPts val="500"/>
+              </a:spcBef>
+              <a:buFont typeface="Arial" panose="020B0604020202020204" pitchFamily="34" charset="0"/>
+              <a:buChar char="•"/>
+              <a:defRPr kumimoji="1" sz="1800" kern="1200">
+                <a:solidFill>
+                  <a:schemeClr val="tx1"/>
+                </a:solidFill>
+                <a:latin typeface="+mn-lt"/>
+                <a:ea typeface="+mn-ea"/>
+                <a:cs typeface="+mn-cs"/>
+              </a:defRPr>
+            </a:lvl9pPr>
+          </a:lstStyle>
+          <a:p>
+            <a:pPr marL="0" indent="0" algn="ctr">
+              <a:buFont typeface="Arial" panose="020B0604020202020204" pitchFamily="34" charset="0"/>
+              <a:buNone/>
+            </a:pPr>
+            <a:r>
+              <a:rPr lang="en-US" altLang="ja-JP" sz="1200" dirty="0"/>
+              <a:t>7.</a:t>
+            </a:r>
+            <a:r>
+              <a:rPr lang="ja-JP" altLang="en-US" sz="1200" dirty="0"/>
+              <a:t>「確かに寒いっすねー</a:t>
+            </a:r>
+            <a:r>
+              <a:rPr lang="en-US" altLang="ja-JP" sz="1200" dirty="0"/>
+              <a:t>20</a:t>
+            </a:r>
+            <a:r>
+              <a:rPr lang="ja-JP" altLang="en-US" sz="1200" dirty="0"/>
+              <a:t>度に設定しますわ」</a:t>
+            </a:r>
+            <a:endParaRPr lang="en-US" altLang="ja-JP" sz="1200" dirty="0"/>
+          </a:p>
+          <a:p>
+            <a:pPr algn="ctr">
+              <a:buFontTx/>
+              <a:buChar char="-"/>
+            </a:pPr>
+            <a:endParaRPr lang="en-US" altLang="ja-JP" sz="1200" dirty="0"/>
+          </a:p>
+          <a:p>
+            <a:pPr algn="ctr">
+              <a:buFontTx/>
+              <a:buChar char="-"/>
+            </a:pPr>
+            <a:endParaRPr lang="en-US" altLang="ja-JP" sz="1200" dirty="0"/>
+          </a:p>
+        </p:txBody>
+      </p:sp>
+      <p:sp>
+        <p:nvSpPr>
+          <p:cNvPr id="28" name="正方形/長方形 27">
+            <a:extLst>
+              <a:ext uri="{FF2B5EF4-FFF2-40B4-BE49-F238E27FC236}">
+                <a16:creationId xmlns:a16="http://schemas.microsoft.com/office/drawing/2014/main" id="{D6718E65-B255-2F42-6A89-D19D92A5273D}"/>
+              </a:ext>
+            </a:extLst>
+          </p:cNvPr>
+          <p:cNvSpPr/>
+          <p:nvPr/>
+        </p:nvSpPr>
+        <p:spPr>
+          <a:xfrm>
+            <a:off x="5289067" y="3824426"/>
+            <a:ext cx="3135382" cy="944217"/>
+          </a:xfrm>
+          <a:prstGeom prst="rect">
+            <a:avLst/>
+          </a:prstGeom>
+        </p:spPr>
+        <p:style>
+          <a:lnRef idx="2">
+            <a:schemeClr val="accent1">
+              <a:shade val="15000"/>
+            </a:schemeClr>
+          </a:lnRef>
+          <a:fillRef idx="1">
+            <a:schemeClr val="accent1"/>
+          </a:fillRef>
+          <a:effectRef idx="0">
+            <a:schemeClr val="accent1"/>
+          </a:effectRef>
+          <a:fontRef idx="minor">
+            <a:schemeClr val="lt1"/>
+          </a:fontRef>
+        </p:style>
+        <p:txBody>
+          <a:bodyPr rtlCol="0" anchor="t"/>
+          <a:lstStyle/>
+          <a:p>
+            <a:pPr algn="ctr"/>
+            <a:r>
+              <a:rPr kumimoji="1" lang="ja-JP" altLang="en-US" dirty="0"/>
+              <a:t>音認制御</a:t>
+            </a:r>
+          </a:p>
+        </p:txBody>
+      </p:sp>
+      <p:sp>
+        <p:nvSpPr>
+          <p:cNvPr id="29" name="正方形/長方形 28">
+            <a:extLst>
+              <a:ext uri="{FF2B5EF4-FFF2-40B4-BE49-F238E27FC236}">
+                <a16:creationId xmlns:a16="http://schemas.microsoft.com/office/drawing/2014/main" id="{604D4E6B-4B69-7FC8-5BDA-11615043BC70}"/>
+              </a:ext>
+            </a:extLst>
+          </p:cNvPr>
+          <p:cNvSpPr/>
+          <p:nvPr/>
+        </p:nvSpPr>
+        <p:spPr>
+          <a:xfrm>
+            <a:off x="5551210" y="4128993"/>
+            <a:ext cx="2258046" cy="533220"/>
+          </a:xfrm>
+          <a:prstGeom prst="rect">
+            <a:avLst/>
+          </a:prstGeom>
+        </p:spPr>
+        <p:style>
+          <a:lnRef idx="2">
+            <a:schemeClr val="accent5">
+              <a:shade val="15000"/>
+            </a:schemeClr>
+          </a:lnRef>
+          <a:fillRef idx="1">
+            <a:schemeClr val="accent5"/>
+          </a:fillRef>
+          <a:effectRef idx="0">
+            <a:schemeClr val="accent5"/>
+          </a:effectRef>
+          <a:fontRef idx="minor">
+            <a:schemeClr val="lt1"/>
+          </a:fontRef>
+        </p:style>
+        <p:txBody>
+          <a:bodyPr rtlCol="0" anchor="t"/>
+          <a:lstStyle/>
+          <a:p>
+            <a:pPr algn="ctr"/>
+            <a:r>
+              <a:rPr lang="en-US" altLang="ja-JP" dirty="0"/>
+              <a:t>MCP</a:t>
+            </a:r>
+            <a:r>
+              <a:rPr lang="ja-JP" altLang="en-US" dirty="0"/>
+              <a:t> </a:t>
+            </a:r>
+            <a:r>
+              <a:rPr lang="en-US" altLang="ja-JP" dirty="0"/>
+              <a:t>Server</a:t>
+            </a:r>
+            <a:endParaRPr kumimoji="1" lang="ja-JP" altLang="en-US" dirty="0"/>
+          </a:p>
+        </p:txBody>
+      </p:sp>
+      <p:sp>
+        <p:nvSpPr>
+          <p:cNvPr id="30" name="正方形/長方形 29">
+            <a:extLst>
+              <a:ext uri="{FF2B5EF4-FFF2-40B4-BE49-F238E27FC236}">
+                <a16:creationId xmlns:a16="http://schemas.microsoft.com/office/drawing/2014/main" id="{9E8CA506-1389-5744-6D66-6146E0F36116}"/>
+              </a:ext>
+            </a:extLst>
+          </p:cNvPr>
+          <p:cNvSpPr/>
+          <p:nvPr/>
+        </p:nvSpPr>
+        <p:spPr>
+          <a:xfrm>
+            <a:off x="2255149" y="3981123"/>
+            <a:ext cx="1645754" cy="744076"/>
+          </a:xfrm>
+          <a:prstGeom prst="rect">
+            <a:avLst/>
+          </a:prstGeom>
+        </p:spPr>
+        <p:style>
+          <a:lnRef idx="2">
+            <a:schemeClr val="accent6">
+              <a:shade val="15000"/>
+            </a:schemeClr>
+          </a:lnRef>
+          <a:fillRef idx="1">
+            <a:schemeClr val="accent6"/>
+          </a:fillRef>
+          <a:effectRef idx="0">
+            <a:schemeClr val="accent6"/>
+          </a:effectRef>
+          <a:fontRef idx="minor">
+            <a:schemeClr val="lt1"/>
+          </a:fontRef>
+        </p:style>
+        <p:txBody>
+          <a:bodyPr rtlCol="0" anchor="ctr"/>
+          <a:lstStyle/>
+          <a:p>
+            <a:pPr algn="ctr"/>
+            <a:r>
+              <a:rPr lang="en-US" altLang="ja-JP" dirty="0"/>
+              <a:t>MCP</a:t>
+            </a:r>
+            <a:r>
+              <a:rPr lang="ja-JP" altLang="en-US" dirty="0"/>
+              <a:t> </a:t>
+            </a:r>
+            <a:r>
+              <a:rPr lang="en-US" altLang="ja-JP" dirty="0"/>
+              <a:t>Client</a:t>
+            </a:r>
+            <a:endParaRPr kumimoji="1" lang="ja-JP" altLang="en-US" dirty="0"/>
+          </a:p>
+        </p:txBody>
+      </p:sp>
+      <p:sp>
+        <p:nvSpPr>
+          <p:cNvPr id="33" name="正方形/長方形 32">
+            <a:extLst>
+              <a:ext uri="{FF2B5EF4-FFF2-40B4-BE49-F238E27FC236}">
+                <a16:creationId xmlns:a16="http://schemas.microsoft.com/office/drawing/2014/main" id="{7AD56290-05C2-813E-7137-D14189F1845D}"/>
+              </a:ext>
+            </a:extLst>
+          </p:cNvPr>
+          <p:cNvSpPr/>
+          <p:nvPr/>
+        </p:nvSpPr>
+        <p:spPr>
+          <a:xfrm>
+            <a:off x="2255149" y="5118218"/>
+            <a:ext cx="1645754" cy="469029"/>
+          </a:xfrm>
+          <a:prstGeom prst="rect">
+            <a:avLst/>
+          </a:prstGeom>
+        </p:spPr>
+        <p:style>
+          <a:lnRef idx="2">
+            <a:schemeClr val="accent6">
+              <a:shade val="15000"/>
+            </a:schemeClr>
+          </a:lnRef>
+          <a:fillRef idx="1">
+            <a:schemeClr val="accent6"/>
+          </a:fillRef>
+          <a:effectRef idx="0">
+            <a:schemeClr val="accent6"/>
+          </a:effectRef>
+          <a:fontRef idx="minor">
+            <a:schemeClr val="lt1"/>
+          </a:fontRef>
+        </p:style>
+        <p:txBody>
+          <a:bodyPr rtlCol="0" anchor="ctr"/>
+          <a:lstStyle/>
+          <a:p>
+            <a:pPr algn="ctr"/>
+            <a:r>
+              <a:rPr lang="en-US" altLang="ja-JP" dirty="0"/>
+              <a:t>MCP</a:t>
+            </a:r>
+            <a:r>
+              <a:rPr lang="ja-JP" altLang="en-US" dirty="0"/>
+              <a:t> </a:t>
+            </a:r>
+            <a:r>
+              <a:rPr lang="en-US" altLang="ja-JP" dirty="0"/>
+              <a:t>Client</a:t>
+            </a:r>
+            <a:endParaRPr kumimoji="1" lang="ja-JP" altLang="en-US" dirty="0"/>
+          </a:p>
+        </p:txBody>
+      </p:sp>
+      <p:sp>
+        <p:nvSpPr>
+          <p:cNvPr id="34" name="正方形/長方形 33">
+            <a:extLst>
+              <a:ext uri="{FF2B5EF4-FFF2-40B4-BE49-F238E27FC236}">
+                <a16:creationId xmlns:a16="http://schemas.microsoft.com/office/drawing/2014/main" id="{7E56C746-7507-7E7F-6150-5EAB87921B94}"/>
+              </a:ext>
+            </a:extLst>
+          </p:cNvPr>
+          <p:cNvSpPr/>
+          <p:nvPr/>
+        </p:nvSpPr>
+        <p:spPr>
+          <a:xfrm>
+            <a:off x="5289067" y="4869908"/>
+            <a:ext cx="3135382" cy="746766"/>
+          </a:xfrm>
+          <a:prstGeom prst="rect">
+            <a:avLst/>
+          </a:prstGeom>
+        </p:spPr>
+        <p:style>
+          <a:lnRef idx="2">
+            <a:schemeClr val="accent1">
+              <a:shade val="15000"/>
+            </a:schemeClr>
+          </a:lnRef>
+          <a:fillRef idx="1">
+            <a:schemeClr val="accent1"/>
+          </a:fillRef>
+          <a:effectRef idx="0">
+            <a:schemeClr val="accent1"/>
+          </a:effectRef>
+          <a:fontRef idx="minor">
+            <a:schemeClr val="lt1"/>
+          </a:fontRef>
+        </p:style>
+        <p:txBody>
+          <a:bodyPr rtlCol="0" anchor="t"/>
+          <a:lstStyle/>
+          <a:p>
+            <a:pPr algn="ctr"/>
+            <a:r>
+              <a:rPr kumimoji="1" lang="ja-JP" altLang="en-US" dirty="0"/>
+              <a:t>音認制御</a:t>
+            </a:r>
+          </a:p>
+        </p:txBody>
+      </p:sp>
+      <p:sp>
+        <p:nvSpPr>
+          <p:cNvPr id="35" name="正方形/長方形 34">
+            <a:extLst>
+              <a:ext uri="{FF2B5EF4-FFF2-40B4-BE49-F238E27FC236}">
+                <a16:creationId xmlns:a16="http://schemas.microsoft.com/office/drawing/2014/main" id="{325B7555-9425-B2D0-0930-A1539B5BFF44}"/>
+              </a:ext>
+            </a:extLst>
+          </p:cNvPr>
+          <p:cNvSpPr/>
+          <p:nvPr/>
+        </p:nvSpPr>
+        <p:spPr>
+          <a:xfrm>
+            <a:off x="5551210" y="5139219"/>
+            <a:ext cx="2258046" cy="416368"/>
+          </a:xfrm>
+          <a:prstGeom prst="rect">
+            <a:avLst/>
+          </a:prstGeom>
+        </p:spPr>
+        <p:style>
+          <a:lnRef idx="2">
+            <a:schemeClr val="accent5">
+              <a:shade val="15000"/>
+            </a:schemeClr>
+          </a:lnRef>
+          <a:fillRef idx="1">
+            <a:schemeClr val="accent5"/>
+          </a:fillRef>
+          <a:effectRef idx="0">
+            <a:schemeClr val="accent5"/>
+          </a:effectRef>
+          <a:fontRef idx="minor">
+            <a:schemeClr val="lt1"/>
+          </a:fontRef>
+        </p:style>
+        <p:txBody>
+          <a:bodyPr rtlCol="0" anchor="t"/>
+          <a:lstStyle/>
+          <a:p>
+            <a:pPr algn="ctr"/>
+            <a:r>
+              <a:rPr lang="en-US" altLang="ja-JP" dirty="0"/>
+              <a:t>MCP</a:t>
+            </a:r>
+            <a:r>
+              <a:rPr lang="ja-JP" altLang="en-US" dirty="0"/>
+              <a:t> </a:t>
+            </a:r>
+            <a:r>
+              <a:rPr lang="en-US" altLang="ja-JP" dirty="0"/>
+              <a:t>Server</a:t>
+            </a:r>
+            <a:endParaRPr kumimoji="1" lang="ja-JP" altLang="en-US" dirty="0"/>
+          </a:p>
+        </p:txBody>
+      </p:sp>
+      <p:cxnSp>
+        <p:nvCxnSpPr>
+          <p:cNvPr id="36" name="直線矢印コネクタ 35">
+            <a:extLst>
+              <a:ext uri="{FF2B5EF4-FFF2-40B4-BE49-F238E27FC236}">
+                <a16:creationId xmlns:a16="http://schemas.microsoft.com/office/drawing/2014/main" id="{77F04E78-8E74-C1CE-00D7-F65C521565D7}"/>
+              </a:ext>
+            </a:extLst>
+          </p:cNvPr>
+          <p:cNvCxnSpPr>
+            <a:cxnSpLocks/>
+          </p:cNvCxnSpPr>
+          <p:nvPr/>
+        </p:nvCxnSpPr>
+        <p:spPr>
+          <a:xfrm flipH="1" flipV="1">
+            <a:off x="3886823" y="4626446"/>
+            <a:ext cx="1664387" cy="8947"/>
+          </a:xfrm>
+          <a:prstGeom prst="straightConnector1">
+            <a:avLst/>
+          </a:prstGeom>
+          <a:ln>
+            <a:tailEnd type="triangle"/>
+          </a:ln>
+        </p:spPr>
+        <p:style>
+          <a:lnRef idx="2">
+            <a:schemeClr val="accent4"/>
+          </a:lnRef>
+          <a:fillRef idx="0">
+            <a:schemeClr val="accent4"/>
+          </a:fillRef>
+          <a:effectRef idx="1">
+            <a:schemeClr val="accent4"/>
+          </a:effectRef>
+          <a:fontRef idx="minor">
+            <a:schemeClr val="tx1"/>
+          </a:fontRef>
+        </p:style>
+      </p:cxnSp>
+      <p:cxnSp>
+        <p:nvCxnSpPr>
+          <p:cNvPr id="25" name="直線矢印コネクタ 24">
+            <a:extLst>
+              <a:ext uri="{FF2B5EF4-FFF2-40B4-BE49-F238E27FC236}">
+                <a16:creationId xmlns:a16="http://schemas.microsoft.com/office/drawing/2014/main" id="{F79E468E-17EE-CBE5-ABA7-70141E32E403}"/>
+              </a:ext>
+            </a:extLst>
+          </p:cNvPr>
+          <p:cNvCxnSpPr>
+            <a:cxnSpLocks/>
+          </p:cNvCxnSpPr>
+          <p:nvPr/>
+        </p:nvCxnSpPr>
+        <p:spPr>
+          <a:xfrm flipH="1">
+            <a:off x="8424449" y="3981853"/>
+            <a:ext cx="1439724" cy="313461"/>
+          </a:xfrm>
+          <a:prstGeom prst="straightConnector1">
+            <a:avLst/>
+          </a:prstGeom>
+          <a:ln>
+            <a:tailEnd type="triangle"/>
+          </a:ln>
+        </p:spPr>
+        <p:style>
+          <a:lnRef idx="2">
+            <a:schemeClr val="accent4"/>
+          </a:lnRef>
+          <a:fillRef idx="0">
+            <a:schemeClr val="accent4"/>
+          </a:fillRef>
+          <a:effectRef idx="1">
+            <a:schemeClr val="accent4"/>
+          </a:effectRef>
+          <a:fontRef idx="minor">
+            <a:schemeClr val="tx1"/>
+          </a:fontRef>
+        </p:style>
+      </p:cxnSp>
+      <p:sp>
+        <p:nvSpPr>
+          <p:cNvPr id="42" name="コンテンツ プレースホルダー 11">
+            <a:extLst>
+              <a:ext uri="{FF2B5EF4-FFF2-40B4-BE49-F238E27FC236}">
+                <a16:creationId xmlns:a16="http://schemas.microsoft.com/office/drawing/2014/main" id="{7A083EDF-8921-EB01-42F5-B17867200EA3}"/>
+              </a:ext>
+            </a:extLst>
+          </p:cNvPr>
+          <p:cNvSpPr txBox="1">
+            <a:spLocks/>
+          </p:cNvSpPr>
+          <p:nvPr/>
+        </p:nvSpPr>
+        <p:spPr>
+          <a:xfrm>
+            <a:off x="4183236" y="4425558"/>
+            <a:ext cx="1367043" cy="271804"/>
+          </a:xfrm>
+          <a:prstGeom prst="rect">
+            <a:avLst/>
+          </a:prstGeom>
+        </p:spPr>
+        <p:txBody>
+          <a:bodyPr vert="horz" lIns="91440" tIns="45720" rIns="91440" bIns="45720" rtlCol="0">
+            <a:normAutofit/>
+          </a:bodyPr>
+          <a:lstStyle>
+            <a:lvl1pPr marL="228600" indent="-228600" algn="l" defTabSz="914400" rtl="0" eaLnBrk="1" latinLnBrk="0" hangingPunct="1">
+              <a:lnSpc>
+                <a:spcPct val="90000"/>
+              </a:lnSpc>
+              <a:spcBef>
+                <a:spcPts val="1000"/>
+              </a:spcBef>
+              <a:buFont typeface="Arial" panose="020B0604020202020204" pitchFamily="34" charset="0"/>
+              <a:buChar char="•"/>
+              <a:defRPr kumimoji="1" sz="2800" kern="1200">
+                <a:solidFill>
+                  <a:schemeClr val="tx1"/>
+                </a:solidFill>
+                <a:latin typeface="+mn-lt"/>
+                <a:ea typeface="+mn-ea"/>
+                <a:cs typeface="+mn-cs"/>
+              </a:defRPr>
+            </a:lvl1pPr>
+            <a:lvl2pPr marL="685800" indent="-228600" algn="l" defTabSz="914400" rtl="0" eaLnBrk="1" latinLnBrk="0" hangingPunct="1">
+              <a:lnSpc>
+                <a:spcPct val="90000"/>
+              </a:lnSpc>
+              <a:spcBef>
+                <a:spcPts val="500"/>
+              </a:spcBef>
+              <a:buFont typeface="Arial" panose="020B0604020202020204" pitchFamily="34" charset="0"/>
+              <a:buChar char="•"/>
+              <a:defRPr kumimoji="1" sz="2400" kern="1200">
+                <a:solidFill>
+                  <a:schemeClr val="tx1"/>
+                </a:solidFill>
+                <a:latin typeface="+mn-lt"/>
+                <a:ea typeface="+mn-ea"/>
+                <a:cs typeface="+mn-cs"/>
+              </a:defRPr>
+            </a:lvl2pPr>
+            <a:lvl3pPr marL="1143000" indent="-228600" algn="l" defTabSz="914400" rtl="0" eaLnBrk="1" latinLnBrk="0" hangingPunct="1">
+              <a:lnSpc>
+                <a:spcPct val="90000"/>
+              </a:lnSpc>
+              <a:spcBef>
+                <a:spcPts val="500"/>
+              </a:spcBef>
+              <a:buFont typeface="Arial" panose="020B0604020202020204" pitchFamily="34" charset="0"/>
+              <a:buChar char="•"/>
+              <a:defRPr kumimoji="1" sz="2000" kern="1200">
+                <a:solidFill>
+                  <a:schemeClr val="tx1"/>
+                </a:solidFill>
+                <a:latin typeface="+mn-lt"/>
+                <a:ea typeface="+mn-ea"/>
+                <a:cs typeface="+mn-cs"/>
+              </a:defRPr>
+            </a:lvl3pPr>
+            <a:lvl4pPr marL="1600200" indent="-228600" algn="l" defTabSz="914400" rtl="0" eaLnBrk="1" latinLnBrk="0" hangingPunct="1">
+              <a:lnSpc>
+                <a:spcPct val="90000"/>
+              </a:lnSpc>
+              <a:spcBef>
+                <a:spcPts val="500"/>
+              </a:spcBef>
+              <a:buFont typeface="Arial" panose="020B0604020202020204" pitchFamily="34" charset="0"/>
+              <a:buChar char="•"/>
+              <a:defRPr kumimoji="1" sz="1800" kern="1200">
+                <a:solidFill>
+                  <a:schemeClr val="tx1"/>
+                </a:solidFill>
+                <a:latin typeface="+mn-lt"/>
+                <a:ea typeface="+mn-ea"/>
+                <a:cs typeface="+mn-cs"/>
+              </a:defRPr>
+            </a:lvl4pPr>
+            <a:lvl5pPr marL="2057400" indent="-228600" algn="l" defTabSz="914400" rtl="0" eaLnBrk="1" latinLnBrk="0" hangingPunct="1">
+              <a:lnSpc>
+                <a:spcPct val="90000"/>
+              </a:lnSpc>
+              <a:spcBef>
+                <a:spcPts val="500"/>
+              </a:spcBef>
+              <a:buFont typeface="Arial" panose="020B0604020202020204" pitchFamily="34" charset="0"/>
+              <a:buChar char="•"/>
+              <a:defRPr kumimoji="1" sz="1800" kern="1200">
+                <a:solidFill>
+                  <a:schemeClr val="tx1"/>
+                </a:solidFill>
+                <a:latin typeface="+mn-lt"/>
+                <a:ea typeface="+mn-ea"/>
+                <a:cs typeface="+mn-cs"/>
+              </a:defRPr>
+            </a:lvl5pPr>
+            <a:lvl6pPr marL="2514600" indent="-228600" algn="l" defTabSz="914400" rtl="0" eaLnBrk="1" latinLnBrk="0" hangingPunct="1">
+              <a:lnSpc>
+                <a:spcPct val="90000"/>
+              </a:lnSpc>
+              <a:spcBef>
+                <a:spcPts val="500"/>
+              </a:spcBef>
+              <a:buFont typeface="Arial" panose="020B0604020202020204" pitchFamily="34" charset="0"/>
+              <a:buChar char="•"/>
+              <a:defRPr kumimoji="1" sz="1800" kern="1200">
+                <a:solidFill>
+                  <a:schemeClr val="tx1"/>
+                </a:solidFill>
+                <a:latin typeface="+mn-lt"/>
+                <a:ea typeface="+mn-ea"/>
+                <a:cs typeface="+mn-cs"/>
+              </a:defRPr>
+            </a:lvl6pPr>
+            <a:lvl7pPr marL="2971800" indent="-228600" algn="l" defTabSz="914400" rtl="0" eaLnBrk="1" latinLnBrk="0" hangingPunct="1">
+              <a:lnSpc>
+                <a:spcPct val="90000"/>
+              </a:lnSpc>
+              <a:spcBef>
+                <a:spcPts val="500"/>
+              </a:spcBef>
+              <a:buFont typeface="Arial" panose="020B0604020202020204" pitchFamily="34" charset="0"/>
+              <a:buChar char="•"/>
+              <a:defRPr kumimoji="1" sz="1800" kern="1200">
+                <a:solidFill>
+                  <a:schemeClr val="tx1"/>
+                </a:solidFill>
+                <a:latin typeface="+mn-lt"/>
+                <a:ea typeface="+mn-ea"/>
+                <a:cs typeface="+mn-cs"/>
+              </a:defRPr>
+            </a:lvl7pPr>
+            <a:lvl8pPr marL="3429000" indent="-228600" algn="l" defTabSz="914400" rtl="0" eaLnBrk="1" latinLnBrk="0" hangingPunct="1">
+              <a:lnSpc>
+                <a:spcPct val="90000"/>
+              </a:lnSpc>
+              <a:spcBef>
+                <a:spcPts val="500"/>
+              </a:spcBef>
+              <a:buFont typeface="Arial" panose="020B0604020202020204" pitchFamily="34" charset="0"/>
+              <a:buChar char="•"/>
+              <a:defRPr kumimoji="1" sz="1800" kern="1200">
+                <a:solidFill>
+                  <a:schemeClr val="tx1"/>
+                </a:solidFill>
+                <a:latin typeface="+mn-lt"/>
+                <a:ea typeface="+mn-ea"/>
+                <a:cs typeface="+mn-cs"/>
+              </a:defRPr>
+            </a:lvl8pPr>
+            <a:lvl9pPr marL="3886200" indent="-228600" algn="l" defTabSz="914400" rtl="0" eaLnBrk="1" latinLnBrk="0" hangingPunct="1">
+              <a:lnSpc>
+                <a:spcPct val="90000"/>
+              </a:lnSpc>
+              <a:spcBef>
+                <a:spcPts val="500"/>
+              </a:spcBef>
+              <a:buFont typeface="Arial" panose="020B0604020202020204" pitchFamily="34" charset="0"/>
+              <a:buChar char="•"/>
+              <a:defRPr kumimoji="1" sz="1800" kern="1200">
+                <a:solidFill>
+                  <a:schemeClr val="tx1"/>
+                </a:solidFill>
+                <a:latin typeface="+mn-lt"/>
+                <a:ea typeface="+mn-ea"/>
+                <a:cs typeface="+mn-cs"/>
+              </a:defRPr>
+            </a:lvl9pPr>
+          </a:lstStyle>
+          <a:p>
+            <a:pPr marL="0" indent="0" algn="ctr">
+              <a:buNone/>
+            </a:pPr>
+            <a:r>
+              <a:rPr lang="en-US" altLang="ja-JP" sz="1200" dirty="0"/>
+              <a:t>2. </a:t>
+            </a:r>
+            <a:r>
+              <a:rPr lang="ja-JP" altLang="en-US" sz="1200" dirty="0"/>
+              <a:t>音認結果通知</a:t>
+            </a:r>
+            <a:endParaRPr lang="en-US" altLang="ja-JP" sz="1200" dirty="0"/>
+          </a:p>
+          <a:p>
+            <a:pPr algn="ctr">
+              <a:buFontTx/>
+              <a:buChar char="-"/>
+            </a:pPr>
+            <a:endParaRPr lang="en-US" altLang="ja-JP" sz="1200" dirty="0"/>
+          </a:p>
+        </p:txBody>
+      </p:sp>
+      <p:cxnSp>
+        <p:nvCxnSpPr>
+          <p:cNvPr id="43" name="直線矢印コネクタ 42">
+            <a:extLst>
+              <a:ext uri="{FF2B5EF4-FFF2-40B4-BE49-F238E27FC236}">
+                <a16:creationId xmlns:a16="http://schemas.microsoft.com/office/drawing/2014/main" id="{C95D5C23-78E8-C787-508B-05DB70100DC4}"/>
+              </a:ext>
+            </a:extLst>
+          </p:cNvPr>
+          <p:cNvCxnSpPr>
+            <a:cxnSpLocks/>
+            <a:stCxn id="33" idx="3"/>
+            <a:endCxn id="35" idx="1"/>
+          </p:cNvCxnSpPr>
+          <p:nvPr/>
+        </p:nvCxnSpPr>
+        <p:spPr>
+          <a:xfrm flipV="1">
+            <a:off x="3900903" y="5347403"/>
+            <a:ext cx="1650307" cy="5330"/>
+          </a:xfrm>
+          <a:prstGeom prst="straightConnector1">
+            <a:avLst/>
+          </a:prstGeom>
+          <a:ln>
+            <a:tailEnd type="triangle"/>
+          </a:ln>
+        </p:spPr>
+        <p:style>
+          <a:lnRef idx="2">
+            <a:schemeClr val="accent4"/>
+          </a:lnRef>
+          <a:fillRef idx="0">
+            <a:schemeClr val="accent4"/>
+          </a:fillRef>
+          <a:effectRef idx="1">
+            <a:schemeClr val="accent4"/>
+          </a:effectRef>
+          <a:fontRef idx="minor">
+            <a:schemeClr val="tx1"/>
+          </a:fontRef>
+        </p:style>
+      </p:cxnSp>
+      <p:sp>
+        <p:nvSpPr>
+          <p:cNvPr id="46" name="コンテンツ プレースホルダー 11">
+            <a:extLst>
+              <a:ext uri="{FF2B5EF4-FFF2-40B4-BE49-F238E27FC236}">
+                <a16:creationId xmlns:a16="http://schemas.microsoft.com/office/drawing/2014/main" id="{AD3FDB23-FA9B-6B75-69BF-6C3EE70A28C3}"/>
+              </a:ext>
+            </a:extLst>
+          </p:cNvPr>
+          <p:cNvSpPr txBox="1">
+            <a:spLocks/>
+          </p:cNvSpPr>
+          <p:nvPr/>
+        </p:nvSpPr>
+        <p:spPr>
+          <a:xfrm>
+            <a:off x="4109211" y="5073931"/>
+            <a:ext cx="1367043" cy="271804"/>
+          </a:xfrm>
+          <a:prstGeom prst="rect">
+            <a:avLst/>
+          </a:prstGeom>
+        </p:spPr>
+        <p:txBody>
+          <a:bodyPr vert="horz" lIns="91440" tIns="45720" rIns="91440" bIns="45720" rtlCol="0">
+            <a:normAutofit/>
+          </a:bodyPr>
+          <a:lstStyle>
+            <a:lvl1pPr marL="228600" indent="-228600" algn="l" defTabSz="914400" rtl="0" eaLnBrk="1" latinLnBrk="0" hangingPunct="1">
+              <a:lnSpc>
+                <a:spcPct val="90000"/>
+              </a:lnSpc>
+              <a:spcBef>
+                <a:spcPts val="1000"/>
+              </a:spcBef>
+              <a:buFont typeface="Arial" panose="020B0604020202020204" pitchFamily="34" charset="0"/>
+              <a:buChar char="•"/>
+              <a:defRPr kumimoji="1" sz="2800" kern="1200">
+                <a:solidFill>
+                  <a:schemeClr val="tx1"/>
+                </a:solidFill>
+                <a:latin typeface="+mn-lt"/>
+                <a:ea typeface="+mn-ea"/>
+                <a:cs typeface="+mn-cs"/>
+              </a:defRPr>
+            </a:lvl1pPr>
+            <a:lvl2pPr marL="685800" indent="-228600" algn="l" defTabSz="914400" rtl="0" eaLnBrk="1" latinLnBrk="0" hangingPunct="1">
+              <a:lnSpc>
+                <a:spcPct val="90000"/>
+              </a:lnSpc>
+              <a:spcBef>
+                <a:spcPts val="500"/>
+              </a:spcBef>
+              <a:buFont typeface="Arial" panose="020B0604020202020204" pitchFamily="34" charset="0"/>
+              <a:buChar char="•"/>
+              <a:defRPr kumimoji="1" sz="2400" kern="1200">
+                <a:solidFill>
+                  <a:schemeClr val="tx1"/>
+                </a:solidFill>
+                <a:latin typeface="+mn-lt"/>
+                <a:ea typeface="+mn-ea"/>
+                <a:cs typeface="+mn-cs"/>
+              </a:defRPr>
+            </a:lvl2pPr>
+            <a:lvl3pPr marL="1143000" indent="-228600" algn="l" defTabSz="914400" rtl="0" eaLnBrk="1" latinLnBrk="0" hangingPunct="1">
+              <a:lnSpc>
+                <a:spcPct val="90000"/>
+              </a:lnSpc>
+              <a:spcBef>
+                <a:spcPts val="500"/>
+              </a:spcBef>
+              <a:buFont typeface="Arial" panose="020B0604020202020204" pitchFamily="34" charset="0"/>
+              <a:buChar char="•"/>
+              <a:defRPr kumimoji="1" sz="2000" kern="1200">
+                <a:solidFill>
+                  <a:schemeClr val="tx1"/>
+                </a:solidFill>
+                <a:latin typeface="+mn-lt"/>
+                <a:ea typeface="+mn-ea"/>
+                <a:cs typeface="+mn-cs"/>
+              </a:defRPr>
+            </a:lvl3pPr>
+            <a:lvl4pPr marL="1600200" indent="-228600" algn="l" defTabSz="914400" rtl="0" eaLnBrk="1" latinLnBrk="0" hangingPunct="1">
+              <a:lnSpc>
+                <a:spcPct val="90000"/>
+              </a:lnSpc>
+              <a:spcBef>
+                <a:spcPts val="500"/>
+              </a:spcBef>
+              <a:buFont typeface="Arial" panose="020B0604020202020204" pitchFamily="34" charset="0"/>
+              <a:buChar char="•"/>
+              <a:defRPr kumimoji="1" sz="1800" kern="1200">
+                <a:solidFill>
+                  <a:schemeClr val="tx1"/>
+                </a:solidFill>
+                <a:latin typeface="+mn-lt"/>
+                <a:ea typeface="+mn-ea"/>
+                <a:cs typeface="+mn-cs"/>
+              </a:defRPr>
+            </a:lvl4pPr>
+            <a:lvl5pPr marL="2057400" indent="-228600" algn="l" defTabSz="914400" rtl="0" eaLnBrk="1" latinLnBrk="0" hangingPunct="1">
+              <a:lnSpc>
+                <a:spcPct val="90000"/>
+              </a:lnSpc>
+              <a:spcBef>
+                <a:spcPts val="500"/>
+              </a:spcBef>
+              <a:buFont typeface="Arial" panose="020B0604020202020204" pitchFamily="34" charset="0"/>
+              <a:buChar char="•"/>
+              <a:defRPr kumimoji="1" sz="1800" kern="1200">
+                <a:solidFill>
+                  <a:schemeClr val="tx1"/>
+                </a:solidFill>
+                <a:latin typeface="+mn-lt"/>
+                <a:ea typeface="+mn-ea"/>
+                <a:cs typeface="+mn-cs"/>
+              </a:defRPr>
+            </a:lvl5pPr>
+            <a:lvl6pPr marL="2514600" indent="-228600" algn="l" defTabSz="914400" rtl="0" eaLnBrk="1" latinLnBrk="0" hangingPunct="1">
+              <a:lnSpc>
+                <a:spcPct val="90000"/>
+              </a:lnSpc>
+              <a:spcBef>
+                <a:spcPts val="500"/>
+              </a:spcBef>
+              <a:buFont typeface="Arial" panose="020B0604020202020204" pitchFamily="34" charset="0"/>
+              <a:buChar char="•"/>
+              <a:defRPr kumimoji="1" sz="1800" kern="1200">
+                <a:solidFill>
+                  <a:schemeClr val="tx1"/>
+                </a:solidFill>
+                <a:latin typeface="+mn-lt"/>
+                <a:ea typeface="+mn-ea"/>
+                <a:cs typeface="+mn-cs"/>
+              </a:defRPr>
+            </a:lvl6pPr>
+            <a:lvl7pPr marL="2971800" indent="-228600" algn="l" defTabSz="914400" rtl="0" eaLnBrk="1" latinLnBrk="0" hangingPunct="1">
+              <a:lnSpc>
+                <a:spcPct val="90000"/>
+              </a:lnSpc>
+              <a:spcBef>
+                <a:spcPts val="500"/>
+              </a:spcBef>
+              <a:buFont typeface="Arial" panose="020B0604020202020204" pitchFamily="34" charset="0"/>
+              <a:buChar char="•"/>
+              <a:defRPr kumimoji="1" sz="1800" kern="1200">
+                <a:solidFill>
+                  <a:schemeClr val="tx1"/>
+                </a:solidFill>
+                <a:latin typeface="+mn-lt"/>
+                <a:ea typeface="+mn-ea"/>
+                <a:cs typeface="+mn-cs"/>
+              </a:defRPr>
+            </a:lvl7pPr>
+            <a:lvl8pPr marL="3429000" indent="-228600" algn="l" defTabSz="914400" rtl="0" eaLnBrk="1" latinLnBrk="0" hangingPunct="1">
+              <a:lnSpc>
+                <a:spcPct val="90000"/>
+              </a:lnSpc>
+              <a:spcBef>
+                <a:spcPts val="500"/>
+              </a:spcBef>
+              <a:buFont typeface="Arial" panose="020B0604020202020204" pitchFamily="34" charset="0"/>
+              <a:buChar char="•"/>
+              <a:defRPr kumimoji="1" sz="1800" kern="1200">
+                <a:solidFill>
+                  <a:schemeClr val="tx1"/>
+                </a:solidFill>
+                <a:latin typeface="+mn-lt"/>
+                <a:ea typeface="+mn-ea"/>
+                <a:cs typeface="+mn-cs"/>
+              </a:defRPr>
+            </a:lvl8pPr>
+            <a:lvl9pPr marL="3886200" indent="-228600" algn="l" defTabSz="914400" rtl="0" eaLnBrk="1" latinLnBrk="0" hangingPunct="1">
+              <a:lnSpc>
+                <a:spcPct val="90000"/>
+              </a:lnSpc>
+              <a:spcBef>
+                <a:spcPts val="500"/>
+              </a:spcBef>
+              <a:buFont typeface="Arial" panose="020B0604020202020204" pitchFamily="34" charset="0"/>
+              <a:buChar char="•"/>
+              <a:defRPr kumimoji="1" sz="1800" kern="1200">
+                <a:solidFill>
+                  <a:schemeClr val="tx1"/>
+                </a:solidFill>
+                <a:latin typeface="+mn-lt"/>
+                <a:ea typeface="+mn-ea"/>
+                <a:cs typeface="+mn-cs"/>
+              </a:defRPr>
+            </a:lvl9pPr>
+          </a:lstStyle>
+          <a:p>
+            <a:pPr marL="0" indent="0" algn="ctr">
+              <a:buNone/>
+            </a:pPr>
+            <a:r>
+              <a:rPr lang="en-US" altLang="ja-JP" sz="1200" dirty="0"/>
+              <a:t>6. TTS</a:t>
+            </a:r>
+            <a:r>
+              <a:rPr lang="ja-JP" altLang="en-US" sz="1200" dirty="0"/>
+              <a:t>再生実行</a:t>
+            </a:r>
+            <a:endParaRPr lang="en-US" altLang="ja-JP" sz="1200" dirty="0"/>
+          </a:p>
+          <a:p>
+            <a:pPr algn="ctr">
+              <a:buFontTx/>
+              <a:buChar char="-"/>
+            </a:pPr>
+            <a:endParaRPr lang="en-US" altLang="ja-JP" sz="1200" dirty="0"/>
+          </a:p>
+        </p:txBody>
+      </p:sp>
+      <p:cxnSp>
+        <p:nvCxnSpPr>
+          <p:cNvPr id="51" name="直線矢印コネクタ 50">
+            <a:extLst>
+              <a:ext uri="{FF2B5EF4-FFF2-40B4-BE49-F238E27FC236}">
+                <a16:creationId xmlns:a16="http://schemas.microsoft.com/office/drawing/2014/main" id="{98F82E70-6C24-E4CE-9330-D91ED9AFAE33}"/>
+              </a:ext>
+            </a:extLst>
+          </p:cNvPr>
+          <p:cNvCxnSpPr>
+            <a:cxnSpLocks/>
+          </p:cNvCxnSpPr>
+          <p:nvPr/>
+        </p:nvCxnSpPr>
+        <p:spPr>
+          <a:xfrm flipH="1" flipV="1">
+            <a:off x="3886823" y="4283361"/>
+            <a:ext cx="1664387" cy="8947"/>
+          </a:xfrm>
+          <a:prstGeom prst="straightConnector1">
+            <a:avLst/>
+          </a:prstGeom>
+          <a:ln>
+            <a:tailEnd type="triangle"/>
+          </a:ln>
+        </p:spPr>
+        <p:style>
+          <a:lnRef idx="2">
+            <a:schemeClr val="accent4"/>
+          </a:lnRef>
+          <a:fillRef idx="0">
+            <a:schemeClr val="accent4"/>
+          </a:fillRef>
+          <a:effectRef idx="1">
+            <a:schemeClr val="accent4"/>
+          </a:effectRef>
+          <a:fontRef idx="minor">
+            <a:schemeClr val="tx1"/>
+          </a:fontRef>
+        </p:style>
+      </p:cxnSp>
+      <p:sp>
+        <p:nvSpPr>
+          <p:cNvPr id="52" name="コンテンツ プレースホルダー 11">
+            <a:extLst>
+              <a:ext uri="{FF2B5EF4-FFF2-40B4-BE49-F238E27FC236}">
+                <a16:creationId xmlns:a16="http://schemas.microsoft.com/office/drawing/2014/main" id="{9C7AC2F4-9CBC-4696-EB35-A14FCEFEB400}"/>
+              </a:ext>
+            </a:extLst>
+          </p:cNvPr>
+          <p:cNvSpPr txBox="1">
+            <a:spLocks/>
+          </p:cNvSpPr>
+          <p:nvPr/>
+        </p:nvSpPr>
+        <p:spPr>
+          <a:xfrm>
+            <a:off x="4183236" y="4082473"/>
+            <a:ext cx="1367043" cy="271804"/>
+          </a:xfrm>
+          <a:prstGeom prst="rect">
+            <a:avLst/>
+          </a:prstGeom>
+        </p:spPr>
+        <p:txBody>
+          <a:bodyPr vert="horz" lIns="91440" tIns="45720" rIns="91440" bIns="45720" rtlCol="0">
+            <a:normAutofit/>
+          </a:bodyPr>
+          <a:lstStyle>
+            <a:lvl1pPr marL="228600" indent="-228600" algn="l" defTabSz="914400" rtl="0" eaLnBrk="1" latinLnBrk="0" hangingPunct="1">
+              <a:lnSpc>
+                <a:spcPct val="90000"/>
+              </a:lnSpc>
+              <a:spcBef>
+                <a:spcPts val="1000"/>
+              </a:spcBef>
+              <a:buFont typeface="Arial" panose="020B0604020202020204" pitchFamily="34" charset="0"/>
+              <a:buChar char="•"/>
+              <a:defRPr kumimoji="1" sz="2800" kern="1200">
+                <a:solidFill>
+                  <a:schemeClr val="tx1"/>
+                </a:solidFill>
+                <a:latin typeface="+mn-lt"/>
+                <a:ea typeface="+mn-ea"/>
+                <a:cs typeface="+mn-cs"/>
+              </a:defRPr>
+            </a:lvl1pPr>
+            <a:lvl2pPr marL="685800" indent="-228600" algn="l" defTabSz="914400" rtl="0" eaLnBrk="1" latinLnBrk="0" hangingPunct="1">
+              <a:lnSpc>
+                <a:spcPct val="90000"/>
+              </a:lnSpc>
+              <a:spcBef>
+                <a:spcPts val="500"/>
+              </a:spcBef>
+              <a:buFont typeface="Arial" panose="020B0604020202020204" pitchFamily="34" charset="0"/>
+              <a:buChar char="•"/>
+              <a:defRPr kumimoji="1" sz="2400" kern="1200">
+                <a:solidFill>
+                  <a:schemeClr val="tx1"/>
+                </a:solidFill>
+                <a:latin typeface="+mn-lt"/>
+                <a:ea typeface="+mn-ea"/>
+                <a:cs typeface="+mn-cs"/>
+              </a:defRPr>
+            </a:lvl2pPr>
+            <a:lvl3pPr marL="1143000" indent="-228600" algn="l" defTabSz="914400" rtl="0" eaLnBrk="1" latinLnBrk="0" hangingPunct="1">
+              <a:lnSpc>
+                <a:spcPct val="90000"/>
+              </a:lnSpc>
+              <a:spcBef>
+                <a:spcPts val="500"/>
+              </a:spcBef>
+              <a:buFont typeface="Arial" panose="020B0604020202020204" pitchFamily="34" charset="0"/>
+              <a:buChar char="•"/>
+              <a:defRPr kumimoji="1" sz="2000" kern="1200">
+                <a:solidFill>
+                  <a:schemeClr val="tx1"/>
+                </a:solidFill>
+                <a:latin typeface="+mn-lt"/>
+                <a:ea typeface="+mn-ea"/>
+                <a:cs typeface="+mn-cs"/>
+              </a:defRPr>
+            </a:lvl3pPr>
+            <a:lvl4pPr marL="1600200" indent="-228600" algn="l" defTabSz="914400" rtl="0" eaLnBrk="1" latinLnBrk="0" hangingPunct="1">
+              <a:lnSpc>
+                <a:spcPct val="90000"/>
+              </a:lnSpc>
+              <a:spcBef>
+                <a:spcPts val="500"/>
+              </a:spcBef>
+              <a:buFont typeface="Arial" panose="020B0604020202020204" pitchFamily="34" charset="0"/>
+              <a:buChar char="•"/>
+              <a:defRPr kumimoji="1" sz="1800" kern="1200">
+                <a:solidFill>
+                  <a:schemeClr val="tx1"/>
+                </a:solidFill>
+                <a:latin typeface="+mn-lt"/>
+                <a:ea typeface="+mn-ea"/>
+                <a:cs typeface="+mn-cs"/>
+              </a:defRPr>
+            </a:lvl4pPr>
+            <a:lvl5pPr marL="2057400" indent="-228600" algn="l" defTabSz="914400" rtl="0" eaLnBrk="1" latinLnBrk="0" hangingPunct="1">
+              <a:lnSpc>
+                <a:spcPct val="90000"/>
+              </a:lnSpc>
+              <a:spcBef>
+                <a:spcPts val="500"/>
+              </a:spcBef>
+              <a:buFont typeface="Arial" panose="020B0604020202020204" pitchFamily="34" charset="0"/>
+              <a:buChar char="•"/>
+              <a:defRPr kumimoji="1" sz="1800" kern="1200">
+                <a:solidFill>
+                  <a:schemeClr val="tx1"/>
+                </a:solidFill>
+                <a:latin typeface="+mn-lt"/>
+                <a:ea typeface="+mn-ea"/>
+                <a:cs typeface="+mn-cs"/>
+              </a:defRPr>
+            </a:lvl5pPr>
+            <a:lvl6pPr marL="2514600" indent="-228600" algn="l" defTabSz="914400" rtl="0" eaLnBrk="1" latinLnBrk="0" hangingPunct="1">
+              <a:lnSpc>
+                <a:spcPct val="90000"/>
+              </a:lnSpc>
+              <a:spcBef>
+                <a:spcPts val="500"/>
+              </a:spcBef>
+              <a:buFont typeface="Arial" panose="020B0604020202020204" pitchFamily="34" charset="0"/>
+              <a:buChar char="•"/>
+              <a:defRPr kumimoji="1" sz="1800" kern="1200">
+                <a:solidFill>
+                  <a:schemeClr val="tx1"/>
+                </a:solidFill>
+                <a:latin typeface="+mn-lt"/>
+                <a:ea typeface="+mn-ea"/>
+                <a:cs typeface="+mn-cs"/>
+              </a:defRPr>
+            </a:lvl6pPr>
+            <a:lvl7pPr marL="2971800" indent="-228600" algn="l" defTabSz="914400" rtl="0" eaLnBrk="1" latinLnBrk="0" hangingPunct="1">
+              <a:lnSpc>
+                <a:spcPct val="90000"/>
+              </a:lnSpc>
+              <a:spcBef>
+                <a:spcPts val="500"/>
+              </a:spcBef>
+              <a:buFont typeface="Arial" panose="020B0604020202020204" pitchFamily="34" charset="0"/>
+              <a:buChar char="•"/>
+              <a:defRPr kumimoji="1" sz="1800" kern="1200">
+                <a:solidFill>
+                  <a:schemeClr val="tx1"/>
+                </a:solidFill>
+                <a:latin typeface="+mn-lt"/>
+                <a:ea typeface="+mn-ea"/>
+                <a:cs typeface="+mn-cs"/>
+              </a:defRPr>
+            </a:lvl7pPr>
+            <a:lvl8pPr marL="3429000" indent="-228600" algn="l" defTabSz="914400" rtl="0" eaLnBrk="1" latinLnBrk="0" hangingPunct="1">
+              <a:lnSpc>
+                <a:spcPct val="90000"/>
+              </a:lnSpc>
+              <a:spcBef>
+                <a:spcPts val="500"/>
+              </a:spcBef>
+              <a:buFont typeface="Arial" panose="020B0604020202020204" pitchFamily="34" charset="0"/>
+              <a:buChar char="•"/>
+              <a:defRPr kumimoji="1" sz="1800" kern="1200">
+                <a:solidFill>
+                  <a:schemeClr val="tx1"/>
+                </a:solidFill>
+                <a:latin typeface="+mn-lt"/>
+                <a:ea typeface="+mn-ea"/>
+                <a:cs typeface="+mn-cs"/>
+              </a:defRPr>
+            </a:lvl8pPr>
+            <a:lvl9pPr marL="3886200" indent="-228600" algn="l" defTabSz="914400" rtl="0" eaLnBrk="1" latinLnBrk="0" hangingPunct="1">
+              <a:lnSpc>
+                <a:spcPct val="90000"/>
+              </a:lnSpc>
+              <a:spcBef>
+                <a:spcPts val="500"/>
+              </a:spcBef>
+              <a:buFont typeface="Arial" panose="020B0604020202020204" pitchFamily="34" charset="0"/>
+              <a:buChar char="•"/>
+              <a:defRPr kumimoji="1" sz="1800" kern="1200">
+                <a:solidFill>
+                  <a:schemeClr val="tx1"/>
+                </a:solidFill>
+                <a:latin typeface="+mn-lt"/>
+                <a:ea typeface="+mn-ea"/>
+                <a:cs typeface="+mn-cs"/>
+              </a:defRPr>
+            </a:lvl9pPr>
+          </a:lstStyle>
+          <a:p>
+            <a:pPr marL="0" indent="0" algn="ctr">
+              <a:buNone/>
+            </a:pPr>
+            <a:r>
+              <a:rPr lang="en-US" altLang="ja-JP" sz="1200" dirty="0"/>
+              <a:t>Prompt</a:t>
+            </a:r>
+            <a:r>
+              <a:rPr lang="ja-JP" altLang="en-US" sz="1200" dirty="0"/>
+              <a:t>応答</a:t>
+            </a:r>
+            <a:endParaRPr lang="en-US" altLang="ja-JP" sz="1200" dirty="0"/>
+          </a:p>
+        </p:txBody>
+      </p:sp>
+      <p:cxnSp>
+        <p:nvCxnSpPr>
+          <p:cNvPr id="53" name="直線矢印コネクタ 52">
+            <a:extLst>
+              <a:ext uri="{FF2B5EF4-FFF2-40B4-BE49-F238E27FC236}">
+                <a16:creationId xmlns:a16="http://schemas.microsoft.com/office/drawing/2014/main" id="{3E73469C-F518-A440-AE64-6A0B139A5781}"/>
+              </a:ext>
+            </a:extLst>
+          </p:cNvPr>
+          <p:cNvCxnSpPr>
+            <a:cxnSpLocks/>
+          </p:cNvCxnSpPr>
+          <p:nvPr/>
+        </p:nvCxnSpPr>
+        <p:spPr>
+          <a:xfrm flipV="1">
+            <a:off x="3830500" y="4128993"/>
+            <a:ext cx="1719779" cy="2797"/>
+          </a:xfrm>
+          <a:prstGeom prst="straightConnector1">
+            <a:avLst/>
+          </a:prstGeom>
+          <a:ln>
+            <a:tailEnd type="triangle"/>
+          </a:ln>
+        </p:spPr>
+        <p:style>
+          <a:lnRef idx="2">
+            <a:schemeClr val="accent4"/>
+          </a:lnRef>
+          <a:fillRef idx="0">
+            <a:schemeClr val="accent4"/>
+          </a:fillRef>
+          <a:effectRef idx="1">
+            <a:schemeClr val="accent4"/>
+          </a:effectRef>
+          <a:fontRef idx="minor">
+            <a:schemeClr val="tx1"/>
+          </a:fontRef>
+        </p:style>
+      </p:cxnSp>
+      <p:sp>
+        <p:nvSpPr>
+          <p:cNvPr id="56" name="コンテンツ プレースホルダー 11">
+            <a:extLst>
+              <a:ext uri="{FF2B5EF4-FFF2-40B4-BE49-F238E27FC236}">
+                <a16:creationId xmlns:a16="http://schemas.microsoft.com/office/drawing/2014/main" id="{5A8C7BBD-E590-8CBB-5FDA-A57E1D7C7FD5}"/>
+              </a:ext>
+            </a:extLst>
+          </p:cNvPr>
+          <p:cNvSpPr txBox="1">
+            <a:spLocks/>
+          </p:cNvSpPr>
+          <p:nvPr/>
+        </p:nvSpPr>
+        <p:spPr>
+          <a:xfrm>
+            <a:off x="4183236" y="3929505"/>
+            <a:ext cx="1367043" cy="271804"/>
+          </a:xfrm>
+          <a:prstGeom prst="rect">
+            <a:avLst/>
+          </a:prstGeom>
+        </p:spPr>
+        <p:txBody>
+          <a:bodyPr vert="horz" lIns="91440" tIns="45720" rIns="91440" bIns="45720" rtlCol="0">
+            <a:normAutofit fontScale="70000" lnSpcReduction="20000"/>
+          </a:bodyPr>
+          <a:lstStyle>
+            <a:lvl1pPr marL="228600" indent="-228600" algn="l" defTabSz="914400" rtl="0" eaLnBrk="1" latinLnBrk="0" hangingPunct="1">
+              <a:lnSpc>
+                <a:spcPct val="90000"/>
+              </a:lnSpc>
+              <a:spcBef>
+                <a:spcPts val="1000"/>
+              </a:spcBef>
+              <a:buFont typeface="Arial" panose="020B0604020202020204" pitchFamily="34" charset="0"/>
+              <a:buChar char="•"/>
+              <a:defRPr kumimoji="1" sz="2800" kern="1200">
+                <a:solidFill>
+                  <a:schemeClr val="tx1"/>
+                </a:solidFill>
+                <a:latin typeface="+mn-lt"/>
+                <a:ea typeface="+mn-ea"/>
+                <a:cs typeface="+mn-cs"/>
+              </a:defRPr>
+            </a:lvl1pPr>
+            <a:lvl2pPr marL="685800" indent="-228600" algn="l" defTabSz="914400" rtl="0" eaLnBrk="1" latinLnBrk="0" hangingPunct="1">
+              <a:lnSpc>
+                <a:spcPct val="90000"/>
+              </a:lnSpc>
+              <a:spcBef>
+                <a:spcPts val="500"/>
+              </a:spcBef>
+              <a:buFont typeface="Arial" panose="020B0604020202020204" pitchFamily="34" charset="0"/>
+              <a:buChar char="•"/>
+              <a:defRPr kumimoji="1" sz="2400" kern="1200">
+                <a:solidFill>
+                  <a:schemeClr val="tx1"/>
+                </a:solidFill>
+                <a:latin typeface="+mn-lt"/>
+                <a:ea typeface="+mn-ea"/>
+                <a:cs typeface="+mn-cs"/>
+              </a:defRPr>
+            </a:lvl2pPr>
+            <a:lvl3pPr marL="1143000" indent="-228600" algn="l" defTabSz="914400" rtl="0" eaLnBrk="1" latinLnBrk="0" hangingPunct="1">
+              <a:lnSpc>
+                <a:spcPct val="90000"/>
+              </a:lnSpc>
+              <a:spcBef>
+                <a:spcPts val="500"/>
+              </a:spcBef>
+              <a:buFont typeface="Arial" panose="020B0604020202020204" pitchFamily="34" charset="0"/>
+              <a:buChar char="•"/>
+              <a:defRPr kumimoji="1" sz="2000" kern="1200">
+                <a:solidFill>
+                  <a:schemeClr val="tx1"/>
+                </a:solidFill>
+                <a:latin typeface="+mn-lt"/>
+                <a:ea typeface="+mn-ea"/>
+                <a:cs typeface="+mn-cs"/>
+              </a:defRPr>
+            </a:lvl3pPr>
+            <a:lvl4pPr marL="1600200" indent="-228600" algn="l" defTabSz="914400" rtl="0" eaLnBrk="1" latinLnBrk="0" hangingPunct="1">
+              <a:lnSpc>
+                <a:spcPct val="90000"/>
+              </a:lnSpc>
+              <a:spcBef>
+                <a:spcPts val="500"/>
+              </a:spcBef>
+              <a:buFont typeface="Arial" panose="020B0604020202020204" pitchFamily="34" charset="0"/>
+              <a:buChar char="•"/>
+              <a:defRPr kumimoji="1" sz="1800" kern="1200">
+                <a:solidFill>
+                  <a:schemeClr val="tx1"/>
+                </a:solidFill>
+                <a:latin typeface="+mn-lt"/>
+                <a:ea typeface="+mn-ea"/>
+                <a:cs typeface="+mn-cs"/>
+              </a:defRPr>
+            </a:lvl4pPr>
+            <a:lvl5pPr marL="2057400" indent="-228600" algn="l" defTabSz="914400" rtl="0" eaLnBrk="1" latinLnBrk="0" hangingPunct="1">
+              <a:lnSpc>
+                <a:spcPct val="90000"/>
+              </a:lnSpc>
+              <a:spcBef>
+                <a:spcPts val="500"/>
+              </a:spcBef>
+              <a:buFont typeface="Arial" panose="020B0604020202020204" pitchFamily="34" charset="0"/>
+              <a:buChar char="•"/>
+              <a:defRPr kumimoji="1" sz="1800" kern="1200">
+                <a:solidFill>
+                  <a:schemeClr val="tx1"/>
+                </a:solidFill>
+                <a:latin typeface="+mn-lt"/>
+                <a:ea typeface="+mn-ea"/>
+                <a:cs typeface="+mn-cs"/>
+              </a:defRPr>
+            </a:lvl5pPr>
+            <a:lvl6pPr marL="2514600" indent="-228600" algn="l" defTabSz="914400" rtl="0" eaLnBrk="1" latinLnBrk="0" hangingPunct="1">
+              <a:lnSpc>
+                <a:spcPct val="90000"/>
+              </a:lnSpc>
+              <a:spcBef>
+                <a:spcPts val="500"/>
+              </a:spcBef>
+              <a:buFont typeface="Arial" panose="020B0604020202020204" pitchFamily="34" charset="0"/>
+              <a:buChar char="•"/>
+              <a:defRPr kumimoji="1" sz="1800" kern="1200">
+                <a:solidFill>
+                  <a:schemeClr val="tx1"/>
+                </a:solidFill>
+                <a:latin typeface="+mn-lt"/>
+                <a:ea typeface="+mn-ea"/>
+                <a:cs typeface="+mn-cs"/>
+              </a:defRPr>
+            </a:lvl6pPr>
+            <a:lvl7pPr marL="2971800" indent="-228600" algn="l" defTabSz="914400" rtl="0" eaLnBrk="1" latinLnBrk="0" hangingPunct="1">
+              <a:lnSpc>
+                <a:spcPct val="90000"/>
+              </a:lnSpc>
+              <a:spcBef>
+                <a:spcPts val="500"/>
+              </a:spcBef>
+              <a:buFont typeface="Arial" panose="020B0604020202020204" pitchFamily="34" charset="0"/>
+              <a:buChar char="•"/>
+              <a:defRPr kumimoji="1" sz="1800" kern="1200">
+                <a:solidFill>
+                  <a:schemeClr val="tx1"/>
+                </a:solidFill>
+                <a:latin typeface="+mn-lt"/>
+                <a:ea typeface="+mn-ea"/>
+                <a:cs typeface="+mn-cs"/>
+              </a:defRPr>
+            </a:lvl7pPr>
+            <a:lvl8pPr marL="3429000" indent="-228600" algn="l" defTabSz="914400" rtl="0" eaLnBrk="1" latinLnBrk="0" hangingPunct="1">
+              <a:lnSpc>
+                <a:spcPct val="90000"/>
+              </a:lnSpc>
+              <a:spcBef>
+                <a:spcPts val="500"/>
+              </a:spcBef>
+              <a:buFont typeface="Arial" panose="020B0604020202020204" pitchFamily="34" charset="0"/>
+              <a:buChar char="•"/>
+              <a:defRPr kumimoji="1" sz="1800" kern="1200">
+                <a:solidFill>
+                  <a:schemeClr val="tx1"/>
+                </a:solidFill>
+                <a:latin typeface="+mn-lt"/>
+                <a:ea typeface="+mn-ea"/>
+                <a:cs typeface="+mn-cs"/>
+              </a:defRPr>
+            </a:lvl8pPr>
+            <a:lvl9pPr marL="3886200" indent="-228600" algn="l" defTabSz="914400" rtl="0" eaLnBrk="1" latinLnBrk="0" hangingPunct="1">
+              <a:lnSpc>
+                <a:spcPct val="90000"/>
+              </a:lnSpc>
+              <a:spcBef>
+                <a:spcPts val="500"/>
+              </a:spcBef>
+              <a:buFont typeface="Arial" panose="020B0604020202020204" pitchFamily="34" charset="0"/>
+              <a:buChar char="•"/>
+              <a:defRPr kumimoji="1" sz="1800" kern="1200">
+                <a:solidFill>
+                  <a:schemeClr val="tx1"/>
+                </a:solidFill>
+                <a:latin typeface="+mn-lt"/>
+                <a:ea typeface="+mn-ea"/>
+                <a:cs typeface="+mn-cs"/>
+              </a:defRPr>
+            </a:lvl9pPr>
+          </a:lstStyle>
+          <a:p>
+            <a:pPr marL="0" indent="0" algn="ctr">
+              <a:buNone/>
+            </a:pPr>
+            <a:r>
+              <a:rPr lang="en-US" altLang="ja-JP" sz="1200" dirty="0"/>
+              <a:t>※</a:t>
+            </a:r>
+            <a:r>
+              <a:rPr lang="ja-JP" altLang="en-US" sz="1200" dirty="0"/>
+              <a:t>事前に対話</a:t>
+            </a:r>
+            <a:r>
+              <a:rPr lang="en-US" altLang="ja-JP" sz="1200" dirty="0"/>
+              <a:t>Prompt</a:t>
+            </a:r>
+            <a:r>
+              <a:rPr lang="ja-JP" altLang="en-US" sz="1200" dirty="0"/>
+              <a:t>要求</a:t>
+            </a:r>
+            <a:endParaRPr lang="en-US" altLang="ja-JP" sz="1200" dirty="0"/>
+          </a:p>
+        </p:txBody>
+      </p:sp>
+      <p:sp>
+        <p:nvSpPr>
+          <p:cNvPr id="60" name="コンテンツ プレースホルダー 11">
+            <a:extLst>
+              <a:ext uri="{FF2B5EF4-FFF2-40B4-BE49-F238E27FC236}">
+                <a16:creationId xmlns:a16="http://schemas.microsoft.com/office/drawing/2014/main" id="{157CA208-DF3B-0235-00EB-95081BF6FE38}"/>
+              </a:ext>
+            </a:extLst>
+          </p:cNvPr>
+          <p:cNvSpPr txBox="1">
+            <a:spLocks/>
+          </p:cNvSpPr>
+          <p:nvPr/>
+        </p:nvSpPr>
+        <p:spPr>
+          <a:xfrm>
+            <a:off x="4037878" y="4654747"/>
+            <a:ext cx="1512401" cy="271804"/>
+          </a:xfrm>
+          <a:prstGeom prst="rect">
+            <a:avLst/>
+          </a:prstGeom>
+        </p:spPr>
+        <p:txBody>
+          <a:bodyPr vert="horz" lIns="91440" tIns="45720" rIns="91440" bIns="45720" rtlCol="0">
+            <a:normAutofit fontScale="70000" lnSpcReduction="20000"/>
+          </a:bodyPr>
+          <a:lstStyle>
+            <a:lvl1pPr marL="228600" indent="-228600" algn="l" defTabSz="914400" rtl="0" eaLnBrk="1" latinLnBrk="0" hangingPunct="1">
+              <a:lnSpc>
+                <a:spcPct val="90000"/>
+              </a:lnSpc>
+              <a:spcBef>
+                <a:spcPts val="1000"/>
+              </a:spcBef>
+              <a:buFont typeface="Arial" panose="020B0604020202020204" pitchFamily="34" charset="0"/>
+              <a:buChar char="•"/>
+              <a:defRPr kumimoji="1" sz="2800" kern="1200">
+                <a:solidFill>
+                  <a:schemeClr val="tx1"/>
+                </a:solidFill>
+                <a:latin typeface="+mn-lt"/>
+                <a:ea typeface="+mn-ea"/>
+                <a:cs typeface="+mn-cs"/>
+              </a:defRPr>
+            </a:lvl1pPr>
+            <a:lvl2pPr marL="685800" indent="-228600" algn="l" defTabSz="914400" rtl="0" eaLnBrk="1" latinLnBrk="0" hangingPunct="1">
+              <a:lnSpc>
+                <a:spcPct val="90000"/>
+              </a:lnSpc>
+              <a:spcBef>
+                <a:spcPts val="500"/>
+              </a:spcBef>
+              <a:buFont typeface="Arial" panose="020B0604020202020204" pitchFamily="34" charset="0"/>
+              <a:buChar char="•"/>
+              <a:defRPr kumimoji="1" sz="2400" kern="1200">
+                <a:solidFill>
+                  <a:schemeClr val="tx1"/>
+                </a:solidFill>
+                <a:latin typeface="+mn-lt"/>
+                <a:ea typeface="+mn-ea"/>
+                <a:cs typeface="+mn-cs"/>
+              </a:defRPr>
+            </a:lvl2pPr>
+            <a:lvl3pPr marL="1143000" indent="-228600" algn="l" defTabSz="914400" rtl="0" eaLnBrk="1" latinLnBrk="0" hangingPunct="1">
+              <a:lnSpc>
+                <a:spcPct val="90000"/>
+              </a:lnSpc>
+              <a:spcBef>
+                <a:spcPts val="500"/>
+              </a:spcBef>
+              <a:buFont typeface="Arial" panose="020B0604020202020204" pitchFamily="34" charset="0"/>
+              <a:buChar char="•"/>
+              <a:defRPr kumimoji="1" sz="2000" kern="1200">
+                <a:solidFill>
+                  <a:schemeClr val="tx1"/>
+                </a:solidFill>
+                <a:latin typeface="+mn-lt"/>
+                <a:ea typeface="+mn-ea"/>
+                <a:cs typeface="+mn-cs"/>
+              </a:defRPr>
+            </a:lvl3pPr>
+            <a:lvl4pPr marL="1600200" indent="-228600" algn="l" defTabSz="914400" rtl="0" eaLnBrk="1" latinLnBrk="0" hangingPunct="1">
+              <a:lnSpc>
+                <a:spcPct val="90000"/>
+              </a:lnSpc>
+              <a:spcBef>
+                <a:spcPts val="500"/>
+              </a:spcBef>
+              <a:buFont typeface="Arial" panose="020B0604020202020204" pitchFamily="34" charset="0"/>
+              <a:buChar char="•"/>
+              <a:defRPr kumimoji="1" sz="1800" kern="1200">
+                <a:solidFill>
+                  <a:schemeClr val="tx1"/>
+                </a:solidFill>
+                <a:latin typeface="+mn-lt"/>
+                <a:ea typeface="+mn-ea"/>
+                <a:cs typeface="+mn-cs"/>
+              </a:defRPr>
+            </a:lvl4pPr>
+            <a:lvl5pPr marL="2057400" indent="-228600" algn="l" defTabSz="914400" rtl="0" eaLnBrk="1" latinLnBrk="0" hangingPunct="1">
+              <a:lnSpc>
+                <a:spcPct val="90000"/>
+              </a:lnSpc>
+              <a:spcBef>
+                <a:spcPts val="500"/>
+              </a:spcBef>
+              <a:buFont typeface="Arial" panose="020B0604020202020204" pitchFamily="34" charset="0"/>
+              <a:buChar char="•"/>
+              <a:defRPr kumimoji="1" sz="1800" kern="1200">
+                <a:solidFill>
+                  <a:schemeClr val="tx1"/>
+                </a:solidFill>
+                <a:latin typeface="+mn-lt"/>
+                <a:ea typeface="+mn-ea"/>
+                <a:cs typeface="+mn-cs"/>
+              </a:defRPr>
+            </a:lvl5pPr>
+            <a:lvl6pPr marL="2514600" indent="-228600" algn="l" defTabSz="914400" rtl="0" eaLnBrk="1" latinLnBrk="0" hangingPunct="1">
+              <a:lnSpc>
+                <a:spcPct val="90000"/>
+              </a:lnSpc>
+              <a:spcBef>
+                <a:spcPts val="500"/>
+              </a:spcBef>
+              <a:buFont typeface="Arial" panose="020B0604020202020204" pitchFamily="34" charset="0"/>
+              <a:buChar char="•"/>
+              <a:defRPr kumimoji="1" sz="1800" kern="1200">
+                <a:solidFill>
+                  <a:schemeClr val="tx1"/>
+                </a:solidFill>
+                <a:latin typeface="+mn-lt"/>
+                <a:ea typeface="+mn-ea"/>
+                <a:cs typeface="+mn-cs"/>
+              </a:defRPr>
+            </a:lvl6pPr>
+            <a:lvl7pPr marL="2971800" indent="-228600" algn="l" defTabSz="914400" rtl="0" eaLnBrk="1" latinLnBrk="0" hangingPunct="1">
+              <a:lnSpc>
+                <a:spcPct val="90000"/>
+              </a:lnSpc>
+              <a:spcBef>
+                <a:spcPts val="500"/>
+              </a:spcBef>
+              <a:buFont typeface="Arial" panose="020B0604020202020204" pitchFamily="34" charset="0"/>
+              <a:buChar char="•"/>
+              <a:defRPr kumimoji="1" sz="1800" kern="1200">
+                <a:solidFill>
+                  <a:schemeClr val="tx1"/>
+                </a:solidFill>
+                <a:latin typeface="+mn-lt"/>
+                <a:ea typeface="+mn-ea"/>
+                <a:cs typeface="+mn-cs"/>
+              </a:defRPr>
+            </a:lvl7pPr>
+            <a:lvl8pPr marL="3429000" indent="-228600" algn="l" defTabSz="914400" rtl="0" eaLnBrk="1" latinLnBrk="0" hangingPunct="1">
+              <a:lnSpc>
+                <a:spcPct val="90000"/>
+              </a:lnSpc>
+              <a:spcBef>
+                <a:spcPts val="500"/>
+              </a:spcBef>
+              <a:buFont typeface="Arial" panose="020B0604020202020204" pitchFamily="34" charset="0"/>
+              <a:buChar char="•"/>
+              <a:defRPr kumimoji="1" sz="1800" kern="1200">
+                <a:solidFill>
+                  <a:schemeClr val="tx1"/>
+                </a:solidFill>
+                <a:latin typeface="+mn-lt"/>
+                <a:ea typeface="+mn-ea"/>
+                <a:cs typeface="+mn-cs"/>
+              </a:defRPr>
+            </a:lvl8pPr>
+            <a:lvl9pPr marL="3886200" indent="-228600" algn="l" defTabSz="914400" rtl="0" eaLnBrk="1" latinLnBrk="0" hangingPunct="1">
+              <a:lnSpc>
+                <a:spcPct val="90000"/>
+              </a:lnSpc>
+              <a:spcBef>
+                <a:spcPts val="500"/>
+              </a:spcBef>
+              <a:buFont typeface="Arial" panose="020B0604020202020204" pitchFamily="34" charset="0"/>
+              <a:buChar char="•"/>
+              <a:defRPr kumimoji="1" sz="1800" kern="1200">
+                <a:solidFill>
+                  <a:schemeClr val="tx1"/>
+                </a:solidFill>
+                <a:latin typeface="+mn-lt"/>
+                <a:ea typeface="+mn-ea"/>
+                <a:cs typeface="+mn-cs"/>
+              </a:defRPr>
+            </a:lvl9pPr>
+          </a:lstStyle>
+          <a:p>
+            <a:pPr marL="0" indent="0" algn="ctr">
+              <a:buNone/>
+            </a:pPr>
+            <a:r>
+              <a:rPr lang="en-US" altLang="ja-JP" sz="1200" dirty="0"/>
+              <a:t>Intent: </a:t>
+            </a:r>
+            <a:r>
+              <a:rPr lang="ja-JP" altLang="en-US" sz="1200" dirty="0"/>
+              <a:t>温度を大幅に上げて</a:t>
+            </a:r>
+            <a:endParaRPr lang="en-US" altLang="ja-JP" sz="1200" dirty="0"/>
+          </a:p>
+        </p:txBody>
+      </p:sp>
+      <p:sp>
+        <p:nvSpPr>
+          <p:cNvPr id="61" name="コンテンツ プレースホルダー 11">
+            <a:extLst>
+              <a:ext uri="{FF2B5EF4-FFF2-40B4-BE49-F238E27FC236}">
+                <a16:creationId xmlns:a16="http://schemas.microsoft.com/office/drawing/2014/main" id="{D8C27975-3D21-AA72-F53E-3F0FC93C9916}"/>
+              </a:ext>
+            </a:extLst>
+          </p:cNvPr>
+          <p:cNvSpPr txBox="1">
+            <a:spLocks/>
+          </p:cNvSpPr>
+          <p:nvPr/>
+        </p:nvSpPr>
+        <p:spPr>
+          <a:xfrm>
+            <a:off x="3844063" y="5331027"/>
+            <a:ext cx="1716157" cy="472110"/>
+          </a:xfrm>
+          <a:prstGeom prst="rect">
+            <a:avLst/>
+          </a:prstGeom>
+        </p:spPr>
+        <p:txBody>
+          <a:bodyPr vert="horz" lIns="91440" tIns="45720" rIns="91440" bIns="45720" rtlCol="0">
+            <a:normAutofit fontScale="92500"/>
+          </a:bodyPr>
+          <a:lstStyle>
+            <a:lvl1pPr marL="228600" indent="-228600" algn="l" defTabSz="914400" rtl="0" eaLnBrk="1" latinLnBrk="0" hangingPunct="1">
+              <a:lnSpc>
+                <a:spcPct val="90000"/>
+              </a:lnSpc>
+              <a:spcBef>
+                <a:spcPts val="1000"/>
+              </a:spcBef>
+              <a:buFont typeface="Arial" panose="020B0604020202020204" pitchFamily="34" charset="0"/>
+              <a:buChar char="•"/>
+              <a:defRPr kumimoji="1" sz="2800" kern="1200">
+                <a:solidFill>
+                  <a:schemeClr val="tx1"/>
+                </a:solidFill>
+                <a:latin typeface="+mn-lt"/>
+                <a:ea typeface="+mn-ea"/>
+                <a:cs typeface="+mn-cs"/>
+              </a:defRPr>
+            </a:lvl1pPr>
+            <a:lvl2pPr marL="685800" indent="-228600" algn="l" defTabSz="914400" rtl="0" eaLnBrk="1" latinLnBrk="0" hangingPunct="1">
+              <a:lnSpc>
+                <a:spcPct val="90000"/>
+              </a:lnSpc>
+              <a:spcBef>
+                <a:spcPts val="500"/>
+              </a:spcBef>
+              <a:buFont typeface="Arial" panose="020B0604020202020204" pitchFamily="34" charset="0"/>
+              <a:buChar char="•"/>
+              <a:defRPr kumimoji="1" sz="2400" kern="1200">
+                <a:solidFill>
+                  <a:schemeClr val="tx1"/>
+                </a:solidFill>
+                <a:latin typeface="+mn-lt"/>
+                <a:ea typeface="+mn-ea"/>
+                <a:cs typeface="+mn-cs"/>
+              </a:defRPr>
+            </a:lvl2pPr>
+            <a:lvl3pPr marL="1143000" indent="-228600" algn="l" defTabSz="914400" rtl="0" eaLnBrk="1" latinLnBrk="0" hangingPunct="1">
+              <a:lnSpc>
+                <a:spcPct val="90000"/>
+              </a:lnSpc>
+              <a:spcBef>
+                <a:spcPts val="500"/>
+              </a:spcBef>
+              <a:buFont typeface="Arial" panose="020B0604020202020204" pitchFamily="34" charset="0"/>
+              <a:buChar char="•"/>
+              <a:defRPr kumimoji="1" sz="2000" kern="1200">
+                <a:solidFill>
+                  <a:schemeClr val="tx1"/>
+                </a:solidFill>
+                <a:latin typeface="+mn-lt"/>
+                <a:ea typeface="+mn-ea"/>
+                <a:cs typeface="+mn-cs"/>
+              </a:defRPr>
+            </a:lvl3pPr>
+            <a:lvl4pPr marL="1600200" indent="-228600" algn="l" defTabSz="914400" rtl="0" eaLnBrk="1" latinLnBrk="0" hangingPunct="1">
+              <a:lnSpc>
+                <a:spcPct val="90000"/>
+              </a:lnSpc>
+              <a:spcBef>
+                <a:spcPts val="500"/>
+              </a:spcBef>
+              <a:buFont typeface="Arial" panose="020B0604020202020204" pitchFamily="34" charset="0"/>
+              <a:buChar char="•"/>
+              <a:defRPr kumimoji="1" sz="1800" kern="1200">
+                <a:solidFill>
+                  <a:schemeClr val="tx1"/>
+                </a:solidFill>
+                <a:latin typeface="+mn-lt"/>
+                <a:ea typeface="+mn-ea"/>
+                <a:cs typeface="+mn-cs"/>
+              </a:defRPr>
+            </a:lvl4pPr>
+            <a:lvl5pPr marL="2057400" indent="-228600" algn="l" defTabSz="914400" rtl="0" eaLnBrk="1" latinLnBrk="0" hangingPunct="1">
+              <a:lnSpc>
+                <a:spcPct val="90000"/>
+              </a:lnSpc>
+              <a:spcBef>
+                <a:spcPts val="500"/>
+              </a:spcBef>
+              <a:buFont typeface="Arial" panose="020B0604020202020204" pitchFamily="34" charset="0"/>
+              <a:buChar char="•"/>
+              <a:defRPr kumimoji="1" sz="1800" kern="1200">
+                <a:solidFill>
+                  <a:schemeClr val="tx1"/>
+                </a:solidFill>
+                <a:latin typeface="+mn-lt"/>
+                <a:ea typeface="+mn-ea"/>
+                <a:cs typeface="+mn-cs"/>
+              </a:defRPr>
+            </a:lvl5pPr>
+            <a:lvl6pPr marL="2514600" indent="-228600" algn="l" defTabSz="914400" rtl="0" eaLnBrk="1" latinLnBrk="0" hangingPunct="1">
+              <a:lnSpc>
+                <a:spcPct val="90000"/>
+              </a:lnSpc>
+              <a:spcBef>
+                <a:spcPts val="500"/>
+              </a:spcBef>
+              <a:buFont typeface="Arial" panose="020B0604020202020204" pitchFamily="34" charset="0"/>
+              <a:buChar char="•"/>
+              <a:defRPr kumimoji="1" sz="1800" kern="1200">
+                <a:solidFill>
+                  <a:schemeClr val="tx1"/>
+                </a:solidFill>
+                <a:latin typeface="+mn-lt"/>
+                <a:ea typeface="+mn-ea"/>
+                <a:cs typeface="+mn-cs"/>
+              </a:defRPr>
+            </a:lvl6pPr>
+            <a:lvl7pPr marL="2971800" indent="-228600" algn="l" defTabSz="914400" rtl="0" eaLnBrk="1" latinLnBrk="0" hangingPunct="1">
+              <a:lnSpc>
+                <a:spcPct val="90000"/>
+              </a:lnSpc>
+              <a:spcBef>
+                <a:spcPts val="500"/>
+              </a:spcBef>
+              <a:buFont typeface="Arial" panose="020B0604020202020204" pitchFamily="34" charset="0"/>
+              <a:buChar char="•"/>
+              <a:defRPr kumimoji="1" sz="1800" kern="1200">
+                <a:solidFill>
+                  <a:schemeClr val="tx1"/>
+                </a:solidFill>
+                <a:latin typeface="+mn-lt"/>
+                <a:ea typeface="+mn-ea"/>
+                <a:cs typeface="+mn-cs"/>
+              </a:defRPr>
+            </a:lvl7pPr>
+            <a:lvl8pPr marL="3429000" indent="-228600" algn="l" defTabSz="914400" rtl="0" eaLnBrk="1" latinLnBrk="0" hangingPunct="1">
+              <a:lnSpc>
+                <a:spcPct val="90000"/>
+              </a:lnSpc>
+              <a:spcBef>
+                <a:spcPts val="500"/>
+              </a:spcBef>
+              <a:buFont typeface="Arial" panose="020B0604020202020204" pitchFamily="34" charset="0"/>
+              <a:buChar char="•"/>
+              <a:defRPr kumimoji="1" sz="1800" kern="1200">
+                <a:solidFill>
+                  <a:schemeClr val="tx1"/>
+                </a:solidFill>
+                <a:latin typeface="+mn-lt"/>
+                <a:ea typeface="+mn-ea"/>
+                <a:cs typeface="+mn-cs"/>
+              </a:defRPr>
+            </a:lvl8pPr>
+            <a:lvl9pPr marL="3886200" indent="-228600" algn="l" defTabSz="914400" rtl="0" eaLnBrk="1" latinLnBrk="0" hangingPunct="1">
+              <a:lnSpc>
+                <a:spcPct val="90000"/>
+              </a:lnSpc>
+              <a:spcBef>
+                <a:spcPts val="500"/>
+              </a:spcBef>
+              <a:buFont typeface="Arial" panose="020B0604020202020204" pitchFamily="34" charset="0"/>
+              <a:buChar char="•"/>
+              <a:defRPr kumimoji="1" sz="1800" kern="1200">
+                <a:solidFill>
+                  <a:schemeClr val="tx1"/>
+                </a:solidFill>
+                <a:latin typeface="+mn-lt"/>
+                <a:ea typeface="+mn-ea"/>
+                <a:cs typeface="+mn-cs"/>
+              </a:defRPr>
+            </a:lvl9pPr>
+          </a:lstStyle>
+          <a:p>
+            <a:pPr marL="0" indent="0" algn="ctr">
+              <a:buFont typeface="Arial" panose="020B0604020202020204" pitchFamily="34" charset="0"/>
+              <a:buNone/>
+            </a:pPr>
+            <a:r>
+              <a:rPr lang="ja-JP" altLang="en-US" sz="1200" dirty="0"/>
+              <a:t>「確かに寒いっすねー</a:t>
+            </a:r>
+            <a:r>
+              <a:rPr lang="en-US" altLang="ja-JP" sz="1200" dirty="0"/>
+              <a:t>20</a:t>
+            </a:r>
+            <a:r>
+              <a:rPr lang="ja-JP" altLang="en-US" sz="1200" dirty="0"/>
+              <a:t>度に設定しますわ」</a:t>
+            </a:r>
+            <a:endParaRPr lang="en-US" altLang="ja-JP" sz="1200" dirty="0"/>
+          </a:p>
+          <a:p>
+            <a:pPr algn="ctr">
+              <a:buFontTx/>
+              <a:buChar char="-"/>
+            </a:pPr>
+            <a:endParaRPr lang="en-US" altLang="ja-JP" sz="1200" dirty="0"/>
+          </a:p>
+          <a:p>
+            <a:pPr algn="ctr">
+              <a:buFontTx/>
+              <a:buChar char="-"/>
+            </a:pPr>
+            <a:endParaRPr lang="en-US" altLang="ja-JP" sz="1200" dirty="0"/>
+          </a:p>
+        </p:txBody>
+      </p:sp>
+      <p:sp>
+        <p:nvSpPr>
+          <p:cNvPr id="64" name="テキスト ボックス 63">
+            <a:extLst>
+              <a:ext uri="{FF2B5EF4-FFF2-40B4-BE49-F238E27FC236}">
+                <a16:creationId xmlns:a16="http://schemas.microsoft.com/office/drawing/2014/main" id="{B528EF7D-5BE7-505B-A150-7CC9236EC6C6}"/>
+              </a:ext>
+            </a:extLst>
+          </p:cNvPr>
+          <p:cNvSpPr txBox="1"/>
+          <p:nvPr/>
+        </p:nvSpPr>
+        <p:spPr>
+          <a:xfrm>
+            <a:off x="838200" y="5738364"/>
+            <a:ext cx="10902917" cy="1221425"/>
+          </a:xfrm>
+          <a:prstGeom prst="rect">
+            <a:avLst/>
+          </a:prstGeom>
+        </p:spPr>
+        <p:txBody>
+          <a:bodyPr vert="horz" lIns="91440" tIns="45720" rIns="91440" bIns="45720" rtlCol="0">
+            <a:normAutofit/>
+          </a:bodyPr>
+          <a:lstStyle>
+            <a:lvl1pPr marL="228600" indent="-228600">
+              <a:lnSpc>
+                <a:spcPct val="90000"/>
+              </a:lnSpc>
+              <a:spcBef>
+                <a:spcPts val="1000"/>
+              </a:spcBef>
+              <a:buFontTx/>
+              <a:buChar char="-"/>
+              <a:defRPr sz="2400"/>
+            </a:lvl1pPr>
+            <a:lvl2pPr marL="685800" indent="-228600">
+              <a:lnSpc>
+                <a:spcPct val="90000"/>
+              </a:lnSpc>
+              <a:spcBef>
+                <a:spcPts val="500"/>
+              </a:spcBef>
+              <a:buFont typeface="Arial" panose="020B0604020202020204" pitchFamily="34" charset="0"/>
+              <a:buChar char="•"/>
+              <a:defRPr sz="2400"/>
+            </a:lvl2pPr>
+            <a:lvl3pPr marL="1143000" indent="-228600">
+              <a:lnSpc>
+                <a:spcPct val="90000"/>
+              </a:lnSpc>
+              <a:spcBef>
+                <a:spcPts val="500"/>
+              </a:spcBef>
+              <a:buFont typeface="Arial" panose="020B0604020202020204" pitchFamily="34" charset="0"/>
+              <a:buChar char="•"/>
+              <a:defRPr sz="2000"/>
+            </a:lvl3pPr>
+            <a:lvl4pPr marL="1600200" indent="-228600">
+              <a:lnSpc>
+                <a:spcPct val="90000"/>
+              </a:lnSpc>
+              <a:spcBef>
+                <a:spcPts val="500"/>
+              </a:spcBef>
+              <a:buFont typeface="Arial" panose="020B0604020202020204" pitchFamily="34" charset="0"/>
+              <a:buChar char="•"/>
+            </a:lvl4pPr>
+            <a:lvl5pPr marL="2057400" indent="-228600">
+              <a:lnSpc>
+                <a:spcPct val="90000"/>
+              </a:lnSpc>
+              <a:spcBef>
+                <a:spcPts val="500"/>
+              </a:spcBef>
+              <a:buFont typeface="Arial" panose="020B0604020202020204" pitchFamily="34" charset="0"/>
+              <a:buChar char="•"/>
+            </a:lvl5pPr>
+            <a:lvl6pPr marL="2514600" indent="-228600">
+              <a:lnSpc>
+                <a:spcPct val="90000"/>
+              </a:lnSpc>
+              <a:spcBef>
+                <a:spcPts val="500"/>
+              </a:spcBef>
+              <a:buFont typeface="Arial" panose="020B0604020202020204" pitchFamily="34" charset="0"/>
+              <a:buChar char="•"/>
+            </a:lvl6pPr>
+            <a:lvl7pPr marL="2971800" indent="-228600">
+              <a:lnSpc>
+                <a:spcPct val="90000"/>
+              </a:lnSpc>
+              <a:spcBef>
+                <a:spcPts val="500"/>
+              </a:spcBef>
+              <a:buFont typeface="Arial" panose="020B0604020202020204" pitchFamily="34" charset="0"/>
+              <a:buChar char="•"/>
+            </a:lvl7pPr>
+            <a:lvl8pPr marL="3429000" indent="-228600">
+              <a:lnSpc>
+                <a:spcPct val="90000"/>
+              </a:lnSpc>
+              <a:spcBef>
+                <a:spcPts val="500"/>
+              </a:spcBef>
+              <a:buFont typeface="Arial" panose="020B0604020202020204" pitchFamily="34" charset="0"/>
+              <a:buChar char="•"/>
+            </a:lvl8pPr>
+            <a:lvl9pPr marL="3886200" indent="-228600">
+              <a:lnSpc>
+                <a:spcPct val="90000"/>
+              </a:lnSpc>
+              <a:spcBef>
+                <a:spcPts val="500"/>
+              </a:spcBef>
+              <a:buFont typeface="Arial" panose="020B0604020202020204" pitchFamily="34" charset="0"/>
+              <a:buChar char="•"/>
+            </a:lvl9pPr>
+          </a:lstStyle>
+          <a:p>
+            <a:r>
+              <a:rPr lang="en-US" altLang="ja-JP" dirty="0"/>
+              <a:t>AI</a:t>
+            </a:r>
+            <a:r>
+              <a:rPr lang="ja-JP" altLang="en-US" dirty="0"/>
+              <a:t>と音認の対話フローの関係や、それらからの</a:t>
+            </a:r>
+            <a:r>
+              <a:rPr lang="en-US" altLang="ja-JP" dirty="0"/>
+              <a:t>MCP</a:t>
+            </a:r>
+            <a:r>
+              <a:rPr lang="ja-JP" altLang="en-US" dirty="0"/>
+              <a:t>連携など、今後も目が離せないと思いますので、引き続き注視していきましょう。</a:t>
+            </a:r>
+            <a:endParaRPr lang="en-US" altLang="ja-JP" dirty="0"/>
+          </a:p>
+          <a:p>
+            <a:endParaRPr lang="en-US" altLang="ja-JP" dirty="0"/>
+          </a:p>
+        </p:txBody>
+      </p:sp>
     </p:spTree>
     <p:extLst>
       <p:ext uri="{BB962C8B-B14F-4D97-AF65-F5344CB8AC3E}">
-        <p14:creationId xmlns:p14="http://schemas.microsoft.com/office/powerpoint/2010/main" val="2816348142"/>
+        <p14:creationId xmlns:p14="http://schemas.microsoft.com/office/powerpoint/2010/main" val="196596734"/>
       </p:ext>
     </p:extLst>
   </p:cSld>
@@ -8473,7 +14554,7 @@
 </p:sld>
 </file>
 
-<file path=ppt/slides/slide12.xml><?xml version="1.0" encoding="utf-8"?>
+<file path=ppt/slides/slide16.xml><?xml version="1.0" encoding="utf-8"?>
 <p:sld xmlns:a="http://schemas.openxmlformats.org/drawingml/2006/main" xmlns:r="http://schemas.openxmlformats.org/officeDocument/2006/relationships" xmlns:p="http://schemas.openxmlformats.org/presentationml/2006/main">
   <p:cSld>
     <p:spTree>
@@ -9009,7 +15090,7 @@
             </a:r>
             <a:r>
               <a:rPr lang="ja-JP" altLang="en-US" sz="2400" dirty="0"/>
-              <a:t>は言語処理を超えて実世界のアプリケーションと統合可能となり、再現性や拡張性の高いシステム構築が可能になる。</a:t>
+              <a:t>は言語処理を超えて実世界のアプリケーションと統合可能となり、再現性や拡張性の高いシステム構築が可能になります。</a:t>
             </a:r>
             <a:endParaRPr lang="en-US" altLang="ja-JP" sz="2400" dirty="0"/>
           </a:p>
@@ -11132,7 +17213,7 @@
         </p:spPr>
         <p:txBody>
           <a:bodyPr vert="horz" lIns="91440" tIns="45720" rIns="91440" bIns="45720" rtlCol="0">
-            <a:normAutofit/>
+            <a:normAutofit fontScale="92500"/>
           </a:bodyPr>
           <a:lstStyle>
             <a:lvl1pPr marL="228600" indent="-228600" algn="l" defTabSz="914400" rtl="0" eaLnBrk="1" latinLnBrk="0" hangingPunct="1">
@@ -11310,235 +17391,18 @@
               <a:rPr lang="ja-JP" altLang="en-US" sz="1200" dirty="0"/>
               <a:t>温度設定</a:t>
             </a:r>
-            <a:endParaRPr lang="en-US" altLang="ja-JP" sz="1200" dirty="0"/>
-          </a:p>
-          <a:p>
-            <a:pPr algn="ctr">
-              <a:buFontTx/>
-              <a:buChar char="-"/>
-            </a:pPr>
-            <a:endParaRPr lang="en-US" altLang="ja-JP" sz="1200" dirty="0"/>
-          </a:p>
-          <a:p>
-            <a:pPr algn="ctr">
-              <a:buFontTx/>
-              <a:buChar char="-"/>
-            </a:pPr>
-            <a:endParaRPr lang="en-US" altLang="ja-JP" sz="1200" dirty="0"/>
-          </a:p>
-        </p:txBody>
-      </p:sp>
-      <p:sp>
-        <p:nvSpPr>
-          <p:cNvPr id="41" name="コンテンツ プレースホルダー 11">
-            <a:extLst>
-              <a:ext uri="{FF2B5EF4-FFF2-40B4-BE49-F238E27FC236}">
-                <a16:creationId xmlns:a16="http://schemas.microsoft.com/office/drawing/2014/main" id="{6ADA67CA-A8CB-EFFD-7A7D-73854EC1E3B2}"/>
-              </a:ext>
-            </a:extLst>
-          </p:cNvPr>
-          <p:cNvSpPr txBox="1">
-            <a:spLocks/>
-          </p:cNvSpPr>
-          <p:nvPr/>
-        </p:nvSpPr>
-        <p:spPr>
-          <a:xfrm>
-            <a:off x="6687171" y="4923518"/>
-            <a:ext cx="1367043" cy="271804"/>
-          </a:xfrm>
-          <a:prstGeom prst="rect">
-            <a:avLst/>
-          </a:prstGeom>
-        </p:spPr>
-        <p:txBody>
-          <a:bodyPr vert="horz" lIns="91440" tIns="45720" rIns="91440" bIns="45720" rtlCol="0">
-            <a:normAutofit/>
-          </a:bodyPr>
-          <a:lstStyle>
-            <a:lvl1pPr marL="228600" indent="-228600" algn="l" defTabSz="914400" rtl="0" eaLnBrk="1" latinLnBrk="0" hangingPunct="1">
-              <a:lnSpc>
-                <a:spcPct val="90000"/>
-              </a:lnSpc>
-              <a:spcBef>
-                <a:spcPts val="1000"/>
-              </a:spcBef>
-              <a:buFont typeface="Arial" panose="020B0604020202020204" pitchFamily="34" charset="0"/>
-              <a:buChar char="•"/>
-              <a:defRPr kumimoji="1" sz="2800" kern="1200">
-                <a:solidFill>
-                  <a:schemeClr val="tx1"/>
-                </a:solidFill>
-                <a:latin typeface="+mn-lt"/>
-                <a:ea typeface="+mn-ea"/>
-                <a:cs typeface="+mn-cs"/>
-              </a:defRPr>
-            </a:lvl1pPr>
-            <a:lvl2pPr marL="685800" indent="-228600" algn="l" defTabSz="914400" rtl="0" eaLnBrk="1" latinLnBrk="0" hangingPunct="1">
-              <a:lnSpc>
-                <a:spcPct val="90000"/>
-              </a:lnSpc>
-              <a:spcBef>
-                <a:spcPts val="500"/>
-              </a:spcBef>
-              <a:buFont typeface="Arial" panose="020B0604020202020204" pitchFamily="34" charset="0"/>
-              <a:buChar char="•"/>
-              <a:defRPr kumimoji="1" sz="2400" kern="1200">
-                <a:solidFill>
-                  <a:schemeClr val="tx1"/>
-                </a:solidFill>
-                <a:latin typeface="+mn-lt"/>
-                <a:ea typeface="+mn-ea"/>
-                <a:cs typeface="+mn-cs"/>
-              </a:defRPr>
-            </a:lvl2pPr>
-            <a:lvl3pPr marL="1143000" indent="-228600" algn="l" defTabSz="914400" rtl="0" eaLnBrk="1" latinLnBrk="0" hangingPunct="1">
-              <a:lnSpc>
-                <a:spcPct val="90000"/>
-              </a:lnSpc>
-              <a:spcBef>
-                <a:spcPts val="500"/>
-              </a:spcBef>
-              <a:buFont typeface="Arial" panose="020B0604020202020204" pitchFamily="34" charset="0"/>
-              <a:buChar char="•"/>
-              <a:defRPr kumimoji="1" sz="2000" kern="1200">
-                <a:solidFill>
-                  <a:schemeClr val="tx1"/>
-                </a:solidFill>
-                <a:latin typeface="+mn-lt"/>
-                <a:ea typeface="+mn-ea"/>
-                <a:cs typeface="+mn-cs"/>
-              </a:defRPr>
-            </a:lvl3pPr>
-            <a:lvl4pPr marL="1600200" indent="-228600" algn="l" defTabSz="914400" rtl="0" eaLnBrk="1" latinLnBrk="0" hangingPunct="1">
-              <a:lnSpc>
-                <a:spcPct val="90000"/>
-              </a:lnSpc>
-              <a:spcBef>
-                <a:spcPts val="500"/>
-              </a:spcBef>
-              <a:buFont typeface="Arial" panose="020B0604020202020204" pitchFamily="34" charset="0"/>
-              <a:buChar char="•"/>
-              <a:defRPr kumimoji="1" sz="1800" kern="1200">
-                <a:solidFill>
-                  <a:schemeClr val="tx1"/>
-                </a:solidFill>
-                <a:latin typeface="+mn-lt"/>
-                <a:ea typeface="+mn-ea"/>
-                <a:cs typeface="+mn-cs"/>
-              </a:defRPr>
-            </a:lvl4pPr>
-            <a:lvl5pPr marL="2057400" indent="-228600" algn="l" defTabSz="914400" rtl="0" eaLnBrk="1" latinLnBrk="0" hangingPunct="1">
-              <a:lnSpc>
-                <a:spcPct val="90000"/>
-              </a:lnSpc>
-              <a:spcBef>
-                <a:spcPts val="500"/>
-              </a:spcBef>
-              <a:buFont typeface="Arial" panose="020B0604020202020204" pitchFamily="34" charset="0"/>
-              <a:buChar char="•"/>
-              <a:defRPr kumimoji="1" sz="1800" kern="1200">
-                <a:solidFill>
-                  <a:schemeClr val="tx1"/>
-                </a:solidFill>
-                <a:latin typeface="+mn-lt"/>
-                <a:ea typeface="+mn-ea"/>
-                <a:cs typeface="+mn-cs"/>
-              </a:defRPr>
-            </a:lvl5pPr>
-            <a:lvl6pPr marL="2514600" indent="-228600" algn="l" defTabSz="914400" rtl="0" eaLnBrk="1" latinLnBrk="0" hangingPunct="1">
-              <a:lnSpc>
-                <a:spcPct val="90000"/>
-              </a:lnSpc>
-              <a:spcBef>
-                <a:spcPts val="500"/>
-              </a:spcBef>
-              <a:buFont typeface="Arial" panose="020B0604020202020204" pitchFamily="34" charset="0"/>
-              <a:buChar char="•"/>
-              <a:defRPr kumimoji="1" sz="1800" kern="1200">
-                <a:solidFill>
-                  <a:schemeClr val="tx1"/>
-                </a:solidFill>
-                <a:latin typeface="+mn-lt"/>
-                <a:ea typeface="+mn-ea"/>
-                <a:cs typeface="+mn-cs"/>
-              </a:defRPr>
-            </a:lvl6pPr>
-            <a:lvl7pPr marL="2971800" indent="-228600" algn="l" defTabSz="914400" rtl="0" eaLnBrk="1" latinLnBrk="0" hangingPunct="1">
-              <a:lnSpc>
-                <a:spcPct val="90000"/>
-              </a:lnSpc>
-              <a:spcBef>
-                <a:spcPts val="500"/>
-              </a:spcBef>
-              <a:buFont typeface="Arial" panose="020B0604020202020204" pitchFamily="34" charset="0"/>
-              <a:buChar char="•"/>
-              <a:defRPr kumimoji="1" sz="1800" kern="1200">
-                <a:solidFill>
-                  <a:schemeClr val="tx1"/>
-                </a:solidFill>
-                <a:latin typeface="+mn-lt"/>
-                <a:ea typeface="+mn-ea"/>
-                <a:cs typeface="+mn-cs"/>
-              </a:defRPr>
-            </a:lvl7pPr>
-            <a:lvl8pPr marL="3429000" indent="-228600" algn="l" defTabSz="914400" rtl="0" eaLnBrk="1" latinLnBrk="0" hangingPunct="1">
-              <a:lnSpc>
-                <a:spcPct val="90000"/>
-              </a:lnSpc>
-              <a:spcBef>
-                <a:spcPts val="500"/>
-              </a:spcBef>
-              <a:buFont typeface="Arial" panose="020B0604020202020204" pitchFamily="34" charset="0"/>
-              <a:buChar char="•"/>
-              <a:defRPr kumimoji="1" sz="1800" kern="1200">
-                <a:solidFill>
-                  <a:schemeClr val="tx1"/>
-                </a:solidFill>
-                <a:latin typeface="+mn-lt"/>
-                <a:ea typeface="+mn-ea"/>
-                <a:cs typeface="+mn-cs"/>
-              </a:defRPr>
-            </a:lvl8pPr>
-            <a:lvl9pPr marL="3886200" indent="-228600" algn="l" defTabSz="914400" rtl="0" eaLnBrk="1" latinLnBrk="0" hangingPunct="1">
-              <a:lnSpc>
-                <a:spcPct val="90000"/>
-              </a:lnSpc>
-              <a:spcBef>
-                <a:spcPts val="500"/>
-              </a:spcBef>
-              <a:buFont typeface="Arial" panose="020B0604020202020204" pitchFamily="34" charset="0"/>
-              <a:buChar char="•"/>
-              <a:defRPr kumimoji="1" sz="1800" kern="1200">
-                <a:solidFill>
-                  <a:schemeClr val="tx1"/>
-                </a:solidFill>
-                <a:latin typeface="+mn-lt"/>
-                <a:ea typeface="+mn-ea"/>
-                <a:cs typeface="+mn-cs"/>
-              </a:defRPr>
-            </a:lvl9pPr>
-          </a:lstStyle>
-          <a:p>
-            <a:pPr marL="0" indent="0" algn="ctr">
-              <a:buNone/>
-            </a:pPr>
             <a:r>
               <a:rPr lang="en-US" altLang="ja-JP" sz="1200" dirty="0"/>
-              <a:t>20</a:t>
+              <a:t>(20</a:t>
             </a:r>
             <a:r>
               <a:rPr lang="ja-JP" altLang="en-US" sz="1200" dirty="0"/>
               <a:t>度</a:t>
             </a:r>
-            <a:endParaRPr lang="en-US" altLang="ja-JP" sz="1200" dirty="0"/>
-          </a:p>
-          <a:p>
-            <a:pPr algn="ctr">
-              <a:buFontTx/>
-              <a:buChar char="-"/>
-            </a:pPr>
-            <a:endParaRPr lang="en-US" altLang="ja-JP" sz="1200" dirty="0"/>
+            <a:r>
+              <a:rPr lang="en-US" altLang="ja-JP" sz="1200" dirty="0"/>
+              <a:t>)</a:t>
+            </a:r>
           </a:p>
         </p:txBody>
       </p:sp>
@@ -12289,6 +18153,88 @@
           </a:p>
         </p:txBody>
       </p:sp>
+      <p:cxnSp>
+        <p:nvCxnSpPr>
+          <p:cNvPr id="5" name="直線矢印コネクタ 4">
+            <a:extLst>
+              <a:ext uri="{FF2B5EF4-FFF2-40B4-BE49-F238E27FC236}">
+                <a16:creationId xmlns:a16="http://schemas.microsoft.com/office/drawing/2014/main" id="{140130F5-3E83-E364-C30E-4E08696226B9}"/>
+              </a:ext>
+            </a:extLst>
+          </p:cNvPr>
+          <p:cNvCxnSpPr>
+            <a:cxnSpLocks/>
+          </p:cNvCxnSpPr>
+          <p:nvPr/>
+        </p:nvCxnSpPr>
+        <p:spPr>
+          <a:xfrm>
+            <a:off x="6415294" y="5629197"/>
+            <a:ext cx="1844123" cy="0"/>
+          </a:xfrm>
+          <a:prstGeom prst="straightConnector1">
+            <a:avLst/>
+          </a:prstGeom>
+          <a:ln>
+            <a:tailEnd type="triangle"/>
+          </a:ln>
+        </p:spPr>
+        <p:style>
+          <a:lnRef idx="2">
+            <a:schemeClr val="accent4"/>
+          </a:lnRef>
+          <a:fillRef idx="0">
+            <a:schemeClr val="accent4"/>
+          </a:fillRef>
+          <a:effectRef idx="1">
+            <a:schemeClr val="accent4"/>
+          </a:effectRef>
+          <a:fontRef idx="minor">
+            <a:schemeClr val="tx1"/>
+          </a:fontRef>
+        </p:style>
+      </p:cxnSp>
+      <p:cxnSp>
+        <p:nvCxnSpPr>
+          <p:cNvPr id="10" name="直線矢印コネクタ 9">
+            <a:extLst>
+              <a:ext uri="{FF2B5EF4-FFF2-40B4-BE49-F238E27FC236}">
+                <a16:creationId xmlns:a16="http://schemas.microsoft.com/office/drawing/2014/main" id="{C4F1097F-49CF-9671-240B-AFA89D1C014B}"/>
+              </a:ext>
+            </a:extLst>
+          </p:cNvPr>
+          <p:cNvCxnSpPr>
+            <a:cxnSpLocks/>
+          </p:cNvCxnSpPr>
+          <p:nvPr/>
+        </p:nvCxnSpPr>
+        <p:spPr>
+          <a:xfrm flipH="1">
+            <a:off x="6492737" y="5748668"/>
+            <a:ext cx="1692549" cy="0"/>
+          </a:xfrm>
+          <a:prstGeom prst="straightConnector1">
+            <a:avLst/>
+          </a:prstGeom>
+          <a:ln>
+            <a:tailEnd type="triangle"/>
+          </a:ln>
+        </p:spPr>
+        <p:style>
+          <a:lnRef idx="2">
+            <a:schemeClr val="accent4"/>
+          </a:lnRef>
+          <a:fillRef idx="0">
+            <a:schemeClr val="accent4"/>
+          </a:fillRef>
+          <a:effectRef idx="1">
+            <a:schemeClr val="accent4"/>
+          </a:effectRef>
+          <a:fontRef idx="minor">
+            <a:schemeClr val="tx1"/>
+          </a:fontRef>
+        </p:style>
+      </p:cxnSp>
     </p:spTree>
     <p:extLst>
       <p:ext uri="{BB962C8B-B14F-4D97-AF65-F5344CB8AC3E}">
@@ -13002,7 +18948,7 @@
         </p:nvSpPr>
         <p:spPr>
           <a:xfrm>
-            <a:off x="3902351" y="4118806"/>
+            <a:off x="3902351" y="3080581"/>
             <a:ext cx="1693380" cy="515818"/>
           </a:xfrm>
           <a:prstGeom prst="rect">
@@ -13052,7 +18998,7 @@
         </p:nvSpPr>
         <p:spPr>
           <a:xfrm>
-            <a:off x="3902351" y="4660450"/>
+            <a:off x="3902351" y="3622225"/>
             <a:ext cx="4694997" cy="515818"/>
           </a:xfrm>
           <a:prstGeom prst="rect">
@@ -13086,11 +19032,15 @@
             </a:r>
             <a:r>
               <a:rPr lang="ja-JP" altLang="en-US" dirty="0"/>
-              <a:t>  もしくは  </a:t>
+              <a:t>  もしくは </a:t>
+            </a:r>
+            <a:r>
+              <a:rPr lang="en-US" altLang="ja-JP" dirty="0" err="1"/>
+              <a:t>Streamable</a:t>
             </a:r>
             <a:r>
               <a:rPr lang="en-US" altLang="ja-JP" dirty="0"/>
-              <a:t>HTTPS(+SSE)</a:t>
+              <a:t> HTTP</a:t>
             </a:r>
             <a:endParaRPr kumimoji="1" lang="ja-JP" altLang="en-US" dirty="0"/>
           </a:p>
@@ -13110,7 +19060,7 @@
         </p:nvSpPr>
         <p:spPr>
           <a:xfrm>
-            <a:off x="3902351" y="3018547"/>
+            <a:off x="3902351" y="1980322"/>
             <a:ext cx="1693380" cy="515818"/>
           </a:xfrm>
           <a:prstGeom prst="rect">
@@ -13166,7 +19116,7 @@
         </p:nvSpPr>
         <p:spPr>
           <a:xfrm>
-            <a:off x="3902351" y="3562787"/>
+            <a:off x="3902351" y="2524562"/>
             <a:ext cx="1693380" cy="515818"/>
           </a:xfrm>
           <a:prstGeom prst="rect">
@@ -13235,7 +19185,7 @@
         </p:nvSpPr>
         <p:spPr>
           <a:xfrm>
-            <a:off x="3468757" y="3638779"/>
+            <a:off x="3468757" y="2600554"/>
             <a:ext cx="318052" cy="995845"/>
           </a:xfrm>
           <a:prstGeom prst="leftBrace">
@@ -13279,8 +19229,8 @@
         </p:nvSpPr>
         <p:spPr>
           <a:xfrm>
-            <a:off x="2247484" y="4688285"/>
-            <a:ext cx="1242392" cy="646331"/>
+            <a:off x="1470579" y="3695468"/>
+            <a:ext cx="2099225" cy="369332"/>
           </a:xfrm>
           <a:prstGeom prst="rect">
             <a:avLst/>
@@ -13315,7 +19265,7 @@
         </p:nvSpPr>
         <p:spPr>
           <a:xfrm>
-            <a:off x="3468757" y="4678347"/>
+            <a:off x="3468757" y="3640122"/>
             <a:ext cx="318052" cy="497922"/>
           </a:xfrm>
           <a:prstGeom prst="leftBrace">
@@ -13359,7 +19309,7 @@
         </p:nvSpPr>
         <p:spPr>
           <a:xfrm>
-            <a:off x="6895685" y="4118806"/>
+            <a:off x="6895685" y="3080581"/>
             <a:ext cx="1693380" cy="515818"/>
           </a:xfrm>
           <a:prstGeom prst="rect">
@@ -13409,7 +19359,7 @@
         </p:nvSpPr>
         <p:spPr>
           <a:xfrm>
-            <a:off x="6895685" y="3018547"/>
+            <a:off x="6895685" y="1980322"/>
             <a:ext cx="1693380" cy="515818"/>
           </a:xfrm>
           <a:prstGeom prst="rect">
@@ -13466,7 +19416,7 @@
         </p:nvSpPr>
         <p:spPr>
           <a:xfrm>
-            <a:off x="6895685" y="3562787"/>
+            <a:off x="6895685" y="2524562"/>
             <a:ext cx="1693380" cy="515818"/>
           </a:xfrm>
           <a:prstGeom prst="rect">
@@ -13531,8 +19481,8 @@
         </p:nvSpPr>
         <p:spPr>
           <a:xfrm>
-            <a:off x="2247484" y="3813535"/>
-            <a:ext cx="1242392" cy="646331"/>
+            <a:off x="1976229" y="2924700"/>
+            <a:ext cx="1784901" cy="369332"/>
           </a:xfrm>
           <a:prstGeom prst="rect">
             <a:avLst/>
@@ -13547,16 +19497,9 @@
           <a:p>
             <a:r>
               <a:rPr lang="ja-JP" altLang="en-US" dirty="0"/>
-              <a:t>データ</a:t>
+              <a:t>プロトコル層</a:t>
             </a:r>
             <a:endParaRPr lang="en-US" altLang="ja-JP" dirty="0"/>
-          </a:p>
-          <a:p>
-            <a:r>
-              <a:rPr lang="ja-JP" altLang="en-US" dirty="0"/>
-              <a:t>階層</a:t>
-            </a:r>
-            <a:endParaRPr kumimoji="1" lang="ja-JP" altLang="en-US" dirty="0"/>
           </a:p>
         </p:txBody>
       </p:sp>
@@ -13578,7 +19521,7 @@
         </p:nvSpPr>
         <p:spPr>
           <a:xfrm>
-            <a:off x="838200" y="1825625"/>
+            <a:off x="838200" y="1148542"/>
             <a:ext cx="10515600" cy="696147"/>
           </a:xfrm>
         </p:spPr>
@@ -13613,7 +19556,7 @@
         </p:nvCxnSpPr>
         <p:spPr>
           <a:xfrm>
-            <a:off x="6301409" y="2872409"/>
+            <a:off x="6301409" y="1834184"/>
             <a:ext cx="0" cy="2462207"/>
           </a:xfrm>
           <a:prstGeom prst="line">
@@ -13640,51 +19583,242 @@
       </p:cxnSp>
       <p:sp>
         <p:nvSpPr>
-          <p:cNvPr id="23" name="テキスト ボックス 22">
+          <p:cNvPr id="3" name="コンテンツ プレースホルダー 17">
             <a:extLst>
               <a:ext uri="{FF2B5EF4-FFF2-40B4-BE49-F238E27FC236}">
-                <a16:creationId xmlns:a16="http://schemas.microsoft.com/office/drawing/2014/main" id="{9BD43C4C-D6BE-0AC2-F46C-A5388623B59F}"/>
+                <a16:creationId xmlns:a16="http://schemas.microsoft.com/office/drawing/2014/main" id="{04D10078-AA2D-236C-6C31-7EC520AABB24}"/>
               </a:ext>
             </a:extLst>
           </p:cNvPr>
-          <p:cNvSpPr txBox="1"/>
+          <p:cNvSpPr txBox="1">
+            <a:spLocks/>
+          </p:cNvSpPr>
           <p:nvPr/>
         </p:nvSpPr>
         <p:spPr>
           <a:xfrm>
-            <a:off x="5338971" y="5312719"/>
-            <a:ext cx="2602394" cy="923330"/>
+            <a:off x="838200" y="4796737"/>
+            <a:ext cx="10515600" cy="696147"/>
           </a:xfrm>
           <a:prstGeom prst="rect">
             <a:avLst/>
           </a:prstGeom>
-          <a:noFill/>
         </p:spPr>
         <p:txBody>
-          <a:bodyPr wrap="square" rtlCol="0">
-            <a:spAutoFit/>
+          <a:bodyPr vert="horz" lIns="91440" tIns="45720" rIns="91440" bIns="45720" rtlCol="0">
+            <a:normAutofit fontScale="92500" lnSpcReduction="20000"/>
           </a:bodyPr>
-          <a:lstStyle/>
-          <a:p>
+          <a:lstStyle>
+            <a:lvl1pPr marL="228600" indent="-228600" algn="l" defTabSz="914400" rtl="0" eaLnBrk="1" latinLnBrk="0" hangingPunct="1">
+              <a:lnSpc>
+                <a:spcPct val="90000"/>
+              </a:lnSpc>
+              <a:spcBef>
+                <a:spcPts val="1000"/>
+              </a:spcBef>
+              <a:buFont typeface="Arial" panose="020B0604020202020204" pitchFamily="34" charset="0"/>
+              <a:buChar char="•"/>
+              <a:defRPr kumimoji="1" sz="2800" kern="1200">
+                <a:solidFill>
+                  <a:schemeClr val="tx1"/>
+                </a:solidFill>
+                <a:latin typeface="+mn-lt"/>
+                <a:ea typeface="+mn-ea"/>
+                <a:cs typeface="+mn-cs"/>
+              </a:defRPr>
+            </a:lvl1pPr>
+            <a:lvl2pPr marL="685800" indent="-228600" algn="l" defTabSz="914400" rtl="0" eaLnBrk="1" latinLnBrk="0" hangingPunct="1">
+              <a:lnSpc>
+                <a:spcPct val="90000"/>
+              </a:lnSpc>
+              <a:spcBef>
+                <a:spcPts val="500"/>
+              </a:spcBef>
+              <a:buFont typeface="Arial" panose="020B0604020202020204" pitchFamily="34" charset="0"/>
+              <a:buChar char="•"/>
+              <a:defRPr kumimoji="1" sz="2400" kern="1200">
+                <a:solidFill>
+                  <a:schemeClr val="tx1"/>
+                </a:solidFill>
+                <a:latin typeface="+mn-lt"/>
+                <a:ea typeface="+mn-ea"/>
+                <a:cs typeface="+mn-cs"/>
+              </a:defRPr>
+            </a:lvl2pPr>
+            <a:lvl3pPr marL="1143000" indent="-228600" algn="l" defTabSz="914400" rtl="0" eaLnBrk="1" latinLnBrk="0" hangingPunct="1">
+              <a:lnSpc>
+                <a:spcPct val="90000"/>
+              </a:lnSpc>
+              <a:spcBef>
+                <a:spcPts val="500"/>
+              </a:spcBef>
+              <a:buFont typeface="Arial" panose="020B0604020202020204" pitchFamily="34" charset="0"/>
+              <a:buChar char="•"/>
+              <a:defRPr kumimoji="1" sz="2000" kern="1200">
+                <a:solidFill>
+                  <a:schemeClr val="tx1"/>
+                </a:solidFill>
+                <a:latin typeface="+mn-lt"/>
+                <a:ea typeface="+mn-ea"/>
+                <a:cs typeface="+mn-cs"/>
+              </a:defRPr>
+            </a:lvl3pPr>
+            <a:lvl4pPr marL="1600200" indent="-228600" algn="l" defTabSz="914400" rtl="0" eaLnBrk="1" latinLnBrk="0" hangingPunct="1">
+              <a:lnSpc>
+                <a:spcPct val="90000"/>
+              </a:lnSpc>
+              <a:spcBef>
+                <a:spcPts val="500"/>
+              </a:spcBef>
+              <a:buFont typeface="Arial" panose="020B0604020202020204" pitchFamily="34" charset="0"/>
+              <a:buChar char="•"/>
+              <a:defRPr kumimoji="1" sz="1800" kern="1200">
+                <a:solidFill>
+                  <a:schemeClr val="tx1"/>
+                </a:solidFill>
+                <a:latin typeface="+mn-lt"/>
+                <a:ea typeface="+mn-ea"/>
+                <a:cs typeface="+mn-cs"/>
+              </a:defRPr>
+            </a:lvl4pPr>
+            <a:lvl5pPr marL="2057400" indent="-228600" algn="l" defTabSz="914400" rtl="0" eaLnBrk="1" latinLnBrk="0" hangingPunct="1">
+              <a:lnSpc>
+                <a:spcPct val="90000"/>
+              </a:lnSpc>
+              <a:spcBef>
+                <a:spcPts val="500"/>
+              </a:spcBef>
+              <a:buFont typeface="Arial" panose="020B0604020202020204" pitchFamily="34" charset="0"/>
+              <a:buChar char="•"/>
+              <a:defRPr kumimoji="1" sz="1800" kern="1200">
+                <a:solidFill>
+                  <a:schemeClr val="tx1"/>
+                </a:solidFill>
+                <a:latin typeface="+mn-lt"/>
+                <a:ea typeface="+mn-ea"/>
+                <a:cs typeface="+mn-cs"/>
+              </a:defRPr>
+            </a:lvl5pPr>
+            <a:lvl6pPr marL="2514600" indent="-228600" algn="l" defTabSz="914400" rtl="0" eaLnBrk="1" latinLnBrk="0" hangingPunct="1">
+              <a:lnSpc>
+                <a:spcPct val="90000"/>
+              </a:lnSpc>
+              <a:spcBef>
+                <a:spcPts val="500"/>
+              </a:spcBef>
+              <a:buFont typeface="Arial" panose="020B0604020202020204" pitchFamily="34" charset="0"/>
+              <a:buChar char="•"/>
+              <a:defRPr kumimoji="1" sz="1800" kern="1200">
+                <a:solidFill>
+                  <a:schemeClr val="tx1"/>
+                </a:solidFill>
+                <a:latin typeface="+mn-lt"/>
+                <a:ea typeface="+mn-ea"/>
+                <a:cs typeface="+mn-cs"/>
+              </a:defRPr>
+            </a:lvl6pPr>
+            <a:lvl7pPr marL="2971800" indent="-228600" algn="l" defTabSz="914400" rtl="0" eaLnBrk="1" latinLnBrk="0" hangingPunct="1">
+              <a:lnSpc>
+                <a:spcPct val="90000"/>
+              </a:lnSpc>
+              <a:spcBef>
+                <a:spcPts val="500"/>
+              </a:spcBef>
+              <a:buFont typeface="Arial" panose="020B0604020202020204" pitchFamily="34" charset="0"/>
+              <a:buChar char="•"/>
+              <a:defRPr kumimoji="1" sz="1800" kern="1200">
+                <a:solidFill>
+                  <a:schemeClr val="tx1"/>
+                </a:solidFill>
+                <a:latin typeface="+mn-lt"/>
+                <a:ea typeface="+mn-ea"/>
+                <a:cs typeface="+mn-cs"/>
+              </a:defRPr>
+            </a:lvl7pPr>
+            <a:lvl8pPr marL="3429000" indent="-228600" algn="l" defTabSz="914400" rtl="0" eaLnBrk="1" latinLnBrk="0" hangingPunct="1">
+              <a:lnSpc>
+                <a:spcPct val="90000"/>
+              </a:lnSpc>
+              <a:spcBef>
+                <a:spcPts val="500"/>
+              </a:spcBef>
+              <a:buFont typeface="Arial" panose="020B0604020202020204" pitchFamily="34" charset="0"/>
+              <a:buChar char="•"/>
+              <a:defRPr kumimoji="1" sz="1800" kern="1200">
+                <a:solidFill>
+                  <a:schemeClr val="tx1"/>
+                </a:solidFill>
+                <a:latin typeface="+mn-lt"/>
+                <a:ea typeface="+mn-ea"/>
+                <a:cs typeface="+mn-cs"/>
+              </a:defRPr>
+            </a:lvl8pPr>
+            <a:lvl9pPr marL="3886200" indent="-228600" algn="l" defTabSz="914400" rtl="0" eaLnBrk="1" latinLnBrk="0" hangingPunct="1">
+              <a:lnSpc>
+                <a:spcPct val="90000"/>
+              </a:lnSpc>
+              <a:spcBef>
+                <a:spcPts val="500"/>
+              </a:spcBef>
+              <a:buFont typeface="Arial" panose="020B0604020202020204" pitchFamily="34" charset="0"/>
+              <a:buChar char="•"/>
+              <a:defRPr kumimoji="1" sz="1800" kern="1200">
+                <a:solidFill>
+                  <a:schemeClr val="tx1"/>
+                </a:solidFill>
+                <a:latin typeface="+mn-lt"/>
+                <a:ea typeface="+mn-ea"/>
+                <a:cs typeface="+mn-cs"/>
+              </a:defRPr>
+            </a:lvl9pPr>
+          </a:lstStyle>
+          <a:p>
+            <a:r>
+              <a:rPr lang="en-US" altLang="ja-JP" dirty="0"/>
+              <a:t>MCP</a:t>
+            </a:r>
             <a:r>
               <a:rPr lang="ja-JP" altLang="en-US" dirty="0"/>
-              <a:t>プロセスの境界</a:t>
+              <a:t>の具体的なシーケンスについて下記ページを参考に説明します。</a:t>
             </a:r>
             <a:endParaRPr lang="en-US" altLang="ja-JP" dirty="0"/>
           </a:p>
           <a:p>
-            <a:r>
-              <a:rPr lang="ja-JP" altLang="en-US" dirty="0"/>
-              <a:t>もしくは</a:t>
+            <a:pPr lvl="1"/>
+            <a:r>
+              <a:rPr lang="en-US" altLang="ja-JP" dirty="0">
+                <a:hlinkClick r:id="rId2"/>
+              </a:rPr>
+              <a:t>MCP </a:t>
+            </a:r>
+            <a:r>
+              <a:rPr lang="ja-JP" altLang="en-US" dirty="0">
+                <a:hlinkClick r:id="rId2"/>
+              </a:rPr>
+              <a:t>のコンセプト </a:t>
+            </a:r>
+            <a:r>
+              <a:rPr lang="en-US" altLang="ja-JP" dirty="0">
+                <a:hlinkClick r:id="rId2"/>
+              </a:rPr>
+              <a:t>(1) - </a:t>
+            </a:r>
+            <a:r>
+              <a:rPr lang="ja-JP" altLang="en-US" dirty="0">
+                <a:hlinkClick r:id="rId2"/>
+              </a:rPr>
+              <a:t>コアアーキテクチャ｜</a:t>
+            </a:r>
+            <a:r>
+              <a:rPr lang="en-US" altLang="ja-JP" dirty="0" err="1">
+                <a:hlinkClick r:id="rId2"/>
+              </a:rPr>
+              <a:t>npaka</a:t>
             </a:r>
             <a:endParaRPr lang="en-US" altLang="ja-JP" dirty="0"/>
           </a:p>
           <a:p>
-            <a:r>
-              <a:rPr lang="ja-JP" altLang="en-US" dirty="0"/>
-              <a:t>ネットワークの境界</a:t>
-            </a:r>
-            <a:endParaRPr kumimoji="1" lang="ja-JP" altLang="en-US" dirty="0"/>
+            <a:endParaRPr lang="ja-JP" altLang="en-US" dirty="0"/>
           </a:p>
         </p:txBody>
       </p:sp>
@@ -13904,14 +20038,14 @@
           <p:nvPr>
             <p:extLst>
               <p:ext uri="{D42A27DB-BD31-4B8C-83A1-F6EECF244321}">
-                <p14:modId xmlns:p14="http://schemas.microsoft.com/office/powerpoint/2010/main" val="4150991128"/>
+                <p14:modId xmlns:p14="http://schemas.microsoft.com/office/powerpoint/2010/main" val="4012844747"/>
               </p:ext>
             </p:extLst>
           </p:nvPr>
         </p:nvGraphicFramePr>
         <p:xfrm>
-          <a:off x="791818" y="2271288"/>
-          <a:ext cx="10561982" cy="2652791"/>
+          <a:off x="495301" y="2271288"/>
+          <a:ext cx="11077575" cy="2378471"/>
         </p:xfrm>
         <a:graphic>
           <a:graphicData uri="http://schemas.openxmlformats.org/drawingml/2006/table">
@@ -13920,21 +20054,21 @@
                 <a:tableStyleId>{21E4AEA4-8DFA-4A89-87EB-49C32662AFE0}</a:tableStyleId>
               </a:tblPr>
               <a:tblGrid>
-                <a:gridCol w="1447800">
+                <a:gridCol w="1518476">
                   <a:extLst>
                     <a:ext uri="{9D8B030D-6E8A-4147-A177-3AD203B41FA5}">
                       <a16:colId xmlns:a16="http://schemas.microsoft.com/office/drawing/2014/main" val="1448423840"/>
                     </a:ext>
                   </a:extLst>
                 </a:gridCol>
-                <a:gridCol w="4469295">
+                <a:gridCol w="4687467">
                   <a:extLst>
                     <a:ext uri="{9D8B030D-6E8A-4147-A177-3AD203B41FA5}">
                       <a16:colId xmlns:a16="http://schemas.microsoft.com/office/drawing/2014/main" val="3364857478"/>
                     </a:ext>
                   </a:extLst>
                 </a:gridCol>
-                <a:gridCol w="4644887">
+                <a:gridCol w="4871632">
                   <a:extLst>
                     <a:ext uri="{9D8B030D-6E8A-4147-A177-3AD203B41FA5}">
                       <a16:colId xmlns:a16="http://schemas.microsoft.com/office/drawing/2014/main" val="3331279691"/>
@@ -13948,7 +20082,10 @@
                     <a:bodyPr/>
                     <a:lstStyle/>
                     <a:p>
-                      <a:endParaRPr kumimoji="1" lang="ja-JP" altLang="en-US" dirty="0"/>
+                      <a:r>
+                        <a:rPr kumimoji="1" lang="ja-JP" altLang="en-US" dirty="0"/>
+                        <a:t>機能種別</a:t>
+                      </a:r>
                     </a:p>
                   </a:txBody>
                   <a:tcPr/>
@@ -14065,7 +20202,7 @@
                           <a:ea typeface="+mn-ea"/>
                           <a:cs typeface="+mn-cs"/>
                         </a:rPr>
-                        <a:t>エアコン温度設定、カレンダー予約</a:t>
+                        <a:t>エアコン温度設定実行、カレンダー予約実行</a:t>
                       </a:r>
                     </a:p>
                   </a:txBody>
@@ -14241,7 +20378,7 @@
                           <a:ea typeface="+mn-ea"/>
                           <a:cs typeface="+mn-cs"/>
                         </a:rPr>
-                        <a:t>特定のツールやリソースを操作するようにモデルに指示する事前構築された命令テンプレート機能</a:t>
+                        <a:t>特定のツールやリソースを操作するように、モデルのふるまいを誘導するためのテンプレートや指示を提供する機能</a:t>
                       </a:r>
                       <a:endParaRPr kumimoji="1" lang="ja-JP" altLang="en-US" sz="1800" kern="1200" dirty="0">
                         <a:solidFill>
@@ -14271,7 +20408,7 @@
                           <a:ea typeface="+mn-ea"/>
                           <a:cs typeface="+mn-cs"/>
                         </a:rPr>
-                        <a:t>エアコンの温度を環境状態に基づいて設定するテンプレート</a:t>
+                        <a:t>休暇を計画してカレンダーへ登録するための一連のプロンプトのテンプレート</a:t>
                       </a:r>
                       <a:endParaRPr kumimoji="1" lang="en-US" altLang="ja-JP" sz="1800" b="0" i="0" kern="1200" dirty="0">
                         <a:solidFill>
@@ -14295,7 +20432,7 @@
                           <a:ea typeface="+mn-ea"/>
                           <a:cs typeface="+mn-cs"/>
                         </a:rPr>
-                        <a:t>休暇を計画する 会議を要約する メールの下書きを作成するテンプレート</a:t>
+                        <a:t>メールの下書きを作成するテンプレート</a:t>
                       </a:r>
                       <a:endParaRPr kumimoji="1" lang="ja-JP" altLang="en-US" sz="1800" kern="1200" dirty="0">
                         <a:solidFill>
@@ -15883,8 +22020,8 @@
         </p:nvSpPr>
         <p:spPr>
           <a:xfrm>
-            <a:off x="2013189" y="3673287"/>
-            <a:ext cx="1716157" cy="472110"/>
+            <a:off x="1557124" y="3757459"/>
+            <a:ext cx="2125735" cy="472110"/>
           </a:xfrm>
           <a:prstGeom prst="rect">
             <a:avLst/>
@@ -15892,7 +22029,7 @@
         </p:spPr>
         <p:txBody>
           <a:bodyPr vert="horz" lIns="91440" tIns="45720" rIns="91440" bIns="45720" rtlCol="0">
-            <a:normAutofit fontScale="92500"/>
+            <a:normAutofit/>
           </a:bodyPr>
           <a:lstStyle>
             <a:lvl1pPr marL="228600" indent="-228600" algn="l" defTabSz="914400" rtl="0" eaLnBrk="1" latinLnBrk="0" hangingPunct="1">
@@ -16077,7 +22214,7 @@
             </a:r>
             <a:r>
               <a:rPr lang="ja-JP" altLang="en-US" sz="1200" dirty="0"/>
-              <a:t>」に含まれる「</a:t>
+              <a:t>」には「</a:t>
             </a:r>
             <a:r>
               <a:rPr lang="en-US" altLang="ja-JP" sz="1200" dirty="0"/>
@@ -16085,7 +22222,7 @@
             </a:r>
             <a:r>
               <a:rPr lang="ja-JP" altLang="en-US" sz="1200" dirty="0"/>
-              <a:t>」の数は</a:t>
+              <a:t>」が</a:t>
             </a:r>
             <a:r>
               <a:rPr lang="en-US" altLang="ja-JP" sz="1200" dirty="0"/>
@@ -16093,7 +22230,7 @@
             </a:r>
             <a:r>
               <a:rPr lang="ja-JP" altLang="en-US" sz="1200" dirty="0"/>
-              <a:t>つです</a:t>
+              <a:t>回含まれています</a:t>
             </a:r>
             <a:endParaRPr lang="en-US" altLang="ja-JP" sz="1200" dirty="0"/>
           </a:p>
@@ -16491,8 +22628,8 @@
         </p:blipFill>
         <p:spPr>
           <a:xfrm>
-            <a:off x="2911487" y="5255045"/>
-            <a:ext cx="4142662" cy="1082505"/>
+            <a:off x="2848492" y="5218773"/>
+            <a:ext cx="3644244" cy="952265"/>
           </a:xfrm>
           <a:prstGeom prst="rect">
             <a:avLst/>
@@ -16737,14 +22874,504 @@
         </p:blipFill>
         <p:spPr>
           <a:xfrm>
-            <a:off x="8811657" y="4625114"/>
-            <a:ext cx="2667947" cy="1981587"/>
+            <a:off x="8874471" y="4341420"/>
+            <a:ext cx="3030468" cy="2250845"/>
           </a:xfrm>
           <a:prstGeom prst="rect">
             <a:avLst/>
           </a:prstGeom>
         </p:spPr>
       </p:pic>
+      <p:pic>
+        <p:nvPicPr>
+          <p:cNvPr id="17" name="図 16">
+            <a:extLst>
+              <a:ext uri="{FF2B5EF4-FFF2-40B4-BE49-F238E27FC236}">
+                <a16:creationId xmlns:a16="http://schemas.microsoft.com/office/drawing/2014/main" id="{35CDE148-D402-C747-E415-1CD1D642FD24}"/>
+              </a:ext>
+            </a:extLst>
+          </p:cNvPr>
+          <p:cNvPicPr>
+            <a:picLocks noChangeAspect="1"/>
+          </p:cNvPicPr>
+          <p:nvPr/>
+        </p:nvPicPr>
+        <p:blipFill>
+          <a:blip r:embed="rId7"/>
+          <a:stretch>
+            <a:fillRect/>
+          </a:stretch>
+        </p:blipFill>
+        <p:spPr>
+          <a:xfrm>
+            <a:off x="5036496" y="4832792"/>
+            <a:ext cx="3668234" cy="1753595"/>
+          </a:xfrm>
+          <a:prstGeom prst="rect">
+            <a:avLst/>
+          </a:prstGeom>
+          <a:ln>
+            <a:solidFill>
+              <a:schemeClr val="tx1"/>
+            </a:solidFill>
+          </a:ln>
+        </p:spPr>
+      </p:pic>
+      <p:sp>
+        <p:nvSpPr>
+          <p:cNvPr id="18" name="コンテンツ プレースホルダー 11">
+            <a:extLst>
+              <a:ext uri="{FF2B5EF4-FFF2-40B4-BE49-F238E27FC236}">
+                <a16:creationId xmlns:a16="http://schemas.microsoft.com/office/drawing/2014/main" id="{7E439FB4-A484-B4E7-448F-4AABBC4344B2}"/>
+              </a:ext>
+            </a:extLst>
+          </p:cNvPr>
+          <p:cNvSpPr txBox="1">
+            <a:spLocks/>
+          </p:cNvSpPr>
+          <p:nvPr/>
+        </p:nvSpPr>
+        <p:spPr>
+          <a:xfrm>
+            <a:off x="4252909" y="4613493"/>
+            <a:ext cx="3086101" cy="472110"/>
+          </a:xfrm>
+          <a:prstGeom prst="rect">
+            <a:avLst/>
+          </a:prstGeom>
+        </p:spPr>
+        <p:txBody>
+          <a:bodyPr vert="horz" lIns="91440" tIns="45720" rIns="91440" bIns="45720" rtlCol="0">
+            <a:normAutofit/>
+          </a:bodyPr>
+          <a:lstStyle>
+            <a:lvl1pPr marL="228600" indent="-228600" algn="l" defTabSz="914400" rtl="0" eaLnBrk="1" latinLnBrk="0" hangingPunct="1">
+              <a:lnSpc>
+                <a:spcPct val="90000"/>
+              </a:lnSpc>
+              <a:spcBef>
+                <a:spcPts val="1000"/>
+              </a:spcBef>
+              <a:buFont typeface="Arial" panose="020B0604020202020204" pitchFamily="34" charset="0"/>
+              <a:buChar char="•"/>
+              <a:defRPr kumimoji="1" sz="2800" kern="1200">
+                <a:solidFill>
+                  <a:schemeClr val="tx1"/>
+                </a:solidFill>
+                <a:latin typeface="+mn-lt"/>
+                <a:ea typeface="+mn-ea"/>
+                <a:cs typeface="+mn-cs"/>
+              </a:defRPr>
+            </a:lvl1pPr>
+            <a:lvl2pPr marL="685800" indent="-228600" algn="l" defTabSz="914400" rtl="0" eaLnBrk="1" latinLnBrk="0" hangingPunct="1">
+              <a:lnSpc>
+                <a:spcPct val="90000"/>
+              </a:lnSpc>
+              <a:spcBef>
+                <a:spcPts val="500"/>
+              </a:spcBef>
+              <a:buFont typeface="Arial" panose="020B0604020202020204" pitchFamily="34" charset="0"/>
+              <a:buChar char="•"/>
+              <a:defRPr kumimoji="1" sz="2400" kern="1200">
+                <a:solidFill>
+                  <a:schemeClr val="tx1"/>
+                </a:solidFill>
+                <a:latin typeface="+mn-lt"/>
+                <a:ea typeface="+mn-ea"/>
+                <a:cs typeface="+mn-cs"/>
+              </a:defRPr>
+            </a:lvl2pPr>
+            <a:lvl3pPr marL="1143000" indent="-228600" algn="l" defTabSz="914400" rtl="0" eaLnBrk="1" latinLnBrk="0" hangingPunct="1">
+              <a:lnSpc>
+                <a:spcPct val="90000"/>
+              </a:lnSpc>
+              <a:spcBef>
+                <a:spcPts val="500"/>
+              </a:spcBef>
+              <a:buFont typeface="Arial" panose="020B0604020202020204" pitchFamily="34" charset="0"/>
+              <a:buChar char="•"/>
+              <a:defRPr kumimoji="1" sz="2000" kern="1200">
+                <a:solidFill>
+                  <a:schemeClr val="tx1"/>
+                </a:solidFill>
+                <a:latin typeface="+mn-lt"/>
+                <a:ea typeface="+mn-ea"/>
+                <a:cs typeface="+mn-cs"/>
+              </a:defRPr>
+            </a:lvl3pPr>
+            <a:lvl4pPr marL="1600200" indent="-228600" algn="l" defTabSz="914400" rtl="0" eaLnBrk="1" latinLnBrk="0" hangingPunct="1">
+              <a:lnSpc>
+                <a:spcPct val="90000"/>
+              </a:lnSpc>
+              <a:spcBef>
+                <a:spcPts val="500"/>
+              </a:spcBef>
+              <a:buFont typeface="Arial" panose="020B0604020202020204" pitchFamily="34" charset="0"/>
+              <a:buChar char="•"/>
+              <a:defRPr kumimoji="1" sz="1800" kern="1200">
+                <a:solidFill>
+                  <a:schemeClr val="tx1"/>
+                </a:solidFill>
+                <a:latin typeface="+mn-lt"/>
+                <a:ea typeface="+mn-ea"/>
+                <a:cs typeface="+mn-cs"/>
+              </a:defRPr>
+            </a:lvl4pPr>
+            <a:lvl5pPr marL="2057400" indent="-228600" algn="l" defTabSz="914400" rtl="0" eaLnBrk="1" latinLnBrk="0" hangingPunct="1">
+              <a:lnSpc>
+                <a:spcPct val="90000"/>
+              </a:lnSpc>
+              <a:spcBef>
+                <a:spcPts val="500"/>
+              </a:spcBef>
+              <a:buFont typeface="Arial" panose="020B0604020202020204" pitchFamily="34" charset="0"/>
+              <a:buChar char="•"/>
+              <a:defRPr kumimoji="1" sz="1800" kern="1200">
+                <a:solidFill>
+                  <a:schemeClr val="tx1"/>
+                </a:solidFill>
+                <a:latin typeface="+mn-lt"/>
+                <a:ea typeface="+mn-ea"/>
+                <a:cs typeface="+mn-cs"/>
+              </a:defRPr>
+            </a:lvl5pPr>
+            <a:lvl6pPr marL="2514600" indent="-228600" algn="l" defTabSz="914400" rtl="0" eaLnBrk="1" latinLnBrk="0" hangingPunct="1">
+              <a:lnSpc>
+                <a:spcPct val="90000"/>
+              </a:lnSpc>
+              <a:spcBef>
+                <a:spcPts val="500"/>
+              </a:spcBef>
+              <a:buFont typeface="Arial" panose="020B0604020202020204" pitchFamily="34" charset="0"/>
+              <a:buChar char="•"/>
+              <a:defRPr kumimoji="1" sz="1800" kern="1200">
+                <a:solidFill>
+                  <a:schemeClr val="tx1"/>
+                </a:solidFill>
+                <a:latin typeface="+mn-lt"/>
+                <a:ea typeface="+mn-ea"/>
+                <a:cs typeface="+mn-cs"/>
+              </a:defRPr>
+            </a:lvl6pPr>
+            <a:lvl7pPr marL="2971800" indent="-228600" algn="l" defTabSz="914400" rtl="0" eaLnBrk="1" latinLnBrk="0" hangingPunct="1">
+              <a:lnSpc>
+                <a:spcPct val="90000"/>
+              </a:lnSpc>
+              <a:spcBef>
+                <a:spcPts val="500"/>
+              </a:spcBef>
+              <a:buFont typeface="Arial" panose="020B0604020202020204" pitchFamily="34" charset="0"/>
+              <a:buChar char="•"/>
+              <a:defRPr kumimoji="1" sz="1800" kern="1200">
+                <a:solidFill>
+                  <a:schemeClr val="tx1"/>
+                </a:solidFill>
+                <a:latin typeface="+mn-lt"/>
+                <a:ea typeface="+mn-ea"/>
+                <a:cs typeface="+mn-cs"/>
+              </a:defRPr>
+            </a:lvl7pPr>
+            <a:lvl8pPr marL="3429000" indent="-228600" algn="l" defTabSz="914400" rtl="0" eaLnBrk="1" latinLnBrk="0" hangingPunct="1">
+              <a:lnSpc>
+                <a:spcPct val="90000"/>
+              </a:lnSpc>
+              <a:spcBef>
+                <a:spcPts val="500"/>
+              </a:spcBef>
+              <a:buFont typeface="Arial" panose="020B0604020202020204" pitchFamily="34" charset="0"/>
+              <a:buChar char="•"/>
+              <a:defRPr kumimoji="1" sz="1800" kern="1200">
+                <a:solidFill>
+                  <a:schemeClr val="tx1"/>
+                </a:solidFill>
+                <a:latin typeface="+mn-lt"/>
+                <a:ea typeface="+mn-ea"/>
+                <a:cs typeface="+mn-cs"/>
+              </a:defRPr>
+            </a:lvl8pPr>
+            <a:lvl9pPr marL="3886200" indent="-228600" algn="l" defTabSz="914400" rtl="0" eaLnBrk="1" latinLnBrk="0" hangingPunct="1">
+              <a:lnSpc>
+                <a:spcPct val="90000"/>
+              </a:lnSpc>
+              <a:spcBef>
+                <a:spcPts val="500"/>
+              </a:spcBef>
+              <a:buFont typeface="Arial" panose="020B0604020202020204" pitchFamily="34" charset="0"/>
+              <a:buChar char="•"/>
+              <a:defRPr kumimoji="1" sz="1800" kern="1200">
+                <a:solidFill>
+                  <a:schemeClr val="tx1"/>
+                </a:solidFill>
+                <a:latin typeface="+mn-lt"/>
+                <a:ea typeface="+mn-ea"/>
+                <a:cs typeface="+mn-cs"/>
+              </a:defRPr>
+            </a:lvl9pPr>
+          </a:lstStyle>
+          <a:p>
+            <a:pPr marL="0" indent="0" algn="ctr">
+              <a:buFont typeface="Arial" panose="020B0604020202020204" pitchFamily="34" charset="0"/>
+              <a:buNone/>
+            </a:pPr>
+            <a:r>
+              <a:rPr lang="ja-JP" altLang="en-US" sz="1200" dirty="0"/>
+              <a:t>③機能を利用</a:t>
+            </a:r>
+            <a:endParaRPr lang="en-US" altLang="ja-JP" sz="1200" dirty="0"/>
+          </a:p>
+          <a:p>
+            <a:pPr marL="0" indent="0" algn="ctr">
+              <a:buFont typeface="Arial" panose="020B0604020202020204" pitchFamily="34" charset="0"/>
+              <a:buNone/>
+            </a:pPr>
+            <a:endParaRPr lang="en-US" altLang="ja-JP" sz="1200" dirty="0"/>
+          </a:p>
+          <a:p>
+            <a:pPr marL="0" indent="0" algn="ctr">
+              <a:buFont typeface="Arial" panose="020B0604020202020204" pitchFamily="34" charset="0"/>
+              <a:buNone/>
+            </a:pPr>
+            <a:endParaRPr lang="en-US" altLang="ja-JP" sz="1200" dirty="0"/>
+          </a:p>
+        </p:txBody>
+      </p:sp>
+      <p:sp>
+        <p:nvSpPr>
+          <p:cNvPr id="19" name="コンテンツ プレースホルダー 11">
+            <a:extLst>
+              <a:ext uri="{FF2B5EF4-FFF2-40B4-BE49-F238E27FC236}">
+                <a16:creationId xmlns:a16="http://schemas.microsoft.com/office/drawing/2014/main" id="{BDEADA87-818D-1C58-CBCE-F5F86C682CB1}"/>
+              </a:ext>
+            </a:extLst>
+          </p:cNvPr>
+          <p:cNvSpPr txBox="1">
+            <a:spLocks/>
+          </p:cNvSpPr>
+          <p:nvPr/>
+        </p:nvSpPr>
+        <p:spPr>
+          <a:xfrm>
+            <a:off x="9175885" y="4065045"/>
+            <a:ext cx="3086101" cy="472110"/>
+          </a:xfrm>
+          <a:prstGeom prst="rect">
+            <a:avLst/>
+          </a:prstGeom>
+        </p:spPr>
+        <p:txBody>
+          <a:bodyPr vert="horz" lIns="91440" tIns="45720" rIns="91440" bIns="45720" rtlCol="0">
+            <a:normAutofit/>
+          </a:bodyPr>
+          <a:lstStyle>
+            <a:lvl1pPr marL="228600" indent="-228600" algn="l" defTabSz="914400" rtl="0" eaLnBrk="1" latinLnBrk="0" hangingPunct="1">
+              <a:lnSpc>
+                <a:spcPct val="90000"/>
+              </a:lnSpc>
+              <a:spcBef>
+                <a:spcPts val="1000"/>
+              </a:spcBef>
+              <a:buFont typeface="Arial" panose="020B0604020202020204" pitchFamily="34" charset="0"/>
+              <a:buChar char="•"/>
+              <a:defRPr kumimoji="1" sz="2800" kern="1200">
+                <a:solidFill>
+                  <a:schemeClr val="tx1"/>
+                </a:solidFill>
+                <a:latin typeface="+mn-lt"/>
+                <a:ea typeface="+mn-ea"/>
+                <a:cs typeface="+mn-cs"/>
+              </a:defRPr>
+            </a:lvl1pPr>
+            <a:lvl2pPr marL="685800" indent="-228600" algn="l" defTabSz="914400" rtl="0" eaLnBrk="1" latinLnBrk="0" hangingPunct="1">
+              <a:lnSpc>
+                <a:spcPct val="90000"/>
+              </a:lnSpc>
+              <a:spcBef>
+                <a:spcPts val="500"/>
+              </a:spcBef>
+              <a:buFont typeface="Arial" panose="020B0604020202020204" pitchFamily="34" charset="0"/>
+              <a:buChar char="•"/>
+              <a:defRPr kumimoji="1" sz="2400" kern="1200">
+                <a:solidFill>
+                  <a:schemeClr val="tx1"/>
+                </a:solidFill>
+                <a:latin typeface="+mn-lt"/>
+                <a:ea typeface="+mn-ea"/>
+                <a:cs typeface="+mn-cs"/>
+              </a:defRPr>
+            </a:lvl2pPr>
+            <a:lvl3pPr marL="1143000" indent="-228600" algn="l" defTabSz="914400" rtl="0" eaLnBrk="1" latinLnBrk="0" hangingPunct="1">
+              <a:lnSpc>
+                <a:spcPct val="90000"/>
+              </a:lnSpc>
+              <a:spcBef>
+                <a:spcPts val="500"/>
+              </a:spcBef>
+              <a:buFont typeface="Arial" panose="020B0604020202020204" pitchFamily="34" charset="0"/>
+              <a:buChar char="•"/>
+              <a:defRPr kumimoji="1" sz="2000" kern="1200">
+                <a:solidFill>
+                  <a:schemeClr val="tx1"/>
+                </a:solidFill>
+                <a:latin typeface="+mn-lt"/>
+                <a:ea typeface="+mn-ea"/>
+                <a:cs typeface="+mn-cs"/>
+              </a:defRPr>
+            </a:lvl3pPr>
+            <a:lvl4pPr marL="1600200" indent="-228600" algn="l" defTabSz="914400" rtl="0" eaLnBrk="1" latinLnBrk="0" hangingPunct="1">
+              <a:lnSpc>
+                <a:spcPct val="90000"/>
+              </a:lnSpc>
+              <a:spcBef>
+                <a:spcPts val="500"/>
+              </a:spcBef>
+              <a:buFont typeface="Arial" panose="020B0604020202020204" pitchFamily="34" charset="0"/>
+              <a:buChar char="•"/>
+              <a:defRPr kumimoji="1" sz="1800" kern="1200">
+                <a:solidFill>
+                  <a:schemeClr val="tx1"/>
+                </a:solidFill>
+                <a:latin typeface="+mn-lt"/>
+                <a:ea typeface="+mn-ea"/>
+                <a:cs typeface="+mn-cs"/>
+              </a:defRPr>
+            </a:lvl4pPr>
+            <a:lvl5pPr marL="2057400" indent="-228600" algn="l" defTabSz="914400" rtl="0" eaLnBrk="1" latinLnBrk="0" hangingPunct="1">
+              <a:lnSpc>
+                <a:spcPct val="90000"/>
+              </a:lnSpc>
+              <a:spcBef>
+                <a:spcPts val="500"/>
+              </a:spcBef>
+              <a:buFont typeface="Arial" panose="020B0604020202020204" pitchFamily="34" charset="0"/>
+              <a:buChar char="•"/>
+              <a:defRPr kumimoji="1" sz="1800" kern="1200">
+                <a:solidFill>
+                  <a:schemeClr val="tx1"/>
+                </a:solidFill>
+                <a:latin typeface="+mn-lt"/>
+                <a:ea typeface="+mn-ea"/>
+                <a:cs typeface="+mn-cs"/>
+              </a:defRPr>
+            </a:lvl5pPr>
+            <a:lvl6pPr marL="2514600" indent="-228600" algn="l" defTabSz="914400" rtl="0" eaLnBrk="1" latinLnBrk="0" hangingPunct="1">
+              <a:lnSpc>
+                <a:spcPct val="90000"/>
+              </a:lnSpc>
+              <a:spcBef>
+                <a:spcPts val="500"/>
+              </a:spcBef>
+              <a:buFont typeface="Arial" panose="020B0604020202020204" pitchFamily="34" charset="0"/>
+              <a:buChar char="•"/>
+              <a:defRPr kumimoji="1" sz="1800" kern="1200">
+                <a:solidFill>
+                  <a:schemeClr val="tx1"/>
+                </a:solidFill>
+                <a:latin typeface="+mn-lt"/>
+                <a:ea typeface="+mn-ea"/>
+                <a:cs typeface="+mn-cs"/>
+              </a:defRPr>
+            </a:lvl6pPr>
+            <a:lvl7pPr marL="2971800" indent="-228600" algn="l" defTabSz="914400" rtl="0" eaLnBrk="1" latinLnBrk="0" hangingPunct="1">
+              <a:lnSpc>
+                <a:spcPct val="90000"/>
+              </a:lnSpc>
+              <a:spcBef>
+                <a:spcPts val="500"/>
+              </a:spcBef>
+              <a:buFont typeface="Arial" panose="020B0604020202020204" pitchFamily="34" charset="0"/>
+              <a:buChar char="•"/>
+              <a:defRPr kumimoji="1" sz="1800" kern="1200">
+                <a:solidFill>
+                  <a:schemeClr val="tx1"/>
+                </a:solidFill>
+                <a:latin typeface="+mn-lt"/>
+                <a:ea typeface="+mn-ea"/>
+                <a:cs typeface="+mn-cs"/>
+              </a:defRPr>
+            </a:lvl7pPr>
+            <a:lvl8pPr marL="3429000" indent="-228600" algn="l" defTabSz="914400" rtl="0" eaLnBrk="1" latinLnBrk="0" hangingPunct="1">
+              <a:lnSpc>
+                <a:spcPct val="90000"/>
+              </a:lnSpc>
+              <a:spcBef>
+                <a:spcPts val="500"/>
+              </a:spcBef>
+              <a:buFont typeface="Arial" panose="020B0604020202020204" pitchFamily="34" charset="0"/>
+              <a:buChar char="•"/>
+              <a:defRPr kumimoji="1" sz="1800" kern="1200">
+                <a:solidFill>
+                  <a:schemeClr val="tx1"/>
+                </a:solidFill>
+                <a:latin typeface="+mn-lt"/>
+                <a:ea typeface="+mn-ea"/>
+                <a:cs typeface="+mn-cs"/>
+              </a:defRPr>
+            </a:lvl8pPr>
+            <a:lvl9pPr marL="3886200" indent="-228600" algn="l" defTabSz="914400" rtl="0" eaLnBrk="1" latinLnBrk="0" hangingPunct="1">
+              <a:lnSpc>
+                <a:spcPct val="90000"/>
+              </a:lnSpc>
+              <a:spcBef>
+                <a:spcPts val="500"/>
+              </a:spcBef>
+              <a:buFont typeface="Arial" panose="020B0604020202020204" pitchFamily="34" charset="0"/>
+              <a:buChar char="•"/>
+              <a:defRPr kumimoji="1" sz="1800" kern="1200">
+                <a:solidFill>
+                  <a:schemeClr val="tx1"/>
+                </a:solidFill>
+                <a:latin typeface="+mn-lt"/>
+                <a:ea typeface="+mn-ea"/>
+                <a:cs typeface="+mn-cs"/>
+              </a:defRPr>
+            </a:lvl9pPr>
+          </a:lstStyle>
+          <a:p>
+            <a:pPr marL="0" indent="0" algn="ctr">
+              <a:buFont typeface="Arial" panose="020B0604020202020204" pitchFamily="34" charset="0"/>
+              <a:buNone/>
+            </a:pPr>
+            <a:r>
+              <a:rPr lang="en-US" altLang="ja-JP" sz="1200" dirty="0"/>
+              <a:t>※</a:t>
+            </a:r>
+            <a:r>
+              <a:rPr lang="ja-JP" altLang="en-US" sz="1200" dirty="0"/>
+              <a:t>ソースコード</a:t>
+            </a:r>
+            <a:r>
+              <a:rPr lang="en-US" altLang="ja-JP" sz="1200" dirty="0"/>
+              <a:t>(</a:t>
+            </a:r>
+            <a:r>
+              <a:rPr lang="en-US" altLang="ja-JP" sz="1200" dirty="0" err="1"/>
+              <a:t>FastMCP</a:t>
+            </a:r>
+            <a:r>
+              <a:rPr lang="ja-JP" altLang="en-US" sz="1200" dirty="0"/>
+              <a:t>使用</a:t>
+            </a:r>
+            <a:r>
+              <a:rPr lang="en-US" altLang="ja-JP" sz="1200" dirty="0"/>
+              <a:t>)</a:t>
+            </a:r>
+          </a:p>
+          <a:p>
+            <a:pPr marL="0" indent="0" algn="ctr">
+              <a:buFont typeface="Arial" panose="020B0604020202020204" pitchFamily="34" charset="0"/>
+              <a:buNone/>
+            </a:pPr>
+            <a:endParaRPr lang="en-US" altLang="ja-JP" sz="1200" dirty="0"/>
+          </a:p>
+          <a:p>
+            <a:pPr marL="0" indent="0" algn="ctr">
+              <a:buFont typeface="Arial" panose="020B0604020202020204" pitchFamily="34" charset="0"/>
+              <a:buNone/>
+            </a:pPr>
+            <a:endParaRPr lang="en-US" altLang="ja-JP" sz="1200" dirty="0"/>
+          </a:p>
+        </p:txBody>
+      </p:sp>
     </p:spTree>
     <p:extLst>
       <p:ext uri="{BB962C8B-B14F-4D97-AF65-F5344CB8AC3E}">
@@ -17071,4 +23698,319 @@
     </a:ext>
   </a:extLst>
 </a:theme>
+</file>
+
+<file path=ppt/theme/theme2.xml><?xml version="1.0" encoding="utf-8"?>
+<a:theme xmlns:a="http://schemas.openxmlformats.org/drawingml/2006/main" name="Office テーマ">
+  <a:themeElements>
+    <a:clrScheme name="Office">
+      <a:dk1>
+        <a:sysClr val="windowText" lastClr="000000"/>
+      </a:dk1>
+      <a:lt1>
+        <a:sysClr val="window" lastClr="FFFFFF"/>
+      </a:lt1>
+      <a:dk2>
+        <a:srgbClr val="0E2841"/>
+      </a:dk2>
+      <a:lt2>
+        <a:srgbClr val="E8E8E8"/>
+      </a:lt2>
+      <a:accent1>
+        <a:srgbClr val="156082"/>
+      </a:accent1>
+      <a:accent2>
+        <a:srgbClr val="E97132"/>
+      </a:accent2>
+      <a:accent3>
+        <a:srgbClr val="196B24"/>
+      </a:accent3>
+      <a:accent4>
+        <a:srgbClr val="0F9ED5"/>
+      </a:accent4>
+      <a:accent5>
+        <a:srgbClr val="A02B93"/>
+      </a:accent5>
+      <a:accent6>
+        <a:srgbClr val="4EA72E"/>
+      </a:accent6>
+      <a:hlink>
+        <a:srgbClr val="467886"/>
+      </a:hlink>
+      <a:folHlink>
+        <a:srgbClr val="96607D"/>
+      </a:folHlink>
+    </a:clrScheme>
+    <a:fontScheme name="Office">
+      <a:majorFont>
+        <a:latin typeface="游ゴシック Light" panose="02110004020202020204"/>
+        <a:ea typeface=""/>
+        <a:cs typeface=""/>
+        <a:font script="Jpan" typeface="游ゴシック Light"/>
+        <a:font script="Hang" typeface="맑은 고딕"/>
+        <a:font script="Hans" typeface="等线 Light"/>
+        <a:font script="Hant" typeface="新細明體"/>
+        <a:font script="Arab" typeface="Times New Roman"/>
+        <a:font script="Hebr" typeface="Times New Roman"/>
+        <a:font script="Thai" typeface="Angsana New"/>
+        <a:font script="Ethi" typeface="Nyala"/>
+        <a:font script="Beng" typeface="Vrinda"/>
+        <a:font script="Gujr" typeface="Shruti"/>
+        <a:font script="Khmr" typeface="MoolBoran"/>
+        <a:font script="Knda" typeface="Tunga"/>
+        <a:font script="Guru" typeface="Raavi"/>
+        <a:font script="Cans" typeface="Euphemia"/>
+        <a:font script="Cher" typeface="Plantagenet Cherokee"/>
+        <a:font script="Yiii" typeface="Microsoft Yi Baiti"/>
+        <a:font script="Tibt" typeface="Microsoft Himalaya"/>
+        <a:font script="Thaa" typeface="MV Boli"/>
+        <a:font script="Deva" typeface="Mangal"/>
+        <a:font script="Telu" typeface="Gautami"/>
+        <a:font script="Taml" typeface="Latha"/>
+        <a:font script="Syrc" typeface="Estrangelo Edessa"/>
+        <a:font script="Orya" typeface="Kalinga"/>
+        <a:font script="Mlym" typeface="Kartika"/>
+        <a:font script="Laoo" typeface="DokChampa"/>
+        <a:font script="Sinh" typeface="Iskoola Pota"/>
+        <a:font script="Mong" typeface="Mongolian Baiti"/>
+        <a:font script="Viet" typeface="Times New Roman"/>
+        <a:font script="Uigh" typeface="Microsoft Uighur"/>
+        <a:font script="Geor" typeface="Sylfaen"/>
+        <a:font script="Armn" typeface="Arial"/>
+        <a:font script="Bugi" typeface="Leelawadee UI"/>
+        <a:font script="Bopo" typeface="Microsoft JhengHei"/>
+        <a:font script="Java" typeface="Javanese Text"/>
+        <a:font script="Lisu" typeface="Segoe UI"/>
+        <a:font script="Mymr" typeface="Myanmar Text"/>
+        <a:font script="Nkoo" typeface="Ebrima"/>
+        <a:font script="Olck" typeface="Nirmala UI"/>
+        <a:font script="Osma" typeface="Ebrima"/>
+        <a:font script="Phag" typeface="Phagspa"/>
+        <a:font script="Syrn" typeface="Estrangelo Edessa"/>
+        <a:font script="Syrj" typeface="Estrangelo Edessa"/>
+        <a:font script="Syre" typeface="Estrangelo Edessa"/>
+        <a:font script="Sora" typeface="Nirmala UI"/>
+        <a:font script="Tale" typeface="Microsoft Tai Le"/>
+        <a:font script="Talu" typeface="Microsoft New Tai Lue"/>
+        <a:font script="Tfng" typeface="Ebrima"/>
+      </a:majorFont>
+      <a:minorFont>
+        <a:latin typeface="游ゴシック" panose="02110004020202020204"/>
+        <a:ea typeface=""/>
+        <a:cs typeface=""/>
+        <a:font script="Jpan" typeface="游ゴシック"/>
+        <a:font script="Hang" typeface="맑은 고딕"/>
+        <a:font script="Hans" typeface="等线"/>
+        <a:font script="Hant" typeface="新細明體"/>
+        <a:font script="Arab" typeface="Arial"/>
+        <a:font script="Hebr" typeface="Arial"/>
+        <a:font script="Thai" typeface="Cordia New"/>
+        <a:font script="Ethi" typeface="Nyala"/>
+        <a:font script="Beng" typeface="Vrinda"/>
+        <a:font script="Gujr" typeface="Shruti"/>
+        <a:font script="Khmr" typeface="DaunPenh"/>
+        <a:font script="Knda" typeface="Tunga"/>
+        <a:font script="Guru" typeface="Raavi"/>
+        <a:font script="Cans" typeface="Euphemia"/>
+        <a:font script="Cher" typeface="Plantagenet Cherokee"/>
+        <a:font script="Yiii" typeface="Microsoft Yi Baiti"/>
+        <a:font script="Tibt" typeface="Microsoft Himalaya"/>
+        <a:font script="Thaa" typeface="MV Boli"/>
+        <a:font script="Deva" typeface="Mangal"/>
+        <a:font script="Telu" typeface="Gautami"/>
+        <a:font script="Taml" typeface="Latha"/>
+        <a:font script="Syrc" typeface="Estrangelo Edessa"/>
+        <a:font script="Orya" typeface="Kalinga"/>
+        <a:font script="Mlym" typeface="Kartika"/>
+        <a:font script="Laoo" typeface="DokChampa"/>
+        <a:font script="Sinh" typeface="Iskoola Pota"/>
+        <a:font script="Mong" typeface="Mongolian Baiti"/>
+        <a:font script="Viet" typeface="Arial"/>
+        <a:font script="Uigh" typeface="Microsoft Uighur"/>
+        <a:font script="Geor" typeface="Sylfaen"/>
+        <a:font script="Armn" typeface="Arial"/>
+        <a:font script="Bugi" typeface="Leelawadee UI"/>
+        <a:font script="Bopo" typeface="Microsoft JhengHei"/>
+        <a:font script="Java" typeface="Javanese Text"/>
+        <a:font script="Lisu" typeface="Segoe UI"/>
+        <a:font script="Mymr" typeface="Myanmar Text"/>
+        <a:font script="Nkoo" typeface="Ebrima"/>
+        <a:font script="Olck" typeface="Nirmala UI"/>
+        <a:font script="Osma" typeface="Ebrima"/>
+        <a:font script="Phag" typeface="Phagspa"/>
+        <a:font script="Syrn" typeface="Estrangelo Edessa"/>
+        <a:font script="Syrj" typeface="Estrangelo Edessa"/>
+        <a:font script="Syre" typeface="Estrangelo Edessa"/>
+        <a:font script="Sora" typeface="Nirmala UI"/>
+        <a:font script="Tale" typeface="Microsoft Tai Le"/>
+        <a:font script="Talu" typeface="Microsoft New Tai Lue"/>
+        <a:font script="Tfng" typeface="Ebrima"/>
+      </a:minorFont>
+    </a:fontScheme>
+    <a:fmtScheme name="Office">
+      <a:fillStyleLst>
+        <a:solidFill>
+          <a:schemeClr val="phClr"/>
+        </a:solidFill>
+        <a:gradFill rotWithShape="1">
+          <a:gsLst>
+            <a:gs pos="0">
+              <a:schemeClr val="phClr">
+                <a:lumMod val="110000"/>
+                <a:satMod val="105000"/>
+                <a:tint val="67000"/>
+              </a:schemeClr>
+            </a:gs>
+            <a:gs pos="50000">
+              <a:schemeClr val="phClr">
+                <a:lumMod val="105000"/>
+                <a:satMod val="103000"/>
+                <a:tint val="73000"/>
+              </a:schemeClr>
+            </a:gs>
+            <a:gs pos="100000">
+              <a:schemeClr val="phClr">
+                <a:lumMod val="105000"/>
+                <a:satMod val="109000"/>
+                <a:tint val="81000"/>
+              </a:schemeClr>
+            </a:gs>
+          </a:gsLst>
+          <a:lin ang="5400000" scaled="0"/>
+        </a:gradFill>
+        <a:gradFill rotWithShape="1">
+          <a:gsLst>
+            <a:gs pos="0">
+              <a:schemeClr val="phClr">
+                <a:satMod val="103000"/>
+                <a:lumMod val="102000"/>
+                <a:tint val="94000"/>
+              </a:schemeClr>
+            </a:gs>
+            <a:gs pos="50000">
+              <a:schemeClr val="phClr">
+                <a:satMod val="110000"/>
+                <a:lumMod val="100000"/>
+                <a:shade val="100000"/>
+              </a:schemeClr>
+            </a:gs>
+            <a:gs pos="100000">
+              <a:schemeClr val="phClr">
+                <a:lumMod val="99000"/>
+                <a:satMod val="120000"/>
+                <a:shade val="78000"/>
+              </a:schemeClr>
+            </a:gs>
+          </a:gsLst>
+          <a:lin ang="5400000" scaled="0"/>
+        </a:gradFill>
+      </a:fillStyleLst>
+      <a:lnStyleLst>
+        <a:ln w="12700" cap="flat" cmpd="sng" algn="ctr">
+          <a:solidFill>
+            <a:schemeClr val="phClr"/>
+          </a:solidFill>
+          <a:prstDash val="solid"/>
+          <a:miter lim="800000"/>
+        </a:ln>
+        <a:ln w="19050" cap="flat" cmpd="sng" algn="ctr">
+          <a:solidFill>
+            <a:schemeClr val="phClr"/>
+          </a:solidFill>
+          <a:prstDash val="solid"/>
+          <a:miter lim="800000"/>
+        </a:ln>
+        <a:ln w="25400" cap="flat" cmpd="sng" algn="ctr">
+          <a:solidFill>
+            <a:schemeClr val="phClr"/>
+          </a:solidFill>
+          <a:prstDash val="solid"/>
+          <a:miter lim="800000"/>
+        </a:ln>
+      </a:lnStyleLst>
+      <a:effectStyleLst>
+        <a:effectStyle>
+          <a:effectLst/>
+        </a:effectStyle>
+        <a:effectStyle>
+          <a:effectLst/>
+        </a:effectStyle>
+        <a:effectStyle>
+          <a:effectLst>
+            <a:outerShdw blurRad="57150" dist="19050" dir="5400000" algn="ctr" rotWithShape="0">
+              <a:srgbClr val="000000">
+                <a:alpha val="63000"/>
+              </a:srgbClr>
+            </a:outerShdw>
+          </a:effectLst>
+        </a:effectStyle>
+      </a:effectStyleLst>
+      <a:bgFillStyleLst>
+        <a:solidFill>
+          <a:schemeClr val="phClr"/>
+        </a:solidFill>
+        <a:solidFill>
+          <a:schemeClr val="phClr">
+            <a:tint val="95000"/>
+            <a:satMod val="170000"/>
+          </a:schemeClr>
+        </a:solidFill>
+        <a:gradFill rotWithShape="1">
+          <a:gsLst>
+            <a:gs pos="0">
+              <a:schemeClr val="phClr">
+                <a:tint val="93000"/>
+                <a:satMod val="150000"/>
+                <a:shade val="98000"/>
+                <a:lumMod val="102000"/>
+              </a:schemeClr>
+            </a:gs>
+            <a:gs pos="50000">
+              <a:schemeClr val="phClr">
+                <a:tint val="98000"/>
+                <a:satMod val="130000"/>
+                <a:shade val="90000"/>
+                <a:lumMod val="103000"/>
+              </a:schemeClr>
+            </a:gs>
+            <a:gs pos="100000">
+              <a:schemeClr val="phClr">
+                <a:shade val="63000"/>
+                <a:satMod val="120000"/>
+              </a:schemeClr>
+            </a:gs>
+          </a:gsLst>
+          <a:lin ang="5400000" scaled="0"/>
+        </a:gradFill>
+      </a:bgFillStyleLst>
+    </a:fmtScheme>
+  </a:themeElements>
+  <a:objectDefaults>
+    <a:lnDef>
+      <a:spPr/>
+      <a:bodyPr/>
+      <a:lstStyle/>
+      <a:style>
+        <a:lnRef idx="2">
+          <a:schemeClr val="accent1"/>
+        </a:lnRef>
+        <a:fillRef idx="0">
+          <a:schemeClr val="accent1"/>
+        </a:fillRef>
+        <a:effectRef idx="1">
+          <a:schemeClr val="accent1"/>
+        </a:effectRef>
+        <a:fontRef idx="minor">
+          <a:schemeClr val="tx1"/>
+        </a:fontRef>
+      </a:style>
+    </a:lnDef>
+  </a:objectDefaults>
+  <a:extraClrSchemeLst/>
+  <a:extLst>
+    <a:ext uri="{05A4C25C-085E-4340-85A3-A5531E510DB2}">
+      <thm15:themeFamily xmlns:thm15="http://schemas.microsoft.com/office/thememl/2012/main" name="Office Theme" id="{2E142A2C-CD16-42D6-873A-C26D2A0506FA}" vid="{1BDDFF52-6CD6-40A5-AB3C-68EB2F1E4D0A}"/>
+    </a:ext>
+  </a:extLst>
+</a:theme>
 </file>
--- a/raspberry-pi-report/MCPについて.pptx
+++ b/raspberry-pi-report/MCPについて.pptx
@@ -133,7 +133,7 @@
 <file path=ppt/revisionInfo.xml><?xml version="1.0" encoding="utf-8"?>
 <p1510:revInfo xmlns:a="http://schemas.openxmlformats.org/drawingml/2006/main" xmlns:r="http://schemas.openxmlformats.org/officeDocument/2006/relationships" xmlns:p1510="http://schemas.microsoft.com/office/powerpoint/2015/10/main">
   <p1510:revLst>
-    <p1510:client id="{70332866-803F-45E9-A120-6101FBB807E0}" v="161" dt="2025-09-22T15:44:54.967"/>
+    <p1510:client id="{70332866-803F-45E9-A120-6101FBB807E0}" v="164" dt="2025-09-22T21:56:24.040"/>
   </p1510:revLst>
 </p1510:revInfo>
 </file>
@@ -143,7 +143,7 @@
   <pc:docChgLst>
     <pc:chgData name="Yoshiharu Hamaguchi" userId="470e288704938fe9" providerId="LiveId" clId="{2DA42A88-41D6-4A1A-8697-2120E1337F92}"/>
     <pc:docChg chg="undo redo custSel addSld delSld modSld sldOrd">
-      <pc:chgData name="Yoshiharu Hamaguchi" userId="470e288704938fe9" providerId="LiveId" clId="{2DA42A88-41D6-4A1A-8697-2120E1337F92}" dt="2025-09-22T15:48:47.623" v="8780" actId="1076"/>
+      <pc:chgData name="Yoshiharu Hamaguchi" userId="470e288704938fe9" providerId="LiveId" clId="{2DA42A88-41D6-4A1A-8697-2120E1337F92}" dt="2025-09-22T21:56:36.376" v="8977" actId="14100"/>
       <pc:docMkLst>
         <pc:docMk/>
       </pc:docMkLst>
@@ -404,7 +404,7 @@
         </pc:cxnChg>
       </pc:sldChg>
       <pc:sldChg chg="addSp delSp modSp mod">
-        <pc:chgData name="Yoshiharu Hamaguchi" userId="470e288704938fe9" providerId="LiveId" clId="{2DA42A88-41D6-4A1A-8697-2120E1337F92}" dt="2025-09-22T15:20:14.128" v="7238" actId="1076"/>
+        <pc:chgData name="Yoshiharu Hamaguchi" userId="470e288704938fe9" providerId="LiveId" clId="{2DA42A88-41D6-4A1A-8697-2120E1337F92}" dt="2025-09-22T21:56:36.376" v="8977" actId="14100"/>
         <pc:sldMkLst>
           <pc:docMk/>
           <pc:sldMk cId="11239393" sldId="276"/>
@@ -426,7 +426,7 @@
           </ac:spMkLst>
         </pc:spChg>
         <pc:spChg chg="add mod">
-          <ac:chgData name="Yoshiharu Hamaguchi" userId="470e288704938fe9" providerId="LiveId" clId="{2DA42A88-41D6-4A1A-8697-2120E1337F92}" dt="2025-09-15T16:09:36.666" v="4343" actId="1076"/>
+          <ac:chgData name="Yoshiharu Hamaguchi" userId="470e288704938fe9" providerId="LiveId" clId="{2DA42A88-41D6-4A1A-8697-2120E1337F92}" dt="2025-09-22T21:53:49.618" v="8844" actId="20577"/>
           <ac:spMkLst>
             <pc:docMk/>
             <pc:sldMk cId="11239393" sldId="276"/>
@@ -593,6 +593,22 @@
             <ac:cxnSpMk id="14" creationId="{5218F3D2-7381-D685-D677-9E8118260AEF}"/>
           </ac:cxnSpMkLst>
         </pc:cxnChg>
+        <pc:cxnChg chg="add del">
+          <ac:chgData name="Yoshiharu Hamaguchi" userId="470e288704938fe9" providerId="LiveId" clId="{2DA42A88-41D6-4A1A-8697-2120E1337F92}" dt="2025-09-22T21:56:05.243" v="8970" actId="478"/>
+          <ac:cxnSpMkLst>
+            <pc:docMk/>
+            <pc:sldMk cId="11239393" sldId="276"/>
+            <ac:cxnSpMk id="20" creationId="{4D400084-69CE-E9BB-F169-048F5320F97D}"/>
+          </ac:cxnSpMkLst>
+        </pc:cxnChg>
+        <pc:cxnChg chg="add mod">
+          <ac:chgData name="Yoshiharu Hamaguchi" userId="470e288704938fe9" providerId="LiveId" clId="{2DA42A88-41D6-4A1A-8697-2120E1337F92}" dt="2025-09-22T21:56:20.595" v="8974" actId="14100"/>
+          <ac:cxnSpMkLst>
+            <pc:docMk/>
+            <pc:sldMk cId="11239393" sldId="276"/>
+            <ac:cxnSpMk id="22" creationId="{47782C65-7EC7-F6D2-7D77-81FCA6256230}"/>
+          </ac:cxnSpMkLst>
+        </pc:cxnChg>
         <pc:cxnChg chg="mod">
           <ac:chgData name="Yoshiharu Hamaguchi" userId="470e288704938fe9" providerId="LiveId" clId="{2DA42A88-41D6-4A1A-8697-2120E1337F92}" dt="2025-09-15T16:03:44.577" v="4168" actId="14100"/>
           <ac:cxnSpMkLst>
@@ -601,8 +617,16 @@
             <ac:cxnSpMk id="24" creationId="{4FBB7B7D-AFEC-E59C-E034-11A16E604744}"/>
           </ac:cxnSpMkLst>
         </pc:cxnChg>
+        <pc:cxnChg chg="add mod">
+          <ac:chgData name="Yoshiharu Hamaguchi" userId="470e288704938fe9" providerId="LiveId" clId="{2DA42A88-41D6-4A1A-8697-2120E1337F92}" dt="2025-09-22T21:56:36.376" v="8977" actId="14100"/>
+          <ac:cxnSpMkLst>
+            <pc:docMk/>
+            <pc:sldMk cId="11239393" sldId="276"/>
+            <ac:cxnSpMk id="26" creationId="{35430383-3C78-61B1-D569-530E7D66AA27}"/>
+          </ac:cxnSpMkLst>
+        </pc:cxnChg>
         <pc:cxnChg chg="add mod ord">
-          <ac:chgData name="Yoshiharu Hamaguchi" userId="470e288704938fe9" providerId="LiveId" clId="{2DA42A88-41D6-4A1A-8697-2120E1337F92}" dt="2025-09-15T16:09:46.313" v="4344" actId="14100"/>
+          <ac:chgData name="Yoshiharu Hamaguchi" userId="470e288704938fe9" providerId="LiveId" clId="{2DA42A88-41D6-4A1A-8697-2120E1337F92}" dt="2025-09-22T21:56:28.746" v="8976" actId="14100"/>
           <ac:cxnSpMkLst>
             <pc:docMk/>
             <pc:sldMk cId="11239393" sldId="276"/>
@@ -823,7 +847,7 @@
         </pc:sldMkLst>
       </pc:sldChg>
       <pc:sldChg chg="addSp delSp modSp add mod">
-        <pc:chgData name="Yoshiharu Hamaguchi" userId="470e288704938fe9" providerId="LiveId" clId="{2DA42A88-41D6-4A1A-8697-2120E1337F92}" dt="2025-09-22T13:47:02.570" v="6666" actId="571"/>
+        <pc:chgData name="Yoshiharu Hamaguchi" userId="470e288704938fe9" providerId="LiveId" clId="{2DA42A88-41D6-4A1A-8697-2120E1337F92}" dt="2025-09-22T21:54:51.783" v="8968" actId="20577"/>
         <pc:sldMkLst>
           <pc:docMk/>
           <pc:sldMk cId="1743033552" sldId="280"/>
@@ -866,6 +890,14 @@
             <pc:docMk/>
             <pc:sldMk cId="1743033552" sldId="280"/>
             <ac:spMk id="7" creationId="{0486A1B1-83AE-6CF1-4881-D891249C6749}"/>
+          </ac:spMkLst>
+        </pc:spChg>
+        <pc:spChg chg="add mod">
+          <ac:chgData name="Yoshiharu Hamaguchi" userId="470e288704938fe9" providerId="LiveId" clId="{2DA42A88-41D6-4A1A-8697-2120E1337F92}" dt="2025-09-22T21:53:05.629" v="8836" actId="20577"/>
+          <ac:spMkLst>
+            <pc:docMk/>
+            <pc:sldMk cId="1743033552" sldId="280"/>
+            <ac:spMk id="8" creationId="{F0B18779-1321-ADDA-A880-D69EAF844C55}"/>
           </ac:spMkLst>
         </pc:spChg>
         <pc:spChg chg="add mod ord">
@@ -957,7 +989,7 @@
           </ac:spMkLst>
         </pc:spChg>
         <pc:spChg chg="add mod">
-          <ac:chgData name="Yoshiharu Hamaguchi" userId="470e288704938fe9" providerId="LiveId" clId="{2DA42A88-41D6-4A1A-8697-2120E1337F92}" dt="2025-09-15T15:00:12.290" v="2276" actId="20577"/>
+          <ac:chgData name="Yoshiharu Hamaguchi" userId="470e288704938fe9" providerId="LiveId" clId="{2DA42A88-41D6-4A1A-8697-2120E1337F92}" dt="2025-09-22T21:54:51.783" v="8968" actId="20577"/>
           <ac:spMkLst>
             <pc:docMk/>
             <pc:sldMk cId="1743033552" sldId="280"/>
@@ -2717,7 +2749,7 @@
           <a:p>
             <a:fld id="{9627246E-3903-4E01-B28D-BFF5567D65C3}" type="datetimeFigureOut">
               <a:rPr kumimoji="1" lang="ja-JP" altLang="en-US" smtClean="0"/>
-              <a:t>2025/9/22</a:t>
+              <a:t>2025/9/23</a:t>
             </a:fld>
             <a:endParaRPr kumimoji="1" lang="ja-JP" altLang="en-US"/>
           </a:p>
@@ -2947,7 +2979,7 @@
           <a:p>
             <a:fld id="{9627246E-3903-4E01-B28D-BFF5567D65C3}" type="datetimeFigureOut">
               <a:rPr kumimoji="1" lang="ja-JP" altLang="en-US" smtClean="0"/>
-              <a:t>2025/9/22</a:t>
+              <a:t>2025/9/23</a:t>
             </a:fld>
             <a:endParaRPr kumimoji="1" lang="ja-JP" altLang="en-US"/>
           </a:p>
@@ -3187,7 +3219,7 @@
           <a:p>
             <a:fld id="{9627246E-3903-4E01-B28D-BFF5567D65C3}" type="datetimeFigureOut">
               <a:rPr kumimoji="1" lang="ja-JP" altLang="en-US" smtClean="0"/>
-              <a:t>2025/9/22</a:t>
+              <a:t>2025/9/23</a:t>
             </a:fld>
             <a:endParaRPr kumimoji="1" lang="ja-JP" altLang="en-US"/>
           </a:p>
@@ -3417,7 +3449,7 @@
           <a:p>
             <a:fld id="{9627246E-3903-4E01-B28D-BFF5567D65C3}" type="datetimeFigureOut">
               <a:rPr kumimoji="1" lang="ja-JP" altLang="en-US" smtClean="0"/>
-              <a:t>2025/9/22</a:t>
+              <a:t>2025/9/23</a:t>
             </a:fld>
             <a:endParaRPr kumimoji="1" lang="ja-JP" altLang="en-US"/>
           </a:p>
@@ -3692,7 +3724,7 @@
           <a:p>
             <a:fld id="{9627246E-3903-4E01-B28D-BFF5567D65C3}" type="datetimeFigureOut">
               <a:rPr kumimoji="1" lang="ja-JP" altLang="en-US" smtClean="0"/>
-              <a:t>2025/9/22</a:t>
+              <a:t>2025/9/23</a:t>
             </a:fld>
             <a:endParaRPr kumimoji="1" lang="ja-JP" altLang="en-US"/>
           </a:p>
@@ -4021,7 +4053,7 @@
           <a:p>
             <a:fld id="{9627246E-3903-4E01-B28D-BFF5567D65C3}" type="datetimeFigureOut">
               <a:rPr kumimoji="1" lang="ja-JP" altLang="en-US" smtClean="0"/>
-              <a:t>2025/9/22</a:t>
+              <a:t>2025/9/23</a:t>
             </a:fld>
             <a:endParaRPr kumimoji="1" lang="ja-JP" altLang="en-US"/>
           </a:p>
@@ -4497,7 +4529,7 @@
           <a:p>
             <a:fld id="{9627246E-3903-4E01-B28D-BFF5567D65C3}" type="datetimeFigureOut">
               <a:rPr kumimoji="1" lang="ja-JP" altLang="en-US" smtClean="0"/>
-              <a:t>2025/9/22</a:t>
+              <a:t>2025/9/23</a:t>
             </a:fld>
             <a:endParaRPr kumimoji="1" lang="ja-JP" altLang="en-US"/>
           </a:p>
@@ -4638,7 +4670,7 @@
           <a:p>
             <a:fld id="{9627246E-3903-4E01-B28D-BFF5567D65C3}" type="datetimeFigureOut">
               <a:rPr kumimoji="1" lang="ja-JP" altLang="en-US" smtClean="0"/>
-              <a:t>2025/9/22</a:t>
+              <a:t>2025/9/23</a:t>
             </a:fld>
             <a:endParaRPr kumimoji="1" lang="ja-JP" altLang="en-US"/>
           </a:p>
@@ -4751,7 +4783,7 @@
           <a:p>
             <a:fld id="{9627246E-3903-4E01-B28D-BFF5567D65C3}" type="datetimeFigureOut">
               <a:rPr kumimoji="1" lang="ja-JP" altLang="en-US" smtClean="0"/>
-              <a:t>2025/9/22</a:t>
+              <a:t>2025/9/23</a:t>
             </a:fld>
             <a:endParaRPr kumimoji="1" lang="ja-JP" altLang="en-US"/>
           </a:p>
@@ -5094,7 +5126,7 @@
           <a:p>
             <a:fld id="{9627246E-3903-4E01-B28D-BFF5567D65C3}" type="datetimeFigureOut">
               <a:rPr kumimoji="1" lang="ja-JP" altLang="en-US" smtClean="0"/>
-              <a:t>2025/9/22</a:t>
+              <a:t>2025/9/23</a:t>
             </a:fld>
             <a:endParaRPr kumimoji="1" lang="ja-JP" altLang="en-US"/>
           </a:p>
@@ -5382,7 +5414,7 @@
           <a:p>
             <a:fld id="{9627246E-3903-4E01-B28D-BFF5567D65C3}" type="datetimeFigureOut">
               <a:rPr kumimoji="1" lang="ja-JP" altLang="en-US" smtClean="0"/>
-              <a:t>2025/9/22</a:t>
+              <a:t>2025/9/23</a:t>
             </a:fld>
             <a:endParaRPr kumimoji="1" lang="ja-JP" altLang="en-US"/>
           </a:p>
@@ -5655,7 +5687,7 @@
           <a:p>
             <a:fld id="{9627246E-3903-4E01-B28D-BFF5567D65C3}" type="datetimeFigureOut">
               <a:rPr kumimoji="1" lang="ja-JP" altLang="en-US" smtClean="0"/>
-              <a:t>2025/9/22</a:t>
+              <a:t>2025/9/23</a:t>
             </a:fld>
             <a:endParaRPr kumimoji="1" lang="ja-JP" altLang="en-US"/>
           </a:p>
@@ -17781,19 +17813,15 @@
             </a:r>
             <a:r>
               <a:rPr lang="ja-JP" altLang="en-US" dirty="0"/>
-              <a:t>は、ここの</a:t>
+              <a:t>は、下記領域の責務・</a:t>
             </a:r>
             <a:endParaRPr lang="en-US" altLang="ja-JP" dirty="0"/>
           </a:p>
           <a:p>
             <a:pPr algn="ctr"/>
             <a:r>
-              <a:rPr lang="en-US" altLang="ja-JP" dirty="0"/>
-              <a:t>I/F</a:t>
-            </a:r>
-            <a:r>
               <a:rPr lang="ja-JP" altLang="en-US" dirty="0"/>
-              <a:t>や責務、通信仕様、開発ツールなどを含んでいます。</a:t>
+              <a:t>プロトコル仕様・開発ツールなどを含んでいます。</a:t>
             </a:r>
             <a:endParaRPr kumimoji="1" lang="ja-JP" altLang="en-US" dirty="0"/>
           </a:p>
@@ -18235,6 +18263,217 @@
           </a:fontRef>
         </p:style>
       </p:cxnSp>
+      <p:sp>
+        <p:nvSpPr>
+          <p:cNvPr id="8" name="コンテンツ プレースホルダー 11">
+            <a:extLst>
+              <a:ext uri="{FF2B5EF4-FFF2-40B4-BE49-F238E27FC236}">
+                <a16:creationId xmlns:a16="http://schemas.microsoft.com/office/drawing/2014/main" id="{F0B18779-1321-ADDA-A880-D69EAF844C55}"/>
+              </a:ext>
+            </a:extLst>
+          </p:cNvPr>
+          <p:cNvSpPr txBox="1">
+            <a:spLocks/>
+          </p:cNvSpPr>
+          <p:nvPr/>
+        </p:nvSpPr>
+        <p:spPr>
+          <a:xfrm>
+            <a:off x="6376778" y="5449698"/>
+            <a:ext cx="1660664" cy="271804"/>
+          </a:xfrm>
+          <a:prstGeom prst="rect">
+            <a:avLst/>
+          </a:prstGeom>
+        </p:spPr>
+        <p:txBody>
+          <a:bodyPr vert="horz" lIns="91440" tIns="45720" rIns="91440" bIns="45720" rtlCol="0">
+            <a:normAutofit fontScale="77500" lnSpcReduction="20000"/>
+          </a:bodyPr>
+          <a:lstStyle>
+            <a:lvl1pPr marL="228600" indent="-228600" algn="l" defTabSz="914400" rtl="0" eaLnBrk="1" latinLnBrk="0" hangingPunct="1">
+              <a:lnSpc>
+                <a:spcPct val="90000"/>
+              </a:lnSpc>
+              <a:spcBef>
+                <a:spcPts val="1000"/>
+              </a:spcBef>
+              <a:buFont typeface="Arial" panose="020B0604020202020204" pitchFamily="34" charset="0"/>
+              <a:buChar char="•"/>
+              <a:defRPr kumimoji="1" sz="2800" kern="1200">
+                <a:solidFill>
+                  <a:schemeClr val="tx1"/>
+                </a:solidFill>
+                <a:latin typeface="+mn-lt"/>
+                <a:ea typeface="+mn-ea"/>
+                <a:cs typeface="+mn-cs"/>
+              </a:defRPr>
+            </a:lvl1pPr>
+            <a:lvl2pPr marL="685800" indent="-228600" algn="l" defTabSz="914400" rtl="0" eaLnBrk="1" latinLnBrk="0" hangingPunct="1">
+              <a:lnSpc>
+                <a:spcPct val="90000"/>
+              </a:lnSpc>
+              <a:spcBef>
+                <a:spcPts val="500"/>
+              </a:spcBef>
+              <a:buFont typeface="Arial" panose="020B0604020202020204" pitchFamily="34" charset="0"/>
+              <a:buChar char="•"/>
+              <a:defRPr kumimoji="1" sz="2400" kern="1200">
+                <a:solidFill>
+                  <a:schemeClr val="tx1"/>
+                </a:solidFill>
+                <a:latin typeface="+mn-lt"/>
+                <a:ea typeface="+mn-ea"/>
+                <a:cs typeface="+mn-cs"/>
+              </a:defRPr>
+            </a:lvl2pPr>
+            <a:lvl3pPr marL="1143000" indent="-228600" algn="l" defTabSz="914400" rtl="0" eaLnBrk="1" latinLnBrk="0" hangingPunct="1">
+              <a:lnSpc>
+                <a:spcPct val="90000"/>
+              </a:lnSpc>
+              <a:spcBef>
+                <a:spcPts val="500"/>
+              </a:spcBef>
+              <a:buFont typeface="Arial" panose="020B0604020202020204" pitchFamily="34" charset="0"/>
+              <a:buChar char="•"/>
+              <a:defRPr kumimoji="1" sz="2000" kern="1200">
+                <a:solidFill>
+                  <a:schemeClr val="tx1"/>
+                </a:solidFill>
+                <a:latin typeface="+mn-lt"/>
+                <a:ea typeface="+mn-ea"/>
+                <a:cs typeface="+mn-cs"/>
+              </a:defRPr>
+            </a:lvl3pPr>
+            <a:lvl4pPr marL="1600200" indent="-228600" algn="l" defTabSz="914400" rtl="0" eaLnBrk="1" latinLnBrk="0" hangingPunct="1">
+              <a:lnSpc>
+                <a:spcPct val="90000"/>
+              </a:lnSpc>
+              <a:spcBef>
+                <a:spcPts val="500"/>
+              </a:spcBef>
+              <a:buFont typeface="Arial" panose="020B0604020202020204" pitchFamily="34" charset="0"/>
+              <a:buChar char="•"/>
+              <a:defRPr kumimoji="1" sz="1800" kern="1200">
+                <a:solidFill>
+                  <a:schemeClr val="tx1"/>
+                </a:solidFill>
+                <a:latin typeface="+mn-lt"/>
+                <a:ea typeface="+mn-ea"/>
+                <a:cs typeface="+mn-cs"/>
+              </a:defRPr>
+            </a:lvl4pPr>
+            <a:lvl5pPr marL="2057400" indent="-228600" algn="l" defTabSz="914400" rtl="0" eaLnBrk="1" latinLnBrk="0" hangingPunct="1">
+              <a:lnSpc>
+                <a:spcPct val="90000"/>
+              </a:lnSpc>
+              <a:spcBef>
+                <a:spcPts val="500"/>
+              </a:spcBef>
+              <a:buFont typeface="Arial" panose="020B0604020202020204" pitchFamily="34" charset="0"/>
+              <a:buChar char="•"/>
+              <a:defRPr kumimoji="1" sz="1800" kern="1200">
+                <a:solidFill>
+                  <a:schemeClr val="tx1"/>
+                </a:solidFill>
+                <a:latin typeface="+mn-lt"/>
+                <a:ea typeface="+mn-ea"/>
+                <a:cs typeface="+mn-cs"/>
+              </a:defRPr>
+            </a:lvl5pPr>
+            <a:lvl6pPr marL="2514600" indent="-228600" algn="l" defTabSz="914400" rtl="0" eaLnBrk="1" latinLnBrk="0" hangingPunct="1">
+              <a:lnSpc>
+                <a:spcPct val="90000"/>
+              </a:lnSpc>
+              <a:spcBef>
+                <a:spcPts val="500"/>
+              </a:spcBef>
+              <a:buFont typeface="Arial" panose="020B0604020202020204" pitchFamily="34" charset="0"/>
+              <a:buChar char="•"/>
+              <a:defRPr kumimoji="1" sz="1800" kern="1200">
+                <a:solidFill>
+                  <a:schemeClr val="tx1"/>
+                </a:solidFill>
+                <a:latin typeface="+mn-lt"/>
+                <a:ea typeface="+mn-ea"/>
+                <a:cs typeface="+mn-cs"/>
+              </a:defRPr>
+            </a:lvl6pPr>
+            <a:lvl7pPr marL="2971800" indent="-228600" algn="l" defTabSz="914400" rtl="0" eaLnBrk="1" latinLnBrk="0" hangingPunct="1">
+              <a:lnSpc>
+                <a:spcPct val="90000"/>
+              </a:lnSpc>
+              <a:spcBef>
+                <a:spcPts val="500"/>
+              </a:spcBef>
+              <a:buFont typeface="Arial" panose="020B0604020202020204" pitchFamily="34" charset="0"/>
+              <a:buChar char="•"/>
+              <a:defRPr kumimoji="1" sz="1800" kern="1200">
+                <a:solidFill>
+                  <a:schemeClr val="tx1"/>
+                </a:solidFill>
+                <a:latin typeface="+mn-lt"/>
+                <a:ea typeface="+mn-ea"/>
+                <a:cs typeface="+mn-cs"/>
+              </a:defRPr>
+            </a:lvl7pPr>
+            <a:lvl8pPr marL="3429000" indent="-228600" algn="l" defTabSz="914400" rtl="0" eaLnBrk="1" latinLnBrk="0" hangingPunct="1">
+              <a:lnSpc>
+                <a:spcPct val="90000"/>
+              </a:lnSpc>
+              <a:spcBef>
+                <a:spcPts val="500"/>
+              </a:spcBef>
+              <a:buFont typeface="Arial" panose="020B0604020202020204" pitchFamily="34" charset="0"/>
+              <a:buChar char="•"/>
+              <a:defRPr kumimoji="1" sz="1800" kern="1200">
+                <a:solidFill>
+                  <a:schemeClr val="tx1"/>
+                </a:solidFill>
+                <a:latin typeface="+mn-lt"/>
+                <a:ea typeface="+mn-ea"/>
+                <a:cs typeface="+mn-cs"/>
+              </a:defRPr>
+            </a:lvl8pPr>
+            <a:lvl9pPr marL="3886200" indent="-228600" algn="l" defTabSz="914400" rtl="0" eaLnBrk="1" latinLnBrk="0" hangingPunct="1">
+              <a:lnSpc>
+                <a:spcPct val="90000"/>
+              </a:lnSpc>
+              <a:spcBef>
+                <a:spcPts val="500"/>
+              </a:spcBef>
+              <a:buFont typeface="Arial" panose="020B0604020202020204" pitchFamily="34" charset="0"/>
+              <a:buChar char="•"/>
+              <a:defRPr kumimoji="1" sz="1800" kern="1200">
+                <a:solidFill>
+                  <a:schemeClr val="tx1"/>
+                </a:solidFill>
+                <a:latin typeface="+mn-lt"/>
+                <a:ea typeface="+mn-ea"/>
+                <a:cs typeface="+mn-cs"/>
+              </a:defRPr>
+            </a:lvl9pPr>
+          </a:lstStyle>
+          <a:p>
+            <a:pPr algn="ctr">
+              <a:buFontTx/>
+              <a:buChar char="-"/>
+            </a:pPr>
+            <a:r>
+              <a:rPr lang="ja-JP" altLang="en-US" sz="1200" dirty="0"/>
+              <a:t>なにがしかの機能実行</a:t>
+            </a:r>
+            <a:endParaRPr lang="en-US" altLang="ja-JP" sz="1200" dirty="0"/>
+          </a:p>
+          <a:p>
+            <a:pPr algn="ctr">
+              <a:buFontTx/>
+              <a:buChar char="-"/>
+            </a:pPr>
+            <a:endParaRPr lang="en-US" altLang="ja-JP" sz="1200" dirty="0"/>
+          </a:p>
+        </p:txBody>
+      </p:sp>
     </p:spTree>
     <p:extLst>
       <p:ext uri="{BB962C8B-B14F-4D97-AF65-F5344CB8AC3E}">
@@ -22342,12 +22581,15 @@
         </p:nvCxnSpPr>
         <p:spPr>
           <a:xfrm flipH="1">
-            <a:off x="1802295" y="4024638"/>
-            <a:ext cx="2971716" cy="907846"/>
+            <a:off x="3031435" y="4254853"/>
+            <a:ext cx="500420" cy="282302"/>
           </a:xfrm>
           <a:prstGeom prst="line">
             <a:avLst/>
           </a:prstGeom>
+          <a:ln>
+            <a:prstDash val="dash"/>
+          </a:ln>
         </p:spPr>
         <p:style>
           <a:lnRef idx="2">
@@ -23372,6 +23614,88 @@
           </a:p>
         </p:txBody>
       </p:sp>
+      <p:cxnSp>
+        <p:nvCxnSpPr>
+          <p:cNvPr id="22" name="直線コネクタ 21">
+            <a:extLst>
+              <a:ext uri="{FF2B5EF4-FFF2-40B4-BE49-F238E27FC236}">
+                <a16:creationId xmlns:a16="http://schemas.microsoft.com/office/drawing/2014/main" id="{47782C65-7EC7-F6D2-7D77-81FCA6256230}"/>
+              </a:ext>
+            </a:extLst>
+          </p:cNvPr>
+          <p:cNvCxnSpPr>
+            <a:cxnSpLocks/>
+          </p:cNvCxnSpPr>
+          <p:nvPr/>
+        </p:nvCxnSpPr>
+        <p:spPr>
+          <a:xfrm flipH="1">
+            <a:off x="3905253" y="4418548"/>
+            <a:ext cx="169749" cy="555384"/>
+          </a:xfrm>
+          <a:prstGeom prst="line">
+            <a:avLst/>
+          </a:prstGeom>
+          <a:ln>
+            <a:prstDash val="dash"/>
+          </a:ln>
+        </p:spPr>
+        <p:style>
+          <a:lnRef idx="2">
+            <a:schemeClr val="accent6"/>
+          </a:lnRef>
+          <a:fillRef idx="0">
+            <a:schemeClr val="accent6"/>
+          </a:fillRef>
+          <a:effectRef idx="1">
+            <a:schemeClr val="accent6"/>
+          </a:effectRef>
+          <a:fontRef idx="minor">
+            <a:schemeClr val="tx1"/>
+          </a:fontRef>
+        </p:style>
+      </p:cxnSp>
+      <p:cxnSp>
+        <p:nvCxnSpPr>
+          <p:cNvPr id="26" name="直線コネクタ 25">
+            <a:extLst>
+              <a:ext uri="{FF2B5EF4-FFF2-40B4-BE49-F238E27FC236}">
+                <a16:creationId xmlns:a16="http://schemas.microsoft.com/office/drawing/2014/main" id="{35430383-3C78-61B1-D569-530E7D66AA27}"/>
+              </a:ext>
+            </a:extLst>
+          </p:cNvPr>
+          <p:cNvCxnSpPr>
+            <a:cxnSpLocks/>
+          </p:cNvCxnSpPr>
+          <p:nvPr/>
+        </p:nvCxnSpPr>
+        <p:spPr>
+          <a:xfrm>
+            <a:off x="4740507" y="4456619"/>
+            <a:ext cx="597985" cy="314492"/>
+          </a:xfrm>
+          <a:prstGeom prst="line">
+            <a:avLst/>
+          </a:prstGeom>
+          <a:ln>
+            <a:prstDash val="dash"/>
+          </a:ln>
+        </p:spPr>
+        <p:style>
+          <a:lnRef idx="2">
+            <a:schemeClr val="accent6"/>
+          </a:lnRef>
+          <a:fillRef idx="0">
+            <a:schemeClr val="accent6"/>
+          </a:fillRef>
+          <a:effectRef idx="1">
+            <a:schemeClr val="accent6"/>
+          </a:effectRef>
+          <a:fontRef idx="minor">
+            <a:schemeClr val="tx1"/>
+          </a:fontRef>
+        </p:style>
+      </p:cxnSp>
     </p:spTree>
     <p:extLst>
       <p:ext uri="{BB962C8B-B14F-4D97-AF65-F5344CB8AC3E}">
